--- a/Android10/5_3_2_Third_Party_App_Investigation _textnow.pptx
+++ b/Android10/5_3_2_Third_Party_App_Investigation _textnow.pptx
@@ -5,25 +5,30 @@
     <p:sldMasterId id="2147483648" r:id="rId1"/>
   </p:sldMasterIdLst>
   <p:notesMasterIdLst>
-    <p:notesMasterId r:id="rId18"/>
+    <p:notesMasterId r:id="rId23"/>
   </p:notesMasterIdLst>
   <p:sldIdLst>
     <p:sldId id="256" r:id="rId2"/>
-    <p:sldId id="439" r:id="rId3"/>
-    <p:sldId id="435" r:id="rId4"/>
-    <p:sldId id="413" r:id="rId5"/>
-    <p:sldId id="436" r:id="rId6"/>
-    <p:sldId id="437" r:id="rId7"/>
+    <p:sldId id="435" r:id="rId3"/>
+    <p:sldId id="413" r:id="rId4"/>
+    <p:sldId id="436" r:id="rId5"/>
+    <p:sldId id="437" r:id="rId6"/>
+    <p:sldId id="441" r:id="rId7"/>
     <p:sldId id="431" r:id="rId8"/>
-    <p:sldId id="389" r:id="rId9"/>
-    <p:sldId id="384" r:id="rId10"/>
-    <p:sldId id="438" r:id="rId11"/>
-    <p:sldId id="420" r:id="rId12"/>
-    <p:sldId id="417" r:id="rId13"/>
-    <p:sldId id="418" r:id="rId14"/>
-    <p:sldId id="440" r:id="rId15"/>
-    <p:sldId id="390" r:id="rId16"/>
-    <p:sldId id="391" r:id="rId17"/>
+    <p:sldId id="443" r:id="rId9"/>
+    <p:sldId id="389" r:id="rId10"/>
+    <p:sldId id="384" r:id="rId11"/>
+    <p:sldId id="444" r:id="rId12"/>
+    <p:sldId id="442" r:id="rId13"/>
+    <p:sldId id="445" r:id="rId14"/>
+    <p:sldId id="446" r:id="rId15"/>
+    <p:sldId id="438" r:id="rId16"/>
+    <p:sldId id="420" r:id="rId17"/>
+    <p:sldId id="417" r:id="rId18"/>
+    <p:sldId id="418" r:id="rId19"/>
+    <p:sldId id="440" r:id="rId20"/>
+    <p:sldId id="390" r:id="rId21"/>
+    <p:sldId id="391" r:id="rId22"/>
   </p:sldIdLst>
   <p:sldSz cx="12192000" cy="6858000"/>
   <p:notesSz cx="6858000" cy="9144000"/>
@@ -133,7 +138,7 @@
 <file path=ppt/revisionInfo.xml><?xml version="1.0" encoding="utf-8"?>
 <p1510:revInfo xmlns:a="http://schemas.openxmlformats.org/drawingml/2006/main" xmlns:r="http://schemas.openxmlformats.org/officeDocument/2006/relationships" xmlns:p1510="http://schemas.microsoft.com/office/powerpoint/2015/10/main">
   <p1510:revLst>
-    <p1510:client id="{EE5F4A51-15BC-4E84-BB3C-F430B369F791}" v="13" dt="2021-08-25T18:51:43.869"/>
+    <p1510:client id="{EE5F4A51-15BC-4E84-BB3C-F430B369F791}" v="18" dt="2025-04-06T23:12:21.316"/>
   </p1510:revLst>
 </p1510:revInfo>
 </file>
@@ -1027,8 +1032,8 @@
   </pc:docChgLst>
   <pc:docChgLst>
     <pc:chgData name="Weifeng Xu" userId="e7aed605-a3dd-4d5a-a692-a87037af107b" providerId="ADAL" clId="{EE5F4A51-15BC-4E84-BB3C-F430B369F791}"/>
-    <pc:docChg chg="undo custSel addSld delSld modSld sldOrd">
-      <pc:chgData name="Weifeng Xu" userId="e7aed605-a3dd-4d5a-a692-a87037af107b" providerId="ADAL" clId="{EE5F4A51-15BC-4E84-BB3C-F430B369F791}" dt="2025-01-01T18:07:08.653" v="629" actId="20577"/>
+    <pc:docChg chg="undo redo custSel addSld delSld modSld sldOrd">
+      <pc:chgData name="Weifeng Xu" userId="e7aed605-a3dd-4d5a-a692-a87037af107b" providerId="ADAL" clId="{EE5F4A51-15BC-4E84-BB3C-F430B369F791}" dt="2025-04-06T23:25:54.781" v="1313" actId="207"/>
       <pc:docMkLst>
         <pc:docMk/>
       </pc:docMkLst>
@@ -1151,6 +1156,21 @@
           <pc:sldMk cId="4047841888" sldId="389"/>
         </pc:sldMkLst>
       </pc:sldChg>
+      <pc:sldChg chg="modSp mod">
+        <pc:chgData name="Weifeng Xu" userId="e7aed605-a3dd-4d5a-a692-a87037af107b" providerId="ADAL" clId="{EE5F4A51-15BC-4E84-BB3C-F430B369F791}" dt="2025-04-06T23:25:54.781" v="1313" actId="207"/>
+        <pc:sldMkLst>
+          <pc:docMk/>
+          <pc:sldMk cId="2885670956" sldId="391"/>
+        </pc:sldMkLst>
+        <pc:spChg chg="mod">
+          <ac:chgData name="Weifeng Xu" userId="e7aed605-a3dd-4d5a-a692-a87037af107b" providerId="ADAL" clId="{EE5F4A51-15BC-4E84-BB3C-F430B369F791}" dt="2025-04-06T23:25:54.781" v="1313" actId="207"/>
+          <ac:spMkLst>
+            <pc:docMk/>
+            <pc:sldMk cId="2885670956" sldId="391"/>
+            <ac:spMk id="3" creationId="{1413535C-7F3C-4AED-A1F8-FDF7C5822B56}"/>
+          </ac:spMkLst>
+        </pc:spChg>
+      </pc:sldChg>
       <pc:sldChg chg="del">
         <pc:chgData name="Weifeng Xu" userId="e7aed605-a3dd-4d5a-a692-a87037af107b" providerId="ADAL" clId="{EE5F4A51-15BC-4E84-BB3C-F430B369F791}" dt="2021-08-09T02:00:49.889" v="1" actId="47"/>
         <pc:sldMkLst>
@@ -1243,13 +1263,21 @@
         </pc:sldMkLst>
       </pc:sldChg>
       <pc:sldChg chg="modSp mod">
-        <pc:chgData name="Weifeng Xu" userId="e7aed605-a3dd-4d5a-a692-a87037af107b" providerId="ADAL" clId="{EE5F4A51-15BC-4E84-BB3C-F430B369F791}" dt="2025-01-01T18:07:08.653" v="629" actId="20577"/>
+        <pc:chgData name="Weifeng Xu" userId="e7aed605-a3dd-4d5a-a692-a87037af107b" providerId="ADAL" clId="{EE5F4A51-15BC-4E84-BB3C-F430B369F791}" dt="2025-04-06T23:15:58.308" v="1119" actId="20577"/>
         <pc:sldMkLst>
           <pc:docMk/>
           <pc:sldMk cId="2411303168" sldId="413"/>
         </pc:sldMkLst>
         <pc:spChg chg="mod">
-          <ac:chgData name="Weifeng Xu" userId="e7aed605-a3dd-4d5a-a692-a87037af107b" providerId="ADAL" clId="{EE5F4A51-15BC-4E84-BB3C-F430B369F791}" dt="2025-01-01T18:07:08.653" v="629" actId="20577"/>
+          <ac:chgData name="Weifeng Xu" userId="e7aed605-a3dd-4d5a-a692-a87037af107b" providerId="ADAL" clId="{EE5F4A51-15BC-4E84-BB3C-F430B369F791}" dt="2025-04-06T23:15:58.308" v="1119" actId="20577"/>
+          <ac:spMkLst>
+            <pc:docMk/>
+            <pc:sldMk cId="2411303168" sldId="413"/>
+            <ac:spMk id="2" creationId="{04D397DA-51F0-4AD8-83CB-DE0EA00B0D53}"/>
+          </ac:spMkLst>
+        </pc:spChg>
+        <pc:spChg chg="mod">
+          <ac:chgData name="Weifeng Xu" userId="e7aed605-a3dd-4d5a-a692-a87037af107b" providerId="ADAL" clId="{EE5F4A51-15BC-4E84-BB3C-F430B369F791}" dt="2025-04-06T21:11:33.054" v="980" actId="14"/>
           <ac:spMkLst>
             <pc:docMk/>
             <pc:sldMk cId="2411303168" sldId="413"/>
@@ -1279,25 +1307,129 @@
         </pc:sldMkLst>
       </pc:sldChg>
       <pc:sldChg chg="addSp delSp modSp mod">
-        <pc:chgData name="Weifeng Xu" userId="e7aed605-a3dd-4d5a-a692-a87037af107b" providerId="ADAL" clId="{EE5F4A51-15BC-4E84-BB3C-F430B369F791}" dt="2021-08-25T15:30:48.499" v="305" actId="1076"/>
+        <pc:chgData name="Weifeng Xu" userId="e7aed605-a3dd-4d5a-a692-a87037af107b" providerId="ADAL" clId="{EE5F4A51-15BC-4E84-BB3C-F430B369F791}" dt="2025-04-06T23:19:17.468" v="1137" actId="20577"/>
         <pc:sldMkLst>
           <pc:docMk/>
           <pc:sldMk cId="179776723" sldId="417"/>
         </pc:sldMkLst>
+        <pc:spChg chg="mod">
+          <ac:chgData name="Weifeng Xu" userId="e7aed605-a3dd-4d5a-a692-a87037af107b" providerId="ADAL" clId="{EE5F4A51-15BC-4E84-BB3C-F430B369F791}" dt="2025-04-06T23:19:17.468" v="1137" actId="20577"/>
+          <ac:spMkLst>
+            <pc:docMk/>
+            <pc:sldMk cId="179776723" sldId="417"/>
+            <ac:spMk id="2" creationId="{84451426-0088-469F-8F61-C71584921934}"/>
+          </ac:spMkLst>
+        </pc:spChg>
       </pc:sldChg>
       <pc:sldChg chg="addSp delSp modSp mod modClrScheme chgLayout">
-        <pc:chgData name="Weifeng Xu" userId="e7aed605-a3dd-4d5a-a692-a87037af107b" providerId="ADAL" clId="{EE5F4A51-15BC-4E84-BB3C-F430B369F791}" dt="2021-08-25T18:56:01.624" v="625" actId="1076"/>
+        <pc:chgData name="Weifeng Xu" userId="e7aed605-a3dd-4d5a-a692-a87037af107b" providerId="ADAL" clId="{EE5F4A51-15BC-4E84-BB3C-F430B369F791}" dt="2025-04-06T23:22:02.909" v="1216" actId="20577"/>
         <pc:sldMkLst>
           <pc:docMk/>
           <pc:sldMk cId="3958321751" sldId="418"/>
         </pc:sldMkLst>
+        <pc:spChg chg="add mod ord">
+          <ac:chgData name="Weifeng Xu" userId="e7aed605-a3dd-4d5a-a692-a87037af107b" providerId="ADAL" clId="{EE5F4A51-15BC-4E84-BB3C-F430B369F791}" dt="2025-04-06T23:22:02.909" v="1216" actId="20577"/>
+          <ac:spMkLst>
+            <pc:docMk/>
+            <pc:sldMk cId="3958321751" sldId="418"/>
+            <ac:spMk id="2" creationId="{F397CCA6-793C-5DCF-9474-4A90B62C6A12}"/>
+          </ac:spMkLst>
+        </pc:spChg>
+        <pc:spChg chg="del">
+          <ac:chgData name="Weifeng Xu" userId="e7aed605-a3dd-4d5a-a692-a87037af107b" providerId="ADAL" clId="{EE5F4A51-15BC-4E84-BB3C-F430B369F791}" dt="2025-04-06T23:21:41.526" v="1189" actId="478"/>
+          <ac:spMkLst>
+            <pc:docMk/>
+            <pc:sldMk cId="3958321751" sldId="418"/>
+            <ac:spMk id="25" creationId="{08FB1ADC-A4F3-4AD1-9ECD-9EF031FF48D6}"/>
+          </ac:spMkLst>
+        </pc:spChg>
       </pc:sldChg>
       <pc:sldChg chg="addSp delSp modSp mod modClrScheme chgLayout">
-        <pc:chgData name="Weifeng Xu" userId="e7aed605-a3dd-4d5a-a692-a87037af107b" providerId="ADAL" clId="{EE5F4A51-15BC-4E84-BB3C-F430B369F791}" dt="2021-08-25T15:29:58.983" v="284" actId="14100"/>
+        <pc:chgData name="Weifeng Xu" userId="e7aed605-a3dd-4d5a-a692-a87037af107b" providerId="ADAL" clId="{EE5F4A51-15BC-4E84-BB3C-F430B369F791}" dt="2025-04-06T23:21:27.933" v="1188" actId="20577"/>
         <pc:sldMkLst>
           <pc:docMk/>
           <pc:sldMk cId="3115273674" sldId="420"/>
         </pc:sldMkLst>
+        <pc:spChg chg="add mod ord">
+          <ac:chgData name="Weifeng Xu" userId="e7aed605-a3dd-4d5a-a692-a87037af107b" providerId="ADAL" clId="{EE5F4A51-15BC-4E84-BB3C-F430B369F791}" dt="2025-04-06T23:21:27.933" v="1188" actId="20577"/>
+          <ac:spMkLst>
+            <pc:docMk/>
+            <pc:sldMk cId="3115273674" sldId="420"/>
+            <ac:spMk id="2" creationId="{6E1EAF6D-8A26-6522-58CD-3DFB1D435B30}"/>
+          </ac:spMkLst>
+        </pc:spChg>
+        <pc:spChg chg="mod">
+          <ac:chgData name="Weifeng Xu" userId="e7aed605-a3dd-4d5a-a692-a87037af107b" providerId="ADAL" clId="{EE5F4A51-15BC-4E84-BB3C-F430B369F791}" dt="2025-04-06T23:21:20.400" v="1169" actId="1076"/>
+          <ac:spMkLst>
+            <pc:docMk/>
+            <pc:sldMk cId="3115273674" sldId="420"/>
+            <ac:spMk id="5" creationId="{78181843-02D0-4193-AF62-9369246A4597}"/>
+          </ac:spMkLst>
+        </pc:spChg>
+        <pc:spChg chg="mod">
+          <ac:chgData name="Weifeng Xu" userId="e7aed605-a3dd-4d5a-a692-a87037af107b" providerId="ADAL" clId="{EE5F4A51-15BC-4E84-BB3C-F430B369F791}" dt="2025-04-06T23:21:20.400" v="1169" actId="1076"/>
+          <ac:spMkLst>
+            <pc:docMk/>
+            <pc:sldMk cId="3115273674" sldId="420"/>
+            <ac:spMk id="8" creationId="{03223FBF-7E7F-478B-A6C8-31EBFF148FD9}"/>
+          </ac:spMkLst>
+        </pc:spChg>
+        <pc:spChg chg="mod">
+          <ac:chgData name="Weifeng Xu" userId="e7aed605-a3dd-4d5a-a692-a87037af107b" providerId="ADAL" clId="{EE5F4A51-15BC-4E84-BB3C-F430B369F791}" dt="2025-04-06T23:21:20.400" v="1169" actId="1076"/>
+          <ac:spMkLst>
+            <pc:docMk/>
+            <pc:sldMk cId="3115273674" sldId="420"/>
+            <ac:spMk id="10" creationId="{70EA1B1A-EA63-416A-B387-22328144C8F7}"/>
+          </ac:spMkLst>
+        </pc:spChg>
+        <pc:spChg chg="del">
+          <ac:chgData name="Weifeng Xu" userId="e7aed605-a3dd-4d5a-a692-a87037af107b" providerId="ADAL" clId="{EE5F4A51-15BC-4E84-BB3C-F430B369F791}" dt="2025-04-06T23:21:08.317" v="1167" actId="478"/>
+          <ac:spMkLst>
+            <pc:docMk/>
+            <pc:sldMk cId="3115273674" sldId="420"/>
+            <ac:spMk id="12" creationId="{ECDA0B92-7205-4820-A2E2-01B8AF307B23}"/>
+          </ac:spMkLst>
+        </pc:spChg>
+        <pc:spChg chg="mod">
+          <ac:chgData name="Weifeng Xu" userId="e7aed605-a3dd-4d5a-a692-a87037af107b" providerId="ADAL" clId="{EE5F4A51-15BC-4E84-BB3C-F430B369F791}" dt="2025-04-06T23:21:20.400" v="1169" actId="1076"/>
+          <ac:spMkLst>
+            <pc:docMk/>
+            <pc:sldMk cId="3115273674" sldId="420"/>
+            <ac:spMk id="16" creationId="{1E6C4C9D-DDBE-4047-B5C3-2ECA9A0F226C}"/>
+          </ac:spMkLst>
+        </pc:spChg>
+        <pc:spChg chg="mod">
+          <ac:chgData name="Weifeng Xu" userId="e7aed605-a3dd-4d5a-a692-a87037af107b" providerId="ADAL" clId="{EE5F4A51-15BC-4E84-BB3C-F430B369F791}" dt="2025-04-06T23:21:20.400" v="1169" actId="1076"/>
+          <ac:spMkLst>
+            <pc:docMk/>
+            <pc:sldMk cId="3115273674" sldId="420"/>
+            <ac:spMk id="17" creationId="{EFF4926F-646D-4F0F-A357-E3B5F2F13FDA}"/>
+          </ac:spMkLst>
+        </pc:spChg>
+        <pc:picChg chg="mod">
+          <ac:chgData name="Weifeng Xu" userId="e7aed605-a3dd-4d5a-a692-a87037af107b" providerId="ADAL" clId="{EE5F4A51-15BC-4E84-BB3C-F430B369F791}" dt="2025-04-06T23:21:20.400" v="1169" actId="1076"/>
+          <ac:picMkLst>
+            <pc:docMk/>
+            <pc:sldMk cId="3115273674" sldId="420"/>
+            <ac:picMk id="4" creationId="{2FDDEE66-92FD-4FEF-96E2-D573E1F9B28E}"/>
+          </ac:picMkLst>
+        </pc:picChg>
+        <pc:cxnChg chg="mod">
+          <ac:chgData name="Weifeng Xu" userId="e7aed605-a3dd-4d5a-a692-a87037af107b" providerId="ADAL" clId="{EE5F4A51-15BC-4E84-BB3C-F430B369F791}" dt="2025-04-06T23:21:20.400" v="1169" actId="1076"/>
+          <ac:cxnSpMkLst>
+            <pc:docMk/>
+            <pc:sldMk cId="3115273674" sldId="420"/>
+            <ac:cxnSpMk id="9" creationId="{53E75989-A06A-400F-A6FA-5C08D69722E8}"/>
+          </ac:cxnSpMkLst>
+        </pc:cxnChg>
+        <pc:cxnChg chg="mod">
+          <ac:chgData name="Weifeng Xu" userId="e7aed605-a3dd-4d5a-a692-a87037af107b" providerId="ADAL" clId="{EE5F4A51-15BC-4E84-BB3C-F430B369F791}" dt="2025-04-06T23:21:20.400" v="1169" actId="1076"/>
+          <ac:cxnSpMkLst>
+            <pc:docMk/>
+            <pc:sldMk cId="3115273674" sldId="420"/>
+            <ac:cxnSpMk id="11" creationId="{8DF6CE7A-A7D8-4370-AC50-4190E7012B13}"/>
+          </ac:cxnSpMkLst>
+        </pc:cxnChg>
       </pc:sldChg>
       <pc:sldChg chg="del">
         <pc:chgData name="Weifeng Xu" userId="e7aed605-a3dd-4d5a-a692-a87037af107b" providerId="ADAL" clId="{EE5F4A51-15BC-4E84-BB3C-F430B369F791}" dt="2021-08-09T02:00:49.889" v="1" actId="47"/>
@@ -1355,6 +1487,29 @@
           <pc:sldMk cId="473647882" sldId="430"/>
         </pc:sldMkLst>
       </pc:sldChg>
+      <pc:sldChg chg="modSp mod">
+        <pc:chgData name="Weifeng Xu" userId="e7aed605-a3dd-4d5a-a692-a87037af107b" providerId="ADAL" clId="{EE5F4A51-15BC-4E84-BB3C-F430B369F791}" dt="2025-04-06T20:56:33.754" v="870" actId="20577"/>
+        <pc:sldMkLst>
+          <pc:docMk/>
+          <pc:sldMk cId="768160874" sldId="431"/>
+        </pc:sldMkLst>
+        <pc:spChg chg="mod">
+          <ac:chgData name="Weifeng Xu" userId="e7aed605-a3dd-4d5a-a692-a87037af107b" providerId="ADAL" clId="{EE5F4A51-15BC-4E84-BB3C-F430B369F791}" dt="2025-04-06T20:56:12.889" v="863"/>
+          <ac:spMkLst>
+            <pc:docMk/>
+            <pc:sldMk cId="768160874" sldId="431"/>
+            <ac:spMk id="2" creationId="{6495AB3E-0EFD-41FD-A896-A1EC3E1EA7FD}"/>
+          </ac:spMkLst>
+        </pc:spChg>
+        <pc:spChg chg="mod">
+          <ac:chgData name="Weifeng Xu" userId="e7aed605-a3dd-4d5a-a692-a87037af107b" providerId="ADAL" clId="{EE5F4A51-15BC-4E84-BB3C-F430B369F791}" dt="2025-04-06T20:56:33.754" v="870" actId="20577"/>
+          <ac:spMkLst>
+            <pc:docMk/>
+            <pc:sldMk cId="768160874" sldId="431"/>
+            <ac:spMk id="3" creationId="{2C234056-5487-48CA-940E-CA9537BC979B}"/>
+          </ac:spMkLst>
+        </pc:spChg>
+      </pc:sldChg>
       <pc:sldChg chg="del">
         <pc:chgData name="Weifeng Xu" userId="e7aed605-a3dd-4d5a-a692-a87037af107b" providerId="ADAL" clId="{EE5F4A51-15BC-4E84-BB3C-F430B369F791}" dt="2021-08-09T02:00:49.889" v="1" actId="47"/>
         <pc:sldMkLst>
@@ -1376,54 +1531,284 @@
           <pc:sldMk cId="1950342371" sldId="434"/>
         </pc:sldMkLst>
       </pc:sldChg>
+      <pc:sldChg chg="modSp mod">
+        <pc:chgData name="Weifeng Xu" userId="e7aed605-a3dd-4d5a-a692-a87037af107b" providerId="ADAL" clId="{EE5F4A51-15BC-4E84-BB3C-F430B369F791}" dt="2025-04-06T21:10:23.849" v="956"/>
+        <pc:sldMkLst>
+          <pc:docMk/>
+          <pc:sldMk cId="4201802835" sldId="435"/>
+        </pc:sldMkLst>
+        <pc:spChg chg="mod">
+          <ac:chgData name="Weifeng Xu" userId="e7aed605-a3dd-4d5a-a692-a87037af107b" providerId="ADAL" clId="{EE5F4A51-15BC-4E84-BB3C-F430B369F791}" dt="2025-04-06T21:10:23.849" v="956"/>
+          <ac:spMkLst>
+            <pc:docMk/>
+            <pc:sldMk cId="4201802835" sldId="435"/>
+            <ac:spMk id="4" creationId="{5A78CD24-4193-4C56-9C44-03D680724FE2}"/>
+          </ac:spMkLst>
+        </pc:spChg>
+      </pc:sldChg>
+      <pc:sldChg chg="addSp delSp modSp new mod ord modClrScheme chgLayout modNotesTx">
+        <pc:chgData name="Weifeng Xu" userId="e7aed605-a3dd-4d5a-a692-a87037af107b" providerId="ADAL" clId="{EE5F4A51-15BC-4E84-BB3C-F430B369F791}" dt="2025-04-06T23:24:14.452" v="1267"/>
+        <pc:sldMkLst>
+          <pc:docMk/>
+          <pc:sldMk cId="4005632882" sldId="436"/>
+        </pc:sldMkLst>
+        <pc:spChg chg="mod">
+          <ac:chgData name="Weifeng Xu" userId="e7aed605-a3dd-4d5a-a692-a87037af107b" providerId="ADAL" clId="{EE5F4A51-15BC-4E84-BB3C-F430B369F791}" dt="2025-04-06T23:16:18.438" v="1127" actId="20577"/>
+          <ac:spMkLst>
+            <pc:docMk/>
+            <pc:sldMk cId="4005632882" sldId="436"/>
+            <ac:spMk id="2" creationId="{5B8EDA5C-4A29-4FE7-A084-6C56A5770291}"/>
+          </ac:spMkLst>
+        </pc:spChg>
+        <pc:spChg chg="mod">
+          <ac:chgData name="Weifeng Xu" userId="e7aed605-a3dd-4d5a-a692-a87037af107b" providerId="ADAL" clId="{EE5F4A51-15BC-4E84-BB3C-F430B369F791}" dt="2025-04-06T19:46:22.247" v="673" actId="1037"/>
+          <ac:spMkLst>
+            <pc:docMk/>
+            <pc:sldMk cId="4005632882" sldId="436"/>
+            <ac:spMk id="8" creationId="{54D604D2-DC41-47F2-BD13-55CC277D481A}"/>
+          </ac:spMkLst>
+        </pc:spChg>
+        <pc:spChg chg="mod">
+          <ac:chgData name="Weifeng Xu" userId="e7aed605-a3dd-4d5a-a692-a87037af107b" providerId="ADAL" clId="{EE5F4A51-15BC-4E84-BB3C-F430B369F791}" dt="2025-04-06T19:46:29.358" v="702" actId="1037"/>
+          <ac:spMkLst>
+            <pc:docMk/>
+            <pc:sldMk cId="4005632882" sldId="436"/>
+            <ac:spMk id="9" creationId="{C1746310-E4A1-4C31-AF83-68D7C144E106}"/>
+          </ac:spMkLst>
+        </pc:spChg>
+        <pc:picChg chg="mod">
+          <ac:chgData name="Weifeng Xu" userId="e7aed605-a3dd-4d5a-a692-a87037af107b" providerId="ADAL" clId="{EE5F4A51-15BC-4E84-BB3C-F430B369F791}" dt="2025-04-06T19:46:12.072" v="635" actId="14100"/>
+          <ac:picMkLst>
+            <pc:docMk/>
+            <pc:sldMk cId="4005632882" sldId="436"/>
+            <ac:picMk id="5" creationId="{7CCD6987-4339-4ACC-B5E4-57F27F140073}"/>
+          </ac:picMkLst>
+        </pc:picChg>
+      </pc:sldChg>
+      <pc:sldChg chg="del">
+        <pc:chgData name="Weifeng Xu" userId="e7aed605-a3dd-4d5a-a692-a87037af107b" providerId="ADAL" clId="{EE5F4A51-15BC-4E84-BB3C-F430B369F791}" dt="2021-08-09T02:00:49.889" v="1" actId="47"/>
+        <pc:sldMkLst>
+          <pc:docMk/>
+          <pc:sldMk cId="4007224247" sldId="436"/>
+        </pc:sldMkLst>
+      </pc:sldChg>
+      <pc:sldChg chg="del">
+        <pc:chgData name="Weifeng Xu" userId="e7aed605-a3dd-4d5a-a692-a87037af107b" providerId="ADAL" clId="{EE5F4A51-15BC-4E84-BB3C-F430B369F791}" dt="2021-08-09T02:00:49.889" v="1" actId="47"/>
+        <pc:sldMkLst>
+          <pc:docMk/>
+          <pc:sldMk cId="2838362762" sldId="437"/>
+        </pc:sldMkLst>
+      </pc:sldChg>
+      <pc:sldChg chg="addSp delSp modSp new mod ord modClrScheme chgLayout">
+        <pc:chgData name="Weifeng Xu" userId="e7aed605-a3dd-4d5a-a692-a87037af107b" providerId="ADAL" clId="{EE5F4A51-15BC-4E84-BB3C-F430B369F791}" dt="2025-04-06T23:16:06.869" v="1123" actId="20577"/>
+        <pc:sldMkLst>
+          <pc:docMk/>
+          <pc:sldMk cId="3858131130" sldId="437"/>
+        </pc:sldMkLst>
+        <pc:spChg chg="add mod ord">
+          <ac:chgData name="Weifeng Xu" userId="e7aed605-a3dd-4d5a-a692-a87037af107b" providerId="ADAL" clId="{EE5F4A51-15BC-4E84-BB3C-F430B369F791}" dt="2025-04-06T23:16:06.869" v="1123" actId="20577"/>
+          <ac:spMkLst>
+            <pc:docMk/>
+            <pc:sldMk cId="3858131130" sldId="437"/>
+            <ac:spMk id="3" creationId="{A2BD1C88-BB04-32FB-B37D-F9EA793DE9FF}"/>
+          </ac:spMkLst>
+        </pc:spChg>
+        <pc:spChg chg="del">
+          <ac:chgData name="Weifeng Xu" userId="e7aed605-a3dd-4d5a-a692-a87037af107b" providerId="ADAL" clId="{EE5F4A51-15BC-4E84-BB3C-F430B369F791}" dt="2025-04-06T20:02:38.048" v="788" actId="478"/>
+          <ac:spMkLst>
+            <pc:docMk/>
+            <pc:sldMk cId="3858131130" sldId="437"/>
+            <ac:spMk id="7" creationId="{2D2B13E3-31CC-43E9-9966-B5C4047BD7BB}"/>
+          </ac:spMkLst>
+        </pc:spChg>
+        <pc:spChg chg="del mod">
+          <ac:chgData name="Weifeng Xu" userId="e7aed605-a3dd-4d5a-a692-a87037af107b" providerId="ADAL" clId="{EE5F4A51-15BC-4E84-BB3C-F430B369F791}" dt="2025-04-06T20:13:03.504" v="807" actId="478"/>
+          <ac:spMkLst>
+            <pc:docMk/>
+            <pc:sldMk cId="3858131130" sldId="437"/>
+            <ac:spMk id="8" creationId="{77D4663A-5977-4330-8834-7A74FFA7E872}"/>
+          </ac:spMkLst>
+        </pc:spChg>
+        <pc:spChg chg="del">
+          <ac:chgData name="Weifeng Xu" userId="e7aed605-a3dd-4d5a-a692-a87037af107b" providerId="ADAL" clId="{EE5F4A51-15BC-4E84-BB3C-F430B369F791}" dt="2025-04-06T20:02:40.734" v="789" actId="478"/>
+          <ac:spMkLst>
+            <pc:docMk/>
+            <pc:sldMk cId="3858131130" sldId="437"/>
+            <ac:spMk id="15" creationId="{589C5039-25A2-437B-B7EB-B5B8754EC784}"/>
+          </ac:spMkLst>
+        </pc:spChg>
+        <pc:picChg chg="add mod">
+          <ac:chgData name="Weifeng Xu" userId="e7aed605-a3dd-4d5a-a692-a87037af107b" providerId="ADAL" clId="{EE5F4A51-15BC-4E84-BB3C-F430B369F791}" dt="2025-04-06T19:59:08.565" v="703"/>
+          <ac:picMkLst>
+            <pc:docMk/>
+            <pc:sldMk cId="3858131130" sldId="437"/>
+            <ac:picMk id="2" creationId="{E125D284-86DA-672B-D484-2C743178A711}"/>
+          </ac:picMkLst>
+        </pc:picChg>
+        <pc:picChg chg="del">
+          <ac:chgData name="Weifeng Xu" userId="e7aed605-a3dd-4d5a-a692-a87037af107b" providerId="ADAL" clId="{EE5F4A51-15BC-4E84-BB3C-F430B369F791}" dt="2025-04-06T20:02:44.338" v="790" actId="478"/>
+          <ac:picMkLst>
+            <pc:docMk/>
+            <pc:sldMk cId="3858131130" sldId="437"/>
+            <ac:picMk id="4" creationId="{C44C2C50-C379-4337-B8DD-301673197FF1}"/>
+          </ac:picMkLst>
+        </pc:picChg>
+        <pc:picChg chg="del mod">
+          <ac:chgData name="Weifeng Xu" userId="e7aed605-a3dd-4d5a-a692-a87037af107b" providerId="ADAL" clId="{EE5F4A51-15BC-4E84-BB3C-F430B369F791}" dt="2025-04-06T20:13:03.504" v="807" actId="478"/>
+          <ac:picMkLst>
+            <pc:docMk/>
+            <pc:sldMk cId="3858131130" sldId="437"/>
+            <ac:picMk id="6" creationId="{E43DD57E-8FE3-4904-BC8B-F755ABE097F4}"/>
+          </ac:picMkLst>
+        </pc:picChg>
+        <pc:picChg chg="add del mod">
+          <ac:chgData name="Weifeng Xu" userId="e7aed605-a3dd-4d5a-a692-a87037af107b" providerId="ADAL" clId="{EE5F4A51-15BC-4E84-BB3C-F430B369F791}" dt="2025-04-06T20:17:30.347" v="837" actId="478"/>
+          <ac:picMkLst>
+            <pc:docMk/>
+            <pc:sldMk cId="3858131130" sldId="437"/>
+            <ac:picMk id="9" creationId="{9258E050-7522-A911-3AAF-1FD18712EE27}"/>
+          </ac:picMkLst>
+        </pc:picChg>
+        <pc:picChg chg="add mod">
+          <ac:chgData name="Weifeng Xu" userId="e7aed605-a3dd-4d5a-a692-a87037af107b" providerId="ADAL" clId="{EE5F4A51-15BC-4E84-BB3C-F430B369F791}" dt="2025-04-06T20:17:35.597" v="840" actId="14100"/>
+          <ac:picMkLst>
+            <pc:docMk/>
+            <pc:sldMk cId="3858131130" sldId="437"/>
+            <ac:picMk id="11" creationId="{26D91314-A223-AD06-9F34-9773109112FD}"/>
+          </ac:picMkLst>
+        </pc:picChg>
+        <pc:picChg chg="del mod">
+          <ac:chgData name="Weifeng Xu" userId="e7aed605-a3dd-4d5a-a692-a87037af107b" providerId="ADAL" clId="{EE5F4A51-15BC-4E84-BB3C-F430B369F791}" dt="2025-04-06T20:13:03.504" v="807" actId="478"/>
+          <ac:picMkLst>
+            <pc:docMk/>
+            <pc:sldMk cId="3858131130" sldId="437"/>
+            <ac:picMk id="14" creationId="{8CA109AC-0DFB-4A10-8C90-1F27705C867B}"/>
+          </ac:picMkLst>
+        </pc:picChg>
+      </pc:sldChg>
+      <pc:sldChg chg="addSp modSp new mod ord modNotesTx">
+        <pc:chgData name="Weifeng Xu" userId="e7aed605-a3dd-4d5a-a692-a87037af107b" providerId="ADAL" clId="{EE5F4A51-15BC-4E84-BB3C-F430B369F791}" dt="2025-04-06T23:20:36.580" v="1166" actId="20577"/>
+        <pc:sldMkLst>
+          <pc:docMk/>
+          <pc:sldMk cId="2211450093" sldId="438"/>
+        </pc:sldMkLst>
+        <pc:spChg chg="mod">
+          <ac:chgData name="Weifeng Xu" userId="e7aed605-a3dd-4d5a-a692-a87037af107b" providerId="ADAL" clId="{EE5F4A51-15BC-4E84-BB3C-F430B369F791}" dt="2025-04-06T23:20:36.580" v="1166" actId="20577"/>
+          <ac:spMkLst>
+            <pc:docMk/>
+            <pc:sldMk cId="2211450093" sldId="438"/>
+            <ac:spMk id="2" creationId="{9582DB81-39F1-4938-AD64-D9CDBF748CD8}"/>
+          </ac:spMkLst>
+        </pc:spChg>
+      </pc:sldChg>
+      <pc:sldChg chg="modSp add del mod">
+        <pc:chgData name="Weifeng Xu" userId="e7aed605-a3dd-4d5a-a692-a87037af107b" providerId="ADAL" clId="{EE5F4A51-15BC-4E84-BB3C-F430B369F791}" dt="2025-04-06T19:45:17.337" v="630" actId="47"/>
+        <pc:sldMkLst>
+          <pc:docMk/>
+          <pc:sldMk cId="877396854" sldId="439"/>
+        </pc:sldMkLst>
+      </pc:sldChg>
       <pc:sldChg chg="addSp delSp modSp new mod modClrScheme chgLayout modNotesTx">
-        <pc:chgData name="Weifeng Xu" userId="e7aed605-a3dd-4d5a-a692-a87037af107b" providerId="ADAL" clId="{EE5F4A51-15BC-4E84-BB3C-F430B369F791}" dt="2021-08-25T01:46:02.977" v="86" actId="14100"/>
-        <pc:sldMkLst>
-          <pc:docMk/>
-          <pc:sldMk cId="4005632882" sldId="436"/>
-        </pc:sldMkLst>
-      </pc:sldChg>
-      <pc:sldChg chg="del">
-        <pc:chgData name="Weifeng Xu" userId="e7aed605-a3dd-4d5a-a692-a87037af107b" providerId="ADAL" clId="{EE5F4A51-15BC-4E84-BB3C-F430B369F791}" dt="2021-08-09T02:00:49.889" v="1" actId="47"/>
-        <pc:sldMkLst>
-          <pc:docMk/>
-          <pc:sldMk cId="4007224247" sldId="436"/>
-        </pc:sldMkLst>
-      </pc:sldChg>
-      <pc:sldChg chg="del">
-        <pc:chgData name="Weifeng Xu" userId="e7aed605-a3dd-4d5a-a692-a87037af107b" providerId="ADAL" clId="{EE5F4A51-15BC-4E84-BB3C-F430B369F791}" dt="2021-08-09T02:00:49.889" v="1" actId="47"/>
-        <pc:sldMkLst>
-          <pc:docMk/>
-          <pc:sldMk cId="2838362762" sldId="437"/>
-        </pc:sldMkLst>
-      </pc:sldChg>
-      <pc:sldChg chg="addSp delSp modSp new mod modClrScheme chgLayout">
-        <pc:chgData name="Weifeng Xu" userId="e7aed605-a3dd-4d5a-a692-a87037af107b" providerId="ADAL" clId="{EE5F4A51-15BC-4E84-BB3C-F430B369F791}" dt="2021-08-25T02:17:11.873" v="175" actId="14100"/>
-        <pc:sldMkLst>
-          <pc:docMk/>
-          <pc:sldMk cId="3858131130" sldId="437"/>
-        </pc:sldMkLst>
-      </pc:sldChg>
-      <pc:sldChg chg="addSp modSp new mod ord modNotesTx">
-        <pc:chgData name="Weifeng Xu" userId="e7aed605-a3dd-4d5a-a692-a87037af107b" providerId="ADAL" clId="{EE5F4A51-15BC-4E84-BB3C-F430B369F791}" dt="2021-08-25T15:29:33.463" v="261" actId="14100"/>
-        <pc:sldMkLst>
-          <pc:docMk/>
-          <pc:sldMk cId="2211450093" sldId="438"/>
-        </pc:sldMkLst>
-      </pc:sldChg>
-      <pc:sldChg chg="modSp add mod">
-        <pc:chgData name="Weifeng Xu" userId="e7aed605-a3dd-4d5a-a692-a87037af107b" providerId="ADAL" clId="{EE5F4A51-15BC-4E84-BB3C-F430B369F791}" dt="2021-08-25T15:21:07.736" v="248" actId="20577"/>
-        <pc:sldMkLst>
-          <pc:docMk/>
-          <pc:sldMk cId="877396854" sldId="439"/>
-        </pc:sldMkLst>
-      </pc:sldChg>
-      <pc:sldChg chg="addSp delSp modSp new mod modClrScheme chgLayout modNotesTx">
-        <pc:chgData name="Weifeng Xu" userId="e7aed605-a3dd-4d5a-a692-a87037af107b" providerId="ADAL" clId="{EE5F4A51-15BC-4E84-BB3C-F430B369F791}" dt="2021-08-25T19:02:41.484" v="628"/>
+        <pc:chgData name="Weifeng Xu" userId="e7aed605-a3dd-4d5a-a692-a87037af107b" providerId="ADAL" clId="{EE5F4A51-15BC-4E84-BB3C-F430B369F791}" dt="2025-04-06T23:22:40.864" v="1232" actId="1076"/>
         <pc:sldMkLst>
           <pc:docMk/>
           <pc:sldMk cId="3681933863" sldId="440"/>
         </pc:sldMkLst>
+        <pc:spChg chg="mod">
+          <ac:chgData name="Weifeng Xu" userId="e7aed605-a3dd-4d5a-a692-a87037af107b" providerId="ADAL" clId="{EE5F4A51-15BC-4E84-BB3C-F430B369F791}" dt="2025-04-06T23:22:37.847" v="1230" actId="20577"/>
+          <ac:spMkLst>
+            <pc:docMk/>
+            <pc:sldMk cId="3681933863" sldId="440"/>
+            <ac:spMk id="2" creationId="{FCB29388-46F7-4813-A053-1852B727A33B}"/>
+          </ac:spMkLst>
+        </pc:spChg>
+        <pc:picChg chg="mod">
+          <ac:chgData name="Weifeng Xu" userId="e7aed605-a3dd-4d5a-a692-a87037af107b" providerId="ADAL" clId="{EE5F4A51-15BC-4E84-BB3C-F430B369F791}" dt="2025-04-06T23:22:40.864" v="1232" actId="1076"/>
+          <ac:picMkLst>
+            <pc:docMk/>
+            <pc:sldMk cId="3681933863" sldId="440"/>
+            <ac:picMk id="6" creationId="{569671BB-FCC3-48C5-857C-158740AF4BBA}"/>
+          </ac:picMkLst>
+        </pc:picChg>
+      </pc:sldChg>
+      <pc:sldChg chg="addSp delSp modSp add mod modClrScheme chgLayout">
+        <pc:chgData name="Weifeng Xu" userId="e7aed605-a3dd-4d5a-a692-a87037af107b" providerId="ADAL" clId="{EE5F4A51-15BC-4E84-BB3C-F430B369F791}" dt="2025-04-06T22:51:04.979" v="1052" actId="20577"/>
+        <pc:sldMkLst>
+          <pc:docMk/>
+          <pc:sldMk cId="3482381942" sldId="441"/>
+        </pc:sldMkLst>
+        <pc:spChg chg="add mod ord">
+          <ac:chgData name="Weifeng Xu" userId="e7aed605-a3dd-4d5a-a692-a87037af107b" providerId="ADAL" clId="{EE5F4A51-15BC-4E84-BB3C-F430B369F791}" dt="2025-04-06T22:49:24.909" v="1025" actId="207"/>
+          <ac:spMkLst>
+            <pc:docMk/>
+            <pc:sldMk cId="3482381942" sldId="441"/>
+            <ac:spMk id="2" creationId="{8EA79342-39C4-2240-974F-E2FD980D8A93}"/>
+          </ac:spMkLst>
+        </pc:spChg>
+        <pc:spChg chg="add del mod">
+          <ac:chgData name="Weifeng Xu" userId="e7aed605-a3dd-4d5a-a692-a87037af107b" providerId="ADAL" clId="{EE5F4A51-15BC-4E84-BB3C-F430B369F791}" dt="2025-04-06T20:00:21.224" v="730" actId="22"/>
+          <ac:spMkLst>
+            <pc:docMk/>
+            <pc:sldMk cId="3482381942" sldId="441"/>
+            <ac:spMk id="5" creationId="{1A20068A-212B-2D1B-861D-CA6A23107A58}"/>
+          </ac:spMkLst>
+        </pc:spChg>
+        <pc:spChg chg="del mod">
+          <ac:chgData name="Weifeng Xu" userId="e7aed605-a3dd-4d5a-a692-a87037af107b" providerId="ADAL" clId="{EE5F4A51-15BC-4E84-BB3C-F430B369F791}" dt="2025-04-06T20:00:06.418" v="724" actId="478"/>
+          <ac:spMkLst>
+            <pc:docMk/>
+            <pc:sldMk cId="3482381942" sldId="441"/>
+            <ac:spMk id="7" creationId="{3B3C90A5-E3C4-7FFC-32C3-472CFE58E014}"/>
+          </ac:spMkLst>
+        </pc:spChg>
+        <pc:spChg chg="del">
+          <ac:chgData name="Weifeng Xu" userId="e7aed605-a3dd-4d5a-a692-a87037af107b" providerId="ADAL" clId="{EE5F4A51-15BC-4E84-BB3C-F430B369F791}" dt="2025-04-06T19:59:16.270" v="705" actId="478"/>
+          <ac:spMkLst>
+            <pc:docMk/>
+            <pc:sldMk cId="3482381942" sldId="441"/>
+            <ac:spMk id="8" creationId="{EDEFDFD1-C1FE-C1B7-BDBE-8C14201C408A}"/>
+          </ac:spMkLst>
+        </pc:spChg>
+        <pc:spChg chg="add mod ord">
+          <ac:chgData name="Weifeng Xu" userId="e7aed605-a3dd-4d5a-a692-a87037af107b" providerId="ADAL" clId="{EE5F4A51-15BC-4E84-BB3C-F430B369F791}" dt="2025-04-06T22:51:04.979" v="1052" actId="20577"/>
+          <ac:spMkLst>
+            <pc:docMk/>
+            <pc:sldMk cId="3482381942" sldId="441"/>
+            <ac:spMk id="9" creationId="{9C6007AB-4254-DFA2-9825-18E9CB3008B6}"/>
+          </ac:spMkLst>
+        </pc:spChg>
+        <pc:spChg chg="mod">
+          <ac:chgData name="Weifeng Xu" userId="e7aed605-a3dd-4d5a-a692-a87037af107b" providerId="ADAL" clId="{EE5F4A51-15BC-4E84-BB3C-F430B369F791}" dt="2025-04-06T20:00:53.400" v="740" actId="1076"/>
+          <ac:spMkLst>
+            <pc:docMk/>
+            <pc:sldMk cId="3482381942" sldId="441"/>
+            <ac:spMk id="15" creationId="{88039D78-44CF-3673-A330-C13EDEC64083}"/>
+          </ac:spMkLst>
+        </pc:spChg>
+        <pc:picChg chg="mod">
+          <ac:chgData name="Weifeng Xu" userId="e7aed605-a3dd-4d5a-a692-a87037af107b" providerId="ADAL" clId="{EE5F4A51-15BC-4E84-BB3C-F430B369F791}" dt="2025-04-06T20:00:53.400" v="740" actId="1076"/>
+          <ac:picMkLst>
+            <pc:docMk/>
+            <pc:sldMk cId="3482381942" sldId="441"/>
+            <ac:picMk id="4" creationId="{8EDC6F8F-F214-7D57-AE0B-F5366E2E1639}"/>
+          </ac:picMkLst>
+        </pc:picChg>
+        <pc:picChg chg="del">
+          <ac:chgData name="Weifeng Xu" userId="e7aed605-a3dd-4d5a-a692-a87037af107b" providerId="ADAL" clId="{EE5F4A51-15BC-4E84-BB3C-F430B369F791}" dt="2025-04-06T19:59:16.270" v="705" actId="478"/>
+          <ac:picMkLst>
+            <pc:docMk/>
+            <pc:sldMk cId="3482381942" sldId="441"/>
+            <ac:picMk id="6" creationId="{D8C51AD0-6DBF-9D55-1215-805E70EB90DA}"/>
+          </ac:picMkLst>
+        </pc:picChg>
+        <pc:picChg chg="del">
+          <ac:chgData name="Weifeng Xu" userId="e7aed605-a3dd-4d5a-a692-a87037af107b" providerId="ADAL" clId="{EE5F4A51-15BC-4E84-BB3C-F430B369F791}" dt="2025-04-06T19:59:16.270" v="705" actId="478"/>
+          <ac:picMkLst>
+            <pc:docMk/>
+            <pc:sldMk cId="3482381942" sldId="441"/>
+            <ac:picMk id="14" creationId="{F39F8A0D-49E8-1035-B370-BBDB550A0A5C}"/>
+          </ac:picMkLst>
+        </pc:picChg>
       </pc:sldChg>
       <pc:sldChg chg="new del">
         <pc:chgData name="Weifeng Xu" userId="e7aed605-a3dd-4d5a-a692-a87037af107b" providerId="ADAL" clId="{EE5F4A51-15BC-4E84-BB3C-F430B369F791}" dt="2021-08-25T15:45:16.600" v="426" actId="47"/>
@@ -1431,6 +1816,177 @@
           <pc:docMk/>
           <pc:sldMk cId="4248969302" sldId="441"/>
         </pc:sldMkLst>
+      </pc:sldChg>
+      <pc:sldChg chg="addSp delSp modSp new mod modClrScheme chgLayout modNotesTx">
+        <pc:chgData name="Weifeng Xu" userId="e7aed605-a3dd-4d5a-a692-a87037af107b" providerId="ADAL" clId="{EE5F4A51-15BC-4E84-BB3C-F430B369F791}" dt="2025-04-06T23:12:46.207" v="1094"/>
+        <pc:sldMkLst>
+          <pc:docMk/>
+          <pc:sldMk cId="3355558048" sldId="442"/>
+        </pc:sldMkLst>
+        <pc:spChg chg="mod ord">
+          <ac:chgData name="Weifeng Xu" userId="e7aed605-a3dd-4d5a-a692-a87037af107b" providerId="ADAL" clId="{EE5F4A51-15BC-4E84-BB3C-F430B369F791}" dt="2025-04-06T23:12:46.207" v="1094"/>
+          <ac:spMkLst>
+            <pc:docMk/>
+            <pc:sldMk cId="3355558048" sldId="442"/>
+            <ac:spMk id="2" creationId="{68E01566-5184-F42E-8636-68002307B599}"/>
+          </ac:spMkLst>
+        </pc:spChg>
+        <pc:spChg chg="add del mod ord">
+          <ac:chgData name="Weifeng Xu" userId="e7aed605-a3dd-4d5a-a692-a87037af107b" providerId="ADAL" clId="{EE5F4A51-15BC-4E84-BB3C-F430B369F791}" dt="2025-04-06T21:05:09.097" v="949" actId="700"/>
+          <ac:spMkLst>
+            <pc:docMk/>
+            <pc:sldMk cId="3355558048" sldId="442"/>
+            <ac:spMk id="3" creationId="{7B14B8BD-7894-AEE9-E393-81CD468A83E1}"/>
+          </ac:spMkLst>
+        </pc:spChg>
+        <pc:spChg chg="add del mod">
+          <ac:chgData name="Weifeng Xu" userId="e7aed605-a3dd-4d5a-a692-a87037af107b" providerId="ADAL" clId="{EE5F4A51-15BC-4E84-BB3C-F430B369F791}" dt="2025-04-06T21:05:42.460" v="951" actId="700"/>
+          <ac:spMkLst>
+            <pc:docMk/>
+            <pc:sldMk cId="3355558048" sldId="442"/>
+            <ac:spMk id="7" creationId="{D11231A6-DCDC-F2AB-EC09-C3077881B624}"/>
+          </ac:spMkLst>
+        </pc:spChg>
+        <pc:picChg chg="add del mod">
+          <ac:chgData name="Weifeng Xu" userId="e7aed605-a3dd-4d5a-a692-a87037af107b" providerId="ADAL" clId="{EE5F4A51-15BC-4E84-BB3C-F430B369F791}" dt="2025-04-06T23:11:39.763" v="1085" actId="478"/>
+          <ac:picMkLst>
+            <pc:docMk/>
+            <pc:sldMk cId="3355558048" sldId="442"/>
+            <ac:picMk id="5" creationId="{EA108A6F-C15D-57DC-317D-9E749B05D010}"/>
+          </ac:picMkLst>
+        </pc:picChg>
+        <pc:picChg chg="add mod">
+          <ac:chgData name="Weifeng Xu" userId="e7aed605-a3dd-4d5a-a692-a87037af107b" providerId="ADAL" clId="{EE5F4A51-15BC-4E84-BB3C-F430B369F791}" dt="2025-04-06T23:12:11.098" v="1090" actId="1076"/>
+          <ac:picMkLst>
+            <pc:docMk/>
+            <pc:sldMk cId="3355558048" sldId="442"/>
+            <ac:picMk id="8" creationId="{F3DE47B4-6AD6-F298-701F-8A3E0EBF57A3}"/>
+          </ac:picMkLst>
+        </pc:picChg>
+      </pc:sldChg>
+      <pc:sldChg chg="addSp delSp modSp new mod modClrScheme chgLayout">
+        <pc:chgData name="Weifeng Xu" userId="e7aed605-a3dd-4d5a-a692-a87037af107b" providerId="ADAL" clId="{EE5F4A51-15BC-4E84-BB3C-F430B369F791}" dt="2025-04-06T21:13:58.491" v="1001"/>
+        <pc:sldMkLst>
+          <pc:docMk/>
+          <pc:sldMk cId="2929715381" sldId="443"/>
+        </pc:sldMkLst>
+        <pc:spChg chg="del mod ord">
+          <ac:chgData name="Weifeng Xu" userId="e7aed605-a3dd-4d5a-a692-a87037af107b" providerId="ADAL" clId="{EE5F4A51-15BC-4E84-BB3C-F430B369F791}" dt="2025-04-06T21:13:05.763" v="982" actId="700"/>
+          <ac:spMkLst>
+            <pc:docMk/>
+            <pc:sldMk cId="2929715381" sldId="443"/>
+            <ac:spMk id="2" creationId="{3923E660-08AF-A531-AF81-ADD94BFA8170}"/>
+          </ac:spMkLst>
+        </pc:spChg>
+        <pc:spChg chg="del mod ord">
+          <ac:chgData name="Weifeng Xu" userId="e7aed605-a3dd-4d5a-a692-a87037af107b" providerId="ADAL" clId="{EE5F4A51-15BC-4E84-BB3C-F430B369F791}" dt="2025-04-06T21:13:05.763" v="982" actId="700"/>
+          <ac:spMkLst>
+            <pc:docMk/>
+            <pc:sldMk cId="2929715381" sldId="443"/>
+            <ac:spMk id="3" creationId="{2787FA5C-E659-00BE-E47F-7A83516DA3D3}"/>
+          </ac:spMkLst>
+        </pc:spChg>
+        <pc:spChg chg="add mod ord">
+          <ac:chgData name="Weifeng Xu" userId="e7aed605-a3dd-4d5a-a692-a87037af107b" providerId="ADAL" clId="{EE5F4A51-15BC-4E84-BB3C-F430B369F791}" dt="2025-04-06T21:13:58.491" v="1001"/>
+          <ac:spMkLst>
+            <pc:docMk/>
+            <pc:sldMk cId="2929715381" sldId="443"/>
+            <ac:spMk id="4" creationId="{2D9E66EA-D6B4-660D-B703-34DA6D34F4F7}"/>
+          </ac:spMkLst>
+        </pc:spChg>
+        <pc:spChg chg="add mod ord">
+          <ac:chgData name="Weifeng Xu" userId="e7aed605-a3dd-4d5a-a692-a87037af107b" providerId="ADAL" clId="{EE5F4A51-15BC-4E84-BB3C-F430B369F791}" dt="2025-04-06T21:13:05.763" v="982" actId="700"/>
+          <ac:spMkLst>
+            <pc:docMk/>
+            <pc:sldMk cId="2929715381" sldId="443"/>
+            <ac:spMk id="5" creationId="{CE86D6D0-E4B0-9D4E-9B98-80F868408831}"/>
+          </ac:spMkLst>
+        </pc:spChg>
+      </pc:sldChg>
+      <pc:sldChg chg="modSp add mod ord">
+        <pc:chgData name="Weifeng Xu" userId="e7aed605-a3dd-4d5a-a692-a87037af107b" providerId="ADAL" clId="{EE5F4A51-15BC-4E84-BB3C-F430B369F791}" dt="2025-04-06T23:11:25.915" v="1080" actId="20577"/>
+        <pc:sldMkLst>
+          <pc:docMk/>
+          <pc:sldMk cId="2900099221" sldId="444"/>
+        </pc:sldMkLst>
+        <pc:spChg chg="mod">
+          <ac:chgData name="Weifeng Xu" userId="e7aed605-a3dd-4d5a-a692-a87037af107b" providerId="ADAL" clId="{EE5F4A51-15BC-4E84-BB3C-F430B369F791}" dt="2025-04-06T23:11:25.915" v="1080" actId="20577"/>
+          <ac:spMkLst>
+            <pc:docMk/>
+            <pc:sldMk cId="2900099221" sldId="444"/>
+            <ac:spMk id="2" creationId="{B2B2C2CD-5678-8436-3C85-75FCD794231A}"/>
+          </ac:spMkLst>
+        </pc:spChg>
+      </pc:sldChg>
+      <pc:sldChg chg="addSp delSp modSp add mod modClrScheme chgLayout">
+        <pc:chgData name="Weifeng Xu" userId="e7aed605-a3dd-4d5a-a692-a87037af107b" providerId="ADAL" clId="{EE5F4A51-15BC-4E84-BB3C-F430B369F791}" dt="2025-04-06T23:13:14.686" v="1099" actId="26606"/>
+        <pc:sldMkLst>
+          <pc:docMk/>
+          <pc:sldMk cId="4150709639" sldId="445"/>
+        </pc:sldMkLst>
+        <pc:spChg chg="mod">
+          <ac:chgData name="Weifeng Xu" userId="e7aed605-a3dd-4d5a-a692-a87037af107b" providerId="ADAL" clId="{EE5F4A51-15BC-4E84-BB3C-F430B369F791}" dt="2025-04-06T23:13:14.686" v="1099" actId="26606"/>
+          <ac:spMkLst>
+            <pc:docMk/>
+            <pc:sldMk cId="4150709639" sldId="445"/>
+            <ac:spMk id="2" creationId="{06A26EE9-4868-ED71-C8A7-E94FA01FA385}"/>
+          </ac:spMkLst>
+        </pc:spChg>
+        <pc:spChg chg="add del mod">
+          <ac:chgData name="Weifeng Xu" userId="e7aed605-a3dd-4d5a-a692-a87037af107b" providerId="ADAL" clId="{EE5F4A51-15BC-4E84-BB3C-F430B369F791}" dt="2025-04-06T23:13:14.686" v="1099" actId="26606"/>
+          <ac:spMkLst>
+            <pc:docMk/>
+            <pc:sldMk cId="4150709639" sldId="445"/>
+            <ac:spMk id="9" creationId="{CB66250F-2C53-B921-6072-B886C8913CC4}"/>
+          </ac:spMkLst>
+        </pc:spChg>
+        <pc:picChg chg="add mod">
+          <ac:chgData name="Weifeng Xu" userId="e7aed605-a3dd-4d5a-a692-a87037af107b" providerId="ADAL" clId="{EE5F4A51-15BC-4E84-BB3C-F430B369F791}" dt="2025-04-06T23:13:14.686" v="1099" actId="26606"/>
+          <ac:picMkLst>
+            <pc:docMk/>
+            <pc:sldMk cId="4150709639" sldId="445"/>
+            <ac:picMk id="4" creationId="{BD3F28F2-6120-D37D-FC16-426B6212F47E}"/>
+          </ac:picMkLst>
+        </pc:picChg>
+        <pc:picChg chg="del">
+          <ac:chgData name="Weifeng Xu" userId="e7aed605-a3dd-4d5a-a692-a87037af107b" providerId="ADAL" clId="{EE5F4A51-15BC-4E84-BB3C-F430B369F791}" dt="2025-04-06T23:13:08.329" v="1095" actId="478"/>
+          <ac:picMkLst>
+            <pc:docMk/>
+            <pc:sldMk cId="4150709639" sldId="445"/>
+            <ac:picMk id="8" creationId="{589C61A9-3A7B-7F06-C56D-6AAFBF509811}"/>
+          </ac:picMkLst>
+        </pc:picChg>
+      </pc:sldChg>
+      <pc:sldChg chg="addSp delSp modSp new mod modClrScheme chgLayout">
+        <pc:chgData name="Weifeng Xu" userId="e7aed605-a3dd-4d5a-a692-a87037af107b" providerId="ADAL" clId="{EE5F4A51-15BC-4E84-BB3C-F430B369F791}" dt="2025-04-06T23:15:15.014" v="1117" actId="20577"/>
+        <pc:sldMkLst>
+          <pc:docMk/>
+          <pc:sldMk cId="634222704" sldId="446"/>
+        </pc:sldMkLst>
+        <pc:spChg chg="del mod ord">
+          <ac:chgData name="Weifeng Xu" userId="e7aed605-a3dd-4d5a-a692-a87037af107b" providerId="ADAL" clId="{EE5F4A51-15BC-4E84-BB3C-F430B369F791}" dt="2025-04-06T23:14:48.767" v="1101" actId="700"/>
+          <ac:spMkLst>
+            <pc:docMk/>
+            <pc:sldMk cId="634222704" sldId="446"/>
+            <ac:spMk id="2" creationId="{34502649-9124-C56F-4028-90EE3F31A672}"/>
+          </ac:spMkLst>
+        </pc:spChg>
+        <pc:spChg chg="add mod ord">
+          <ac:chgData name="Weifeng Xu" userId="e7aed605-a3dd-4d5a-a692-a87037af107b" providerId="ADAL" clId="{EE5F4A51-15BC-4E84-BB3C-F430B369F791}" dt="2025-04-06T23:15:15.014" v="1117" actId="20577"/>
+          <ac:spMkLst>
+            <pc:docMk/>
+            <pc:sldMk cId="634222704" sldId="446"/>
+            <ac:spMk id="3" creationId="{2F724D32-1C07-EE70-0825-F24BA85615F9}"/>
+          </ac:spMkLst>
+        </pc:spChg>
+        <pc:spChg chg="add mod ord">
+          <ac:chgData name="Weifeng Xu" userId="e7aed605-a3dd-4d5a-a692-a87037af107b" providerId="ADAL" clId="{EE5F4A51-15BC-4E84-BB3C-F430B369F791}" dt="2025-04-06T23:14:48.767" v="1101" actId="700"/>
+          <ac:spMkLst>
+            <pc:docMk/>
+            <pc:sldMk cId="634222704" sldId="446"/>
+            <ac:spMk id="4" creationId="{421E99A5-2FE6-9B65-13C7-1F1C4CB5CFDD}"/>
+          </ac:spMkLst>
+        </pc:spChg>
       </pc:sldChg>
     </pc:docChg>
   </pc:docChgLst>
@@ -4218,7 +4774,7 @@
           <a:p>
             <a:fld id="{EE41F6E3-57F9-402E-BDBA-5B2DE11C8530}" type="datetimeFigureOut">
               <a:rPr lang="en-US" smtClean="0"/>
-              <a:t>1/1/2025</a:t>
+              <a:t>4/6/2025</a:t>
             </a:fld>
             <a:endParaRPr lang="en-US"/>
           </a:p>
@@ -4572,6 +5128,94 @@
 </p:notes>
 </file>
 
+<file path=ppt/notesSlides/notesSlide10.xml><?xml version="1.0" encoding="utf-8"?>
+<p:notes xmlns:a="http://schemas.openxmlformats.org/drawingml/2006/main" xmlns:r="http://schemas.openxmlformats.org/officeDocument/2006/relationships" xmlns:p="http://schemas.openxmlformats.org/presentationml/2006/main">
+  <p:cSld>
+    <p:spTree>
+      <p:nvGrpSpPr>
+        <p:cNvPr id="1" name=""/>
+        <p:cNvGrpSpPr/>
+        <p:nvPr/>
+      </p:nvGrpSpPr>
+      <p:grpSpPr>
+        <a:xfrm>
+          <a:off x="0" y="0"/>
+          <a:ext cx="0" cy="0"/>
+          <a:chOff x="0" y="0"/>
+          <a:chExt cx="0" cy="0"/>
+        </a:xfrm>
+      </p:grpSpPr>
+      <p:sp>
+        <p:nvSpPr>
+          <p:cNvPr id="2" name="Slide Image Placeholder 1"/>
+          <p:cNvSpPr>
+            <a:spLocks noGrp="1" noRot="1" noChangeAspect="1"/>
+          </p:cNvSpPr>
+          <p:nvPr>
+            <p:ph type="sldImg"/>
+          </p:nvPr>
+        </p:nvSpPr>
+        <p:spPr/>
+      </p:sp>
+      <p:sp>
+        <p:nvSpPr>
+          <p:cNvPr id="3" name="Notes Placeholder 2"/>
+          <p:cNvSpPr>
+            <a:spLocks noGrp="1"/>
+          </p:cNvSpPr>
+          <p:nvPr>
+            <p:ph type="body" idx="1"/>
+          </p:nvPr>
+        </p:nvSpPr>
+        <p:spPr/>
+        <p:txBody>
+          <a:bodyPr/>
+          <a:lstStyle/>
+          <a:p>
+            <a:r>
+              <a:rPr lang="en-GB" dirty="0"/>
+              <a:t>/storage/emulated/0/Pictures/Twitter/IMG_20200203_213034.jpg</a:t>
+            </a:r>
+            <a:endParaRPr lang="en-US" dirty="0"/>
+          </a:p>
+        </p:txBody>
+      </p:sp>
+      <p:sp>
+        <p:nvSpPr>
+          <p:cNvPr id="4" name="Slide Number Placeholder 3"/>
+          <p:cNvSpPr>
+            <a:spLocks noGrp="1"/>
+          </p:cNvSpPr>
+          <p:nvPr>
+            <p:ph type="sldNum" sz="quarter" idx="5"/>
+          </p:nvPr>
+        </p:nvSpPr>
+        <p:spPr/>
+        <p:txBody>
+          <a:bodyPr/>
+          <a:lstStyle/>
+          <a:p>
+            <a:fld id="{DDBF98C7-164A-4723-84F0-B1E4B080DDEC}" type="slidenum">
+              <a:rPr lang="en-US" smtClean="0"/>
+              <a:t>19</a:t>
+            </a:fld>
+            <a:endParaRPr lang="en-US"/>
+          </a:p>
+        </p:txBody>
+      </p:sp>
+    </p:spTree>
+    <p:extLst>
+      <p:ext uri="{BB962C8B-B14F-4D97-AF65-F5344CB8AC3E}">
+        <p14:creationId xmlns:p14="http://schemas.microsoft.com/office/powerpoint/2010/main" val="3015381729"/>
+      </p:ext>
+    </p:extLst>
+  </p:cSld>
+  <p:clrMapOvr>
+    <a:masterClrMapping/>
+  </p:clrMapOvr>
+</p:notes>
+</file>
+
 <file path=ppt/notesSlides/notesSlide2.xml><?xml version="1.0" encoding="utf-8"?>
 <p:notes xmlns:a="http://schemas.openxmlformats.org/drawingml/2006/main" xmlns:r="http://schemas.openxmlformats.org/officeDocument/2006/relationships" xmlns:p="http://schemas.openxmlformats.org/presentationml/2006/main">
   <p:cSld>
@@ -4648,7 +5292,7 @@
           <a:p>
             <a:fld id="{DDBF98C7-164A-4723-84F0-B1E4B080DDEC}" type="slidenum">
               <a:rPr lang="en-US" smtClean="0"/>
-              <a:t>5</a:t>
+              <a:t>4</a:t>
             </a:fld>
             <a:endParaRPr lang="en-US"/>
           </a:p>
@@ -4751,7 +5395,7 @@
           <a:p>
             <a:fld id="{DDBF98C7-164A-4723-84F0-B1E4B080DDEC}" type="slidenum">
               <a:rPr lang="en-US" smtClean="0"/>
-              <a:t>8</a:t>
+              <a:t>9</a:t>
             </a:fld>
             <a:endParaRPr lang="en-US"/>
           </a:p>
@@ -4864,7 +5508,7 @@
           <a:p>
             <a:fld id="{DDBF98C7-164A-4723-84F0-B1E4B080DDEC}" type="slidenum">
               <a:rPr lang="en-US" smtClean="0"/>
-              <a:t>9</a:t>
+              <a:t>10</a:t>
             </a:fld>
             <a:endParaRPr lang="en-US"/>
           </a:p>
@@ -4888,7 +5532,13 @@
   <p:cSld>
     <p:spTree>
       <p:nvGrpSpPr>
-        <p:cNvPr id="1" name=""/>
+        <p:cNvPr id="1" name="">
+          <a:extLst>
+            <a:ext uri="{FF2B5EF4-FFF2-40B4-BE49-F238E27FC236}">
+              <a16:creationId xmlns:a16="http://schemas.microsoft.com/office/drawing/2014/main" id="{5E87B1F6-0D16-F87B-A28C-1498B2F234AF}"/>
+            </a:ext>
+          </a:extLst>
+        </p:cNvPr>
         <p:cNvGrpSpPr/>
         <p:nvPr/>
       </p:nvGrpSpPr>
@@ -4902,7 +5552,13 @@
       </p:grpSpPr>
       <p:sp>
         <p:nvSpPr>
-          <p:cNvPr id="2" name="Slide Image Placeholder 1"/>
+          <p:cNvPr id="2" name="Slide Image Placeholder 1">
+            <a:extLst>
+              <a:ext uri="{FF2B5EF4-FFF2-40B4-BE49-F238E27FC236}">
+                <a16:creationId xmlns:a16="http://schemas.microsoft.com/office/drawing/2014/main" id="{65DF8F68-C102-9E2C-B121-A3BC1D39E41F}"/>
+              </a:ext>
+            </a:extLst>
+          </p:cNvPr>
           <p:cNvSpPr>
             <a:spLocks noGrp="1" noRot="1" noChangeAspect="1"/>
           </p:cNvSpPr>
@@ -4914,7 +5570,13 @@
       </p:sp>
       <p:sp>
         <p:nvSpPr>
-          <p:cNvPr id="3" name="Notes Placeholder 2"/>
+          <p:cNvPr id="3" name="Notes Placeholder 2">
+            <a:extLst>
+              <a:ext uri="{FF2B5EF4-FFF2-40B4-BE49-F238E27FC236}">
+                <a16:creationId xmlns:a16="http://schemas.microsoft.com/office/drawing/2014/main" id="{302F6ECB-1941-433F-196D-8AC85B4F67D0}"/>
+              </a:ext>
+            </a:extLst>
+          </p:cNvPr>
           <p:cNvSpPr>
             <a:spLocks noGrp="1"/>
           </p:cNvSpPr>
@@ -4928,35 +5590,1019 @@
           <a:lstStyle/>
           <a:p>
             <a:r>
-              <a:rPr lang="en-US" dirty="0" err="1"/>
-              <a:t>sqlitebrowser</a:t>
-            </a:r>
-            <a:r>
-              <a:rPr lang="en-US" dirty="0"/>
-              <a:t> 'Pixel 3/data/data/</a:t>
-            </a:r>
-            <a:r>
-              <a:rPr lang="en-US" dirty="0" err="1"/>
+              <a:rPr lang="en-GB" dirty="0"/>
+              <a:t>The provided text is a Shared Preferences XML file from the `</a:t>
+            </a:r>
+            <a:r>
+              <a:rPr lang="en-GB" dirty="0" err="1"/>
+              <a:t>shared_prefs</a:t>
+            </a:r>
+            <a:r>
+              <a:rPr lang="en-GB" dirty="0"/>
+              <a:t>/` directory of the </a:t>
+            </a:r>
+            <a:r>
+              <a:rPr lang="en-GB" dirty="0" err="1"/>
+              <a:t>TextNow</a:t>
+            </a:r>
+            <a:r>
+              <a:rPr lang="en-GB" dirty="0"/>
+              <a:t> app on a Pixel 3 device (`Pixel 3/data/data/</a:t>
+            </a:r>
+            <a:r>
+              <a:rPr lang="en-GB" dirty="0" err="1"/>
               <a:t>com.enflick.android.TextNow</a:t>
             </a:r>
             <a:r>
-              <a:rPr lang="en-US" dirty="0"/>
-              <a:t>/databases/</a:t>
-            </a:r>
-            <a:r>
-              <a:rPr lang="en-US" dirty="0" err="1"/>
+              <a:rPr lang="en-GB" dirty="0"/>
+              <a:t>/</a:t>
+            </a:r>
+            <a:r>
+              <a:rPr lang="en-GB" dirty="0" err="1"/>
+              <a:t>shared_prefs</a:t>
+            </a:r>
+            <a:r>
+              <a:rPr lang="en-GB" dirty="0"/>
+              <a:t>/`). This XML file contains key-value pairs that store various user settings, app states, and potentially sensitive data. Below is a summary of the most valuable forensic information that can be extracted from this file, focusing on data that could be useful for understanding user identity, </a:t>
+            </a:r>
+            <a:r>
+              <a:rPr lang="en-GB" dirty="0" err="1"/>
+              <a:t>behavior</a:t>
+            </a:r>
+            <a:r>
+              <a:rPr lang="en-GB" dirty="0"/>
+              <a:t>, communications, and app usage.</a:t>
+            </a:r>
+          </a:p>
+          <a:p>
+            <a:endParaRPr lang="en-GB" dirty="0"/>
+          </a:p>
+          <a:p>
+            <a:r>
+              <a:rPr lang="en-GB" dirty="0"/>
+              <a:t>### Most Valuable Forensic Information</a:t>
+            </a:r>
+          </a:p>
+          <a:p>
+            <a:endParaRPr lang="en-GB" dirty="0"/>
+          </a:p>
+          <a:p>
+            <a:r>
+              <a:rPr lang="en-GB" dirty="0"/>
+              <a:t>#### 1. User Identity and Personal Information</a:t>
+            </a:r>
+          </a:p>
+          <a:p>
+            <a:r>
+              <a:rPr lang="en-GB" dirty="0"/>
+              <a:t>- **Username**: `</a:t>
+            </a:r>
+            <a:r>
+              <a:rPr lang="en-GB" dirty="0" err="1"/>
+              <a:t>userinfo_username</a:t>
+            </a:r>
+            <a:r>
+              <a:rPr lang="en-GB" dirty="0"/>
+              <a:t>` = `</a:t>
+            </a:r>
+            <a:r>
+              <a:rPr lang="en-GB" dirty="0" err="1"/>
+              <a:t>thisisdfir</a:t>
+            </a:r>
+            <a:r>
+              <a:rPr lang="en-GB" dirty="0"/>
+              <a:t>`  </a:t>
+            </a:r>
+          </a:p>
+          <a:p>
+            <a:r>
+              <a:rPr lang="en-GB" dirty="0"/>
+              <a:t>  - This reveals the user’s </a:t>
+            </a:r>
+            <a:r>
+              <a:rPr lang="en-GB" dirty="0" err="1"/>
+              <a:t>TextNow</a:t>
+            </a:r>
+            <a:r>
+              <a:rPr lang="en-GB" dirty="0"/>
+              <a:t> username, which can be used to identify the user within the app’s ecosystem.</a:t>
+            </a:r>
+          </a:p>
+          <a:p>
+            <a:r>
+              <a:rPr lang="en-GB" dirty="0"/>
+              <a:t>- **Email**: `</a:t>
+            </a:r>
+            <a:r>
+              <a:rPr lang="en-GB" dirty="0" err="1"/>
+              <a:t>userinfo_email</a:t>
+            </a:r>
+            <a:r>
+              <a:rPr lang="en-GB" dirty="0"/>
+              <a:t>` = `thisisdfir@gmail.com`  </a:t>
+            </a:r>
+          </a:p>
+          <a:p>
+            <a:r>
+              <a:rPr lang="en-GB" dirty="0"/>
+              <a:t>  - The user’s email address is a critical piece of identifiable information, useful for linking the user to other accounts or services.</a:t>
+            </a:r>
+          </a:p>
+          <a:p>
+            <a:r>
+              <a:rPr lang="en-GB" dirty="0"/>
+              <a:t>- **Phone Number**: `</a:t>
+            </a:r>
+            <a:r>
+              <a:rPr lang="en-GB" dirty="0" err="1"/>
+              <a:t>userinfo_phone</a:t>
+            </a:r>
+            <a:r>
+              <a:rPr lang="en-GB" dirty="0"/>
+              <a:t>` = `9842352054`  </a:t>
+            </a:r>
+          </a:p>
+          <a:p>
+            <a:r>
+              <a:rPr lang="en-GB" dirty="0"/>
+              <a:t>  - This appears to be the user’s assigned </a:t>
+            </a:r>
+            <a:r>
+              <a:rPr lang="en-GB" dirty="0" err="1"/>
+              <a:t>TextNow</a:t>
+            </a:r>
+            <a:r>
+              <a:rPr lang="en-GB" dirty="0"/>
+              <a:t> phone number, which can be used to track communications made through the app.</a:t>
+            </a:r>
+          </a:p>
+          <a:p>
+            <a:r>
+              <a:rPr lang="en-GB" dirty="0"/>
+              <a:t>- **First Name and Last Name**: `</a:t>
+            </a:r>
+            <a:r>
+              <a:rPr lang="en-GB" dirty="0" err="1"/>
+              <a:t>userinfo_firstname</a:t>
+            </a:r>
+            <a:r>
+              <a:rPr lang="en-GB" dirty="0"/>
+              <a:t>` = `This Is`, `</a:t>
+            </a:r>
+            <a:r>
+              <a:rPr lang="en-GB" dirty="0" err="1"/>
+              <a:t>userinfo_lastname</a:t>
+            </a:r>
+            <a:r>
+              <a:rPr lang="en-GB" dirty="0"/>
+              <a:t>` = `DFIR`  </a:t>
+            </a:r>
+          </a:p>
+          <a:p>
+            <a:r>
+              <a:rPr lang="en-GB" dirty="0"/>
+              <a:t>  - The user’s full name (This Is DFIR) provides additional identifiable information, potentially linking to real-world identity.</a:t>
+            </a:r>
+          </a:p>
+          <a:p>
+            <a:r>
+              <a:rPr lang="en-GB" dirty="0"/>
+              <a:t>- **User ID**: `</a:t>
+            </a:r>
+            <a:r>
+              <a:rPr lang="en-GB" dirty="0" err="1"/>
+              <a:t>userinfo_user_id</a:t>
+            </a:r>
+            <a:r>
+              <a:rPr lang="en-GB" dirty="0"/>
+              <a:t>` = `4035506809899870760`  </a:t>
+            </a:r>
+          </a:p>
+          <a:p>
+            <a:r>
+              <a:rPr lang="en-GB" dirty="0"/>
+              <a:t>  - A unique identifier for the user within </a:t>
+            </a:r>
+            <a:r>
+              <a:rPr lang="en-GB" dirty="0" err="1"/>
+              <a:t>TextNow’s</a:t>
+            </a:r>
+            <a:r>
+              <a:rPr lang="en-GB" dirty="0"/>
+              <a:t> system, useful for correlating data across different parts of the app or </a:t>
+            </a:r>
+            <a:r>
+              <a:rPr lang="en-GB" dirty="0" err="1"/>
+              <a:t>TextNow’s</a:t>
+            </a:r>
+            <a:r>
+              <a:rPr lang="en-GB" dirty="0"/>
+              <a:t> servers.</a:t>
+            </a:r>
+          </a:p>
+          <a:p>
+            <a:r>
+              <a:rPr lang="en-GB" dirty="0"/>
+              <a:t>- **Gender**: `</a:t>
+            </a:r>
+            <a:r>
+              <a:rPr lang="en-GB" dirty="0" err="1"/>
+              <a:t>userinfo_gender</a:t>
+            </a:r>
+            <a:r>
+              <a:rPr lang="en-GB" dirty="0"/>
+              <a:t>` = `1`  </a:t>
+            </a:r>
+          </a:p>
+          <a:p>
+            <a:r>
+              <a:rPr lang="en-GB" dirty="0"/>
+              <a:t>  - Likely indicates the user’s gender (e.g., 1 might represent male), which could be used for profiling or ad targeting.</a:t>
+            </a:r>
+          </a:p>
+          <a:p>
+            <a:endParaRPr lang="en-GB" dirty="0"/>
+          </a:p>
+          <a:p>
+            <a:r>
+              <a:rPr lang="en-GB" dirty="0"/>
+              <a:t>#### 2. Communication Details</a:t>
+            </a:r>
+          </a:p>
+          <a:p>
+            <a:r>
+              <a:rPr lang="en-GB" dirty="0"/>
+              <a:t>- **Last Called Number**: `</a:t>
+            </a:r>
+            <a:r>
+              <a:rPr lang="en-GB" dirty="0" err="1"/>
+              <a:t>userinfo_last_number_called</a:t>
+            </a:r>
+            <a:r>
+              <a:rPr lang="en-GB" dirty="0"/>
+              <a:t>` = `+19842032223`, `LAST_CALL_DESTINATION` = `+19842032223`  </a:t>
+            </a:r>
+          </a:p>
+          <a:p>
+            <a:r>
+              <a:rPr lang="en-GB" dirty="0"/>
+              <a:t>  - The phone number `+19842032223` was the last number called, providing insight into the user’s recent communications.</a:t>
+            </a:r>
+          </a:p>
+          <a:p>
+            <a:r>
+              <a:rPr lang="en-GB" dirty="0"/>
+              <a:t>- **Last Call UUID**: `LAST_CALL_UUID` = `ad215984-b355-4629-b2e8-0773ab0a098a`  </a:t>
+            </a:r>
+          </a:p>
+          <a:p>
+            <a:r>
+              <a:rPr lang="en-GB" dirty="0"/>
+              <a:t>  - A unique identifier for the last call, which could be used to retrieve more details about the call (e.g., duration, type) from other databases like `</a:t>
+            </a:r>
+            <a:r>
+              <a:rPr lang="en-GB" dirty="0" err="1"/>
               <a:t>textnow_data.db</a:t>
             </a:r>
             <a:r>
-              <a:rPr lang="en-US" dirty="0"/>
-              <a:t>'</a:t>
-            </a:r>
+              <a:rPr lang="en-GB" dirty="0"/>
+              <a:t>`.</a:t>
+            </a:r>
+          </a:p>
+          <a:p>
+            <a:r>
+              <a:rPr lang="en-GB" dirty="0"/>
+              <a:t>- **Last Call Time**: `LAST_CALL_TIME` = `1581192458738`  </a:t>
+            </a:r>
+          </a:p>
+          <a:p>
+            <a:r>
+              <a:rPr lang="en-GB" dirty="0"/>
+              <a:t>  - This timestamp (February 8, 2020, 19:27:38 UTC) indicates when the last call was made, useful for establishing a timeline of user activity.</a:t>
+            </a:r>
+          </a:p>
+          <a:p>
+            <a:r>
+              <a:rPr lang="en-GB" dirty="0"/>
+              <a:t>- **Latest Message ID**: `</a:t>
+            </a:r>
+            <a:r>
+              <a:rPr lang="en-GB" dirty="0" err="1"/>
+              <a:t>userinfo_latest_msg_id</a:t>
+            </a:r>
+            <a:r>
+              <a:rPr lang="en-GB" dirty="0"/>
+              <a:t>` = `30102870972`  </a:t>
+            </a:r>
+          </a:p>
+          <a:p>
+            <a:r>
+              <a:rPr lang="en-GB" dirty="0"/>
+              <a:t>  - Indicates the ID of the most recent message, which can be cross-referenced with the `</a:t>
+            </a:r>
+            <a:r>
+              <a:rPr lang="en-GB" dirty="0" err="1"/>
+              <a:t>textnow_data.db</a:t>
+            </a:r>
+            <a:r>
+              <a:rPr lang="en-GB" dirty="0"/>
+              <a:t>` database to retrieve message content or metadata.</a:t>
+            </a:r>
+          </a:p>
+          <a:p>
+            <a:r>
+              <a:rPr lang="en-GB" dirty="0"/>
+              <a:t>- **Voicemail**: `</a:t>
+            </a:r>
+            <a:r>
+              <a:rPr lang="en-GB" dirty="0" err="1"/>
+              <a:t>userinfo_voicemail</a:t>
+            </a:r>
+            <a:r>
+              <a:rPr lang="en-GB" dirty="0"/>
+              <a:t>` = `1`  </a:t>
+            </a:r>
+          </a:p>
+          <a:p>
+            <a:r>
+              <a:rPr lang="en-GB" dirty="0"/>
+              <a:t>  - Suggests the user has one voicemail, which might contain additional audio data or messages.</a:t>
+            </a:r>
+          </a:p>
+          <a:p>
+            <a:endParaRPr lang="en-GB" dirty="0"/>
+          </a:p>
+          <a:p>
+            <a:r>
+              <a:rPr lang="en-GB" dirty="0"/>
+              <a:t>#### 3. Timestamps and Activity Timeline</a:t>
+            </a:r>
+          </a:p>
+          <a:p>
+            <a:r>
+              <a:rPr lang="en-GB" dirty="0"/>
+              <a:t>- **First Home (App Usage Start)**: `</a:t>
+            </a:r>
+            <a:r>
+              <a:rPr lang="en-GB" dirty="0" err="1"/>
+              <a:t>userinfo_first_home</a:t>
+            </a:r>
+            <a:r>
+              <a:rPr lang="en-GB" dirty="0"/>
+              <a:t>` = `2020-02-08T14:54:52.463-05:00`  </a:t>
+            </a:r>
+          </a:p>
+          <a:p>
+            <a:r>
+              <a:rPr lang="en-GB" dirty="0"/>
+              <a:t>  - Indicates the first time the user accessed the app’s home screen (February 8, 2020, 14:54:52 EST), marking the start of app usage.</a:t>
+            </a:r>
+          </a:p>
+          <a:p>
+            <a:r>
+              <a:rPr lang="en-GB" dirty="0"/>
+              <a:t>- **Last Update**: `</a:t>
+            </a:r>
+            <a:r>
+              <a:rPr lang="en-GB" dirty="0" err="1"/>
+              <a:t>userinfo_last_update</a:t>
+            </a:r>
+            <a:r>
+              <a:rPr lang="en-GB" dirty="0"/>
+              <a:t>` = `2020-02-08`  </a:t>
+            </a:r>
+          </a:p>
+          <a:p>
+            <a:r>
+              <a:rPr lang="en-GB" dirty="0"/>
+              <a:t>  - The last time user info was updated, aligning with the first home timestamp, suggesting this might be a new or recently active user.</a:t>
+            </a:r>
+          </a:p>
+          <a:p>
+            <a:r>
+              <a:rPr lang="en-GB" dirty="0"/>
+              <a:t>- **Last Contacts Fetch**: `</a:t>
+            </a:r>
+            <a:r>
+              <a:rPr lang="en-GB" dirty="0" err="1"/>
+              <a:t>last_contacts_get_millis</a:t>
+            </a:r>
+            <a:r>
+              <a:rPr lang="en-GB" dirty="0"/>
+              <a:t>` = `1581645128462` (February 14, 2020, 00:32:08 UTC)  </a:t>
+            </a:r>
+          </a:p>
+          <a:p>
+            <a:r>
+              <a:rPr lang="en-GB" dirty="0"/>
+              <a:t>  - The last time the app fetched the user’s contacts, which could indicate when the user last synced or accessed their contact list.</a:t>
+            </a:r>
+          </a:p>
+          <a:p>
+            <a:r>
+              <a:rPr lang="en-GB" dirty="0"/>
+              <a:t>- **User Drawer State Reported**: `</a:t>
+            </a:r>
+            <a:r>
+              <a:rPr lang="en-GB" dirty="0" err="1"/>
+              <a:t>user_drawer_state_reported_timestamp</a:t>
+            </a:r>
+            <a:r>
+              <a:rPr lang="en-GB" dirty="0"/>
+              <a:t>` = `1581645128481` (February 14, 2020, 00:32:08 UTC)  </a:t>
+            </a:r>
+          </a:p>
+          <a:p>
+            <a:r>
+              <a:rPr lang="en-GB" dirty="0"/>
+              <a:t>  - Likely the last time the app reported the state of the navigation drawer, indicating recent app interaction.</a:t>
+            </a:r>
+          </a:p>
+          <a:p>
+            <a:endParaRPr lang="en-GB" dirty="0"/>
+          </a:p>
+          <a:p>
+            <a:r>
+              <a:rPr lang="en-GB" dirty="0"/>
+              <a:t>#### 4. Account and App Configuration</a:t>
+            </a:r>
+          </a:p>
+          <a:p>
+            <a:r>
+              <a:rPr lang="en-GB" dirty="0"/>
+              <a:t>- **Account Status**: `</a:t>
+            </a:r>
+            <a:r>
+              <a:rPr lang="en-GB" dirty="0" err="1"/>
+              <a:t>userinfo_account_status</a:t>
+            </a:r>
+            <a:r>
+              <a:rPr lang="en-GB" dirty="0"/>
+              <a:t>` = `ENABLED`  </a:t>
+            </a:r>
+          </a:p>
+          <a:p>
+            <a:r>
+              <a:rPr lang="en-GB" dirty="0"/>
+              <a:t>  - Confirms the user’s account is active, meaning the app was functional at the time of data extraction.</a:t>
+            </a:r>
+          </a:p>
+          <a:p>
+            <a:r>
+              <a:rPr lang="en-GB" dirty="0"/>
+              <a:t>- **Account Balance**: `</a:t>
+            </a:r>
+            <a:r>
+              <a:rPr lang="en-GB" dirty="0" err="1"/>
+              <a:t>userinfo_account_balance</a:t>
+            </a:r>
+            <a:r>
+              <a:rPr lang="en-GB" dirty="0"/>
+              <a:t>` = `0`, `</a:t>
+            </a:r>
+            <a:r>
+              <a:rPr lang="en-GB" dirty="0" err="1"/>
+              <a:t>userinfo_account_balance_currency</a:t>
+            </a:r>
+            <a:r>
+              <a:rPr lang="en-GB" dirty="0"/>
+              <a:t>` = `USD`  </a:t>
+            </a:r>
+          </a:p>
+          <a:p>
+            <a:r>
+              <a:rPr lang="en-GB" dirty="0"/>
+              <a:t>  - The user has no balance in their </a:t>
+            </a:r>
+            <a:r>
+              <a:rPr lang="en-GB" dirty="0" err="1"/>
+              <a:t>TextNow</a:t>
+            </a:r>
+            <a:r>
+              <a:rPr lang="en-GB" dirty="0"/>
+              <a:t> account, which might indicate limited use of premium features.</a:t>
+            </a:r>
+          </a:p>
+          <a:p>
+            <a:r>
+              <a:rPr lang="en-GB" dirty="0"/>
+              <a:t>- **</a:t>
+            </a:r>
+            <a:r>
+              <a:rPr lang="en-GB" dirty="0" err="1"/>
+              <a:t>TextNow</a:t>
+            </a:r>
+            <a:r>
+              <a:rPr lang="en-GB" dirty="0"/>
+              <a:t> Credit**: `</a:t>
+            </a:r>
+            <a:r>
+              <a:rPr lang="en-GB" dirty="0" err="1"/>
+              <a:t>userinfo_textnow_credit</a:t>
+            </a:r>
+            <a:r>
+              <a:rPr lang="en-GB" dirty="0"/>
+              <a:t>` = `10`  </a:t>
+            </a:r>
+          </a:p>
+          <a:p>
+            <a:r>
+              <a:rPr lang="en-GB" dirty="0"/>
+              <a:t>  - The user has 10 credits, which might be used for in-app purchases or features.</a:t>
+            </a:r>
+          </a:p>
+          <a:p>
+            <a:r>
+              <a:rPr lang="en-GB" dirty="0"/>
+              <a:t>- **Registration Token**: `</a:t>
+            </a:r>
+            <a:r>
+              <a:rPr lang="en-GB" dirty="0" err="1"/>
+              <a:t>userinfo_registration_token</a:t>
+            </a:r>
+            <a:r>
+              <a:rPr lang="en-GB" dirty="0"/>
+              <a:t>` = `dGezQ94FoHs:APA91bHp7IzOKI55_XVmNu-oH5KKIdx1Y1ihGnsWzrhTAdKR1OTPqdt9exrsboVXHdvgkCaXPY5lHRdF1g2K9CialNSfx_glAiAmQj1Ndwg7N4gTS-mPMrAl3dKMla_kPKHkvErjYWxd`  </a:t>
+            </a:r>
+          </a:p>
+          <a:p>
+            <a:r>
+              <a:rPr lang="en-GB" dirty="0"/>
+              <a:t>  - This is likely a Firebase Cloud Messaging (FCM) token used for push notifications, which can be used to track the device or link it to other Firebase services.</a:t>
+            </a:r>
+          </a:p>
+          <a:p>
+            <a:r>
+              <a:rPr lang="en-GB" dirty="0"/>
+              <a:t>- **Application Version**: `</a:t>
+            </a:r>
+            <a:r>
+              <a:rPr lang="en-GB" dirty="0" err="1"/>
+              <a:t>application_version_code</a:t>
+            </a:r>
+            <a:r>
+              <a:rPr lang="en-GB" dirty="0"/>
+              <a:t>` = `13112`  </a:t>
+            </a:r>
+          </a:p>
+          <a:p>
+            <a:r>
+              <a:rPr lang="en-GB" dirty="0"/>
+              <a:t>  - Indicates the version of the </a:t>
+            </a:r>
+            <a:r>
+              <a:rPr lang="en-GB" dirty="0" err="1"/>
+              <a:t>TextNow</a:t>
+            </a:r>
+            <a:r>
+              <a:rPr lang="en-GB" dirty="0"/>
+              <a:t> app installed, which can help identify the app’s features and potential vulnerabilities at the time of use.</a:t>
+            </a:r>
+          </a:p>
+          <a:p>
+            <a:endParaRPr lang="en-GB" dirty="0"/>
+          </a:p>
+          <a:p>
+            <a:r>
+              <a:rPr lang="en-GB" dirty="0"/>
+              <a:t>#### 5. Ad and Analytics Data</a:t>
+            </a:r>
+          </a:p>
+          <a:p>
+            <a:r>
+              <a:rPr lang="en-GB" dirty="0"/>
+              <a:t>- **Native Instream Ad Count**: `</a:t>
+            </a:r>
+            <a:r>
+              <a:rPr lang="en-GB" dirty="0" err="1"/>
+              <a:t>userinfo_native_instream_ad_count</a:t>
+            </a:r>
+            <a:r>
+              <a:rPr lang="en-GB" dirty="0"/>
+              <a:t>` = `{"+19842032223":2}`  </a:t>
+            </a:r>
+          </a:p>
+          <a:p>
+            <a:r>
+              <a:rPr lang="en-GB" dirty="0"/>
+              <a:t>  - The user viewed 2 in-stream ads while interacting with the number `+19842032223`, linking ad exposure to specific contacts.</a:t>
+            </a:r>
+          </a:p>
+          <a:p>
+            <a:r>
+              <a:rPr lang="en-GB" dirty="0"/>
+              <a:t>- **Last Native Ad Times**: `</a:t>
+            </a:r>
+            <a:r>
+              <a:rPr lang="en-GB" dirty="0" err="1"/>
+              <a:t>userinfo_last_native_ad_time</a:t>
+            </a:r>
+            <a:r>
+              <a:rPr lang="en-GB" dirty="0"/>
+              <a:t>` = `1581645128970` (February 14, 2020, 00:32:08 UTC), `</a:t>
+            </a:r>
+            <a:r>
+              <a:rPr lang="en-GB" dirty="0" err="1"/>
+              <a:t>userinfo_last_native_video_ad_impression_time</a:t>
+            </a:r>
+            <a:r>
+              <a:rPr lang="en-GB" dirty="0"/>
+              <a:t>` = `1581271906424` (February 9, 2020, 18:11:46 UTC)  </a:t>
+            </a:r>
+          </a:p>
+          <a:p>
+            <a:r>
+              <a:rPr lang="en-GB" dirty="0"/>
+              <a:t>  - Timestamps of ad impressions, useful for understanding user activity and app monetization.</a:t>
+            </a:r>
+          </a:p>
+          <a:p>
+            <a:r>
+              <a:rPr lang="en-GB" dirty="0"/>
+              <a:t>- **Ad Categories**: `</a:t>
+            </a:r>
+            <a:r>
+              <a:rPr lang="en-GB" dirty="0" err="1"/>
+              <a:t>userinfo_ad_categories</a:t>
+            </a:r>
+            <a:r>
+              <a:rPr lang="en-GB" dirty="0"/>
+              <a:t>` = `</a:t>
+            </a:r>
+            <a:r>
+              <a:rPr lang="en-GB" dirty="0" err="1"/>
+              <a:t>m_gender:m</a:t>
+            </a:r>
+            <a:r>
+              <a:rPr lang="en-GB" dirty="0"/>
+              <a:t>`  </a:t>
+            </a:r>
+          </a:p>
+          <a:p>
+            <a:r>
+              <a:rPr lang="en-GB" dirty="0"/>
+              <a:t>  - Indicates the user is targeted for ads based on male gender, providing insight into ad profiling.</a:t>
+            </a:r>
+          </a:p>
+          <a:p>
+            <a:r>
+              <a:rPr lang="en-GB" dirty="0"/>
+              <a:t>- **CCPA Opt-Out**: `</a:t>
+            </a:r>
+            <a:r>
+              <a:rPr lang="en-GB" dirty="0" err="1"/>
+              <a:t>user_has_opted_out_under_ccpa</a:t>
+            </a:r>
+            <a:r>
+              <a:rPr lang="en-GB" dirty="0"/>
+              <a:t>` = `false`, `</a:t>
+            </a:r>
+            <a:r>
+              <a:rPr lang="en-GB" dirty="0" err="1"/>
+              <a:t>user_is_covered_under_ccpa</a:t>
+            </a:r>
+            <a:r>
+              <a:rPr lang="en-GB" dirty="0"/>
+              <a:t>` = `false`  </a:t>
+            </a:r>
+          </a:p>
+          <a:p>
+            <a:r>
+              <a:rPr lang="en-GB" dirty="0"/>
+              <a:t>  - The user is not covered under the California Consumer Privacy Act (CCPA) and has not opted out of data sharing, meaning their data might have been shared with third parties.</a:t>
+            </a:r>
+          </a:p>
+          <a:p>
+            <a:endParaRPr lang="en-GB" dirty="0"/>
+          </a:p>
+          <a:p>
+            <a:r>
+              <a:rPr lang="en-GB" dirty="0"/>
+              <a:t>#### 6. Encrypted or Encoded Data</a:t>
+            </a:r>
+          </a:p>
+          <a:p>
+            <a:r>
+              <a:rPr lang="en-GB" dirty="0"/>
+              <a:t>- **Encrypted/Encoded Strings**: Several key-value pairs appear to be encrypted or encoded, such as:</a:t>
+            </a:r>
+          </a:p>
+          <a:p>
+            <a:r>
+              <a:rPr lang="en-GB" dirty="0"/>
+              <a:t>  - `</a:t>
+            </a:r>
+            <a:r>
+              <a:rPr lang="en-GB" dirty="0" err="1"/>
+              <a:t>qayzlwx</a:t>
+            </a:r>
+            <a:r>
+              <a:rPr lang="en-GB" dirty="0"/>
+              <a:t>/Z/63zVrB/2XgV4Vfan3goyNTVqx+V52nAjU` = `Xq943SE5KDLigny255+OXg`</a:t>
+            </a:r>
+          </a:p>
+          <a:p>
+            <a:r>
+              <a:rPr lang="en-GB" dirty="0"/>
+              <a:t>  - `RyLipro7M7nuEsMghdXtKdhT5+aWtDXkXpbyL5jEK7o` = `Q6g3dLGeenvp8XvNzHbjaDPi6z8BRtD0ekOlR8fmxUMLZz8DkYfoecw+NkiydO//IK0mZmlI1n0mDOKYkQsTx9lDT2EgArhMLuYggXlXz8g`</a:t>
+            </a:r>
+          </a:p>
+          <a:p>
+            <a:r>
+              <a:rPr lang="en-GB" dirty="0"/>
+              <a:t>  - These might be encrypted tokens, session IDs, or other sensitive data. The keys are Base64-encoded, and the values might be encrypted or hashed. Decoding or decrypting these (if the encryption method is known) could reveal additional sensitive information, such as authentication tokens or device identifiers.</a:t>
+            </a:r>
+          </a:p>
+          <a:p>
+            <a:endParaRPr lang="en-GB" dirty="0"/>
+          </a:p>
+          <a:p>
+            <a:r>
+              <a:rPr lang="en-GB" dirty="0"/>
+              <a:t>#### 7. Feature Usage and Preferences</a:t>
+            </a:r>
+          </a:p>
+          <a:p>
+            <a:r>
+              <a:rPr lang="en-GB" dirty="0"/>
+              <a:t>- **Calling Support**: `</a:t>
+            </a:r>
+            <a:r>
+              <a:rPr lang="en-GB" dirty="0" err="1"/>
+              <a:t>is_calling_supported</a:t>
+            </a:r>
+            <a:r>
+              <a:rPr lang="en-GB" dirty="0"/>
+              <a:t>` = `true`  </a:t>
+            </a:r>
+          </a:p>
+          <a:p>
+            <a:r>
+              <a:rPr lang="en-GB" dirty="0"/>
+              <a:t>  - Confirms the device supports calling, aligning with the evidence of a recent call.</a:t>
+            </a:r>
+          </a:p>
+          <a:p>
+            <a:r>
+              <a:rPr lang="en-GB" dirty="0"/>
+              <a:t>- **E911 and 911 Prompt**: `userinfo_feature_e911_accepted` = `false`, `userinfo_911_prompt_accepted` = `false`  </a:t>
+            </a:r>
+          </a:p>
+          <a:p>
+            <a:r>
+              <a:rPr lang="en-GB" dirty="0"/>
+              <a:t>  - The user has not accepted emergency calling prompts, which might indicate limited use of calling features or avoidance of emergency services.</a:t>
+            </a:r>
+          </a:p>
+          <a:p>
+            <a:r>
+              <a:rPr lang="en-GB" dirty="0"/>
+              <a:t>- **Voicemail Transcription**: `</a:t>
+            </a:r>
+            <a:r>
+              <a:rPr lang="en-GB" dirty="0" err="1"/>
+              <a:t>vm_transcription_enabled</a:t>
+            </a:r>
+            <a:r>
+              <a:rPr lang="en-GB" dirty="0"/>
+              <a:t>` = `false`, `</a:t>
+            </a:r>
+            <a:r>
+              <a:rPr lang="en-GB" dirty="0" err="1"/>
+              <a:t>vm_transcription_user_enabled</a:t>
+            </a:r>
+            <a:r>
+              <a:rPr lang="en-GB" dirty="0"/>
+              <a:t>` = `false`  </a:t>
+            </a:r>
+          </a:p>
+          <a:p>
+            <a:r>
+              <a:rPr lang="en-GB" dirty="0"/>
+              <a:t>  - Voicemail transcription is disabled, so any voicemails (e.g., the one indicated by `</a:t>
+            </a:r>
+            <a:r>
+              <a:rPr lang="en-GB" dirty="0" err="1"/>
+              <a:t>userinfo_voicemail</a:t>
+            </a:r>
+            <a:r>
+              <a:rPr lang="en-GB" dirty="0"/>
+              <a:t>`) would be audio-only.</a:t>
+            </a:r>
+          </a:p>
+          <a:p>
+            <a:r>
+              <a:rPr lang="en-GB" dirty="0"/>
+              <a:t>- **Conversations Loaded**: `</a:t>
+            </a:r>
+            <a:r>
+              <a:rPr lang="en-GB" dirty="0" err="1"/>
+              <a:t>userinfo_conversations_loaded</a:t>
+            </a:r>
+            <a:r>
+              <a:rPr lang="en-GB" dirty="0"/>
+              <a:t>` = `true`  </a:t>
+            </a:r>
+          </a:p>
+          <a:p>
+            <a:r>
+              <a:rPr lang="en-GB" dirty="0"/>
+              <a:t>  - Indicates the app has loaded the user’s conversations, suggesting the user has interacted with the messaging feature.</a:t>
+            </a:r>
+          </a:p>
+          <a:p>
+            <a:endParaRPr lang="en-GB" dirty="0"/>
+          </a:p>
+          <a:p>
+            <a:r>
+              <a:rPr lang="en-GB" dirty="0"/>
+              <a:t>### Summary of Key Forensic Insights</a:t>
+            </a:r>
+          </a:p>
+          <a:p>
+            <a:r>
+              <a:rPr lang="en-GB" dirty="0"/>
+              <a:t>- **User Identity**: The user is identified as "This Is DFIR" with the username `</a:t>
+            </a:r>
+            <a:r>
+              <a:rPr lang="en-GB" dirty="0" err="1"/>
+              <a:t>thisisdfir</a:t>
+            </a:r>
+            <a:r>
+              <a:rPr lang="en-GB" dirty="0"/>
+              <a:t>`, email `thisisdfir@gmail.com`, and phone number `9842352054`. Their user ID is `4035506809899870760`.</a:t>
+            </a:r>
+          </a:p>
+          <a:p>
+            <a:r>
+              <a:rPr lang="en-GB" dirty="0"/>
+              <a:t>- **Communication Activity**: The user last called `+19842032223` on February 8, 2020, at 19:27:38 UTC. They have one voicemail and a recent message with ID `30102870972`.</a:t>
+            </a:r>
+          </a:p>
+          <a:p>
+            <a:r>
+              <a:rPr lang="en-GB" dirty="0"/>
+              <a:t>- **Timeline**: The user started using the app on February 8, 2020, with the last significant activity (e.g., contacts fetch, ad impression) on February 14, 2020.</a:t>
+            </a:r>
+          </a:p>
+          <a:p>
+            <a:r>
+              <a:rPr lang="en-GB" dirty="0"/>
+              <a:t>- **Ad Exposure**: The user viewed ads, including 2 in-stream ads related to `+19842032223`, and is targeted as male for ad purposes.</a:t>
+            </a:r>
+          </a:p>
+          <a:p>
+            <a:r>
+              <a:rPr lang="en-GB" dirty="0"/>
+              <a:t>- **Privacy Settings**: The user has not opted out of data sharing under CCPA and is not covered by it, meaning their data might have been shared with third parties.</a:t>
+            </a:r>
+          </a:p>
+          <a:p>
+            <a:r>
+              <a:rPr lang="en-GB" dirty="0"/>
+              <a:t>- **Encrypted Data**: Several encrypted or encoded strings might contain additional sensitive information (e.g., tokens, session IDs) if decrypted.</a:t>
+            </a:r>
+          </a:p>
+          <a:p>
+            <a:r>
+              <a:rPr lang="en-GB" dirty="0"/>
+              <a:t>- **App State**: The account is enabled, the app version is `13112`, and the user has 10 </a:t>
+            </a:r>
+            <a:r>
+              <a:rPr lang="en-GB" dirty="0" err="1"/>
+              <a:t>TextNow</a:t>
+            </a:r>
+            <a:r>
+              <a:rPr lang="en-GB" dirty="0"/>
+              <a:t> credits but a $0 balance in USD.</a:t>
+            </a:r>
+          </a:p>
+          <a:p>
+            <a:endParaRPr lang="en-GB" dirty="0"/>
+          </a:p>
+          <a:p>
+            <a:r>
+              <a:rPr lang="en-GB" dirty="0"/>
+              <a:t>### Recommendations for Further Investigation</a:t>
+            </a:r>
+          </a:p>
+          <a:p>
+            <a:r>
+              <a:rPr lang="en-GB" dirty="0"/>
+              <a:t>- **Cross-Reference with Databases**: Use the `</a:t>
+            </a:r>
+            <a:r>
+              <a:rPr lang="en-GB" dirty="0" err="1"/>
+              <a:t>userinfo_latest_msg_id</a:t>
+            </a:r>
+            <a:r>
+              <a:rPr lang="en-GB" dirty="0"/>
+              <a:t>` and `LAST_CALL_UUID` to extract message and call details from the `</a:t>
+            </a:r>
+            <a:r>
+              <a:rPr lang="en-GB" dirty="0" err="1"/>
+              <a:t>textnow_data.db</a:t>
+            </a:r>
+            <a:r>
+              <a:rPr lang="en-GB" dirty="0"/>
+              <a:t>` database (identified as valuable in the first image).</a:t>
+            </a:r>
+          </a:p>
+          <a:p>
+            <a:r>
+              <a:rPr lang="en-GB" dirty="0"/>
+              <a:t>- **Decrypt Encoded Data**: Investigate the encrypted strings (e.g., `RyLipro7M7nuEsMghdXtKdhT5+aWtDXkXpbyL5jEK7o`). If the encryption method is known (e.g., AES with a known key), these could reveal more sensitive data.</a:t>
+            </a:r>
+          </a:p>
+          <a:p>
+            <a:r>
+              <a:rPr lang="en-GB" dirty="0"/>
+              <a:t>- **Voicemail Analysis**: Extract the voicemail (indicated by `</a:t>
+            </a:r>
+            <a:r>
+              <a:rPr lang="en-GB" dirty="0" err="1"/>
+              <a:t>userinfo_voicemail</a:t>
+            </a:r>
+            <a:r>
+              <a:rPr lang="en-GB" dirty="0"/>
+              <a:t>` = `1`) from the app’s storage or databases to </a:t>
+            </a:r>
+            <a:r>
+              <a:rPr lang="en-GB" dirty="0" err="1"/>
+              <a:t>analyze</a:t>
+            </a:r>
+            <a:r>
+              <a:rPr lang="en-GB" dirty="0"/>
+              <a:t> its contents.</a:t>
+            </a:r>
+          </a:p>
+          <a:p>
+            <a:r>
+              <a:rPr lang="en-GB" dirty="0"/>
+              <a:t>- **Ad and Analytics Correlation**: Use the ad-related data (e.g., `</a:t>
+            </a:r>
+            <a:r>
+              <a:rPr lang="en-GB" dirty="0" err="1"/>
+              <a:t>userinfo_native_instream_ad_count</a:t>
+            </a:r>
+            <a:r>
+              <a:rPr lang="en-GB" dirty="0"/>
+              <a:t>`, `</a:t>
+            </a:r>
+            <a:r>
+              <a:rPr lang="en-GB" dirty="0" err="1"/>
+              <a:t>userinfo_ad_categories</a:t>
+            </a:r>
+            <a:r>
+              <a:rPr lang="en-GB" dirty="0"/>
+              <a:t>`) to correlate with ad databases like `</a:t>
+            </a:r>
+            <a:r>
+              <a:rPr lang="en-GB" dirty="0" err="1"/>
+              <a:t>ads.db</a:t>
+            </a:r>
+            <a:r>
+              <a:rPr lang="en-GB" dirty="0"/>
+              <a:t>` or `</a:t>
+            </a:r>
+            <a:r>
+              <a:rPr lang="en-GB" dirty="0" err="1"/>
+              <a:t>supersonic_sdk.db</a:t>
+            </a:r>
+            <a:r>
+              <a:rPr lang="en-GB" dirty="0"/>
+              <a:t>` for more insights into user </a:t>
+            </a:r>
+            <a:r>
+              <a:rPr lang="en-GB" dirty="0" err="1"/>
+              <a:t>behavior</a:t>
+            </a:r>
+            <a:r>
+              <a:rPr lang="en-GB" dirty="0"/>
+              <a:t>.</a:t>
+            </a:r>
+          </a:p>
+          <a:p>
+            <a:endParaRPr lang="en-GB" dirty="0"/>
+          </a:p>
+          <a:p>
+            <a:r>
+              <a:rPr lang="en-GB" dirty="0"/>
+              <a:t>This Shared Preferences file provides a wealth of forensic data, particularly around user identity, communication history, and app usage patterns, making it a critical artifact for investigation. Would you like to explore any specific aspect further, such as decoding the encrypted strings or extracting data from related databases?</a:t>
+            </a:r>
+            <a:endParaRPr lang="en-US" dirty="0"/>
           </a:p>
         </p:txBody>
       </p:sp>
       <p:sp>
         <p:nvSpPr>
-          <p:cNvPr id="4" name="Slide Number Placeholder 3"/>
+          <p:cNvPr id="4" name="Slide Number Placeholder 3">
+            <a:extLst>
+              <a:ext uri="{FF2B5EF4-FFF2-40B4-BE49-F238E27FC236}">
+                <a16:creationId xmlns:a16="http://schemas.microsoft.com/office/drawing/2014/main" id="{393ADD98-ABBF-9A2B-0B0C-62CD7C79D91E}"/>
+              </a:ext>
+            </a:extLst>
+          </p:cNvPr>
           <p:cNvSpPr>
             <a:spLocks noGrp="1"/>
           </p:cNvSpPr>
@@ -4971,7 +6617,7 @@
           <a:p>
             <a:fld id="{DDBF98C7-164A-4723-84F0-B1E4B080DDEC}" type="slidenum">
               <a:rPr lang="en-US" smtClean="0"/>
-              <a:t>10</a:t>
+              <a:t>11</a:t>
             </a:fld>
             <a:endParaRPr lang="en-US"/>
           </a:p>
@@ -4980,7 +6626,7 @@
     </p:spTree>
     <p:extLst>
       <p:ext uri="{BB962C8B-B14F-4D97-AF65-F5344CB8AC3E}">
-        <p14:creationId xmlns:p14="http://schemas.microsoft.com/office/powerpoint/2010/main" val="636914409"/>
+        <p14:creationId xmlns:p14="http://schemas.microsoft.com/office/powerpoint/2010/main" val="2423278714"/>
       </p:ext>
     </p:extLst>
   </p:cSld>
@@ -5035,53 +6681,1007 @@
           <a:lstStyle/>
           <a:p>
             <a:r>
-              <a:rPr lang="en-US" dirty="0" err="1">
-                <a:cs typeface="Calibri"/>
-              </a:rPr>
-              <a:t>Cmd</a:t>
-            </a:r>
-            <a:r>
-              <a:rPr lang="en-US" dirty="0">
-                <a:cs typeface="Calibri"/>
-              </a:rPr>
-              <a:t>: </a:t>
-            </a:r>
-            <a:r>
-              <a:rPr lang="en-US" dirty="0" err="1">
-                <a:cs typeface="Calibri"/>
-              </a:rPr>
-              <a:t>sqlitebrowser</a:t>
-            </a:r>
-            <a:r>
-              <a:rPr lang="en-US" dirty="0">
-                <a:cs typeface="Calibri"/>
-              </a:rPr>
-              <a:t> 'Pixel 3/data/data/</a:t>
-            </a:r>
-            <a:r>
-              <a:rPr lang="en-US" dirty="0" err="1">
-                <a:cs typeface="Calibri"/>
-              </a:rPr>
+              <a:rPr lang="en-GB" dirty="0"/>
+              <a:t>The provided text is a Shared Preferences XML file from the `</a:t>
+            </a:r>
+            <a:r>
+              <a:rPr lang="en-GB" dirty="0" err="1"/>
+              <a:t>shared_prefs</a:t>
+            </a:r>
+            <a:r>
+              <a:rPr lang="en-GB" dirty="0"/>
+              <a:t>/` directory of the </a:t>
+            </a:r>
+            <a:r>
+              <a:rPr lang="en-GB" dirty="0" err="1"/>
+              <a:t>TextNow</a:t>
+            </a:r>
+            <a:r>
+              <a:rPr lang="en-GB" dirty="0"/>
+              <a:t> app on a Pixel 3 device (`Pixel 3/data/data/</a:t>
+            </a:r>
+            <a:r>
+              <a:rPr lang="en-GB" dirty="0" err="1"/>
               <a:t>com.enflick.android.TextNow</a:t>
             </a:r>
             <a:r>
-              <a:rPr lang="en-US" dirty="0">
-                <a:cs typeface="Calibri"/>
-              </a:rPr>
-              <a:t>/databases/</a:t>
-            </a:r>
-            <a:r>
-              <a:rPr lang="en-US" dirty="0" err="1">
-                <a:cs typeface="Calibri"/>
-              </a:rPr>
+              <a:rPr lang="en-GB" dirty="0"/>
+              <a:t>/</a:t>
+            </a:r>
+            <a:r>
+              <a:rPr lang="en-GB" dirty="0" err="1"/>
+              <a:t>shared_prefs</a:t>
+            </a:r>
+            <a:r>
+              <a:rPr lang="en-GB" dirty="0"/>
+              <a:t>/`). This XML file contains key-value pairs that store various user settings, app states, and potentially sensitive data. Below is a summary of the most valuable forensic information that can be extracted from this file, focusing on data that could be useful for understanding user identity, </a:t>
+            </a:r>
+            <a:r>
+              <a:rPr lang="en-GB" dirty="0" err="1"/>
+              <a:t>behavior</a:t>
+            </a:r>
+            <a:r>
+              <a:rPr lang="en-GB" dirty="0"/>
+              <a:t>, communications, and app usage.</a:t>
+            </a:r>
+          </a:p>
+          <a:p>
+            <a:endParaRPr lang="en-GB" dirty="0"/>
+          </a:p>
+          <a:p>
+            <a:r>
+              <a:rPr lang="en-GB" dirty="0"/>
+              <a:t>### Most Valuable Forensic Information</a:t>
+            </a:r>
+          </a:p>
+          <a:p>
+            <a:endParaRPr lang="en-GB" dirty="0"/>
+          </a:p>
+          <a:p>
+            <a:r>
+              <a:rPr lang="en-GB" dirty="0"/>
+              <a:t>#### 1. User Identity and Personal Information</a:t>
+            </a:r>
+          </a:p>
+          <a:p>
+            <a:r>
+              <a:rPr lang="en-GB" dirty="0"/>
+              <a:t>- **Username**: `</a:t>
+            </a:r>
+            <a:r>
+              <a:rPr lang="en-GB" dirty="0" err="1"/>
+              <a:t>userinfo_username</a:t>
+            </a:r>
+            <a:r>
+              <a:rPr lang="en-GB" dirty="0"/>
+              <a:t>` = `</a:t>
+            </a:r>
+            <a:r>
+              <a:rPr lang="en-GB" dirty="0" err="1"/>
+              <a:t>thisisdfir</a:t>
+            </a:r>
+            <a:r>
+              <a:rPr lang="en-GB" dirty="0"/>
+              <a:t>`  </a:t>
+            </a:r>
+          </a:p>
+          <a:p>
+            <a:r>
+              <a:rPr lang="en-GB" dirty="0"/>
+              <a:t>  - This reveals the user’s </a:t>
+            </a:r>
+            <a:r>
+              <a:rPr lang="en-GB" dirty="0" err="1"/>
+              <a:t>TextNow</a:t>
+            </a:r>
+            <a:r>
+              <a:rPr lang="en-GB" dirty="0"/>
+              <a:t> username, which can be used to identify the user within the app’s ecosystem.</a:t>
+            </a:r>
+          </a:p>
+          <a:p>
+            <a:r>
+              <a:rPr lang="en-GB" dirty="0"/>
+              <a:t>- **Email**: `</a:t>
+            </a:r>
+            <a:r>
+              <a:rPr lang="en-GB" dirty="0" err="1"/>
+              <a:t>userinfo_email</a:t>
+            </a:r>
+            <a:r>
+              <a:rPr lang="en-GB" dirty="0"/>
+              <a:t>` = `thisisdfir@gmail.com`  </a:t>
+            </a:r>
+          </a:p>
+          <a:p>
+            <a:r>
+              <a:rPr lang="en-GB" dirty="0"/>
+              <a:t>  - The user’s email address is a critical piece of identifiable information, useful for linking the user to other accounts or services.</a:t>
+            </a:r>
+          </a:p>
+          <a:p>
+            <a:r>
+              <a:rPr lang="en-GB" dirty="0"/>
+              <a:t>- **Phone Number**: `</a:t>
+            </a:r>
+            <a:r>
+              <a:rPr lang="en-GB" dirty="0" err="1"/>
+              <a:t>userinfo_phone</a:t>
+            </a:r>
+            <a:r>
+              <a:rPr lang="en-GB" dirty="0"/>
+              <a:t>` = `9842352054`  </a:t>
+            </a:r>
+          </a:p>
+          <a:p>
+            <a:r>
+              <a:rPr lang="en-GB" dirty="0"/>
+              <a:t>  - This appears to be the user’s assigned </a:t>
+            </a:r>
+            <a:r>
+              <a:rPr lang="en-GB" dirty="0" err="1"/>
+              <a:t>TextNow</a:t>
+            </a:r>
+            <a:r>
+              <a:rPr lang="en-GB" dirty="0"/>
+              <a:t> phone number, which can be used to track communications made through the app.</a:t>
+            </a:r>
+          </a:p>
+          <a:p>
+            <a:r>
+              <a:rPr lang="en-GB" dirty="0"/>
+              <a:t>- **First Name and Last Name**: `</a:t>
+            </a:r>
+            <a:r>
+              <a:rPr lang="en-GB" dirty="0" err="1"/>
+              <a:t>userinfo_firstname</a:t>
+            </a:r>
+            <a:r>
+              <a:rPr lang="en-GB" dirty="0"/>
+              <a:t>` = `This Is`, `</a:t>
+            </a:r>
+            <a:r>
+              <a:rPr lang="en-GB" dirty="0" err="1"/>
+              <a:t>userinfo_lastname</a:t>
+            </a:r>
+            <a:r>
+              <a:rPr lang="en-GB" dirty="0"/>
+              <a:t>` = `DFIR`  </a:t>
+            </a:r>
+          </a:p>
+          <a:p>
+            <a:r>
+              <a:rPr lang="en-GB" dirty="0"/>
+              <a:t>  - The user’s full name (This Is DFIR) provides additional identifiable information, potentially linking to real-world identity.</a:t>
+            </a:r>
+          </a:p>
+          <a:p>
+            <a:r>
+              <a:rPr lang="en-GB" dirty="0"/>
+              <a:t>- **User ID**: `</a:t>
+            </a:r>
+            <a:r>
+              <a:rPr lang="en-GB" dirty="0" err="1"/>
+              <a:t>userinfo_user_id</a:t>
+            </a:r>
+            <a:r>
+              <a:rPr lang="en-GB" dirty="0"/>
+              <a:t>` = `4035506809899870760`  </a:t>
+            </a:r>
+          </a:p>
+          <a:p>
+            <a:r>
+              <a:rPr lang="en-GB" dirty="0"/>
+              <a:t>  - A unique identifier for the user within </a:t>
+            </a:r>
+            <a:r>
+              <a:rPr lang="en-GB" dirty="0" err="1"/>
+              <a:t>TextNow’s</a:t>
+            </a:r>
+            <a:r>
+              <a:rPr lang="en-GB" dirty="0"/>
+              <a:t> system, useful for correlating data across different parts of the app or </a:t>
+            </a:r>
+            <a:r>
+              <a:rPr lang="en-GB" dirty="0" err="1"/>
+              <a:t>TextNow’s</a:t>
+            </a:r>
+            <a:r>
+              <a:rPr lang="en-GB" dirty="0"/>
+              <a:t> servers.</a:t>
+            </a:r>
+          </a:p>
+          <a:p>
+            <a:r>
+              <a:rPr lang="en-GB" dirty="0"/>
+              <a:t>- **Gender**: `</a:t>
+            </a:r>
+            <a:r>
+              <a:rPr lang="en-GB" dirty="0" err="1"/>
+              <a:t>userinfo_gender</a:t>
+            </a:r>
+            <a:r>
+              <a:rPr lang="en-GB" dirty="0"/>
+              <a:t>` = `1`  </a:t>
+            </a:r>
+          </a:p>
+          <a:p>
+            <a:r>
+              <a:rPr lang="en-GB" dirty="0"/>
+              <a:t>  - Likely indicates the user’s gender (e.g., 1 might represent male), which could be used for profiling or ad targeting.</a:t>
+            </a:r>
+          </a:p>
+          <a:p>
+            <a:endParaRPr lang="en-GB" dirty="0"/>
+          </a:p>
+          <a:p>
+            <a:r>
+              <a:rPr lang="en-GB" dirty="0"/>
+              <a:t>#### 2. Communication Details</a:t>
+            </a:r>
+          </a:p>
+          <a:p>
+            <a:r>
+              <a:rPr lang="en-GB" dirty="0"/>
+              <a:t>- **Last Called Number**: `</a:t>
+            </a:r>
+            <a:r>
+              <a:rPr lang="en-GB" dirty="0" err="1"/>
+              <a:t>userinfo_last_number_called</a:t>
+            </a:r>
+            <a:r>
+              <a:rPr lang="en-GB" dirty="0"/>
+              <a:t>` = `+19842032223`, `LAST_CALL_DESTINATION` = `+19842032223`  </a:t>
+            </a:r>
+          </a:p>
+          <a:p>
+            <a:r>
+              <a:rPr lang="en-GB" dirty="0"/>
+              <a:t>  - The phone number `+19842032223` was the last number called, providing insight into the user’s recent communications.</a:t>
+            </a:r>
+          </a:p>
+          <a:p>
+            <a:r>
+              <a:rPr lang="en-GB" dirty="0"/>
+              <a:t>- **Last Call UUID**: `LAST_CALL_UUID` = `ad215984-b355-4629-b2e8-0773ab0a098a`  </a:t>
+            </a:r>
+          </a:p>
+          <a:p>
+            <a:r>
+              <a:rPr lang="en-GB" dirty="0"/>
+              <a:t>  - A unique identifier for the last call, which could be used to retrieve more details about the call (e.g., duration, type) from other databases like `</a:t>
+            </a:r>
+            <a:r>
+              <a:rPr lang="en-GB" dirty="0" err="1"/>
               <a:t>textnow_data.db</a:t>
             </a:r>
             <a:r>
-              <a:rPr lang="en-US" dirty="0">
-                <a:cs typeface="Calibri"/>
-              </a:rPr>
-              <a:t>'</a:t>
-            </a:r>
+              <a:rPr lang="en-GB" dirty="0"/>
+              <a:t>`.</a:t>
+            </a:r>
+          </a:p>
+          <a:p>
+            <a:r>
+              <a:rPr lang="en-GB" dirty="0"/>
+              <a:t>- **Last Call Time**: `LAST_CALL_TIME` = `1581192458738`  </a:t>
+            </a:r>
+          </a:p>
+          <a:p>
+            <a:r>
+              <a:rPr lang="en-GB" dirty="0"/>
+              <a:t>  - This timestamp (February 8, 2020, 19:27:38 UTC) indicates when the last call was made, useful for establishing a timeline of user activity.</a:t>
+            </a:r>
+          </a:p>
+          <a:p>
+            <a:r>
+              <a:rPr lang="en-GB" dirty="0"/>
+              <a:t>- **Latest Message ID**: `</a:t>
+            </a:r>
+            <a:r>
+              <a:rPr lang="en-GB" dirty="0" err="1"/>
+              <a:t>userinfo_latest_msg_id</a:t>
+            </a:r>
+            <a:r>
+              <a:rPr lang="en-GB" dirty="0"/>
+              <a:t>` = `30102870972`  </a:t>
+            </a:r>
+          </a:p>
+          <a:p>
+            <a:r>
+              <a:rPr lang="en-GB" dirty="0"/>
+              <a:t>  - Indicates the ID of the most recent message, which can be cross-referenced with the `</a:t>
+            </a:r>
+            <a:r>
+              <a:rPr lang="en-GB" dirty="0" err="1"/>
+              <a:t>textnow_data.db</a:t>
+            </a:r>
+            <a:r>
+              <a:rPr lang="en-GB" dirty="0"/>
+              <a:t>` database to retrieve message content or metadata.</a:t>
+            </a:r>
+          </a:p>
+          <a:p>
+            <a:r>
+              <a:rPr lang="en-GB" dirty="0"/>
+              <a:t>- **Voicemail**: `</a:t>
+            </a:r>
+            <a:r>
+              <a:rPr lang="en-GB" dirty="0" err="1"/>
+              <a:t>userinfo_voicemail</a:t>
+            </a:r>
+            <a:r>
+              <a:rPr lang="en-GB" dirty="0"/>
+              <a:t>` = `1`  </a:t>
+            </a:r>
+          </a:p>
+          <a:p>
+            <a:r>
+              <a:rPr lang="en-GB" dirty="0"/>
+              <a:t>  - Suggests the user has one voicemail, which might contain additional audio data or messages.</a:t>
+            </a:r>
+          </a:p>
+          <a:p>
+            <a:endParaRPr lang="en-GB" dirty="0"/>
+          </a:p>
+          <a:p>
+            <a:r>
+              <a:rPr lang="en-GB" dirty="0"/>
+              <a:t>#### 3. Timestamps and Activity Timeline</a:t>
+            </a:r>
+          </a:p>
+          <a:p>
+            <a:r>
+              <a:rPr lang="en-GB" dirty="0"/>
+              <a:t>- **First Home (App Usage Start)**: `</a:t>
+            </a:r>
+            <a:r>
+              <a:rPr lang="en-GB" dirty="0" err="1"/>
+              <a:t>userinfo_first_home</a:t>
+            </a:r>
+            <a:r>
+              <a:rPr lang="en-GB" dirty="0"/>
+              <a:t>` = `2020-02-08T14:54:52.463-05:00`  </a:t>
+            </a:r>
+          </a:p>
+          <a:p>
+            <a:r>
+              <a:rPr lang="en-GB" dirty="0"/>
+              <a:t>  - Indicates the first time the user accessed the app’s home screen (February 8, 2020, 14:54:52 EST), marking the start of app usage.</a:t>
+            </a:r>
+          </a:p>
+          <a:p>
+            <a:r>
+              <a:rPr lang="en-GB" dirty="0"/>
+              <a:t>- **Last Update**: `</a:t>
+            </a:r>
+            <a:r>
+              <a:rPr lang="en-GB" dirty="0" err="1"/>
+              <a:t>userinfo_last_update</a:t>
+            </a:r>
+            <a:r>
+              <a:rPr lang="en-GB" dirty="0"/>
+              <a:t>` = `2020-02-08`  </a:t>
+            </a:r>
+          </a:p>
+          <a:p>
+            <a:r>
+              <a:rPr lang="en-GB" dirty="0"/>
+              <a:t>  - The last time user info was updated, aligning with the first home timestamp, suggesting this might be a new or recently active user.</a:t>
+            </a:r>
+          </a:p>
+          <a:p>
+            <a:r>
+              <a:rPr lang="en-GB" dirty="0"/>
+              <a:t>- **Last Contacts Fetch**: `</a:t>
+            </a:r>
+            <a:r>
+              <a:rPr lang="en-GB" dirty="0" err="1"/>
+              <a:t>last_contacts_get_millis</a:t>
+            </a:r>
+            <a:r>
+              <a:rPr lang="en-GB" dirty="0"/>
+              <a:t>` = `1581645128462` (February 14, 2020, 00:32:08 UTC)  </a:t>
+            </a:r>
+          </a:p>
+          <a:p>
+            <a:r>
+              <a:rPr lang="en-GB" dirty="0"/>
+              <a:t>  - The last time the app fetched the user’s contacts, which could indicate when the user last synced or accessed their contact list.</a:t>
+            </a:r>
+          </a:p>
+          <a:p>
+            <a:r>
+              <a:rPr lang="en-GB" dirty="0"/>
+              <a:t>- **User Drawer State Reported**: `</a:t>
+            </a:r>
+            <a:r>
+              <a:rPr lang="en-GB" dirty="0" err="1"/>
+              <a:t>user_drawer_state_reported_timestamp</a:t>
+            </a:r>
+            <a:r>
+              <a:rPr lang="en-GB" dirty="0"/>
+              <a:t>` = `1581645128481` (February 14, 2020, 00:32:08 UTC)  </a:t>
+            </a:r>
+          </a:p>
+          <a:p>
+            <a:r>
+              <a:rPr lang="en-GB" dirty="0"/>
+              <a:t>  - Likely the last time the app reported the state of the navigation drawer, indicating recent app interaction.</a:t>
+            </a:r>
+          </a:p>
+          <a:p>
+            <a:endParaRPr lang="en-GB" dirty="0"/>
+          </a:p>
+          <a:p>
+            <a:r>
+              <a:rPr lang="en-GB" dirty="0"/>
+              <a:t>#### 4. Account and App Configuration</a:t>
+            </a:r>
+          </a:p>
+          <a:p>
+            <a:r>
+              <a:rPr lang="en-GB" dirty="0"/>
+              <a:t>- **Account Status**: `</a:t>
+            </a:r>
+            <a:r>
+              <a:rPr lang="en-GB" dirty="0" err="1"/>
+              <a:t>userinfo_account_status</a:t>
+            </a:r>
+            <a:r>
+              <a:rPr lang="en-GB" dirty="0"/>
+              <a:t>` = `ENABLED`  </a:t>
+            </a:r>
+          </a:p>
+          <a:p>
+            <a:r>
+              <a:rPr lang="en-GB" dirty="0"/>
+              <a:t>  - Confirms the user’s account is active, meaning the app was functional at the time of data extraction.</a:t>
+            </a:r>
+          </a:p>
+          <a:p>
+            <a:r>
+              <a:rPr lang="en-GB" dirty="0"/>
+              <a:t>- **Account Balance**: `</a:t>
+            </a:r>
+            <a:r>
+              <a:rPr lang="en-GB" dirty="0" err="1"/>
+              <a:t>userinfo_account_balance</a:t>
+            </a:r>
+            <a:r>
+              <a:rPr lang="en-GB" dirty="0"/>
+              <a:t>` = `0`, `</a:t>
+            </a:r>
+            <a:r>
+              <a:rPr lang="en-GB" dirty="0" err="1"/>
+              <a:t>userinfo_account_balance_currency</a:t>
+            </a:r>
+            <a:r>
+              <a:rPr lang="en-GB" dirty="0"/>
+              <a:t>` = `USD`  </a:t>
+            </a:r>
+          </a:p>
+          <a:p>
+            <a:r>
+              <a:rPr lang="en-GB" dirty="0"/>
+              <a:t>  - The user has no balance in their </a:t>
+            </a:r>
+            <a:r>
+              <a:rPr lang="en-GB" dirty="0" err="1"/>
+              <a:t>TextNow</a:t>
+            </a:r>
+            <a:r>
+              <a:rPr lang="en-GB" dirty="0"/>
+              <a:t> account, which might indicate limited use of premium features.</a:t>
+            </a:r>
+          </a:p>
+          <a:p>
+            <a:r>
+              <a:rPr lang="en-GB" dirty="0"/>
+              <a:t>- **</a:t>
+            </a:r>
+            <a:r>
+              <a:rPr lang="en-GB" dirty="0" err="1"/>
+              <a:t>TextNow</a:t>
+            </a:r>
+            <a:r>
+              <a:rPr lang="en-GB" dirty="0"/>
+              <a:t> Credit**: `</a:t>
+            </a:r>
+            <a:r>
+              <a:rPr lang="en-GB" dirty="0" err="1"/>
+              <a:t>userinfo_textnow_credit</a:t>
+            </a:r>
+            <a:r>
+              <a:rPr lang="en-GB" dirty="0"/>
+              <a:t>` = `10`  </a:t>
+            </a:r>
+          </a:p>
+          <a:p>
+            <a:r>
+              <a:rPr lang="en-GB" dirty="0"/>
+              <a:t>  - The user has 10 credits, which might be used for in-app purchases or features.</a:t>
+            </a:r>
+          </a:p>
+          <a:p>
+            <a:r>
+              <a:rPr lang="en-GB" dirty="0"/>
+              <a:t>- **Registration Token**: `</a:t>
+            </a:r>
+            <a:r>
+              <a:rPr lang="en-GB" dirty="0" err="1"/>
+              <a:t>userinfo_registration_token</a:t>
+            </a:r>
+            <a:r>
+              <a:rPr lang="en-GB" dirty="0"/>
+              <a:t>` = `dGezQ94FoHs:APA91bHp7IzOKI55_XVmNu-oH5KKIdx1Y1ihGnsWzrhTAdKR1OTPqdt9exrsboVXHdvgkCaXPY5lHRdF1g2K9CialNSfx_glAiAmQj1Ndwg7N4gTS-mPMrAl3dKMla_kPKHkvErjYWxd`  </a:t>
+            </a:r>
+          </a:p>
+          <a:p>
+            <a:r>
+              <a:rPr lang="en-GB" dirty="0"/>
+              <a:t>  - This is likely a Firebase Cloud Messaging (FCM) token used for push notifications, which can be used to track the device or link it to other Firebase services.</a:t>
+            </a:r>
+          </a:p>
+          <a:p>
+            <a:r>
+              <a:rPr lang="en-GB" dirty="0"/>
+              <a:t>- **Application Version**: `</a:t>
+            </a:r>
+            <a:r>
+              <a:rPr lang="en-GB" dirty="0" err="1"/>
+              <a:t>application_version_code</a:t>
+            </a:r>
+            <a:r>
+              <a:rPr lang="en-GB" dirty="0"/>
+              <a:t>` = `13112`  </a:t>
+            </a:r>
+          </a:p>
+          <a:p>
+            <a:r>
+              <a:rPr lang="en-GB" dirty="0"/>
+              <a:t>  - Indicates the version of the </a:t>
+            </a:r>
+            <a:r>
+              <a:rPr lang="en-GB" dirty="0" err="1"/>
+              <a:t>TextNow</a:t>
+            </a:r>
+            <a:r>
+              <a:rPr lang="en-GB" dirty="0"/>
+              <a:t> app installed, which can help identify the app’s features and potential vulnerabilities at the time of use.</a:t>
+            </a:r>
+          </a:p>
+          <a:p>
+            <a:endParaRPr lang="en-GB" dirty="0"/>
+          </a:p>
+          <a:p>
+            <a:r>
+              <a:rPr lang="en-GB" dirty="0"/>
+              <a:t>#### 5. Ad and Analytics Data</a:t>
+            </a:r>
+          </a:p>
+          <a:p>
+            <a:r>
+              <a:rPr lang="en-GB" dirty="0"/>
+              <a:t>- **Native Instream Ad Count**: `</a:t>
+            </a:r>
+            <a:r>
+              <a:rPr lang="en-GB" dirty="0" err="1"/>
+              <a:t>userinfo_native_instream_ad_count</a:t>
+            </a:r>
+            <a:r>
+              <a:rPr lang="en-GB" dirty="0"/>
+              <a:t>` = `{"+19842032223":2}`  </a:t>
+            </a:r>
+          </a:p>
+          <a:p>
+            <a:r>
+              <a:rPr lang="en-GB" dirty="0"/>
+              <a:t>  - The user viewed 2 in-stream ads while interacting with the number `+19842032223`, linking ad exposure to specific contacts.</a:t>
+            </a:r>
+          </a:p>
+          <a:p>
+            <a:r>
+              <a:rPr lang="en-GB" dirty="0"/>
+              <a:t>- **Last Native Ad Times**: `</a:t>
+            </a:r>
+            <a:r>
+              <a:rPr lang="en-GB" dirty="0" err="1"/>
+              <a:t>userinfo_last_native_ad_time</a:t>
+            </a:r>
+            <a:r>
+              <a:rPr lang="en-GB" dirty="0"/>
+              <a:t>` = `1581645128970` (February 14, 2020, 00:32:08 UTC), `</a:t>
+            </a:r>
+            <a:r>
+              <a:rPr lang="en-GB" dirty="0" err="1"/>
+              <a:t>userinfo_last_native_video_ad_impression_time</a:t>
+            </a:r>
+            <a:r>
+              <a:rPr lang="en-GB" dirty="0"/>
+              <a:t>` = `1581271906424` (February 9, 2020, 18:11:46 UTC)  </a:t>
+            </a:r>
+          </a:p>
+          <a:p>
+            <a:r>
+              <a:rPr lang="en-GB" dirty="0"/>
+              <a:t>  - Timestamps of ad impressions, useful for understanding user activity and app monetization.</a:t>
+            </a:r>
+          </a:p>
+          <a:p>
+            <a:r>
+              <a:rPr lang="en-GB" dirty="0"/>
+              <a:t>- **Ad Categories**: `</a:t>
+            </a:r>
+            <a:r>
+              <a:rPr lang="en-GB" dirty="0" err="1"/>
+              <a:t>userinfo_ad_categories</a:t>
+            </a:r>
+            <a:r>
+              <a:rPr lang="en-GB" dirty="0"/>
+              <a:t>` = `</a:t>
+            </a:r>
+            <a:r>
+              <a:rPr lang="en-GB" dirty="0" err="1"/>
+              <a:t>m_gender:m</a:t>
+            </a:r>
+            <a:r>
+              <a:rPr lang="en-GB" dirty="0"/>
+              <a:t>`  </a:t>
+            </a:r>
+          </a:p>
+          <a:p>
+            <a:r>
+              <a:rPr lang="en-GB" dirty="0"/>
+              <a:t>  - Indicates the user is targeted for ads based on male gender, providing insight into ad profiling.</a:t>
+            </a:r>
+          </a:p>
+          <a:p>
+            <a:r>
+              <a:rPr lang="en-GB" dirty="0"/>
+              <a:t>- **CCPA Opt-Out**: `</a:t>
+            </a:r>
+            <a:r>
+              <a:rPr lang="en-GB" dirty="0" err="1"/>
+              <a:t>user_has_opted_out_under_ccpa</a:t>
+            </a:r>
+            <a:r>
+              <a:rPr lang="en-GB" dirty="0"/>
+              <a:t>` = `false`, `</a:t>
+            </a:r>
+            <a:r>
+              <a:rPr lang="en-GB" dirty="0" err="1"/>
+              <a:t>user_is_covered_under_ccpa</a:t>
+            </a:r>
+            <a:r>
+              <a:rPr lang="en-GB" dirty="0"/>
+              <a:t>` = `false`  </a:t>
+            </a:r>
+          </a:p>
+          <a:p>
+            <a:r>
+              <a:rPr lang="en-GB" dirty="0"/>
+              <a:t>  - The user is not covered under the California Consumer Privacy Act (CCPA) and has not opted out of data sharing, meaning their data might have been shared with third parties.</a:t>
+            </a:r>
+          </a:p>
+          <a:p>
+            <a:endParaRPr lang="en-GB" dirty="0"/>
+          </a:p>
+          <a:p>
+            <a:r>
+              <a:rPr lang="en-GB" dirty="0"/>
+              <a:t>#### 6. Encrypted or Encoded Data</a:t>
+            </a:r>
+          </a:p>
+          <a:p>
+            <a:r>
+              <a:rPr lang="en-GB" dirty="0"/>
+              <a:t>- **Encrypted/Encoded Strings**: Several key-value pairs appear to be encrypted or encoded, such as:</a:t>
+            </a:r>
+          </a:p>
+          <a:p>
+            <a:r>
+              <a:rPr lang="en-GB" dirty="0"/>
+              <a:t>  - `</a:t>
+            </a:r>
+            <a:r>
+              <a:rPr lang="en-GB" dirty="0" err="1"/>
+              <a:t>qayzlwx</a:t>
+            </a:r>
+            <a:r>
+              <a:rPr lang="en-GB" dirty="0"/>
+              <a:t>/Z/63zVrB/2XgV4Vfan3goyNTVqx+V52nAjU` = `Xq943SE5KDLigny255+OXg`</a:t>
+            </a:r>
+          </a:p>
+          <a:p>
+            <a:r>
+              <a:rPr lang="en-GB" dirty="0"/>
+              <a:t>  - `RyLipro7M7nuEsMghdXtKdhT5+aWtDXkXpbyL5jEK7o` = `Q6g3dLGeenvp8XvNzHbjaDPi6z8BRtD0ekOlR8fmxUMLZz8DkYfoecw+NkiydO//IK0mZmlI1n0mDOKYkQsTx9lDT2EgArhMLuYggXlXz8g`</a:t>
+            </a:r>
+          </a:p>
+          <a:p>
+            <a:r>
+              <a:rPr lang="en-GB" dirty="0"/>
+              <a:t>  - These might be encrypted tokens, session IDs, or other sensitive data. The keys are Base64-encoded, and the values might be encrypted or hashed. Decoding or decrypting these (if the encryption method is known) could reveal additional sensitive information, such as authentication tokens or device identifiers.</a:t>
+            </a:r>
+          </a:p>
+          <a:p>
+            <a:endParaRPr lang="en-GB" dirty="0"/>
+          </a:p>
+          <a:p>
+            <a:r>
+              <a:rPr lang="en-GB" dirty="0"/>
+              <a:t>#### 7. Feature Usage and Preferences</a:t>
+            </a:r>
+          </a:p>
+          <a:p>
+            <a:r>
+              <a:rPr lang="en-GB" dirty="0"/>
+              <a:t>- **Calling Support**: `</a:t>
+            </a:r>
+            <a:r>
+              <a:rPr lang="en-GB" dirty="0" err="1"/>
+              <a:t>is_calling_supported</a:t>
+            </a:r>
+            <a:r>
+              <a:rPr lang="en-GB" dirty="0"/>
+              <a:t>` = `true`  </a:t>
+            </a:r>
+          </a:p>
+          <a:p>
+            <a:r>
+              <a:rPr lang="en-GB" dirty="0"/>
+              <a:t>  - Confirms the device supports calling, aligning with the evidence of a recent call.</a:t>
+            </a:r>
+          </a:p>
+          <a:p>
+            <a:r>
+              <a:rPr lang="en-GB" dirty="0"/>
+              <a:t>- **E911 and 911 Prompt**: `userinfo_feature_e911_accepted` = `false`, `userinfo_911_prompt_accepted` = `false`  </a:t>
+            </a:r>
+          </a:p>
+          <a:p>
+            <a:r>
+              <a:rPr lang="en-GB" dirty="0"/>
+              <a:t>  - The user has not accepted emergency calling prompts, which might indicate limited use of calling features or avoidance of emergency services.</a:t>
+            </a:r>
+          </a:p>
+          <a:p>
+            <a:r>
+              <a:rPr lang="en-GB" dirty="0"/>
+              <a:t>- **Voicemail Transcription**: `</a:t>
+            </a:r>
+            <a:r>
+              <a:rPr lang="en-GB" dirty="0" err="1"/>
+              <a:t>vm_transcription_enabled</a:t>
+            </a:r>
+            <a:r>
+              <a:rPr lang="en-GB" dirty="0"/>
+              <a:t>` = `false`, `</a:t>
+            </a:r>
+            <a:r>
+              <a:rPr lang="en-GB" dirty="0" err="1"/>
+              <a:t>vm_transcription_user_enabled</a:t>
+            </a:r>
+            <a:r>
+              <a:rPr lang="en-GB" dirty="0"/>
+              <a:t>` = `false`  </a:t>
+            </a:r>
+          </a:p>
+          <a:p>
+            <a:r>
+              <a:rPr lang="en-GB" dirty="0"/>
+              <a:t>  - Voicemail transcription is disabled, so any voicemails (e.g., the one indicated by `</a:t>
+            </a:r>
+            <a:r>
+              <a:rPr lang="en-GB" dirty="0" err="1"/>
+              <a:t>userinfo_voicemail</a:t>
+            </a:r>
+            <a:r>
+              <a:rPr lang="en-GB" dirty="0"/>
+              <a:t>`) would be audio-only.</a:t>
+            </a:r>
+          </a:p>
+          <a:p>
+            <a:r>
+              <a:rPr lang="en-GB" dirty="0"/>
+              <a:t>- **Conversations Loaded**: `</a:t>
+            </a:r>
+            <a:r>
+              <a:rPr lang="en-GB" dirty="0" err="1"/>
+              <a:t>userinfo_conversations_loaded</a:t>
+            </a:r>
+            <a:r>
+              <a:rPr lang="en-GB" dirty="0"/>
+              <a:t>` = `true`  </a:t>
+            </a:r>
+          </a:p>
+          <a:p>
+            <a:r>
+              <a:rPr lang="en-GB" dirty="0"/>
+              <a:t>  - Indicates the app has loaded the user’s conversations, suggesting the user has interacted with the messaging feature.</a:t>
+            </a:r>
+          </a:p>
+          <a:p>
+            <a:endParaRPr lang="en-GB" dirty="0"/>
+          </a:p>
+          <a:p>
+            <a:r>
+              <a:rPr lang="en-GB" dirty="0"/>
+              <a:t>### Summary of Key Forensic Insights</a:t>
+            </a:r>
+          </a:p>
+          <a:p>
+            <a:r>
+              <a:rPr lang="en-GB" dirty="0"/>
+              <a:t>- **User Identity**: The user is identified as "This Is DFIR" with the username `</a:t>
+            </a:r>
+            <a:r>
+              <a:rPr lang="en-GB" dirty="0" err="1"/>
+              <a:t>thisisdfir</a:t>
+            </a:r>
+            <a:r>
+              <a:rPr lang="en-GB" dirty="0"/>
+              <a:t>`, email `thisisdfir@gmail.com`, and phone number `9842352054`. Their user ID is `4035506809899870760`.</a:t>
+            </a:r>
+          </a:p>
+          <a:p>
+            <a:r>
+              <a:rPr lang="en-GB" dirty="0"/>
+              <a:t>- **Communication Activity**: The user last called `+19842032223` on February 8, 2020, at 19:27:38 UTC. They have one voicemail and a recent message with ID `30102870972`.</a:t>
+            </a:r>
+          </a:p>
+          <a:p>
+            <a:r>
+              <a:rPr lang="en-GB" dirty="0"/>
+              <a:t>- **Timeline**: The user started using the app on February 8, 2020, with the last significant activity (e.g., contacts fetch, ad impression) on February 14, 2020.</a:t>
+            </a:r>
+          </a:p>
+          <a:p>
+            <a:r>
+              <a:rPr lang="en-GB" dirty="0"/>
+              <a:t>- **Ad Exposure**: The user viewed ads, including 2 in-stream ads related to `+19842032223`, and is targeted as male for ad purposes.</a:t>
+            </a:r>
+          </a:p>
+          <a:p>
+            <a:r>
+              <a:rPr lang="en-GB" dirty="0"/>
+              <a:t>- **Privacy Settings**: The user has not opted out of data sharing under CCPA and is not covered by it, meaning their data might have been shared with third parties.</a:t>
+            </a:r>
+          </a:p>
+          <a:p>
+            <a:r>
+              <a:rPr lang="en-GB" dirty="0"/>
+              <a:t>- **Encrypted Data**: Several encrypted or encoded strings might contain additional sensitive information (e.g., tokens, session IDs) if decrypted.</a:t>
+            </a:r>
+          </a:p>
+          <a:p>
+            <a:r>
+              <a:rPr lang="en-GB" dirty="0"/>
+              <a:t>- **App State**: The account is enabled, the app version is `13112`, and the user has 10 </a:t>
+            </a:r>
+            <a:r>
+              <a:rPr lang="en-GB" dirty="0" err="1"/>
+              <a:t>TextNow</a:t>
+            </a:r>
+            <a:r>
+              <a:rPr lang="en-GB" dirty="0"/>
+              <a:t> credits but a $0 balance in USD.</a:t>
+            </a:r>
+          </a:p>
+          <a:p>
+            <a:endParaRPr lang="en-GB" dirty="0"/>
+          </a:p>
+          <a:p>
+            <a:r>
+              <a:rPr lang="en-GB" dirty="0"/>
+              <a:t>### Recommendations for Further Investigation</a:t>
+            </a:r>
+          </a:p>
+          <a:p>
+            <a:r>
+              <a:rPr lang="en-GB" dirty="0"/>
+              <a:t>- **Cross-Reference with Databases**: Use the `</a:t>
+            </a:r>
+            <a:r>
+              <a:rPr lang="en-GB" dirty="0" err="1"/>
+              <a:t>userinfo_latest_msg_id</a:t>
+            </a:r>
+            <a:r>
+              <a:rPr lang="en-GB" dirty="0"/>
+              <a:t>` and `LAST_CALL_UUID` to extract message and call details from the `</a:t>
+            </a:r>
+            <a:r>
+              <a:rPr lang="en-GB" dirty="0" err="1"/>
+              <a:t>textnow_data.db</a:t>
+            </a:r>
+            <a:r>
+              <a:rPr lang="en-GB" dirty="0"/>
+              <a:t>` database (identified as valuable in the first image).</a:t>
+            </a:r>
+          </a:p>
+          <a:p>
+            <a:r>
+              <a:rPr lang="en-GB" dirty="0"/>
+              <a:t>- **Decrypt Encoded Data**: Investigate the encrypted strings (e.g., `RyLipro7M7nuEsMghdXtKdhT5+aWtDXkXpbyL5jEK7o`). If the encryption method is known (e.g., AES with a known key), these could reveal more sensitive data.</a:t>
+            </a:r>
+          </a:p>
+          <a:p>
+            <a:r>
+              <a:rPr lang="en-GB" dirty="0"/>
+              <a:t>- **Voicemail Analysis**: Extract the voicemail (indicated by `</a:t>
+            </a:r>
+            <a:r>
+              <a:rPr lang="en-GB" dirty="0" err="1"/>
+              <a:t>userinfo_voicemail</a:t>
+            </a:r>
+            <a:r>
+              <a:rPr lang="en-GB" dirty="0"/>
+              <a:t>` = `1`) from the app’s storage or databases to </a:t>
+            </a:r>
+            <a:r>
+              <a:rPr lang="en-GB" dirty="0" err="1"/>
+              <a:t>analyze</a:t>
+            </a:r>
+            <a:r>
+              <a:rPr lang="en-GB" dirty="0"/>
+              <a:t> its contents.</a:t>
+            </a:r>
+          </a:p>
+          <a:p>
+            <a:r>
+              <a:rPr lang="en-GB" dirty="0"/>
+              <a:t>- **Ad and Analytics Correlation**: Use the ad-related data (e.g., `</a:t>
+            </a:r>
+            <a:r>
+              <a:rPr lang="en-GB" dirty="0" err="1"/>
+              <a:t>userinfo_native_instream_ad_count</a:t>
+            </a:r>
+            <a:r>
+              <a:rPr lang="en-GB" dirty="0"/>
+              <a:t>`, `</a:t>
+            </a:r>
+            <a:r>
+              <a:rPr lang="en-GB" dirty="0" err="1"/>
+              <a:t>userinfo_ad_categories</a:t>
+            </a:r>
+            <a:r>
+              <a:rPr lang="en-GB" dirty="0"/>
+              <a:t>`) to correlate with ad databases like `</a:t>
+            </a:r>
+            <a:r>
+              <a:rPr lang="en-GB" dirty="0" err="1"/>
+              <a:t>ads.db</a:t>
+            </a:r>
+            <a:r>
+              <a:rPr lang="en-GB" dirty="0"/>
+              <a:t>` or `</a:t>
+            </a:r>
+            <a:r>
+              <a:rPr lang="en-GB" dirty="0" err="1"/>
+              <a:t>supersonic_sdk.db</a:t>
+            </a:r>
+            <a:r>
+              <a:rPr lang="en-GB" dirty="0"/>
+              <a:t>` for more insights into user </a:t>
+            </a:r>
+            <a:r>
+              <a:rPr lang="en-GB" dirty="0" err="1"/>
+              <a:t>behavior</a:t>
+            </a:r>
+            <a:r>
+              <a:rPr lang="en-GB" dirty="0"/>
+              <a:t>.</a:t>
+            </a:r>
+          </a:p>
+          <a:p>
+            <a:endParaRPr lang="en-GB" dirty="0"/>
+          </a:p>
+          <a:p>
+            <a:r>
+              <a:rPr lang="en-GB" dirty="0"/>
+              <a:t>This Shared Preferences file provides a wealth of forensic data, particularly around user identity, communication history, and app usage patterns, making it a critical artifact for investigation. Would you like to explore any specific aspect further, such as decoding the encrypted strings or extracting data from related databases?</a:t>
+            </a:r>
+            <a:endParaRPr lang="en-US" dirty="0"/>
           </a:p>
         </p:txBody>
       </p:sp>
@@ -5111,7 +7711,7 @@
     </p:spTree>
     <p:extLst>
       <p:ext uri="{BB962C8B-B14F-4D97-AF65-F5344CB8AC3E}">
-        <p14:creationId xmlns:p14="http://schemas.microsoft.com/office/powerpoint/2010/main" val="147991994"/>
+        <p14:creationId xmlns:p14="http://schemas.microsoft.com/office/powerpoint/2010/main" val="1507504029"/>
       </p:ext>
     </p:extLst>
   </p:cSld>
@@ -5122,6 +7722,1115 @@
 </file>
 
 <file path=ppt/notesSlides/notesSlide7.xml><?xml version="1.0" encoding="utf-8"?>
+<p:notes xmlns:a="http://schemas.openxmlformats.org/drawingml/2006/main" xmlns:r="http://schemas.openxmlformats.org/officeDocument/2006/relationships" xmlns:p="http://schemas.openxmlformats.org/presentationml/2006/main">
+  <p:cSld>
+    <p:spTree>
+      <p:nvGrpSpPr>
+        <p:cNvPr id="1" name="">
+          <a:extLst>
+            <a:ext uri="{FF2B5EF4-FFF2-40B4-BE49-F238E27FC236}">
+              <a16:creationId xmlns:a16="http://schemas.microsoft.com/office/drawing/2014/main" id="{776FF528-1B72-D438-CE00-D4EDEC9EA027}"/>
+            </a:ext>
+          </a:extLst>
+        </p:cNvPr>
+        <p:cNvGrpSpPr/>
+        <p:nvPr/>
+      </p:nvGrpSpPr>
+      <p:grpSpPr>
+        <a:xfrm>
+          <a:off x="0" y="0"/>
+          <a:ext cx="0" cy="0"/>
+          <a:chOff x="0" y="0"/>
+          <a:chExt cx="0" cy="0"/>
+        </a:xfrm>
+      </p:grpSpPr>
+      <p:sp>
+        <p:nvSpPr>
+          <p:cNvPr id="2" name="Slide Image Placeholder 1">
+            <a:extLst>
+              <a:ext uri="{FF2B5EF4-FFF2-40B4-BE49-F238E27FC236}">
+                <a16:creationId xmlns:a16="http://schemas.microsoft.com/office/drawing/2014/main" id="{8D367ECD-163A-09E3-BC12-D53D84EC5649}"/>
+              </a:ext>
+            </a:extLst>
+          </p:cNvPr>
+          <p:cNvSpPr>
+            <a:spLocks noGrp="1" noRot="1" noChangeAspect="1"/>
+          </p:cNvSpPr>
+          <p:nvPr>
+            <p:ph type="sldImg"/>
+          </p:nvPr>
+        </p:nvSpPr>
+        <p:spPr/>
+      </p:sp>
+      <p:sp>
+        <p:nvSpPr>
+          <p:cNvPr id="3" name="Notes Placeholder 2">
+            <a:extLst>
+              <a:ext uri="{FF2B5EF4-FFF2-40B4-BE49-F238E27FC236}">
+                <a16:creationId xmlns:a16="http://schemas.microsoft.com/office/drawing/2014/main" id="{97E48555-2F5E-4420-1CCC-78A283B5F28C}"/>
+              </a:ext>
+            </a:extLst>
+          </p:cNvPr>
+          <p:cNvSpPr>
+            <a:spLocks noGrp="1"/>
+          </p:cNvSpPr>
+          <p:nvPr>
+            <p:ph type="body" idx="1"/>
+          </p:nvPr>
+        </p:nvSpPr>
+        <p:spPr/>
+        <p:txBody>
+          <a:bodyPr/>
+          <a:lstStyle/>
+          <a:p>
+            <a:r>
+              <a:rPr lang="en-GB" dirty="0"/>
+              <a:t>The provided text is a Shared Preferences XML file from the `</a:t>
+            </a:r>
+            <a:r>
+              <a:rPr lang="en-GB" dirty="0" err="1"/>
+              <a:t>shared_prefs</a:t>
+            </a:r>
+            <a:r>
+              <a:rPr lang="en-GB" dirty="0"/>
+              <a:t>/` directory of the </a:t>
+            </a:r>
+            <a:r>
+              <a:rPr lang="en-GB" dirty="0" err="1"/>
+              <a:t>TextNow</a:t>
+            </a:r>
+            <a:r>
+              <a:rPr lang="en-GB" dirty="0"/>
+              <a:t> app on a Pixel 3 device (`Pixel 3/data/data/</a:t>
+            </a:r>
+            <a:r>
+              <a:rPr lang="en-GB" dirty="0" err="1"/>
+              <a:t>com.enflick.android.TextNow</a:t>
+            </a:r>
+            <a:r>
+              <a:rPr lang="en-GB" dirty="0"/>
+              <a:t>/</a:t>
+            </a:r>
+            <a:r>
+              <a:rPr lang="en-GB" dirty="0" err="1"/>
+              <a:t>shared_prefs</a:t>
+            </a:r>
+            <a:r>
+              <a:rPr lang="en-GB" dirty="0"/>
+              <a:t>/`). This XML file contains key-value pairs that store various user settings, app states, and potentially sensitive data. Below is a summary of the most valuable forensic information that can be extracted from this file, focusing on data that could be useful for understanding user identity, </a:t>
+            </a:r>
+            <a:r>
+              <a:rPr lang="en-GB" dirty="0" err="1"/>
+              <a:t>behavior</a:t>
+            </a:r>
+            <a:r>
+              <a:rPr lang="en-GB" dirty="0"/>
+              <a:t>, communications, and app usage.</a:t>
+            </a:r>
+          </a:p>
+          <a:p>
+            <a:endParaRPr lang="en-GB" dirty="0"/>
+          </a:p>
+          <a:p>
+            <a:r>
+              <a:rPr lang="en-GB" dirty="0"/>
+              <a:t>### Most Valuable Forensic Information</a:t>
+            </a:r>
+          </a:p>
+          <a:p>
+            <a:endParaRPr lang="en-GB" dirty="0"/>
+          </a:p>
+          <a:p>
+            <a:r>
+              <a:rPr lang="en-GB" dirty="0"/>
+              <a:t>#### 1. User Identity and Personal Information</a:t>
+            </a:r>
+          </a:p>
+          <a:p>
+            <a:r>
+              <a:rPr lang="en-GB" dirty="0"/>
+              <a:t>- **Username**: `</a:t>
+            </a:r>
+            <a:r>
+              <a:rPr lang="en-GB" dirty="0" err="1"/>
+              <a:t>userinfo_username</a:t>
+            </a:r>
+            <a:r>
+              <a:rPr lang="en-GB" dirty="0"/>
+              <a:t>` = `</a:t>
+            </a:r>
+            <a:r>
+              <a:rPr lang="en-GB" dirty="0" err="1"/>
+              <a:t>thisisdfir</a:t>
+            </a:r>
+            <a:r>
+              <a:rPr lang="en-GB" dirty="0"/>
+              <a:t>`  </a:t>
+            </a:r>
+          </a:p>
+          <a:p>
+            <a:r>
+              <a:rPr lang="en-GB" dirty="0"/>
+              <a:t>  - This reveals the user’s </a:t>
+            </a:r>
+            <a:r>
+              <a:rPr lang="en-GB" dirty="0" err="1"/>
+              <a:t>TextNow</a:t>
+            </a:r>
+            <a:r>
+              <a:rPr lang="en-GB" dirty="0"/>
+              <a:t> username, which can be used to identify the user within the app’s ecosystem.</a:t>
+            </a:r>
+          </a:p>
+          <a:p>
+            <a:r>
+              <a:rPr lang="en-GB" dirty="0"/>
+              <a:t>- **Email**: `</a:t>
+            </a:r>
+            <a:r>
+              <a:rPr lang="en-GB" dirty="0" err="1"/>
+              <a:t>userinfo_email</a:t>
+            </a:r>
+            <a:r>
+              <a:rPr lang="en-GB" dirty="0"/>
+              <a:t>` = `thisisdfir@gmail.com`  </a:t>
+            </a:r>
+          </a:p>
+          <a:p>
+            <a:r>
+              <a:rPr lang="en-GB" dirty="0"/>
+              <a:t>  - The user’s email address is a critical piece of identifiable information, useful for linking the user to other accounts or services.</a:t>
+            </a:r>
+          </a:p>
+          <a:p>
+            <a:r>
+              <a:rPr lang="en-GB" dirty="0"/>
+              <a:t>- **Phone Number**: `</a:t>
+            </a:r>
+            <a:r>
+              <a:rPr lang="en-GB" dirty="0" err="1"/>
+              <a:t>userinfo_phone</a:t>
+            </a:r>
+            <a:r>
+              <a:rPr lang="en-GB" dirty="0"/>
+              <a:t>` = `9842352054`  </a:t>
+            </a:r>
+          </a:p>
+          <a:p>
+            <a:r>
+              <a:rPr lang="en-GB" dirty="0"/>
+              <a:t>  - This appears to be the user’s assigned </a:t>
+            </a:r>
+            <a:r>
+              <a:rPr lang="en-GB" dirty="0" err="1"/>
+              <a:t>TextNow</a:t>
+            </a:r>
+            <a:r>
+              <a:rPr lang="en-GB" dirty="0"/>
+              <a:t> phone number, which can be used to track communications made through the app.</a:t>
+            </a:r>
+          </a:p>
+          <a:p>
+            <a:r>
+              <a:rPr lang="en-GB" dirty="0"/>
+              <a:t>- **First Name and Last Name**: `</a:t>
+            </a:r>
+            <a:r>
+              <a:rPr lang="en-GB" dirty="0" err="1"/>
+              <a:t>userinfo_firstname</a:t>
+            </a:r>
+            <a:r>
+              <a:rPr lang="en-GB" dirty="0"/>
+              <a:t>` = `This Is`, `</a:t>
+            </a:r>
+            <a:r>
+              <a:rPr lang="en-GB" dirty="0" err="1"/>
+              <a:t>userinfo_lastname</a:t>
+            </a:r>
+            <a:r>
+              <a:rPr lang="en-GB" dirty="0"/>
+              <a:t>` = `DFIR`  </a:t>
+            </a:r>
+          </a:p>
+          <a:p>
+            <a:r>
+              <a:rPr lang="en-GB" dirty="0"/>
+              <a:t>  - The user’s full name (This Is DFIR) provides additional identifiable information, potentially linking to real-world identity.</a:t>
+            </a:r>
+          </a:p>
+          <a:p>
+            <a:r>
+              <a:rPr lang="en-GB" dirty="0"/>
+              <a:t>- **User ID**: `</a:t>
+            </a:r>
+            <a:r>
+              <a:rPr lang="en-GB" dirty="0" err="1"/>
+              <a:t>userinfo_user_id</a:t>
+            </a:r>
+            <a:r>
+              <a:rPr lang="en-GB" dirty="0"/>
+              <a:t>` = `4035506809899870760`  </a:t>
+            </a:r>
+          </a:p>
+          <a:p>
+            <a:r>
+              <a:rPr lang="en-GB" dirty="0"/>
+              <a:t>  - A unique identifier for the user within </a:t>
+            </a:r>
+            <a:r>
+              <a:rPr lang="en-GB" dirty="0" err="1"/>
+              <a:t>TextNow’s</a:t>
+            </a:r>
+            <a:r>
+              <a:rPr lang="en-GB" dirty="0"/>
+              <a:t> system, useful for correlating data across different parts of the app or </a:t>
+            </a:r>
+            <a:r>
+              <a:rPr lang="en-GB" dirty="0" err="1"/>
+              <a:t>TextNow’s</a:t>
+            </a:r>
+            <a:r>
+              <a:rPr lang="en-GB" dirty="0"/>
+              <a:t> servers.</a:t>
+            </a:r>
+          </a:p>
+          <a:p>
+            <a:r>
+              <a:rPr lang="en-GB" dirty="0"/>
+              <a:t>- **Gender**: `</a:t>
+            </a:r>
+            <a:r>
+              <a:rPr lang="en-GB" dirty="0" err="1"/>
+              <a:t>userinfo_gender</a:t>
+            </a:r>
+            <a:r>
+              <a:rPr lang="en-GB" dirty="0"/>
+              <a:t>` = `1`  </a:t>
+            </a:r>
+          </a:p>
+          <a:p>
+            <a:r>
+              <a:rPr lang="en-GB" dirty="0"/>
+              <a:t>  - Likely indicates the user’s gender (e.g., 1 might represent male), which could be used for profiling or ad targeting.</a:t>
+            </a:r>
+          </a:p>
+          <a:p>
+            <a:endParaRPr lang="en-GB" dirty="0"/>
+          </a:p>
+          <a:p>
+            <a:r>
+              <a:rPr lang="en-GB" dirty="0"/>
+              <a:t>#### 2. Communication Details</a:t>
+            </a:r>
+          </a:p>
+          <a:p>
+            <a:r>
+              <a:rPr lang="en-GB" dirty="0"/>
+              <a:t>- **Last Called Number**: `</a:t>
+            </a:r>
+            <a:r>
+              <a:rPr lang="en-GB" dirty="0" err="1"/>
+              <a:t>userinfo_last_number_called</a:t>
+            </a:r>
+            <a:r>
+              <a:rPr lang="en-GB" dirty="0"/>
+              <a:t>` = `+19842032223`, `LAST_CALL_DESTINATION` = `+19842032223`  </a:t>
+            </a:r>
+          </a:p>
+          <a:p>
+            <a:r>
+              <a:rPr lang="en-GB" dirty="0"/>
+              <a:t>  - The phone number `+19842032223` was the last number called, providing insight into the user’s recent communications.</a:t>
+            </a:r>
+          </a:p>
+          <a:p>
+            <a:r>
+              <a:rPr lang="en-GB" dirty="0"/>
+              <a:t>- **Last Call UUID**: `LAST_CALL_UUID` = `ad215984-b355-4629-b2e8-0773ab0a098a`  </a:t>
+            </a:r>
+          </a:p>
+          <a:p>
+            <a:r>
+              <a:rPr lang="en-GB" dirty="0"/>
+              <a:t>  - A unique identifier for the last call, which could be used to retrieve more details about the call (e.g., duration, type) from other databases like `</a:t>
+            </a:r>
+            <a:r>
+              <a:rPr lang="en-GB" dirty="0" err="1"/>
+              <a:t>textnow_data.db</a:t>
+            </a:r>
+            <a:r>
+              <a:rPr lang="en-GB" dirty="0"/>
+              <a:t>`.</a:t>
+            </a:r>
+          </a:p>
+          <a:p>
+            <a:r>
+              <a:rPr lang="en-GB" dirty="0"/>
+              <a:t>- **Last Call Time**: `LAST_CALL_TIME` = `1581192458738`  </a:t>
+            </a:r>
+          </a:p>
+          <a:p>
+            <a:r>
+              <a:rPr lang="en-GB" dirty="0"/>
+              <a:t>  - This timestamp (February 8, 2020, 19:27:38 UTC) indicates when the last call was made, useful for establishing a timeline of user activity.</a:t>
+            </a:r>
+          </a:p>
+          <a:p>
+            <a:r>
+              <a:rPr lang="en-GB" dirty="0"/>
+              <a:t>- **Latest Message ID**: `</a:t>
+            </a:r>
+            <a:r>
+              <a:rPr lang="en-GB" dirty="0" err="1"/>
+              <a:t>userinfo_latest_msg_id</a:t>
+            </a:r>
+            <a:r>
+              <a:rPr lang="en-GB" dirty="0"/>
+              <a:t>` = `30102870972`  </a:t>
+            </a:r>
+          </a:p>
+          <a:p>
+            <a:r>
+              <a:rPr lang="en-GB" dirty="0"/>
+              <a:t>  - Indicates the ID of the most recent message, which can be cross-referenced with the `</a:t>
+            </a:r>
+            <a:r>
+              <a:rPr lang="en-GB" dirty="0" err="1"/>
+              <a:t>textnow_data.db</a:t>
+            </a:r>
+            <a:r>
+              <a:rPr lang="en-GB" dirty="0"/>
+              <a:t>` database to retrieve message content or metadata.</a:t>
+            </a:r>
+          </a:p>
+          <a:p>
+            <a:r>
+              <a:rPr lang="en-GB" dirty="0"/>
+              <a:t>- **Voicemail**: `</a:t>
+            </a:r>
+            <a:r>
+              <a:rPr lang="en-GB" dirty="0" err="1"/>
+              <a:t>userinfo_voicemail</a:t>
+            </a:r>
+            <a:r>
+              <a:rPr lang="en-GB" dirty="0"/>
+              <a:t>` = `1`  </a:t>
+            </a:r>
+          </a:p>
+          <a:p>
+            <a:r>
+              <a:rPr lang="en-GB" dirty="0"/>
+              <a:t>  - Suggests the user has one voicemail, which might contain additional audio data or messages.</a:t>
+            </a:r>
+          </a:p>
+          <a:p>
+            <a:endParaRPr lang="en-GB" dirty="0"/>
+          </a:p>
+          <a:p>
+            <a:r>
+              <a:rPr lang="en-GB" dirty="0"/>
+              <a:t>#### 3. Timestamps and Activity Timeline</a:t>
+            </a:r>
+          </a:p>
+          <a:p>
+            <a:r>
+              <a:rPr lang="en-GB" dirty="0"/>
+              <a:t>- **First Home (App Usage Start)**: `</a:t>
+            </a:r>
+            <a:r>
+              <a:rPr lang="en-GB" dirty="0" err="1"/>
+              <a:t>userinfo_first_home</a:t>
+            </a:r>
+            <a:r>
+              <a:rPr lang="en-GB" dirty="0"/>
+              <a:t>` = `2020-02-08T14:54:52.463-05:00`  </a:t>
+            </a:r>
+          </a:p>
+          <a:p>
+            <a:r>
+              <a:rPr lang="en-GB" dirty="0"/>
+              <a:t>  - Indicates the first time the user accessed the app’s home screen (February 8, 2020, 14:54:52 EST), marking the start of app usage.</a:t>
+            </a:r>
+          </a:p>
+          <a:p>
+            <a:r>
+              <a:rPr lang="en-GB" dirty="0"/>
+              <a:t>- **Last Update**: `</a:t>
+            </a:r>
+            <a:r>
+              <a:rPr lang="en-GB" dirty="0" err="1"/>
+              <a:t>userinfo_last_update</a:t>
+            </a:r>
+            <a:r>
+              <a:rPr lang="en-GB" dirty="0"/>
+              <a:t>` = `2020-02-08`  </a:t>
+            </a:r>
+          </a:p>
+          <a:p>
+            <a:r>
+              <a:rPr lang="en-GB" dirty="0"/>
+              <a:t>  - The last time user info was updated, aligning with the first home timestamp, suggesting this might be a new or recently active user.</a:t>
+            </a:r>
+          </a:p>
+          <a:p>
+            <a:r>
+              <a:rPr lang="en-GB" dirty="0"/>
+              <a:t>- **Last Contacts Fetch**: `</a:t>
+            </a:r>
+            <a:r>
+              <a:rPr lang="en-GB" dirty="0" err="1"/>
+              <a:t>last_contacts_get_millis</a:t>
+            </a:r>
+            <a:r>
+              <a:rPr lang="en-GB" dirty="0"/>
+              <a:t>` = `1581645128462` (February 14, 2020, 00:32:08 UTC)  </a:t>
+            </a:r>
+          </a:p>
+          <a:p>
+            <a:r>
+              <a:rPr lang="en-GB" dirty="0"/>
+              <a:t>  - The last time the app fetched the user’s contacts, which could indicate when the user last synced or accessed their contact list.</a:t>
+            </a:r>
+          </a:p>
+          <a:p>
+            <a:r>
+              <a:rPr lang="en-GB" dirty="0"/>
+              <a:t>- **User Drawer State Reported**: `</a:t>
+            </a:r>
+            <a:r>
+              <a:rPr lang="en-GB" dirty="0" err="1"/>
+              <a:t>user_drawer_state_reported_timestamp</a:t>
+            </a:r>
+            <a:r>
+              <a:rPr lang="en-GB" dirty="0"/>
+              <a:t>` = `1581645128481` (February 14, 2020, 00:32:08 UTC)  </a:t>
+            </a:r>
+          </a:p>
+          <a:p>
+            <a:r>
+              <a:rPr lang="en-GB" dirty="0"/>
+              <a:t>  - Likely the last time the app reported the state of the navigation drawer, indicating recent app interaction.</a:t>
+            </a:r>
+          </a:p>
+          <a:p>
+            <a:endParaRPr lang="en-GB" dirty="0"/>
+          </a:p>
+          <a:p>
+            <a:r>
+              <a:rPr lang="en-GB" dirty="0"/>
+              <a:t>#### 4. Account and App Configuration</a:t>
+            </a:r>
+          </a:p>
+          <a:p>
+            <a:r>
+              <a:rPr lang="en-GB" dirty="0"/>
+              <a:t>- **Account Status**: `</a:t>
+            </a:r>
+            <a:r>
+              <a:rPr lang="en-GB" dirty="0" err="1"/>
+              <a:t>userinfo_account_status</a:t>
+            </a:r>
+            <a:r>
+              <a:rPr lang="en-GB" dirty="0"/>
+              <a:t>` = `ENABLED`  </a:t>
+            </a:r>
+          </a:p>
+          <a:p>
+            <a:r>
+              <a:rPr lang="en-GB" dirty="0"/>
+              <a:t>  - Confirms the user’s account is active, meaning the app was functional at the time of data extraction.</a:t>
+            </a:r>
+          </a:p>
+          <a:p>
+            <a:r>
+              <a:rPr lang="en-GB" dirty="0"/>
+              <a:t>- **Account Balance**: `</a:t>
+            </a:r>
+            <a:r>
+              <a:rPr lang="en-GB" dirty="0" err="1"/>
+              <a:t>userinfo_account_balance</a:t>
+            </a:r>
+            <a:r>
+              <a:rPr lang="en-GB" dirty="0"/>
+              <a:t>` = `0`, `</a:t>
+            </a:r>
+            <a:r>
+              <a:rPr lang="en-GB" dirty="0" err="1"/>
+              <a:t>userinfo_account_balance_currency</a:t>
+            </a:r>
+            <a:r>
+              <a:rPr lang="en-GB" dirty="0"/>
+              <a:t>` = `USD`  </a:t>
+            </a:r>
+          </a:p>
+          <a:p>
+            <a:r>
+              <a:rPr lang="en-GB" dirty="0"/>
+              <a:t>  - The user has no balance in their </a:t>
+            </a:r>
+            <a:r>
+              <a:rPr lang="en-GB" dirty="0" err="1"/>
+              <a:t>TextNow</a:t>
+            </a:r>
+            <a:r>
+              <a:rPr lang="en-GB" dirty="0"/>
+              <a:t> account, which might indicate limited use of premium features.</a:t>
+            </a:r>
+          </a:p>
+          <a:p>
+            <a:r>
+              <a:rPr lang="en-GB" dirty="0"/>
+              <a:t>- **</a:t>
+            </a:r>
+            <a:r>
+              <a:rPr lang="en-GB" dirty="0" err="1"/>
+              <a:t>TextNow</a:t>
+            </a:r>
+            <a:r>
+              <a:rPr lang="en-GB" dirty="0"/>
+              <a:t> Credit**: `</a:t>
+            </a:r>
+            <a:r>
+              <a:rPr lang="en-GB" dirty="0" err="1"/>
+              <a:t>userinfo_textnow_credit</a:t>
+            </a:r>
+            <a:r>
+              <a:rPr lang="en-GB" dirty="0"/>
+              <a:t>` = `10`  </a:t>
+            </a:r>
+          </a:p>
+          <a:p>
+            <a:r>
+              <a:rPr lang="en-GB" dirty="0"/>
+              <a:t>  - The user has 10 credits, which might be used for in-app purchases or features.</a:t>
+            </a:r>
+          </a:p>
+          <a:p>
+            <a:r>
+              <a:rPr lang="en-GB" dirty="0"/>
+              <a:t>- **Registration Token**: `</a:t>
+            </a:r>
+            <a:r>
+              <a:rPr lang="en-GB" dirty="0" err="1"/>
+              <a:t>userinfo_registration_token</a:t>
+            </a:r>
+            <a:r>
+              <a:rPr lang="en-GB" dirty="0"/>
+              <a:t>` = `dGezQ94FoHs:APA91bHp7IzOKI55_XVmNu-oH5KKIdx1Y1ihGnsWzrhTAdKR1OTPqdt9exrsboVXHdvgkCaXPY5lHRdF1g2K9CialNSfx_glAiAmQj1Ndwg7N4gTS-mPMrAl3dKMla_kPKHkvErjYWxd`  </a:t>
+            </a:r>
+          </a:p>
+          <a:p>
+            <a:r>
+              <a:rPr lang="en-GB" dirty="0"/>
+              <a:t>  - This is likely a Firebase Cloud Messaging (FCM) token used for push notifications, which can be used to track the device or link it to other Firebase services.</a:t>
+            </a:r>
+          </a:p>
+          <a:p>
+            <a:r>
+              <a:rPr lang="en-GB" dirty="0"/>
+              <a:t>- **Application Version**: `</a:t>
+            </a:r>
+            <a:r>
+              <a:rPr lang="en-GB" dirty="0" err="1"/>
+              <a:t>application_version_code</a:t>
+            </a:r>
+            <a:r>
+              <a:rPr lang="en-GB" dirty="0"/>
+              <a:t>` = `13112`  </a:t>
+            </a:r>
+          </a:p>
+          <a:p>
+            <a:r>
+              <a:rPr lang="en-GB" dirty="0"/>
+              <a:t>  - Indicates the version of the </a:t>
+            </a:r>
+            <a:r>
+              <a:rPr lang="en-GB" dirty="0" err="1"/>
+              <a:t>TextNow</a:t>
+            </a:r>
+            <a:r>
+              <a:rPr lang="en-GB" dirty="0"/>
+              <a:t> app installed, which can help identify the app’s features and potential vulnerabilities at the time of use.</a:t>
+            </a:r>
+          </a:p>
+          <a:p>
+            <a:endParaRPr lang="en-GB" dirty="0"/>
+          </a:p>
+          <a:p>
+            <a:r>
+              <a:rPr lang="en-GB" dirty="0"/>
+              <a:t>#### 5. Ad and Analytics Data</a:t>
+            </a:r>
+          </a:p>
+          <a:p>
+            <a:r>
+              <a:rPr lang="en-GB" dirty="0"/>
+              <a:t>- **Native Instream Ad Count**: `</a:t>
+            </a:r>
+            <a:r>
+              <a:rPr lang="en-GB" dirty="0" err="1"/>
+              <a:t>userinfo_native_instream_ad_count</a:t>
+            </a:r>
+            <a:r>
+              <a:rPr lang="en-GB" dirty="0"/>
+              <a:t>` = `{"+19842032223":2}`  </a:t>
+            </a:r>
+          </a:p>
+          <a:p>
+            <a:r>
+              <a:rPr lang="en-GB" dirty="0"/>
+              <a:t>  - The user viewed 2 in-stream ads while interacting with the number `+19842032223`, linking ad exposure to specific contacts.</a:t>
+            </a:r>
+          </a:p>
+          <a:p>
+            <a:r>
+              <a:rPr lang="en-GB" dirty="0"/>
+              <a:t>- **Last Native Ad Times**: `</a:t>
+            </a:r>
+            <a:r>
+              <a:rPr lang="en-GB" dirty="0" err="1"/>
+              <a:t>userinfo_last_native_ad_time</a:t>
+            </a:r>
+            <a:r>
+              <a:rPr lang="en-GB" dirty="0"/>
+              <a:t>` = `1581645128970` (February 14, 2020, 00:32:08 UTC), `</a:t>
+            </a:r>
+            <a:r>
+              <a:rPr lang="en-GB" dirty="0" err="1"/>
+              <a:t>userinfo_last_native_video_ad_impression_time</a:t>
+            </a:r>
+            <a:r>
+              <a:rPr lang="en-GB" dirty="0"/>
+              <a:t>` = `1581271906424` (February 9, 2020, 18:11:46 UTC)  </a:t>
+            </a:r>
+          </a:p>
+          <a:p>
+            <a:r>
+              <a:rPr lang="en-GB" dirty="0"/>
+              <a:t>  - Timestamps of ad impressions, useful for understanding user activity and app monetization.</a:t>
+            </a:r>
+          </a:p>
+          <a:p>
+            <a:r>
+              <a:rPr lang="en-GB" dirty="0"/>
+              <a:t>- **Ad Categories**: `</a:t>
+            </a:r>
+            <a:r>
+              <a:rPr lang="en-GB" dirty="0" err="1"/>
+              <a:t>userinfo_ad_categories</a:t>
+            </a:r>
+            <a:r>
+              <a:rPr lang="en-GB" dirty="0"/>
+              <a:t>` = `</a:t>
+            </a:r>
+            <a:r>
+              <a:rPr lang="en-GB" dirty="0" err="1"/>
+              <a:t>m_gender:m</a:t>
+            </a:r>
+            <a:r>
+              <a:rPr lang="en-GB" dirty="0"/>
+              <a:t>`  </a:t>
+            </a:r>
+          </a:p>
+          <a:p>
+            <a:r>
+              <a:rPr lang="en-GB" dirty="0"/>
+              <a:t>  - Indicates the user is targeted for ads based on male gender, providing insight into ad profiling.</a:t>
+            </a:r>
+          </a:p>
+          <a:p>
+            <a:r>
+              <a:rPr lang="en-GB" dirty="0"/>
+              <a:t>- **CCPA Opt-Out**: `</a:t>
+            </a:r>
+            <a:r>
+              <a:rPr lang="en-GB" dirty="0" err="1"/>
+              <a:t>user_has_opted_out_under_ccpa</a:t>
+            </a:r>
+            <a:r>
+              <a:rPr lang="en-GB" dirty="0"/>
+              <a:t>` = `false`, `</a:t>
+            </a:r>
+            <a:r>
+              <a:rPr lang="en-GB" dirty="0" err="1"/>
+              <a:t>user_is_covered_under_ccpa</a:t>
+            </a:r>
+            <a:r>
+              <a:rPr lang="en-GB" dirty="0"/>
+              <a:t>` = `false`  </a:t>
+            </a:r>
+          </a:p>
+          <a:p>
+            <a:r>
+              <a:rPr lang="en-GB" dirty="0"/>
+              <a:t>  - The user is not covered under the California Consumer Privacy Act (CCPA) and has not opted out of data sharing, meaning their data might have been shared with third parties.</a:t>
+            </a:r>
+          </a:p>
+          <a:p>
+            <a:endParaRPr lang="en-GB" dirty="0"/>
+          </a:p>
+          <a:p>
+            <a:r>
+              <a:rPr lang="en-GB" dirty="0"/>
+              <a:t>#### 6. Encrypted or Encoded Data</a:t>
+            </a:r>
+          </a:p>
+          <a:p>
+            <a:r>
+              <a:rPr lang="en-GB" dirty="0"/>
+              <a:t>- **Encrypted/Encoded Strings**: Several key-value pairs appear to be encrypted or encoded, such as:</a:t>
+            </a:r>
+          </a:p>
+          <a:p>
+            <a:r>
+              <a:rPr lang="en-GB" dirty="0"/>
+              <a:t>  - `</a:t>
+            </a:r>
+            <a:r>
+              <a:rPr lang="en-GB" dirty="0" err="1"/>
+              <a:t>qayzlwx</a:t>
+            </a:r>
+            <a:r>
+              <a:rPr lang="en-GB" dirty="0"/>
+              <a:t>/Z/63zVrB/2XgV4Vfan3goyNTVqx+V52nAjU` = `Xq943SE5KDLigny255+OXg`</a:t>
+            </a:r>
+          </a:p>
+          <a:p>
+            <a:r>
+              <a:rPr lang="en-GB" dirty="0"/>
+              <a:t>  - `RyLipro7M7nuEsMghdXtKdhT5+aWtDXkXpbyL5jEK7o` = `Q6g3dLGeenvp8XvNzHbjaDPi6z8BRtD0ekOlR8fmxUMLZz8DkYfoecw+NkiydO//IK0mZmlI1n0mDOKYkQsTx9lDT2EgArhMLuYggXlXz8g`</a:t>
+            </a:r>
+          </a:p>
+          <a:p>
+            <a:r>
+              <a:rPr lang="en-GB" dirty="0"/>
+              <a:t>  - These might be encrypted tokens, session IDs, or other sensitive data. The keys are Base64-encoded, and the values might be encrypted or hashed. Decoding or decrypting these (if the encryption method is known) could reveal additional sensitive information, such as authentication tokens or device identifiers.</a:t>
+            </a:r>
+          </a:p>
+          <a:p>
+            <a:endParaRPr lang="en-GB" dirty="0"/>
+          </a:p>
+          <a:p>
+            <a:r>
+              <a:rPr lang="en-GB" dirty="0"/>
+              <a:t>#### 7. Feature Usage and Preferences</a:t>
+            </a:r>
+          </a:p>
+          <a:p>
+            <a:r>
+              <a:rPr lang="en-GB" dirty="0"/>
+              <a:t>- **Calling Support**: `</a:t>
+            </a:r>
+            <a:r>
+              <a:rPr lang="en-GB" dirty="0" err="1"/>
+              <a:t>is_calling_supported</a:t>
+            </a:r>
+            <a:r>
+              <a:rPr lang="en-GB" dirty="0"/>
+              <a:t>` = `true`  </a:t>
+            </a:r>
+          </a:p>
+          <a:p>
+            <a:r>
+              <a:rPr lang="en-GB" dirty="0"/>
+              <a:t>  - Confirms the device supports calling, aligning with the evidence of a recent call.</a:t>
+            </a:r>
+          </a:p>
+          <a:p>
+            <a:r>
+              <a:rPr lang="en-GB" dirty="0"/>
+              <a:t>- **E911 and 911 Prompt**: `userinfo_feature_e911_accepted` = `false`, `userinfo_911_prompt_accepted` = `false`  </a:t>
+            </a:r>
+          </a:p>
+          <a:p>
+            <a:r>
+              <a:rPr lang="en-GB" dirty="0"/>
+              <a:t>  - The user has not accepted emergency calling prompts, which might indicate limited use of calling features or avoidance of emergency services.</a:t>
+            </a:r>
+          </a:p>
+          <a:p>
+            <a:r>
+              <a:rPr lang="en-GB" dirty="0"/>
+              <a:t>- **Voicemail Transcription**: `</a:t>
+            </a:r>
+            <a:r>
+              <a:rPr lang="en-GB" dirty="0" err="1"/>
+              <a:t>vm_transcription_enabled</a:t>
+            </a:r>
+            <a:r>
+              <a:rPr lang="en-GB" dirty="0"/>
+              <a:t>` = `false`, `</a:t>
+            </a:r>
+            <a:r>
+              <a:rPr lang="en-GB" dirty="0" err="1"/>
+              <a:t>vm_transcription_user_enabled</a:t>
+            </a:r>
+            <a:r>
+              <a:rPr lang="en-GB" dirty="0"/>
+              <a:t>` = `false`  </a:t>
+            </a:r>
+          </a:p>
+          <a:p>
+            <a:r>
+              <a:rPr lang="en-GB" dirty="0"/>
+              <a:t>  - Voicemail transcription is disabled, so any voicemails (e.g., the one indicated by `</a:t>
+            </a:r>
+            <a:r>
+              <a:rPr lang="en-GB" dirty="0" err="1"/>
+              <a:t>userinfo_voicemail</a:t>
+            </a:r>
+            <a:r>
+              <a:rPr lang="en-GB" dirty="0"/>
+              <a:t>`) would be audio-only.</a:t>
+            </a:r>
+          </a:p>
+          <a:p>
+            <a:r>
+              <a:rPr lang="en-GB" dirty="0"/>
+              <a:t>- **Conversations Loaded**: `</a:t>
+            </a:r>
+            <a:r>
+              <a:rPr lang="en-GB" dirty="0" err="1"/>
+              <a:t>userinfo_conversations_loaded</a:t>
+            </a:r>
+            <a:r>
+              <a:rPr lang="en-GB" dirty="0"/>
+              <a:t>` = `true`  </a:t>
+            </a:r>
+          </a:p>
+          <a:p>
+            <a:r>
+              <a:rPr lang="en-GB" dirty="0"/>
+              <a:t>  - Indicates the app has loaded the user’s conversations, suggesting the user has interacted with the messaging feature.</a:t>
+            </a:r>
+          </a:p>
+          <a:p>
+            <a:endParaRPr lang="en-GB" dirty="0"/>
+          </a:p>
+          <a:p>
+            <a:r>
+              <a:rPr lang="en-GB" dirty="0"/>
+              <a:t>### Summary of Key Forensic Insights</a:t>
+            </a:r>
+          </a:p>
+          <a:p>
+            <a:r>
+              <a:rPr lang="en-GB" dirty="0"/>
+              <a:t>- **User Identity**: The user is identified as "This Is DFIR" with the username `</a:t>
+            </a:r>
+            <a:r>
+              <a:rPr lang="en-GB" dirty="0" err="1"/>
+              <a:t>thisisdfir</a:t>
+            </a:r>
+            <a:r>
+              <a:rPr lang="en-GB" dirty="0"/>
+              <a:t>`, email `thisisdfir@gmail.com`, and phone number `9842352054`. Their user ID is `4035506809899870760`.</a:t>
+            </a:r>
+          </a:p>
+          <a:p>
+            <a:r>
+              <a:rPr lang="en-GB" dirty="0"/>
+              <a:t>- **Communication Activity**: The user last called `+19842032223` on February 8, 2020, at 19:27:38 UTC. They have one voicemail and a recent message with ID `30102870972`.</a:t>
+            </a:r>
+          </a:p>
+          <a:p>
+            <a:r>
+              <a:rPr lang="en-GB" dirty="0"/>
+              <a:t>- **Timeline**: The user started using the app on February 8, 2020, with the last significant activity (e.g., contacts fetch, ad impression) on February 14, 2020.</a:t>
+            </a:r>
+          </a:p>
+          <a:p>
+            <a:r>
+              <a:rPr lang="en-GB" dirty="0"/>
+              <a:t>- **Ad Exposure**: The user viewed ads, including 2 in-stream ads related to `+19842032223`, and is targeted as male for ad purposes.</a:t>
+            </a:r>
+          </a:p>
+          <a:p>
+            <a:r>
+              <a:rPr lang="en-GB" dirty="0"/>
+              <a:t>- **Privacy Settings**: The user has not opted out of data sharing under CCPA and is not covered by it, meaning their data might have been shared with third parties.</a:t>
+            </a:r>
+          </a:p>
+          <a:p>
+            <a:r>
+              <a:rPr lang="en-GB" dirty="0"/>
+              <a:t>- **Encrypted Data**: Several encrypted or encoded strings might contain additional sensitive information (e.g., tokens, session IDs) if decrypted.</a:t>
+            </a:r>
+          </a:p>
+          <a:p>
+            <a:r>
+              <a:rPr lang="en-GB" dirty="0"/>
+              <a:t>- **App State**: The account is enabled, the app version is `13112`, and the user has 10 </a:t>
+            </a:r>
+            <a:r>
+              <a:rPr lang="en-GB" dirty="0" err="1"/>
+              <a:t>TextNow</a:t>
+            </a:r>
+            <a:r>
+              <a:rPr lang="en-GB" dirty="0"/>
+              <a:t> credits but a $0 balance in USD.</a:t>
+            </a:r>
+          </a:p>
+          <a:p>
+            <a:endParaRPr lang="en-GB" dirty="0"/>
+          </a:p>
+          <a:p>
+            <a:r>
+              <a:rPr lang="en-GB" dirty="0"/>
+              <a:t>### Recommendations for Further Investigation</a:t>
+            </a:r>
+          </a:p>
+          <a:p>
+            <a:r>
+              <a:rPr lang="en-GB" dirty="0"/>
+              <a:t>- **Cross-Reference with Databases**: Use the `</a:t>
+            </a:r>
+            <a:r>
+              <a:rPr lang="en-GB" dirty="0" err="1"/>
+              <a:t>userinfo_latest_msg_id</a:t>
+            </a:r>
+            <a:r>
+              <a:rPr lang="en-GB" dirty="0"/>
+              <a:t>` and `LAST_CALL_UUID` to extract message and call details from the `</a:t>
+            </a:r>
+            <a:r>
+              <a:rPr lang="en-GB" dirty="0" err="1"/>
+              <a:t>textnow_data.db</a:t>
+            </a:r>
+            <a:r>
+              <a:rPr lang="en-GB" dirty="0"/>
+              <a:t>` database (identified as valuable in the first image).</a:t>
+            </a:r>
+          </a:p>
+          <a:p>
+            <a:r>
+              <a:rPr lang="en-GB" dirty="0"/>
+              <a:t>- **Decrypt Encoded Data**: Investigate the encrypted strings (e.g., `RyLipro7M7nuEsMghdXtKdhT5+aWtDXkXpbyL5jEK7o`). If the encryption method is known (e.g., AES with a known key), these could reveal more sensitive data.</a:t>
+            </a:r>
+          </a:p>
+          <a:p>
+            <a:r>
+              <a:rPr lang="en-GB" dirty="0"/>
+              <a:t>- **Voicemail Analysis**: Extract the voicemail (indicated by `</a:t>
+            </a:r>
+            <a:r>
+              <a:rPr lang="en-GB" dirty="0" err="1"/>
+              <a:t>userinfo_voicemail</a:t>
+            </a:r>
+            <a:r>
+              <a:rPr lang="en-GB" dirty="0"/>
+              <a:t>` = `1`) from the app’s storage or databases to </a:t>
+            </a:r>
+            <a:r>
+              <a:rPr lang="en-GB" dirty="0" err="1"/>
+              <a:t>analyze</a:t>
+            </a:r>
+            <a:r>
+              <a:rPr lang="en-GB" dirty="0"/>
+              <a:t> its contents.</a:t>
+            </a:r>
+          </a:p>
+          <a:p>
+            <a:r>
+              <a:rPr lang="en-GB" dirty="0"/>
+              <a:t>- **Ad and Analytics Correlation**: Use the ad-related data (e.g., `</a:t>
+            </a:r>
+            <a:r>
+              <a:rPr lang="en-GB" dirty="0" err="1"/>
+              <a:t>userinfo_native_instream_ad_count</a:t>
+            </a:r>
+            <a:r>
+              <a:rPr lang="en-GB" dirty="0"/>
+              <a:t>`, `</a:t>
+            </a:r>
+            <a:r>
+              <a:rPr lang="en-GB" dirty="0" err="1"/>
+              <a:t>userinfo_ad_categories</a:t>
+            </a:r>
+            <a:r>
+              <a:rPr lang="en-GB" dirty="0"/>
+              <a:t>`) to correlate with ad databases like `</a:t>
+            </a:r>
+            <a:r>
+              <a:rPr lang="en-GB" dirty="0" err="1"/>
+              <a:t>ads.db</a:t>
+            </a:r>
+            <a:r>
+              <a:rPr lang="en-GB" dirty="0"/>
+              <a:t>` or `</a:t>
+            </a:r>
+            <a:r>
+              <a:rPr lang="en-GB" dirty="0" err="1"/>
+              <a:t>supersonic_sdk.db</a:t>
+            </a:r>
+            <a:r>
+              <a:rPr lang="en-GB" dirty="0"/>
+              <a:t>` for more insights into user </a:t>
+            </a:r>
+            <a:r>
+              <a:rPr lang="en-GB" dirty="0" err="1"/>
+              <a:t>behavior</a:t>
+            </a:r>
+            <a:r>
+              <a:rPr lang="en-GB" dirty="0"/>
+              <a:t>.</a:t>
+            </a:r>
+          </a:p>
+          <a:p>
+            <a:endParaRPr lang="en-GB" dirty="0"/>
+          </a:p>
+          <a:p>
+            <a:r>
+              <a:rPr lang="en-GB" dirty="0"/>
+              <a:t>This Shared Preferences file provides a wealth of forensic data, particularly around user identity, communication history, and app usage patterns, making it a critical artifact for investigation. Would you like to explore any specific aspect further, such as decoding the encrypted strings or extracting data from related databases?</a:t>
+            </a:r>
+            <a:endParaRPr lang="en-US" dirty="0"/>
+          </a:p>
+        </p:txBody>
+      </p:sp>
+      <p:sp>
+        <p:nvSpPr>
+          <p:cNvPr id="4" name="Slide Number Placeholder 3">
+            <a:extLst>
+              <a:ext uri="{FF2B5EF4-FFF2-40B4-BE49-F238E27FC236}">
+                <a16:creationId xmlns:a16="http://schemas.microsoft.com/office/drawing/2014/main" id="{EB32E203-5671-FA23-DDBF-ED908A750296}"/>
+              </a:ext>
+            </a:extLst>
+          </p:cNvPr>
+          <p:cNvSpPr>
+            <a:spLocks noGrp="1"/>
+          </p:cNvSpPr>
+          <p:nvPr>
+            <p:ph type="sldNum" sz="quarter" idx="5"/>
+          </p:nvPr>
+        </p:nvSpPr>
+        <p:spPr/>
+        <p:txBody>
+          <a:bodyPr/>
+          <a:lstStyle/>
+          <a:p>
+            <a:fld id="{DDBF98C7-164A-4723-84F0-B1E4B080DDEC}" type="slidenum">
+              <a:rPr lang="en-US" smtClean="0"/>
+              <a:t>13</a:t>
+            </a:fld>
+            <a:endParaRPr lang="en-US"/>
+          </a:p>
+        </p:txBody>
+      </p:sp>
+    </p:spTree>
+    <p:extLst>
+      <p:ext uri="{BB962C8B-B14F-4D97-AF65-F5344CB8AC3E}">
+        <p14:creationId xmlns:p14="http://schemas.microsoft.com/office/powerpoint/2010/main" val="3392007150"/>
+      </p:ext>
+    </p:extLst>
+  </p:cSld>
+  <p:clrMapOvr>
+    <a:masterClrMapping/>
+  </p:clrMapOvr>
+</p:notes>
+</file>
+
+<file path=ppt/notesSlides/notesSlide8.xml><?xml version="1.0" encoding="utf-8"?>
 <p:notes xmlns:a="http://schemas.openxmlformats.org/drawingml/2006/main" xmlns:r="http://schemas.openxmlformats.org/officeDocument/2006/relationships" xmlns:p="http://schemas.openxmlformats.org/presentationml/2006/main">
   <p:cSld>
     <p:spTree>
@@ -5166,10 +8875,29 @@
           <a:lstStyle/>
           <a:p>
             <a:r>
-              <a:rPr lang="en-GB" dirty="0"/>
-              <a:t>/storage/emulated/0/Pictures/Twitter/IMG_20200203_213034.jpg</a:t>
-            </a:r>
-            <a:endParaRPr lang="en-US" dirty="0"/>
+              <a:rPr lang="en-US" dirty="0" err="1"/>
+              <a:t>sqlitebrowser</a:t>
+            </a:r>
+            <a:r>
+              <a:rPr lang="en-US" dirty="0"/>
+              <a:t> 'Pixel 3/data/data/</a:t>
+            </a:r>
+            <a:r>
+              <a:rPr lang="en-US" dirty="0" err="1"/>
+              <a:t>com.enflick.android.TextNow</a:t>
+            </a:r>
+            <a:r>
+              <a:rPr lang="en-US" dirty="0"/>
+              <a:t>/databases/</a:t>
+            </a:r>
+            <a:r>
+              <a:rPr lang="en-US" dirty="0" err="1"/>
+              <a:t>textnow_data.db</a:t>
+            </a:r>
+            <a:r>
+              <a:rPr lang="en-US" dirty="0"/>
+              <a:t>'</a:t>
+            </a:r>
           </a:p>
         </p:txBody>
       </p:sp>
@@ -5190,7 +8918,7 @@
           <a:p>
             <a:fld id="{DDBF98C7-164A-4723-84F0-B1E4B080DDEC}" type="slidenum">
               <a:rPr lang="en-US" smtClean="0"/>
-              <a:t>14</a:t>
+              <a:t>15</a:t>
             </a:fld>
             <a:endParaRPr lang="en-US"/>
           </a:p>
@@ -5199,7 +8927,138 @@
     </p:spTree>
     <p:extLst>
       <p:ext uri="{BB962C8B-B14F-4D97-AF65-F5344CB8AC3E}">
-        <p14:creationId xmlns:p14="http://schemas.microsoft.com/office/powerpoint/2010/main" val="3015381729"/>
+        <p14:creationId xmlns:p14="http://schemas.microsoft.com/office/powerpoint/2010/main" val="636914409"/>
+      </p:ext>
+    </p:extLst>
+  </p:cSld>
+  <p:clrMapOvr>
+    <a:masterClrMapping/>
+  </p:clrMapOvr>
+</p:notes>
+</file>
+
+<file path=ppt/notesSlides/notesSlide9.xml><?xml version="1.0" encoding="utf-8"?>
+<p:notes xmlns:a="http://schemas.openxmlformats.org/drawingml/2006/main" xmlns:r="http://schemas.openxmlformats.org/officeDocument/2006/relationships" xmlns:p="http://schemas.openxmlformats.org/presentationml/2006/main">
+  <p:cSld>
+    <p:spTree>
+      <p:nvGrpSpPr>
+        <p:cNvPr id="1" name=""/>
+        <p:cNvGrpSpPr/>
+        <p:nvPr/>
+      </p:nvGrpSpPr>
+      <p:grpSpPr>
+        <a:xfrm>
+          <a:off x="0" y="0"/>
+          <a:ext cx="0" cy="0"/>
+          <a:chOff x="0" y="0"/>
+          <a:chExt cx="0" cy="0"/>
+        </a:xfrm>
+      </p:grpSpPr>
+      <p:sp>
+        <p:nvSpPr>
+          <p:cNvPr id="2" name="Slide Image Placeholder 1"/>
+          <p:cNvSpPr>
+            <a:spLocks noGrp="1" noRot="1" noChangeAspect="1"/>
+          </p:cNvSpPr>
+          <p:nvPr>
+            <p:ph type="sldImg"/>
+          </p:nvPr>
+        </p:nvSpPr>
+        <p:spPr/>
+      </p:sp>
+      <p:sp>
+        <p:nvSpPr>
+          <p:cNvPr id="3" name="Notes Placeholder 2"/>
+          <p:cNvSpPr>
+            <a:spLocks noGrp="1"/>
+          </p:cNvSpPr>
+          <p:nvPr>
+            <p:ph type="body" idx="1"/>
+          </p:nvPr>
+        </p:nvSpPr>
+        <p:spPr/>
+        <p:txBody>
+          <a:bodyPr/>
+          <a:lstStyle/>
+          <a:p>
+            <a:r>
+              <a:rPr lang="en-US" dirty="0" err="1">
+                <a:cs typeface="Calibri"/>
+              </a:rPr>
+              <a:t>Cmd</a:t>
+            </a:r>
+            <a:r>
+              <a:rPr lang="en-US" dirty="0">
+                <a:cs typeface="Calibri"/>
+              </a:rPr>
+              <a:t>: </a:t>
+            </a:r>
+            <a:r>
+              <a:rPr lang="en-US" dirty="0" err="1">
+                <a:cs typeface="Calibri"/>
+              </a:rPr>
+              <a:t>sqlitebrowser</a:t>
+            </a:r>
+            <a:r>
+              <a:rPr lang="en-US" dirty="0">
+                <a:cs typeface="Calibri"/>
+              </a:rPr>
+              <a:t> 'Pixel 3/data/data/</a:t>
+            </a:r>
+            <a:r>
+              <a:rPr lang="en-US" dirty="0" err="1">
+                <a:cs typeface="Calibri"/>
+              </a:rPr>
+              <a:t>com.enflick.android.TextNow</a:t>
+            </a:r>
+            <a:r>
+              <a:rPr lang="en-US" dirty="0">
+                <a:cs typeface="Calibri"/>
+              </a:rPr>
+              <a:t>/databases/</a:t>
+            </a:r>
+            <a:r>
+              <a:rPr lang="en-US" dirty="0" err="1">
+                <a:cs typeface="Calibri"/>
+              </a:rPr>
+              <a:t>textnow_data.db</a:t>
+            </a:r>
+            <a:r>
+              <a:rPr lang="en-US" dirty="0">
+                <a:cs typeface="Calibri"/>
+              </a:rPr>
+              <a:t>'</a:t>
+            </a:r>
+          </a:p>
+        </p:txBody>
+      </p:sp>
+      <p:sp>
+        <p:nvSpPr>
+          <p:cNvPr id="4" name="Slide Number Placeholder 3"/>
+          <p:cNvSpPr>
+            <a:spLocks noGrp="1"/>
+          </p:cNvSpPr>
+          <p:nvPr>
+            <p:ph type="sldNum" sz="quarter" idx="5"/>
+          </p:nvPr>
+        </p:nvSpPr>
+        <p:spPr/>
+        <p:txBody>
+          <a:bodyPr/>
+          <a:lstStyle/>
+          <a:p>
+            <a:fld id="{DDBF98C7-164A-4723-84F0-B1E4B080DDEC}" type="slidenum">
+              <a:rPr lang="en-US" smtClean="0"/>
+              <a:t>17</a:t>
+            </a:fld>
+            <a:endParaRPr lang="en-US"/>
+          </a:p>
+        </p:txBody>
+      </p:sp>
+    </p:spTree>
+    <p:extLst>
+      <p:ext uri="{BB962C8B-B14F-4D97-AF65-F5344CB8AC3E}">
+        <p14:creationId xmlns:p14="http://schemas.microsoft.com/office/powerpoint/2010/main" val="147991994"/>
       </p:ext>
     </p:extLst>
   </p:cSld>
@@ -5338,7 +9197,7 @@
           <a:p>
             <a:fld id="{4263717A-E3C1-4BED-ABE0-B7069385E023}" type="datetimeFigureOut">
               <a:rPr lang="en-US" smtClean="0"/>
-              <a:t>1/1/2025</a:t>
+              <a:t>4/6/2025</a:t>
             </a:fld>
             <a:endParaRPr lang="en-US"/>
           </a:p>
@@ -5511,7 +9370,7 @@
           <a:p>
             <a:fld id="{4263717A-E3C1-4BED-ABE0-B7069385E023}" type="datetimeFigureOut">
               <a:rPr lang="en-US" smtClean="0"/>
-              <a:t>1/1/2025</a:t>
+              <a:t>4/6/2025</a:t>
             </a:fld>
             <a:endParaRPr lang="en-US"/>
           </a:p>
@@ -5689,7 +9548,7 @@
           <a:p>
             <a:fld id="{4263717A-E3C1-4BED-ABE0-B7069385E023}" type="datetimeFigureOut">
               <a:rPr lang="en-US" smtClean="0"/>
-              <a:t>1/1/2025</a:t>
+              <a:t>4/6/2025</a:t>
             </a:fld>
             <a:endParaRPr lang="en-US"/>
           </a:p>
@@ -5857,7 +9716,7 @@
           <a:p>
             <a:fld id="{4263717A-E3C1-4BED-ABE0-B7069385E023}" type="datetimeFigureOut">
               <a:rPr lang="en-US" smtClean="0"/>
-              <a:t>1/1/2025</a:t>
+              <a:t>4/6/2025</a:t>
             </a:fld>
             <a:endParaRPr lang="en-US"/>
           </a:p>
@@ -6102,7 +9961,7 @@
           <a:p>
             <a:fld id="{4263717A-E3C1-4BED-ABE0-B7069385E023}" type="datetimeFigureOut">
               <a:rPr lang="en-US" smtClean="0"/>
-              <a:t>1/1/2025</a:t>
+              <a:t>4/6/2025</a:t>
             </a:fld>
             <a:endParaRPr lang="en-US"/>
           </a:p>
@@ -6331,7 +10190,7 @@
           <a:p>
             <a:fld id="{4263717A-E3C1-4BED-ABE0-B7069385E023}" type="datetimeFigureOut">
               <a:rPr lang="en-US" smtClean="0"/>
-              <a:t>1/1/2025</a:t>
+              <a:t>4/6/2025</a:t>
             </a:fld>
             <a:endParaRPr lang="en-US"/>
           </a:p>
@@ -6695,7 +10554,7 @@
           <a:p>
             <a:fld id="{4263717A-E3C1-4BED-ABE0-B7069385E023}" type="datetimeFigureOut">
               <a:rPr lang="en-US" smtClean="0"/>
-              <a:t>1/1/2025</a:t>
+              <a:t>4/6/2025</a:t>
             </a:fld>
             <a:endParaRPr lang="en-US"/>
           </a:p>
@@ -6812,7 +10671,7 @@
           <a:p>
             <a:fld id="{4263717A-E3C1-4BED-ABE0-B7069385E023}" type="datetimeFigureOut">
               <a:rPr lang="en-US" smtClean="0"/>
-              <a:t>1/1/2025</a:t>
+              <a:t>4/6/2025</a:t>
             </a:fld>
             <a:endParaRPr lang="en-US"/>
           </a:p>
@@ -6907,7 +10766,7 @@
           <a:p>
             <a:fld id="{4263717A-E3C1-4BED-ABE0-B7069385E023}" type="datetimeFigureOut">
               <a:rPr lang="en-US" smtClean="0"/>
-              <a:t>1/1/2025</a:t>
+              <a:t>4/6/2025</a:t>
             </a:fld>
             <a:endParaRPr lang="en-US"/>
           </a:p>
@@ -7182,7 +11041,7 @@
           <a:p>
             <a:fld id="{4263717A-E3C1-4BED-ABE0-B7069385E023}" type="datetimeFigureOut">
               <a:rPr lang="en-US" smtClean="0"/>
-              <a:t>1/1/2025</a:t>
+              <a:t>4/6/2025</a:t>
             </a:fld>
             <a:endParaRPr lang="en-US"/>
           </a:p>
@@ -7434,7 +11293,7 @@
           <a:p>
             <a:fld id="{4263717A-E3C1-4BED-ABE0-B7069385E023}" type="datetimeFigureOut">
               <a:rPr lang="en-US" smtClean="0"/>
-              <a:t>1/1/2025</a:t>
+              <a:t>4/6/2025</a:t>
             </a:fld>
             <a:endParaRPr lang="en-US"/>
           </a:p>
@@ -7645,7 +11504,7 @@
           <a:p>
             <a:fld id="{4263717A-E3C1-4BED-ABE0-B7069385E023}" type="datetimeFigureOut">
               <a:rPr lang="en-US" smtClean="0"/>
-              <a:t>1/1/2025</a:t>
+              <a:t>4/6/2025</a:t>
             </a:fld>
             <a:endParaRPr lang="en-US"/>
           </a:p>
@@ -8319,6 +12178,547 @@
           <p:cNvPr id="2" name="Title 1">
             <a:extLst>
               <a:ext uri="{FF2B5EF4-FFF2-40B4-BE49-F238E27FC236}">
+                <a16:creationId xmlns:a16="http://schemas.microsoft.com/office/drawing/2014/main" id="{81458E94-DDFF-4EB0-8AE0-A483533FA6B6}"/>
+              </a:ext>
+            </a:extLst>
+          </p:cNvPr>
+          <p:cNvSpPr>
+            <a:spLocks noGrp="1"/>
+          </p:cNvSpPr>
+          <p:nvPr>
+            <p:ph type="title"/>
+          </p:nvPr>
+        </p:nvSpPr>
+        <p:spPr/>
+        <p:txBody>
+          <a:bodyPr/>
+          <a:lstStyle/>
+          <a:p>
+            <a:r>
+              <a:rPr lang="en-US" dirty="0">
+                <a:cs typeface="Calibri Light"/>
+              </a:rPr>
+              <a:t>What is the username for </a:t>
+            </a:r>
+            <a:r>
+              <a:rPr lang="en-US" dirty="0" err="1">
+                <a:cs typeface="Calibri Light"/>
+              </a:rPr>
+              <a:t>textnow</a:t>
+            </a:r>
+            <a:r>
+              <a:rPr lang="en-US" dirty="0">
+                <a:cs typeface="Calibri Light"/>
+              </a:rPr>
+              <a:t>?</a:t>
+            </a:r>
+            <a:endParaRPr lang="en-US" dirty="0"/>
+          </a:p>
+        </p:txBody>
+      </p:sp>
+      <p:sp>
+        <p:nvSpPr>
+          <p:cNvPr id="8" name="TextBox 7">
+            <a:extLst>
+              <a:ext uri="{FF2B5EF4-FFF2-40B4-BE49-F238E27FC236}">
+                <a16:creationId xmlns:a16="http://schemas.microsoft.com/office/drawing/2014/main" id="{B99710F2-FCA4-4CF0-A934-535B336DA42D}"/>
+              </a:ext>
+            </a:extLst>
+          </p:cNvPr>
+          <p:cNvSpPr txBox="1"/>
+          <p:nvPr/>
+        </p:nvSpPr>
+        <p:spPr>
+          <a:xfrm>
+            <a:off x="838200" y="2069806"/>
+            <a:ext cx="6172200" cy="369332"/>
+          </a:xfrm>
+          <a:prstGeom prst="rect">
+            <a:avLst/>
+          </a:prstGeom>
+          <a:solidFill>
+            <a:schemeClr val="accent4"/>
+          </a:solidFill>
+        </p:spPr>
+        <p:txBody>
+          <a:bodyPr wrap="square">
+            <a:spAutoFit/>
+          </a:bodyPr>
+          <a:lstStyle/>
+          <a:p>
+            <a:r>
+              <a:rPr lang="en-GB" dirty="0"/>
+              <a:t>search the username associated with the app</a:t>
+            </a:r>
+          </a:p>
+        </p:txBody>
+      </p:sp>
+      <p:pic>
+        <p:nvPicPr>
+          <p:cNvPr id="10" name="Picture 9" descr="Text&#10;&#10;Description automatically generated with medium confidence">
+            <a:extLst>
+              <a:ext uri="{FF2B5EF4-FFF2-40B4-BE49-F238E27FC236}">
+                <a16:creationId xmlns:a16="http://schemas.microsoft.com/office/drawing/2014/main" id="{DC2750E6-BCF9-4577-9F28-C2D65A712E47}"/>
+              </a:ext>
+            </a:extLst>
+          </p:cNvPr>
+          <p:cNvPicPr>
+            <a:picLocks noChangeAspect="1"/>
+          </p:cNvPicPr>
+          <p:nvPr/>
+        </p:nvPicPr>
+        <p:blipFill>
+          <a:blip r:embed="rId3"/>
+          <a:stretch>
+            <a:fillRect/>
+          </a:stretch>
+        </p:blipFill>
+        <p:spPr>
+          <a:xfrm>
+            <a:off x="838200" y="2439137"/>
+            <a:ext cx="9032557" cy="1195977"/>
+          </a:xfrm>
+          <a:prstGeom prst="rect">
+            <a:avLst/>
+          </a:prstGeom>
+        </p:spPr>
+      </p:pic>
+    </p:spTree>
+    <p:extLst>
+      <p:ext uri="{BB962C8B-B14F-4D97-AF65-F5344CB8AC3E}">
+        <p14:creationId xmlns:p14="http://schemas.microsoft.com/office/powerpoint/2010/main" val="4290566257"/>
+      </p:ext>
+    </p:extLst>
+  </p:cSld>
+  <p:clrMapOvr>
+    <a:masterClrMapping/>
+  </p:clrMapOvr>
+</p:sld>
+</file>
+
+<file path=ppt/slides/slide11.xml><?xml version="1.0" encoding="utf-8"?>
+<p:sld xmlns:a="http://schemas.openxmlformats.org/drawingml/2006/main" xmlns:r="http://schemas.openxmlformats.org/officeDocument/2006/relationships" xmlns:p="http://schemas.openxmlformats.org/presentationml/2006/main">
+  <p:cSld>
+    <p:spTree>
+      <p:nvGrpSpPr>
+        <p:cNvPr id="1" name="">
+          <a:extLst>
+            <a:ext uri="{FF2B5EF4-FFF2-40B4-BE49-F238E27FC236}">
+              <a16:creationId xmlns:a16="http://schemas.microsoft.com/office/drawing/2014/main" id="{876A8A67-D7E8-802C-D6AF-AE07CAB8EE02}"/>
+            </a:ext>
+          </a:extLst>
+        </p:cNvPr>
+        <p:cNvGrpSpPr/>
+        <p:nvPr/>
+      </p:nvGrpSpPr>
+      <p:grpSpPr>
+        <a:xfrm>
+          <a:off x="0" y="0"/>
+          <a:ext cx="0" cy="0"/>
+          <a:chOff x="0" y="0"/>
+          <a:chExt cx="0" cy="0"/>
+        </a:xfrm>
+      </p:grpSpPr>
+      <p:sp>
+        <p:nvSpPr>
+          <p:cNvPr id="2" name="Title 1">
+            <a:extLst>
+              <a:ext uri="{FF2B5EF4-FFF2-40B4-BE49-F238E27FC236}">
+                <a16:creationId xmlns:a16="http://schemas.microsoft.com/office/drawing/2014/main" id="{B2B2C2CD-5678-8436-3C85-75FCD794231A}"/>
+              </a:ext>
+            </a:extLst>
+          </p:cNvPr>
+          <p:cNvSpPr>
+            <a:spLocks noGrp="1"/>
+          </p:cNvSpPr>
+          <p:nvPr>
+            <p:ph type="title"/>
+          </p:nvPr>
+        </p:nvSpPr>
+        <p:spPr/>
+        <p:txBody>
+          <a:bodyPr anchor="ctr">
+            <a:normAutofit/>
+          </a:bodyPr>
+          <a:lstStyle/>
+          <a:p>
+            <a:r>
+              <a:rPr lang="en-GB" sz="3700" b="1" dirty="0"/>
+              <a:t>Summary 1: </a:t>
+            </a:r>
+            <a:r>
+              <a:rPr lang="en-GB" sz="3700" dirty="0"/>
+              <a:t>User Identity and Personal Information</a:t>
+            </a:r>
+            <a:endParaRPr lang="en-US" sz="3700" dirty="0">
+              <a:solidFill>
+                <a:srgbClr val="7030A0"/>
+              </a:solidFill>
+            </a:endParaRPr>
+          </a:p>
+        </p:txBody>
+      </p:sp>
+      <p:pic>
+        <p:nvPicPr>
+          <p:cNvPr id="5" name="Picture 4">
+            <a:extLst>
+              <a:ext uri="{FF2B5EF4-FFF2-40B4-BE49-F238E27FC236}">
+                <a16:creationId xmlns:a16="http://schemas.microsoft.com/office/drawing/2014/main" id="{F2A2562F-28E4-DF95-A3BB-EF8141B8AFAA}"/>
+              </a:ext>
+            </a:extLst>
+          </p:cNvPr>
+          <p:cNvPicPr>
+            <a:picLocks noChangeAspect="1"/>
+          </p:cNvPicPr>
+          <p:nvPr/>
+        </p:nvPicPr>
+        <p:blipFill>
+          <a:blip r:embed="rId3"/>
+          <a:stretch>
+            <a:fillRect/>
+          </a:stretch>
+        </p:blipFill>
+        <p:spPr>
+          <a:xfrm>
+            <a:off x="921685" y="1611694"/>
+            <a:ext cx="6065855" cy="5246306"/>
+          </a:xfrm>
+          <a:prstGeom prst="rect">
+            <a:avLst/>
+          </a:prstGeom>
+        </p:spPr>
+      </p:pic>
+    </p:spTree>
+    <p:extLst>
+      <p:ext uri="{BB962C8B-B14F-4D97-AF65-F5344CB8AC3E}">
+        <p14:creationId xmlns:p14="http://schemas.microsoft.com/office/powerpoint/2010/main" val="2900099221"/>
+      </p:ext>
+    </p:extLst>
+  </p:cSld>
+  <p:clrMapOvr>
+    <a:masterClrMapping/>
+  </p:clrMapOvr>
+</p:sld>
+</file>
+
+<file path=ppt/slides/slide12.xml><?xml version="1.0" encoding="utf-8"?>
+<p:sld xmlns:a="http://schemas.openxmlformats.org/drawingml/2006/main" xmlns:r="http://schemas.openxmlformats.org/officeDocument/2006/relationships" xmlns:p="http://schemas.openxmlformats.org/presentationml/2006/main">
+  <p:cSld>
+    <p:spTree>
+      <p:nvGrpSpPr>
+        <p:cNvPr id="1" name=""/>
+        <p:cNvGrpSpPr/>
+        <p:nvPr/>
+      </p:nvGrpSpPr>
+      <p:grpSpPr>
+        <a:xfrm>
+          <a:off x="0" y="0"/>
+          <a:ext cx="0" cy="0"/>
+          <a:chOff x="0" y="0"/>
+          <a:chExt cx="0" cy="0"/>
+        </a:xfrm>
+      </p:grpSpPr>
+      <p:sp>
+        <p:nvSpPr>
+          <p:cNvPr id="2" name="Title 1">
+            <a:extLst>
+              <a:ext uri="{FF2B5EF4-FFF2-40B4-BE49-F238E27FC236}">
+                <a16:creationId xmlns:a16="http://schemas.microsoft.com/office/drawing/2014/main" id="{68E01566-5184-F42E-8636-68002307B599}"/>
+              </a:ext>
+            </a:extLst>
+          </p:cNvPr>
+          <p:cNvSpPr>
+            <a:spLocks noGrp="1"/>
+          </p:cNvSpPr>
+          <p:nvPr>
+            <p:ph type="title"/>
+          </p:nvPr>
+        </p:nvSpPr>
+        <p:spPr/>
+        <p:txBody>
+          <a:bodyPr anchor="ctr">
+            <a:normAutofit/>
+          </a:bodyPr>
+          <a:lstStyle/>
+          <a:p>
+            <a:r>
+              <a:rPr lang="en-GB" sz="3700" b="1" dirty="0"/>
+              <a:t>Summary 2: </a:t>
+            </a:r>
+            <a:r>
+              <a:rPr lang="en-GB" sz="3700" dirty="0"/>
+              <a:t>Communication Details</a:t>
+            </a:r>
+            <a:endParaRPr lang="en-US" sz="3700" dirty="0">
+              <a:solidFill>
+                <a:srgbClr val="7030A0"/>
+              </a:solidFill>
+            </a:endParaRPr>
+          </a:p>
+        </p:txBody>
+      </p:sp>
+      <p:pic>
+        <p:nvPicPr>
+          <p:cNvPr id="8" name="Picture 7">
+            <a:extLst>
+              <a:ext uri="{FF2B5EF4-FFF2-40B4-BE49-F238E27FC236}">
+                <a16:creationId xmlns:a16="http://schemas.microsoft.com/office/drawing/2014/main" id="{F3DE47B4-6AD6-F298-701F-8A3E0EBF57A3}"/>
+              </a:ext>
+            </a:extLst>
+          </p:cNvPr>
+          <p:cNvPicPr>
+            <a:picLocks noChangeAspect="1"/>
+          </p:cNvPicPr>
+          <p:nvPr/>
+        </p:nvPicPr>
+        <p:blipFill>
+          <a:blip r:embed="rId3"/>
+          <a:stretch>
+            <a:fillRect/>
+          </a:stretch>
+        </p:blipFill>
+        <p:spPr>
+          <a:xfrm>
+            <a:off x="906438" y="1589151"/>
+            <a:ext cx="6945085" cy="5155184"/>
+          </a:xfrm>
+          <a:prstGeom prst="rect">
+            <a:avLst/>
+          </a:prstGeom>
+        </p:spPr>
+      </p:pic>
+    </p:spTree>
+    <p:extLst>
+      <p:ext uri="{BB962C8B-B14F-4D97-AF65-F5344CB8AC3E}">
+        <p14:creationId xmlns:p14="http://schemas.microsoft.com/office/powerpoint/2010/main" val="3355558048"/>
+      </p:ext>
+    </p:extLst>
+  </p:cSld>
+  <p:clrMapOvr>
+    <a:masterClrMapping/>
+  </p:clrMapOvr>
+</p:sld>
+</file>
+
+<file path=ppt/slides/slide13.xml><?xml version="1.0" encoding="utf-8"?>
+<p:sld xmlns:a="http://schemas.openxmlformats.org/drawingml/2006/main" xmlns:r="http://schemas.openxmlformats.org/officeDocument/2006/relationships" xmlns:p="http://schemas.openxmlformats.org/presentationml/2006/main">
+  <p:cSld>
+    <p:spTree>
+      <p:nvGrpSpPr>
+        <p:cNvPr id="1" name="">
+          <a:extLst>
+            <a:ext uri="{FF2B5EF4-FFF2-40B4-BE49-F238E27FC236}">
+              <a16:creationId xmlns:a16="http://schemas.microsoft.com/office/drawing/2014/main" id="{545528BF-8710-80DE-F8A8-D92598CCADFA}"/>
+            </a:ext>
+          </a:extLst>
+        </p:cNvPr>
+        <p:cNvGrpSpPr/>
+        <p:nvPr/>
+      </p:nvGrpSpPr>
+      <p:grpSpPr>
+        <a:xfrm>
+          <a:off x="0" y="0"/>
+          <a:ext cx="0" cy="0"/>
+          <a:chOff x="0" y="0"/>
+          <a:chExt cx="0" cy="0"/>
+        </a:xfrm>
+      </p:grpSpPr>
+      <p:sp>
+        <p:nvSpPr>
+          <p:cNvPr id="2" name="Title 1">
+            <a:extLst>
+              <a:ext uri="{FF2B5EF4-FFF2-40B4-BE49-F238E27FC236}">
+                <a16:creationId xmlns:a16="http://schemas.microsoft.com/office/drawing/2014/main" id="{06A26EE9-4868-ED71-C8A7-E94FA01FA385}"/>
+              </a:ext>
+            </a:extLst>
+          </p:cNvPr>
+          <p:cNvSpPr>
+            <a:spLocks noGrp="1"/>
+          </p:cNvSpPr>
+          <p:nvPr>
+            <p:ph type="title"/>
+          </p:nvPr>
+        </p:nvSpPr>
+        <p:spPr/>
+        <p:txBody>
+          <a:bodyPr anchor="ctr">
+            <a:normAutofit/>
+          </a:bodyPr>
+          <a:lstStyle/>
+          <a:p>
+            <a:r>
+              <a:rPr lang="en-GB" sz="3700" b="1"/>
+              <a:t>Summary 3: </a:t>
+            </a:r>
+            <a:r>
+              <a:rPr lang="en-GB" sz="3700"/>
+              <a:t>Timestamps and Activity Timeline</a:t>
+            </a:r>
+            <a:endParaRPr lang="en-US" sz="3700" dirty="0">
+              <a:solidFill>
+                <a:srgbClr val="7030A0"/>
+              </a:solidFill>
+            </a:endParaRPr>
+          </a:p>
+        </p:txBody>
+      </p:sp>
+      <p:pic>
+        <p:nvPicPr>
+          <p:cNvPr id="4" name="Picture 3">
+            <a:extLst>
+              <a:ext uri="{FF2B5EF4-FFF2-40B4-BE49-F238E27FC236}">
+                <a16:creationId xmlns:a16="http://schemas.microsoft.com/office/drawing/2014/main" id="{BD3F28F2-6120-D37D-FC16-426B6212F47E}"/>
+              </a:ext>
+            </a:extLst>
+          </p:cNvPr>
+          <p:cNvPicPr>
+            <a:picLocks noChangeAspect="1"/>
+          </p:cNvPicPr>
+          <p:nvPr/>
+        </p:nvPicPr>
+        <p:blipFill>
+          <a:blip r:embed="rId3"/>
+          <a:stretch>
+            <a:fillRect/>
+          </a:stretch>
+        </p:blipFill>
+        <p:spPr>
+          <a:xfrm>
+            <a:off x="948353" y="1470860"/>
+            <a:ext cx="7780694" cy="5022015"/>
+          </a:xfrm>
+          <a:prstGeom prst="rect">
+            <a:avLst/>
+          </a:prstGeom>
+        </p:spPr>
+      </p:pic>
+    </p:spTree>
+    <p:extLst>
+      <p:ext uri="{BB962C8B-B14F-4D97-AF65-F5344CB8AC3E}">
+        <p14:creationId xmlns:p14="http://schemas.microsoft.com/office/powerpoint/2010/main" val="4150709639"/>
+      </p:ext>
+    </p:extLst>
+  </p:cSld>
+  <p:clrMapOvr>
+    <a:masterClrMapping/>
+  </p:clrMapOvr>
+</p:sld>
+</file>
+
+<file path=ppt/slides/slide14.xml><?xml version="1.0" encoding="utf-8"?>
+<p:sld xmlns:a="http://schemas.openxmlformats.org/drawingml/2006/main" xmlns:r="http://schemas.openxmlformats.org/officeDocument/2006/relationships" xmlns:p="http://schemas.openxmlformats.org/presentationml/2006/main">
+  <p:cSld>
+    <p:spTree>
+      <p:nvGrpSpPr>
+        <p:cNvPr id="1" name=""/>
+        <p:cNvGrpSpPr/>
+        <p:nvPr/>
+      </p:nvGrpSpPr>
+      <p:grpSpPr>
+        <a:xfrm>
+          <a:off x="0" y="0"/>
+          <a:ext cx="0" cy="0"/>
+          <a:chOff x="0" y="0"/>
+          <a:chExt cx="0" cy="0"/>
+        </a:xfrm>
+      </p:grpSpPr>
+      <p:sp>
+        <p:nvSpPr>
+          <p:cNvPr id="3" name="Title 2">
+            <a:extLst>
+              <a:ext uri="{FF2B5EF4-FFF2-40B4-BE49-F238E27FC236}">
+                <a16:creationId xmlns:a16="http://schemas.microsoft.com/office/drawing/2014/main" id="{2F724D32-1C07-EE70-0825-F24BA85615F9}"/>
+              </a:ext>
+            </a:extLst>
+          </p:cNvPr>
+          <p:cNvSpPr>
+            <a:spLocks noGrp="1"/>
+          </p:cNvSpPr>
+          <p:nvPr>
+            <p:ph type="title"/>
+          </p:nvPr>
+        </p:nvSpPr>
+        <p:spPr/>
+        <p:txBody>
+          <a:bodyPr/>
+          <a:lstStyle/>
+          <a:p>
+            <a:r>
+              <a:rPr lang="en-US" dirty="0"/>
+              <a:t>Investigate </a:t>
+            </a:r>
+            <a:r>
+              <a:rPr lang="en-US" sz="6000" dirty="0" err="1">
+                <a:solidFill>
+                  <a:srgbClr val="7030A0"/>
+                </a:solidFill>
+              </a:rPr>
+              <a:t>textnow_data.db</a:t>
+            </a:r>
+            <a:endParaRPr lang="en-US" dirty="0"/>
+          </a:p>
+        </p:txBody>
+      </p:sp>
+      <p:sp>
+        <p:nvSpPr>
+          <p:cNvPr id="4" name="Text Placeholder 3">
+            <a:extLst>
+              <a:ext uri="{FF2B5EF4-FFF2-40B4-BE49-F238E27FC236}">
+                <a16:creationId xmlns:a16="http://schemas.microsoft.com/office/drawing/2014/main" id="{421E99A5-2FE6-9B65-13C7-1F1C4CB5CFDD}"/>
+              </a:ext>
+            </a:extLst>
+          </p:cNvPr>
+          <p:cNvSpPr>
+            <a:spLocks noGrp="1"/>
+          </p:cNvSpPr>
+          <p:nvPr>
+            <p:ph type="body" idx="1"/>
+          </p:nvPr>
+        </p:nvSpPr>
+        <p:spPr/>
+        <p:txBody>
+          <a:bodyPr/>
+          <a:lstStyle/>
+          <a:p>
+            <a:endParaRPr lang="en-US"/>
+          </a:p>
+        </p:txBody>
+      </p:sp>
+    </p:spTree>
+    <p:extLst>
+      <p:ext uri="{BB962C8B-B14F-4D97-AF65-F5344CB8AC3E}">
+        <p14:creationId xmlns:p14="http://schemas.microsoft.com/office/powerpoint/2010/main" val="634222704"/>
+      </p:ext>
+    </p:extLst>
+  </p:cSld>
+  <p:clrMapOvr>
+    <a:masterClrMapping/>
+  </p:clrMapOvr>
+</p:sld>
+</file>
+
+<file path=ppt/slides/slide15.xml><?xml version="1.0" encoding="utf-8"?>
+<p:sld xmlns:a="http://schemas.openxmlformats.org/drawingml/2006/main" xmlns:r="http://schemas.openxmlformats.org/officeDocument/2006/relationships" xmlns:p="http://schemas.openxmlformats.org/presentationml/2006/main">
+  <p:cSld>
+    <p:spTree>
+      <p:nvGrpSpPr>
+        <p:cNvPr id="1" name=""/>
+        <p:cNvGrpSpPr/>
+        <p:nvPr/>
+      </p:nvGrpSpPr>
+      <p:grpSpPr>
+        <a:xfrm>
+          <a:off x="0" y="0"/>
+          <a:ext cx="0" cy="0"/>
+          <a:chOff x="0" y="0"/>
+          <a:chExt cx="0" cy="0"/>
+        </a:xfrm>
+      </p:grpSpPr>
+      <p:sp>
+        <p:nvSpPr>
+          <p:cNvPr id="2" name="Title 1">
+            <a:extLst>
+              <a:ext uri="{FF2B5EF4-FFF2-40B4-BE49-F238E27FC236}">
                 <a16:creationId xmlns:a16="http://schemas.microsoft.com/office/drawing/2014/main" id="{9582DB81-39F1-4938-AD64-D9CDBF748CD8}"/>
               </a:ext>
             </a:extLst>
@@ -8337,15 +12737,11 @@
           <a:p>
             <a:r>
               <a:rPr lang="en-GB" dirty="0"/>
-              <a:t>How many contacts are saved in </a:t>
+              <a:t>Important tables in </a:t>
             </a:r>
             <a:r>
               <a:rPr lang="en-GB" dirty="0" err="1"/>
               <a:t>TextNow</a:t>
-            </a:r>
-            <a:r>
-              <a:rPr lang="en-GB" dirty="0"/>
-              <a:t>?</a:t>
             </a:r>
             <a:endParaRPr lang="en-US" dirty="0"/>
           </a:p>
@@ -8466,7 +12862,7 @@
 </p:sld>
 </file>
 
-<file path=ppt/slides/slide11.xml><?xml version="1.0" encoding="utf-8"?>
+<file path=ppt/slides/slide16.xml><?xml version="1.0" encoding="utf-8"?>
 <p:sld xmlns:a="http://schemas.openxmlformats.org/drawingml/2006/main" xmlns:r="http://schemas.openxmlformats.org/officeDocument/2006/relationships" xmlns:p="http://schemas.openxmlformats.org/presentationml/2006/main">
   <p:cSld>
     <p:spTree>
@@ -8505,7 +12901,7 @@
         </p:blipFill>
         <p:spPr>
           <a:xfrm>
-            <a:off x="4309960" y="1591821"/>
+            <a:off x="4309960" y="2010921"/>
             <a:ext cx="4279106" cy="4688199"/>
           </a:xfrm>
           <a:prstGeom prst="rect">
@@ -8527,7 +12923,7 @@
         </p:nvSpPr>
         <p:spPr>
           <a:xfrm>
-            <a:off x="4309960" y="1726758"/>
+            <a:off x="4309960" y="2145858"/>
             <a:ext cx="1637616" cy="206376"/>
           </a:xfrm>
           <a:prstGeom prst="rect">
@@ -8579,7 +12975,7 @@
         </p:nvSpPr>
         <p:spPr>
           <a:xfrm>
-            <a:off x="1009874" y="4389552"/>
+            <a:off x="1009874" y="4808652"/>
             <a:ext cx="1798865" cy="646331"/>
           </a:xfrm>
           <a:prstGeom prst="rect">
@@ -8623,7 +13019,7 @@
         </p:nvCxnSpPr>
         <p:spPr>
           <a:xfrm flipV="1">
-            <a:off x="2808739" y="2281358"/>
+            <a:off x="2808739" y="2700458"/>
             <a:ext cx="5452666" cy="2431360"/>
           </a:xfrm>
           <a:prstGeom prst="straightConnector1">
@@ -8665,7 +13061,7 @@
         </p:nvSpPr>
         <p:spPr>
           <a:xfrm>
-            <a:off x="1009874" y="1877850"/>
+            <a:off x="1009874" y="2296950"/>
             <a:ext cx="1798865" cy="646331"/>
           </a:xfrm>
           <a:prstGeom prst="rect">
@@ -8709,7 +13105,7 @@
         </p:nvCxnSpPr>
         <p:spPr>
           <a:xfrm>
-            <a:off x="2808739" y="2201016"/>
+            <a:off x="2808739" y="2620116"/>
             <a:ext cx="3592061" cy="17399"/>
           </a:xfrm>
           <a:prstGeom prst="straightConnector1">
@@ -8751,7 +13147,7 @@
         </p:nvSpPr>
         <p:spPr>
           <a:xfrm>
-            <a:off x="6400800" y="2085533"/>
+            <a:off x="6400800" y="2504633"/>
             <a:ext cx="1001864" cy="164353"/>
           </a:xfrm>
           <a:prstGeom prst="rect">
@@ -8803,7 +13199,7 @@
         </p:nvSpPr>
         <p:spPr>
           <a:xfrm>
-            <a:off x="7515009" y="2085534"/>
+            <a:off x="7515009" y="2504634"/>
             <a:ext cx="1074057" cy="174930"/>
           </a:xfrm>
           <a:prstGeom prst="rect">
@@ -8843,38 +13239,34 @@
       </p:sp>
       <p:sp>
         <p:nvSpPr>
-          <p:cNvPr id="12" name="TextBox 11">
+          <p:cNvPr id="2" name="Title 1">
             <a:extLst>
               <a:ext uri="{FF2B5EF4-FFF2-40B4-BE49-F238E27FC236}">
-                <a16:creationId xmlns:a16="http://schemas.microsoft.com/office/drawing/2014/main" id="{ECDA0B92-7205-4820-A2E2-01B8AF307B23}"/>
+                <a16:creationId xmlns:a16="http://schemas.microsoft.com/office/drawing/2014/main" id="{6E1EAF6D-8A26-6522-58CD-3DFB1D435B30}"/>
               </a:ext>
             </a:extLst>
           </p:cNvPr>
-          <p:cNvSpPr txBox="1"/>
-          <p:nvPr/>
+          <p:cNvSpPr>
+            <a:spLocks noGrp="1"/>
+          </p:cNvSpPr>
+          <p:nvPr>
+            <p:ph type="title"/>
+          </p:nvPr>
         </p:nvSpPr>
-        <p:spPr>
-          <a:xfrm>
-            <a:off x="1009874" y="1102558"/>
-            <a:ext cx="4937702" cy="369332"/>
-          </a:xfrm>
-          <a:prstGeom prst="rect">
-            <a:avLst/>
-          </a:prstGeom>
-          <a:solidFill>
-            <a:schemeClr val="accent4"/>
-          </a:solidFill>
-        </p:spPr>
+        <p:spPr/>
         <p:txBody>
-          <a:bodyPr wrap="square">
-            <a:spAutoFit/>
-          </a:bodyPr>
+          <a:bodyPr/>
           <a:lstStyle/>
           <a:p>
             <a:r>
-              <a:rPr lang="en-GB" dirty="0"/>
-              <a:t>Check contact table</a:t>
-            </a:r>
+              <a:rPr lang="en-US" dirty="0"/>
+              <a:t>Contacts in </a:t>
+            </a:r>
+            <a:r>
+              <a:rPr lang="en-US" dirty="0" err="1"/>
+              <a:t>Textnow</a:t>
+            </a:r>
+            <a:endParaRPr lang="en-US" dirty="0"/>
           </a:p>
         </p:txBody>
       </p:sp>
@@ -8891,7 +13283,7 @@
 </p:sld>
 </file>
 
-<file path=ppt/slides/slide12.xml><?xml version="1.0" encoding="utf-8"?>
+<file path=ppt/slides/slide17.xml><?xml version="1.0" encoding="utf-8"?>
 <p:sld xmlns:a="http://schemas.openxmlformats.org/drawingml/2006/main" xmlns:r="http://schemas.openxmlformats.org/officeDocument/2006/relationships" xmlns:p="http://schemas.openxmlformats.org/presentationml/2006/main">
   <p:cSld>
     <p:spTree>
@@ -8933,7 +13325,7 @@
               <a:rPr lang="en-GB" dirty="0">
                 <a:cs typeface="Calibri Light"/>
               </a:rPr>
-              <a:t>Are there conversations between 2-4pm (local time)?</a:t>
+              <a:t>Conversations between 2-4 pm (local time)</a:t>
             </a:r>
             <a:endParaRPr lang="en-US" dirty="0"/>
           </a:p>
@@ -9071,7 +13463,7 @@
 </p:sld>
 </file>
 
-<file path=ppt/slides/slide13.xml><?xml version="1.0" encoding="utf-8"?>
+<file path=ppt/slides/slide18.xml><?xml version="1.0" encoding="utf-8"?>
 <p:sld xmlns:a="http://schemas.openxmlformats.org/drawingml/2006/main" xmlns:r="http://schemas.openxmlformats.org/officeDocument/2006/relationships" xmlns:p="http://schemas.openxmlformats.org/presentationml/2006/main">
   <p:cSld>
     <p:spTree>
@@ -10104,43 +14496,6 @@
       </p:cxnSp>
       <p:sp>
         <p:nvSpPr>
-          <p:cNvPr id="25" name="TextBox 24">
-            <a:extLst>
-              <a:ext uri="{FF2B5EF4-FFF2-40B4-BE49-F238E27FC236}">
-                <a16:creationId xmlns:a16="http://schemas.microsoft.com/office/drawing/2014/main" id="{08FB1ADC-A4F3-4AD1-9ECD-9EF031FF48D6}"/>
-              </a:ext>
-            </a:extLst>
-          </p:cNvPr>
-          <p:cNvSpPr txBox="1"/>
-          <p:nvPr/>
-        </p:nvSpPr>
-        <p:spPr>
-          <a:xfrm>
-            <a:off x="688181" y="1151936"/>
-            <a:ext cx="4937702" cy="369332"/>
-          </a:xfrm>
-          <a:prstGeom prst="rect">
-            <a:avLst/>
-          </a:prstGeom>
-          <a:solidFill>
-            <a:schemeClr val="accent4"/>
-          </a:solidFill>
-        </p:spPr>
-        <p:txBody>
-          <a:bodyPr wrap="square">
-            <a:spAutoFit/>
-          </a:bodyPr>
-          <a:lstStyle/>
-          <a:p>
-            <a:r>
-              <a:rPr lang="en-GB" dirty="0"/>
-              <a:t>List messages in the message table</a:t>
-            </a:r>
-          </a:p>
-        </p:txBody>
-      </p:sp>
-      <p:sp>
-        <p:nvSpPr>
           <p:cNvPr id="3" name="TextBox 2">
             <a:extLst>
               <a:ext uri="{FF2B5EF4-FFF2-40B4-BE49-F238E27FC236}">
@@ -10370,6 +14725,39 @@
           </a:fontRef>
         </p:style>
       </p:cxnSp>
+      <p:sp>
+        <p:nvSpPr>
+          <p:cNvPr id="2" name="Title 1">
+            <a:extLst>
+              <a:ext uri="{FF2B5EF4-FFF2-40B4-BE49-F238E27FC236}">
+                <a16:creationId xmlns:a16="http://schemas.microsoft.com/office/drawing/2014/main" id="{F397CCA6-793C-5DCF-9474-4A90B62C6A12}"/>
+              </a:ext>
+            </a:extLst>
+          </p:cNvPr>
+          <p:cNvSpPr>
+            <a:spLocks noGrp="1"/>
+          </p:cNvSpPr>
+          <p:nvPr>
+            <p:ph type="title"/>
+          </p:nvPr>
+        </p:nvSpPr>
+        <p:spPr/>
+        <p:txBody>
+          <a:bodyPr/>
+          <a:lstStyle/>
+          <a:p>
+            <a:r>
+              <a:rPr lang="en-GB" dirty="0"/>
+              <a:t>Messages in </a:t>
+            </a:r>
+            <a:r>
+              <a:rPr lang="en-GB" dirty="0" err="1"/>
+              <a:t>Textnow</a:t>
+            </a:r>
+            <a:endParaRPr lang="en-US" dirty="0"/>
+          </a:p>
+        </p:txBody>
+      </p:sp>
     </p:spTree>
     <p:extLst>
       <p:ext uri="{BB962C8B-B14F-4D97-AF65-F5344CB8AC3E}">
@@ -10383,7 +14771,7 @@
 </p:sld>
 </file>
 
-<file path=ppt/slides/slide14.xml><?xml version="1.0" encoding="utf-8"?>
+<file path=ppt/slides/slide19.xml><?xml version="1.0" encoding="utf-8"?>
 <p:sld xmlns:a="http://schemas.openxmlformats.org/drawingml/2006/main" xmlns:r="http://schemas.openxmlformats.org/officeDocument/2006/relationships" xmlns:p="http://schemas.openxmlformats.org/presentationml/2006/main">
   <p:cSld>
     <p:spTree>
@@ -10423,7 +14811,7 @@
           <a:p>
             <a:r>
               <a:rPr lang="en-US" dirty="0"/>
-              <a:t>Any pictures sent/received?</a:t>
+              <a:t>Pictures sent/received with messages</a:t>
             </a:r>
           </a:p>
         </p:txBody>
@@ -10471,7 +14859,138 @@
 </p:sld>
 </file>
 
-<file path=ppt/slides/slide15.xml><?xml version="1.0" encoding="utf-8"?>
+<file path=ppt/slides/slide2.xml><?xml version="1.0" encoding="utf-8"?>
+<p:sld xmlns:a="http://schemas.openxmlformats.org/drawingml/2006/main" xmlns:r="http://schemas.openxmlformats.org/officeDocument/2006/relationships" xmlns:p="http://schemas.openxmlformats.org/presentationml/2006/main">
+  <p:cSld>
+    <p:spTree>
+      <p:nvGrpSpPr>
+        <p:cNvPr id="1" name=""/>
+        <p:cNvGrpSpPr/>
+        <p:nvPr/>
+      </p:nvGrpSpPr>
+      <p:grpSpPr>
+        <a:xfrm>
+          <a:off x="0" y="0"/>
+          <a:ext cx="0" cy="0"/>
+          <a:chOff x="0" y="0"/>
+          <a:chExt cx="0" cy="0"/>
+        </a:xfrm>
+      </p:grpSpPr>
+      <p:sp>
+        <p:nvSpPr>
+          <p:cNvPr id="4" name="Title 3">
+            <a:extLst>
+              <a:ext uri="{FF2B5EF4-FFF2-40B4-BE49-F238E27FC236}">
+                <a16:creationId xmlns:a16="http://schemas.microsoft.com/office/drawing/2014/main" id="{5A78CD24-4193-4C56-9C44-03D680724FE2}"/>
+              </a:ext>
+            </a:extLst>
+          </p:cNvPr>
+          <p:cNvSpPr>
+            <a:spLocks noGrp="1"/>
+          </p:cNvSpPr>
+          <p:nvPr>
+            <p:ph type="title"/>
+          </p:nvPr>
+        </p:nvSpPr>
+        <p:spPr/>
+        <p:txBody>
+          <a:bodyPr/>
+          <a:lstStyle/>
+          <a:p>
+            <a:r>
+              <a:rPr lang="en-US" dirty="0">
+                <a:ea typeface="+mn-lt"/>
+                <a:cs typeface="+mn-lt"/>
+              </a:rPr>
+              <a:t>What is </a:t>
+            </a:r>
+            <a:r>
+              <a:rPr lang="en-US" dirty="0" err="1">
+                <a:ea typeface="+mn-lt"/>
+                <a:cs typeface="+mn-lt"/>
+              </a:rPr>
+              <a:t>textnow</a:t>
+            </a:r>
+            <a:r>
+              <a:rPr lang="en-US" dirty="0">
+                <a:ea typeface="+mn-lt"/>
+                <a:cs typeface="+mn-lt"/>
+              </a:rPr>
+              <a:t> app?</a:t>
+            </a:r>
+            <a:endParaRPr lang="en-US" dirty="0"/>
+          </a:p>
+        </p:txBody>
+      </p:sp>
+      <p:sp>
+        <p:nvSpPr>
+          <p:cNvPr id="5" name="Text Placeholder 4">
+            <a:extLst>
+              <a:ext uri="{FF2B5EF4-FFF2-40B4-BE49-F238E27FC236}">
+                <a16:creationId xmlns:a16="http://schemas.microsoft.com/office/drawing/2014/main" id="{A6592F8C-2BF4-4660-AF49-48F431312C24}"/>
+              </a:ext>
+            </a:extLst>
+          </p:cNvPr>
+          <p:cNvSpPr>
+            <a:spLocks noGrp="1"/>
+          </p:cNvSpPr>
+          <p:nvPr>
+            <p:ph type="body" idx="1"/>
+          </p:nvPr>
+        </p:nvSpPr>
+        <p:spPr/>
+        <p:txBody>
+          <a:bodyPr/>
+          <a:lstStyle/>
+          <a:p>
+            <a:endParaRPr lang="en-US"/>
+          </a:p>
+        </p:txBody>
+      </p:sp>
+      <p:pic>
+        <p:nvPicPr>
+          <p:cNvPr id="7" name="Picture 6">
+            <a:extLst>
+              <a:ext uri="{FF2B5EF4-FFF2-40B4-BE49-F238E27FC236}">
+                <a16:creationId xmlns:a16="http://schemas.microsoft.com/office/drawing/2014/main" id="{C2E5C476-23EE-4F7D-B1A9-CA31E5E83179}"/>
+              </a:ext>
+            </a:extLst>
+          </p:cNvPr>
+          <p:cNvPicPr>
+            <a:picLocks noChangeAspect="1"/>
+          </p:cNvPicPr>
+          <p:nvPr/>
+        </p:nvPicPr>
+        <p:blipFill>
+          <a:blip r:embed="rId2"/>
+          <a:stretch>
+            <a:fillRect/>
+          </a:stretch>
+        </p:blipFill>
+        <p:spPr>
+          <a:xfrm>
+            <a:off x="5601693" y="0"/>
+            <a:ext cx="6393734" cy="2781541"/>
+          </a:xfrm>
+          <a:prstGeom prst="rect">
+            <a:avLst/>
+          </a:prstGeom>
+        </p:spPr>
+      </p:pic>
+    </p:spTree>
+    <p:extLst>
+      <p:ext uri="{BB962C8B-B14F-4D97-AF65-F5344CB8AC3E}">
+        <p14:creationId xmlns:p14="http://schemas.microsoft.com/office/powerpoint/2010/main" val="4201802835"/>
+      </p:ext>
+    </p:extLst>
+  </p:cSld>
+  <p:clrMapOvr>
+    <a:masterClrMapping/>
+  </p:clrMapOvr>
+</p:sld>
+</file>
+
+<file path=ppt/slides/slide20.xml><?xml version="1.0" encoding="utf-8"?>
 <p:sld xmlns:a="http://schemas.openxmlformats.org/drawingml/2006/main" xmlns:r="http://schemas.openxmlformats.org/officeDocument/2006/relationships" xmlns:p="http://schemas.openxmlformats.org/presentationml/2006/main">
   <p:cSld>
     <p:spTree>
@@ -10600,7 +15119,7 @@
 </p:sld>
 </file>
 
-<file path=ppt/slides/slide16.xml><?xml version="1.0" encoding="utf-8"?>
+<file path=ppt/slides/slide21.xml><?xml version="1.0" encoding="utf-8"?>
 <p:sld xmlns:a="http://schemas.openxmlformats.org/drawingml/2006/main" xmlns:r="http://schemas.openxmlformats.org/officeDocument/2006/relationships" xmlns:p="http://schemas.openxmlformats.org/presentationml/2006/main">
   <p:cSld>
     <p:spTree>
@@ -10675,36 +15194,65 @@
               <a:rPr lang="en-US" dirty="0">
                 <a:cs typeface="Calibri"/>
               </a:rPr>
-              <a:t>Locate the app directory and search username, phone number keywords using grep to find them</a:t>
-            </a:r>
+              <a:t>Find configuration and databases of </a:t>
+            </a:r>
+            <a:r>
+              <a:rPr lang="en-US" dirty="0" err="1">
+                <a:solidFill>
+                  <a:srgbClr val="7030A0"/>
+                </a:solidFill>
+                <a:cs typeface="Calibri"/>
+              </a:rPr>
+              <a:t>textnow</a:t>
+            </a:r>
+            <a:endParaRPr lang="en-US" dirty="0">
+              <a:solidFill>
+                <a:srgbClr val="7030A0"/>
+              </a:solidFill>
+              <a:cs typeface="Calibri"/>
+            </a:endParaRPr>
           </a:p>
           <a:p>
             <a:r>
               <a:rPr lang="en-US" dirty="0">
                 <a:cs typeface="Calibri"/>
               </a:rPr>
-              <a:t>Find app package/folder and look at the databases list</a:t>
-            </a:r>
+              <a:t>Find account information from </a:t>
+            </a:r>
+            <a:r>
+              <a:rPr lang="en-US" sz="2800" dirty="0">
+                <a:solidFill>
+                  <a:srgbClr val="7030A0"/>
+                </a:solidFill>
+              </a:rPr>
+              <a:t>com.enflick.android.TextNow_preferences.xml</a:t>
+            </a:r>
+            <a:endParaRPr lang="en-US" dirty="0">
+              <a:cs typeface="Calibri"/>
+            </a:endParaRPr>
           </a:p>
           <a:p>
             <a:r>
               <a:rPr lang="en-US" dirty="0">
                 <a:cs typeface="Calibri"/>
               </a:rPr>
-              <a:t>Go to </a:t>
+              <a:t>Find the messages and contacts in </a:t>
             </a:r>
             <a:r>
               <a:rPr lang="en-US" dirty="0" err="1">
+                <a:solidFill>
+                  <a:srgbClr val="7030A0"/>
+                </a:solidFill>
                 <a:cs typeface="Calibri"/>
               </a:rPr>
               <a:t>textnow_data.db</a:t>
             </a:r>
-            <a:r>
-              <a:rPr lang="en-US" dirty="0">
-                <a:cs typeface="Calibri"/>
-              </a:rPr>
-              <a:t> to find the messages and contacts</a:t>
-            </a:r>
+            <a:endParaRPr lang="en-US" dirty="0">
+              <a:solidFill>
+                <a:srgbClr val="7030A0"/>
+              </a:solidFill>
+              <a:cs typeface="Calibri"/>
+            </a:endParaRPr>
           </a:p>
         </p:txBody>
       </p:sp>
@@ -10721,588 +15269,7 @@
 </p:sld>
 </file>
 
-<file path=ppt/slides/slide2.xml><?xml version="1.0" encoding="utf-8"?>
-<p:sld xmlns:a="http://schemas.openxmlformats.org/drawingml/2006/main" xmlns:r="http://schemas.openxmlformats.org/officeDocument/2006/relationships" xmlns:p="http://schemas.openxmlformats.org/presentationml/2006/main">
-  <p:cSld>
-    <p:spTree>
-      <p:nvGrpSpPr>
-        <p:cNvPr id="1" name=""/>
-        <p:cNvGrpSpPr/>
-        <p:nvPr/>
-      </p:nvGrpSpPr>
-      <p:grpSpPr>
-        <a:xfrm>
-          <a:off x="0" y="0"/>
-          <a:ext cx="0" cy="0"/>
-          <a:chOff x="0" y="0"/>
-          <a:chExt cx="0" cy="0"/>
-        </a:xfrm>
-      </p:grpSpPr>
-      <p:sp>
-        <p:nvSpPr>
-          <p:cNvPr id="2" name="Title 1">
-            <a:extLst>
-              <a:ext uri="{FF2B5EF4-FFF2-40B4-BE49-F238E27FC236}">
-                <a16:creationId xmlns:a16="http://schemas.microsoft.com/office/drawing/2014/main" id="{89BDC78A-44A1-4FA9-AAFA-2BC9EC374226}"/>
-              </a:ext>
-            </a:extLst>
-          </p:cNvPr>
-          <p:cNvSpPr>
-            <a:spLocks noGrp="1"/>
-          </p:cNvSpPr>
-          <p:nvPr>
-            <p:ph type="title"/>
-          </p:nvPr>
-        </p:nvSpPr>
-        <p:spPr/>
-        <p:txBody>
-          <a:bodyPr/>
-          <a:lstStyle/>
-          <a:p>
-            <a:r>
-              <a:rPr lang="en-GB" dirty="0">
-                <a:cs typeface="Calibri Light"/>
-              </a:rPr>
-              <a:t>Approach</a:t>
-            </a:r>
-          </a:p>
-        </p:txBody>
-      </p:sp>
-      <p:pic>
-        <p:nvPicPr>
-          <p:cNvPr id="4" name="Picture 2" descr="Database | Bruker">
-            <a:extLst>
-              <a:ext uri="{FF2B5EF4-FFF2-40B4-BE49-F238E27FC236}">
-                <a16:creationId xmlns:a16="http://schemas.microsoft.com/office/drawing/2014/main" id="{EC142D97-9A41-45F9-84A2-14ABDF69CDF4}"/>
-              </a:ext>
-            </a:extLst>
-          </p:cNvPr>
-          <p:cNvPicPr>
-            <a:picLocks noChangeAspect="1" noChangeArrowheads="1"/>
-          </p:cNvPicPr>
-          <p:nvPr/>
-        </p:nvPicPr>
-        <p:blipFill>
-          <a:blip r:embed="rId2">
-            <a:extLst>
-              <a:ext uri="{28A0092B-C50C-407E-A947-70E740481C1C}">
-                <a14:useLocalDpi xmlns:a14="http://schemas.microsoft.com/office/drawing/2010/main" val="0"/>
-              </a:ext>
-            </a:extLst>
-          </a:blip>
-          <a:srcRect/>
-          <a:stretch>
-            <a:fillRect/>
-          </a:stretch>
-        </p:blipFill>
-        <p:spPr bwMode="auto">
-          <a:xfrm>
-            <a:off x="1169301" y="2694033"/>
-            <a:ext cx="1868556" cy="1868556"/>
-          </a:xfrm>
-          <a:prstGeom prst="rect">
-            <a:avLst/>
-          </a:prstGeom>
-          <a:noFill/>
-          <a:extLst>
-            <a:ext uri="{909E8E84-426E-40DD-AFC4-6F175D3DCCD1}">
-              <a14:hiddenFill xmlns:a14="http://schemas.microsoft.com/office/drawing/2010/main">
-                <a:solidFill>
-                  <a:srgbClr val="FFFFFF"/>
-                </a:solidFill>
-              </a14:hiddenFill>
-            </a:ext>
-          </a:extLst>
-        </p:spPr>
-      </p:pic>
-      <p:pic>
-        <p:nvPicPr>
-          <p:cNvPr id="5" name="Picture 6" descr="Cell, data, database, grid, row, table icon - Download on Iconfinder">
-            <a:extLst>
-              <a:ext uri="{FF2B5EF4-FFF2-40B4-BE49-F238E27FC236}">
-                <a16:creationId xmlns:a16="http://schemas.microsoft.com/office/drawing/2014/main" id="{94778943-F455-4ED3-83F2-26530F9BF03D}"/>
-              </a:ext>
-            </a:extLst>
-          </p:cNvPr>
-          <p:cNvPicPr>
-            <a:picLocks noChangeAspect="1" noChangeArrowheads="1"/>
-          </p:cNvPicPr>
-          <p:nvPr/>
-        </p:nvPicPr>
-        <p:blipFill>
-          <a:blip r:embed="rId3">
-            <a:extLst>
-              <a:ext uri="{28A0092B-C50C-407E-A947-70E740481C1C}">
-                <a14:useLocalDpi xmlns:a14="http://schemas.microsoft.com/office/drawing/2010/main" val="0"/>
-              </a:ext>
-            </a:extLst>
-          </a:blip>
-          <a:srcRect/>
-          <a:stretch>
-            <a:fillRect/>
-          </a:stretch>
-        </p:blipFill>
-        <p:spPr bwMode="auto">
-          <a:xfrm>
-            <a:off x="3875986" y="2894610"/>
-            <a:ext cx="1560443" cy="1560443"/>
-          </a:xfrm>
-          <a:prstGeom prst="rect">
-            <a:avLst/>
-          </a:prstGeom>
-          <a:noFill/>
-          <a:extLst>
-            <a:ext uri="{909E8E84-426E-40DD-AFC4-6F175D3DCCD1}">
-              <a14:hiddenFill xmlns:a14="http://schemas.microsoft.com/office/drawing/2010/main">
-                <a:solidFill>
-                  <a:srgbClr val="FFFFFF"/>
-                </a:solidFill>
-              </a14:hiddenFill>
-            </a:ext>
-          </a:extLst>
-        </p:spPr>
-      </p:pic>
-      <p:pic>
-        <p:nvPicPr>
-          <p:cNvPr id="6" name="Picture 8" descr="Column, select, selection, table icon - Download on Iconfinder">
-            <a:extLst>
-              <a:ext uri="{FF2B5EF4-FFF2-40B4-BE49-F238E27FC236}">
-                <a16:creationId xmlns:a16="http://schemas.microsoft.com/office/drawing/2014/main" id="{3C59B391-7AC2-453C-B70C-29A48E7B3120}"/>
-              </a:ext>
-            </a:extLst>
-          </p:cNvPr>
-          <p:cNvPicPr>
-            <a:picLocks noChangeAspect="1" noChangeArrowheads="1"/>
-          </p:cNvPicPr>
-          <p:nvPr/>
-        </p:nvPicPr>
-        <p:blipFill>
-          <a:blip r:embed="rId4">
-            <a:extLst>
-              <a:ext uri="{28A0092B-C50C-407E-A947-70E740481C1C}">
-                <a14:useLocalDpi xmlns:a14="http://schemas.microsoft.com/office/drawing/2010/main" val="0"/>
-              </a:ext>
-            </a:extLst>
-          </a:blip>
-          <a:srcRect/>
-          <a:stretch>
-            <a:fillRect/>
-          </a:stretch>
-        </p:blipFill>
-        <p:spPr bwMode="auto">
-          <a:xfrm>
-            <a:off x="6096000" y="2694033"/>
-            <a:ext cx="1868556" cy="1868556"/>
-          </a:xfrm>
-          <a:prstGeom prst="rect">
-            <a:avLst/>
-          </a:prstGeom>
-          <a:noFill/>
-          <a:extLst>
-            <a:ext uri="{909E8E84-426E-40DD-AFC4-6F175D3DCCD1}">
-              <a14:hiddenFill xmlns:a14="http://schemas.microsoft.com/office/drawing/2010/main">
-                <a:solidFill>
-                  <a:srgbClr val="FFFFFF"/>
-                </a:solidFill>
-              </a14:hiddenFill>
-            </a:ext>
-          </a:extLst>
-        </p:spPr>
-      </p:pic>
-      <p:pic>
-        <p:nvPicPr>
-          <p:cNvPr id="7" name="Picture 10" descr="Cell, select, selection, table icon - Download on Iconfinder">
-            <a:extLst>
-              <a:ext uri="{FF2B5EF4-FFF2-40B4-BE49-F238E27FC236}">
-                <a16:creationId xmlns:a16="http://schemas.microsoft.com/office/drawing/2014/main" id="{2CC1E3D6-8DD9-4C9D-BAB5-BE42F127165A}"/>
-              </a:ext>
-            </a:extLst>
-          </p:cNvPr>
-          <p:cNvPicPr>
-            <a:picLocks noChangeAspect="1" noChangeArrowheads="1"/>
-          </p:cNvPicPr>
-          <p:nvPr/>
-        </p:nvPicPr>
-        <p:blipFill>
-          <a:blip r:embed="rId5">
-            <a:extLst>
-              <a:ext uri="{28A0092B-C50C-407E-A947-70E740481C1C}">
-                <a14:useLocalDpi xmlns:a14="http://schemas.microsoft.com/office/drawing/2010/main" val="0"/>
-              </a:ext>
-            </a:extLst>
-          </a:blip>
-          <a:srcRect/>
-          <a:stretch>
-            <a:fillRect/>
-          </a:stretch>
-        </p:blipFill>
-        <p:spPr bwMode="auto">
-          <a:xfrm>
-            <a:off x="8952185" y="2889640"/>
-            <a:ext cx="1672949" cy="1672949"/>
-          </a:xfrm>
-          <a:prstGeom prst="rect">
-            <a:avLst/>
-          </a:prstGeom>
-          <a:noFill/>
-          <a:extLst>
-            <a:ext uri="{909E8E84-426E-40DD-AFC4-6F175D3DCCD1}">
-              <a14:hiddenFill xmlns:a14="http://schemas.microsoft.com/office/drawing/2010/main">
-                <a:solidFill>
-                  <a:srgbClr val="FFFFFF"/>
-                </a:solidFill>
-              </a14:hiddenFill>
-            </a:ext>
-          </a:extLst>
-        </p:spPr>
-      </p:pic>
-      <p:sp>
-        <p:nvSpPr>
-          <p:cNvPr id="8" name="Arrow: Right 7">
-            <a:extLst>
-              <a:ext uri="{FF2B5EF4-FFF2-40B4-BE49-F238E27FC236}">
-                <a16:creationId xmlns:a16="http://schemas.microsoft.com/office/drawing/2014/main" id="{6994C3D6-6EB2-4750-A7E9-25E443CD4718}"/>
-              </a:ext>
-            </a:extLst>
-          </p:cNvPr>
-          <p:cNvSpPr/>
-          <p:nvPr/>
-        </p:nvSpPr>
-        <p:spPr>
-          <a:xfrm>
-            <a:off x="3037857" y="3523949"/>
-            <a:ext cx="463825" cy="301763"/>
-          </a:xfrm>
-          <a:prstGeom prst="rightArrow">
-            <a:avLst/>
-          </a:prstGeom>
-          <a:solidFill>
-            <a:srgbClr val="FFC00F"/>
-          </a:solidFill>
-          <a:ln>
-            <a:solidFill>
-              <a:srgbClr val="FFC00F"/>
-            </a:solidFill>
-          </a:ln>
-        </p:spPr>
-        <p:style>
-          <a:lnRef idx="2">
-            <a:schemeClr val="accent1">
-              <a:shade val="50000"/>
-            </a:schemeClr>
-          </a:lnRef>
-          <a:fillRef idx="1">
-            <a:schemeClr val="accent1"/>
-          </a:fillRef>
-          <a:effectRef idx="0">
-            <a:schemeClr val="accent1"/>
-          </a:effectRef>
-          <a:fontRef idx="minor">
-            <a:schemeClr val="lt1"/>
-          </a:fontRef>
-        </p:style>
-        <p:txBody>
-          <a:bodyPr rtlCol="0" anchor="ctr"/>
-          <a:lstStyle/>
-          <a:p>
-            <a:pPr algn="ctr"/>
-            <a:endParaRPr lang="en-US"/>
-          </a:p>
-        </p:txBody>
-      </p:sp>
-      <p:sp>
-        <p:nvSpPr>
-          <p:cNvPr id="9" name="Arrow: Right 8">
-            <a:extLst>
-              <a:ext uri="{FF2B5EF4-FFF2-40B4-BE49-F238E27FC236}">
-                <a16:creationId xmlns:a16="http://schemas.microsoft.com/office/drawing/2014/main" id="{8147791C-17AE-4119-8B22-BFB587A1F493}"/>
-              </a:ext>
-            </a:extLst>
-          </p:cNvPr>
-          <p:cNvSpPr/>
-          <p:nvPr/>
-        </p:nvSpPr>
-        <p:spPr>
-          <a:xfrm>
-            <a:off x="5578820" y="3477429"/>
-            <a:ext cx="463825" cy="301763"/>
-          </a:xfrm>
-          <a:prstGeom prst="rightArrow">
-            <a:avLst/>
-          </a:prstGeom>
-          <a:solidFill>
-            <a:srgbClr val="FFC00F"/>
-          </a:solidFill>
-          <a:ln>
-            <a:solidFill>
-              <a:srgbClr val="FFC00F"/>
-            </a:solidFill>
-          </a:ln>
-        </p:spPr>
-        <p:style>
-          <a:lnRef idx="2">
-            <a:schemeClr val="accent1">
-              <a:shade val="50000"/>
-            </a:schemeClr>
-          </a:lnRef>
-          <a:fillRef idx="1">
-            <a:schemeClr val="accent1"/>
-          </a:fillRef>
-          <a:effectRef idx="0">
-            <a:schemeClr val="accent1"/>
-          </a:effectRef>
-          <a:fontRef idx="minor">
-            <a:schemeClr val="lt1"/>
-          </a:fontRef>
-        </p:style>
-        <p:txBody>
-          <a:bodyPr rtlCol="0" anchor="ctr"/>
-          <a:lstStyle/>
-          <a:p>
-            <a:pPr algn="ctr"/>
-            <a:endParaRPr lang="en-US"/>
-          </a:p>
-        </p:txBody>
-      </p:sp>
-      <p:sp>
-        <p:nvSpPr>
-          <p:cNvPr id="10" name="Arrow: Right 9">
-            <a:extLst>
-              <a:ext uri="{FF2B5EF4-FFF2-40B4-BE49-F238E27FC236}">
-                <a16:creationId xmlns:a16="http://schemas.microsoft.com/office/drawing/2014/main" id="{ED2C7A22-6532-4CF3-879E-9E3070D44E6F}"/>
-              </a:ext>
-            </a:extLst>
-          </p:cNvPr>
-          <p:cNvSpPr/>
-          <p:nvPr/>
-        </p:nvSpPr>
-        <p:spPr>
-          <a:xfrm>
-            <a:off x="8226458" y="3523949"/>
-            <a:ext cx="463825" cy="301763"/>
-          </a:xfrm>
-          <a:prstGeom prst="rightArrow">
-            <a:avLst/>
-          </a:prstGeom>
-          <a:solidFill>
-            <a:srgbClr val="FFC00F"/>
-          </a:solidFill>
-          <a:ln>
-            <a:solidFill>
-              <a:srgbClr val="FFC00F"/>
-            </a:solidFill>
-          </a:ln>
-        </p:spPr>
-        <p:style>
-          <a:lnRef idx="2">
-            <a:schemeClr val="accent1">
-              <a:shade val="50000"/>
-            </a:schemeClr>
-          </a:lnRef>
-          <a:fillRef idx="1">
-            <a:schemeClr val="accent1"/>
-          </a:fillRef>
-          <a:effectRef idx="0">
-            <a:schemeClr val="accent1"/>
-          </a:effectRef>
-          <a:fontRef idx="minor">
-            <a:schemeClr val="lt1"/>
-          </a:fontRef>
-        </p:style>
-        <p:txBody>
-          <a:bodyPr rtlCol="0" anchor="ctr"/>
-          <a:lstStyle/>
-          <a:p>
-            <a:pPr algn="ctr"/>
-            <a:endParaRPr lang="en-US"/>
-          </a:p>
-        </p:txBody>
-      </p:sp>
-      <p:sp>
-        <p:nvSpPr>
-          <p:cNvPr id="11" name="TextBox 10">
-            <a:extLst>
-              <a:ext uri="{FF2B5EF4-FFF2-40B4-BE49-F238E27FC236}">
-                <a16:creationId xmlns:a16="http://schemas.microsoft.com/office/drawing/2014/main" id="{F5020522-FF36-4971-98E9-30361DC48E9A}"/>
-              </a:ext>
-            </a:extLst>
-          </p:cNvPr>
-          <p:cNvSpPr txBox="1"/>
-          <p:nvPr/>
-        </p:nvSpPr>
-        <p:spPr>
-          <a:xfrm>
-            <a:off x="3683354" y="4562589"/>
-            <a:ext cx="5663457" cy="461665"/>
-          </a:xfrm>
-          <a:prstGeom prst="rect">
-            <a:avLst/>
-          </a:prstGeom>
-          <a:noFill/>
-        </p:spPr>
-        <p:txBody>
-          <a:bodyPr wrap="square">
-            <a:spAutoFit/>
-          </a:bodyPr>
-          <a:lstStyle/>
-          <a:p>
-            <a:r>
-              <a:rPr lang="en-US" sz="2400" dirty="0">
-                <a:solidFill>
-                  <a:srgbClr val="7030A0"/>
-                </a:solidFill>
-                <a:cs typeface="Calibri"/>
-              </a:rPr>
-              <a:t>Approach to answer the question</a:t>
-            </a:r>
-          </a:p>
-        </p:txBody>
-      </p:sp>
-    </p:spTree>
-    <p:extLst>
-      <p:ext uri="{BB962C8B-B14F-4D97-AF65-F5344CB8AC3E}">
-        <p14:creationId xmlns:p14="http://schemas.microsoft.com/office/powerpoint/2010/main" val="877396854"/>
-      </p:ext>
-    </p:extLst>
-  </p:cSld>
-  <p:clrMapOvr>
-    <a:masterClrMapping/>
-  </p:clrMapOvr>
-</p:sld>
-</file>
-
 <file path=ppt/slides/slide3.xml><?xml version="1.0" encoding="utf-8"?>
-<p:sld xmlns:a="http://schemas.openxmlformats.org/drawingml/2006/main" xmlns:r="http://schemas.openxmlformats.org/officeDocument/2006/relationships" xmlns:p="http://schemas.openxmlformats.org/presentationml/2006/main">
-  <p:cSld>
-    <p:spTree>
-      <p:nvGrpSpPr>
-        <p:cNvPr id="1" name=""/>
-        <p:cNvGrpSpPr/>
-        <p:nvPr/>
-      </p:nvGrpSpPr>
-      <p:grpSpPr>
-        <a:xfrm>
-          <a:off x="0" y="0"/>
-          <a:ext cx="0" cy="0"/>
-          <a:chOff x="0" y="0"/>
-          <a:chExt cx="0" cy="0"/>
-        </a:xfrm>
-      </p:grpSpPr>
-      <p:sp>
-        <p:nvSpPr>
-          <p:cNvPr id="4" name="Title 3">
-            <a:extLst>
-              <a:ext uri="{FF2B5EF4-FFF2-40B4-BE49-F238E27FC236}">
-                <a16:creationId xmlns:a16="http://schemas.microsoft.com/office/drawing/2014/main" id="{5A78CD24-4193-4C56-9C44-03D680724FE2}"/>
-              </a:ext>
-            </a:extLst>
-          </p:cNvPr>
-          <p:cNvSpPr>
-            <a:spLocks noGrp="1"/>
-          </p:cNvSpPr>
-          <p:nvPr>
-            <p:ph type="title"/>
-          </p:nvPr>
-        </p:nvSpPr>
-        <p:spPr/>
-        <p:txBody>
-          <a:bodyPr/>
-          <a:lstStyle/>
-          <a:p>
-            <a:r>
-              <a:rPr lang="en-US" dirty="0">
-                <a:ea typeface="+mn-lt"/>
-                <a:cs typeface="+mn-lt"/>
-              </a:rPr>
-              <a:t>Investigating </a:t>
-            </a:r>
-            <a:r>
-              <a:rPr lang="en-US" dirty="0" err="1">
-                <a:ea typeface="+mn-lt"/>
-                <a:cs typeface="+mn-lt"/>
-              </a:rPr>
-              <a:t>TextNow</a:t>
-            </a:r>
-            <a:r>
-              <a:rPr lang="en-US" dirty="0">
-                <a:ea typeface="+mn-lt"/>
-                <a:cs typeface="+mn-lt"/>
-              </a:rPr>
-              <a:t> app</a:t>
-            </a:r>
-            <a:endParaRPr lang="en-US" dirty="0"/>
-          </a:p>
-        </p:txBody>
-      </p:sp>
-      <p:sp>
-        <p:nvSpPr>
-          <p:cNvPr id="5" name="Text Placeholder 4">
-            <a:extLst>
-              <a:ext uri="{FF2B5EF4-FFF2-40B4-BE49-F238E27FC236}">
-                <a16:creationId xmlns:a16="http://schemas.microsoft.com/office/drawing/2014/main" id="{A6592F8C-2BF4-4660-AF49-48F431312C24}"/>
-              </a:ext>
-            </a:extLst>
-          </p:cNvPr>
-          <p:cNvSpPr>
-            <a:spLocks noGrp="1"/>
-          </p:cNvSpPr>
-          <p:nvPr>
-            <p:ph type="body" idx="1"/>
-          </p:nvPr>
-        </p:nvSpPr>
-        <p:spPr/>
-        <p:txBody>
-          <a:bodyPr/>
-          <a:lstStyle/>
-          <a:p>
-            <a:endParaRPr lang="en-US"/>
-          </a:p>
-        </p:txBody>
-      </p:sp>
-      <p:pic>
-        <p:nvPicPr>
-          <p:cNvPr id="7" name="Picture 6">
-            <a:extLst>
-              <a:ext uri="{FF2B5EF4-FFF2-40B4-BE49-F238E27FC236}">
-                <a16:creationId xmlns:a16="http://schemas.microsoft.com/office/drawing/2014/main" id="{C2E5C476-23EE-4F7D-B1A9-CA31E5E83179}"/>
-              </a:ext>
-            </a:extLst>
-          </p:cNvPr>
-          <p:cNvPicPr>
-            <a:picLocks noChangeAspect="1"/>
-          </p:cNvPicPr>
-          <p:nvPr/>
-        </p:nvPicPr>
-        <p:blipFill>
-          <a:blip r:embed="rId2"/>
-          <a:stretch>
-            <a:fillRect/>
-          </a:stretch>
-        </p:blipFill>
-        <p:spPr>
-          <a:xfrm>
-            <a:off x="5601693" y="0"/>
-            <a:ext cx="6393734" cy="2781541"/>
-          </a:xfrm>
-          <a:prstGeom prst="rect">
-            <a:avLst/>
-          </a:prstGeom>
-        </p:spPr>
-      </p:pic>
-    </p:spTree>
-    <p:extLst>
-      <p:ext uri="{BB962C8B-B14F-4D97-AF65-F5344CB8AC3E}">
-        <p14:creationId xmlns:p14="http://schemas.microsoft.com/office/powerpoint/2010/main" val="4201802835"/>
-      </p:ext>
-    </p:extLst>
-  </p:cSld>
-  <p:clrMapOvr>
-    <a:masterClrMapping/>
-  </p:clrMapOvr>
-</p:sld>
-</file>
-
-<file path=ppt/slides/slide4.xml><?xml version="1.0" encoding="utf-8"?>
 <p:sld xmlns:a="http://schemas.openxmlformats.org/drawingml/2006/main" xmlns:r="http://schemas.openxmlformats.org/officeDocument/2006/relationships" xmlns:p="http://schemas.openxmlformats.org/presentationml/2006/main">
   <p:cSld>
     <p:spTree>
@@ -11341,22 +15308,16 @@
           <a:lstStyle/>
           <a:p>
             <a:r>
+              <a:rPr lang="en-US" dirty="0" err="1">
+                <a:cs typeface="Calibri Light"/>
+              </a:rPr>
+              <a:t>Textnow</a:t>
+            </a:r>
+            <a:r>
               <a:rPr lang="en-US" dirty="0">
                 <a:cs typeface="Calibri Light"/>
               </a:rPr>
-              <a:t>What is </a:t>
-            </a:r>
-            <a:r>
-              <a:rPr lang="en-US" dirty="0" err="1">
-                <a:cs typeface="Calibri Light"/>
-              </a:rPr>
-              <a:t>textnow</a:t>
-            </a:r>
-            <a:r>
-              <a:rPr lang="en-US" dirty="0">
-                <a:cs typeface="Calibri Light"/>
-              </a:rPr>
-              <a:t> app?</a:t>
+              <a:t> features</a:t>
             </a:r>
             <a:endParaRPr lang="en-US" dirty="0"/>
           </a:p>
@@ -11390,16 +15351,6 @@
           </a:bodyPr>
           <a:lstStyle/>
           <a:p>
-            <a:r>
-              <a:rPr lang="en-US" dirty="0">
-                <a:ea typeface="+mn-lt"/>
-                <a:cs typeface="+mn-lt"/>
-              </a:rPr>
-              <a:t>Main features</a:t>
-            </a:r>
-          </a:p>
-          <a:p>
-            <a:pPr lvl="1"/>
             <a:r>
               <a:rPr lang="en-US" dirty="0">
                 <a:ea typeface="+mn-lt"/>
@@ -11572,7 +15523,7 @@
 </p:sld>
 </file>
 
-<file path=ppt/slides/slide5.xml><?xml version="1.0" encoding="utf-8"?>
+<file path=ppt/slides/slide4.xml><?xml version="1.0" encoding="utf-8"?>
 <p:sld xmlns:a="http://schemas.openxmlformats.org/drawingml/2006/main" xmlns:r="http://schemas.openxmlformats.org/officeDocument/2006/relationships" xmlns:p="http://schemas.openxmlformats.org/presentationml/2006/main">
   <p:cSld>
     <p:spTree>
@@ -11612,7 +15563,7 @@
           <a:p>
             <a:r>
               <a:rPr lang="en-US" dirty="0"/>
-              <a:t>App File structure</a:t>
+              <a:t>TextNew file structure</a:t>
             </a:r>
           </a:p>
         </p:txBody>
@@ -11639,8 +15590,8 @@
         </p:blipFill>
         <p:spPr>
           <a:xfrm>
-            <a:off x="838200" y="1946319"/>
-            <a:ext cx="8429357" cy="2746979"/>
+            <a:off x="838201" y="1946320"/>
+            <a:ext cx="7512844" cy="2448304"/>
           </a:xfrm>
           <a:prstGeom prst="rect">
             <a:avLst/>
@@ -11661,8 +15612,8 @@
         </p:nvSpPr>
         <p:spPr>
           <a:xfrm>
-            <a:off x="1389439" y="3582215"/>
-            <a:ext cx="1316286" cy="273844"/>
+            <a:off x="1325143" y="3417910"/>
+            <a:ext cx="1173168" cy="223296"/>
           </a:xfrm>
           <a:prstGeom prst="rect">
             <a:avLst/>
@@ -11713,8 +15664,8 @@
         </p:nvSpPr>
         <p:spPr>
           <a:xfrm>
-            <a:off x="1389438" y="4364202"/>
-            <a:ext cx="1646069" cy="273844"/>
+            <a:off x="1325143" y="4135598"/>
+            <a:ext cx="1467094" cy="223296"/>
           </a:xfrm>
           <a:prstGeom prst="rect">
             <a:avLst/>
@@ -11764,7 +15715,7 @@
 </p:sld>
 </file>
 
-<file path=ppt/slides/slide6.xml><?xml version="1.0" encoding="utf-8"?>
+<file path=ppt/slides/slide5.xml><?xml version="1.0" encoding="utf-8"?>
 <p:sld xmlns:a="http://schemas.openxmlformats.org/drawingml/2006/main" xmlns:r="http://schemas.openxmlformats.org/officeDocument/2006/relationships" xmlns:p="http://schemas.openxmlformats.org/presentationml/2006/main">
   <p:cSld>
     <p:spTree>
@@ -11781,12 +15732,40 @@
           <a:chExt cx="0" cy="0"/>
         </a:xfrm>
       </p:grpSpPr>
+      <p:sp>
+        <p:nvSpPr>
+          <p:cNvPr id="3" name="Title 2">
+            <a:extLst>
+              <a:ext uri="{FF2B5EF4-FFF2-40B4-BE49-F238E27FC236}">
+                <a16:creationId xmlns:a16="http://schemas.microsoft.com/office/drawing/2014/main" id="{A2BD1C88-BB04-32FB-B37D-F9EA793DE9FF}"/>
+              </a:ext>
+            </a:extLst>
+          </p:cNvPr>
+          <p:cNvSpPr>
+            <a:spLocks noGrp="1"/>
+          </p:cNvSpPr>
+          <p:nvPr>
+            <p:ph type="title"/>
+          </p:nvPr>
+        </p:nvSpPr>
+        <p:spPr/>
+        <p:txBody>
+          <a:bodyPr/>
+          <a:lstStyle/>
+          <a:p>
+            <a:r>
+              <a:rPr lang="en-US" dirty="0"/>
+              <a:t>Shared preference files</a:t>
+            </a:r>
+          </a:p>
+        </p:txBody>
+      </p:sp>
       <p:pic>
         <p:nvPicPr>
-          <p:cNvPr id="4" name="Picture 3" descr="Text&#10;&#10;Description automatically generated">
+          <p:cNvPr id="11" name="Picture 10">
             <a:extLst>
               <a:ext uri="{FF2B5EF4-FFF2-40B4-BE49-F238E27FC236}">
-                <a16:creationId xmlns:a16="http://schemas.microsoft.com/office/drawing/2014/main" id="{C44C2C50-C379-4337-B8DD-301673197FF1}"/>
+                <a16:creationId xmlns:a16="http://schemas.microsoft.com/office/drawing/2014/main" id="{26D91314-A223-AD06-9F34-9773109112FD}"/>
               </a:ext>
             </a:extLst>
           </p:cNvPr>
@@ -11803,20 +15782,56 @@
         </p:blipFill>
         <p:spPr>
           <a:xfrm>
-            <a:off x="3181739" y="467993"/>
-            <a:ext cx="7382366" cy="3453307"/>
+            <a:off x="838199" y="1836260"/>
+            <a:ext cx="7802417" cy="3794919"/>
           </a:xfrm>
           <a:prstGeom prst="rect">
             <a:avLst/>
           </a:prstGeom>
         </p:spPr>
       </p:pic>
+    </p:spTree>
+    <p:extLst>
+      <p:ext uri="{BB962C8B-B14F-4D97-AF65-F5344CB8AC3E}">
+        <p14:creationId xmlns:p14="http://schemas.microsoft.com/office/powerpoint/2010/main" val="3858131130"/>
+      </p:ext>
+    </p:extLst>
+  </p:cSld>
+  <p:clrMapOvr>
+    <a:masterClrMapping/>
+  </p:clrMapOvr>
+</p:sld>
+</file>
+
+<file path=ppt/slides/slide6.xml><?xml version="1.0" encoding="utf-8"?>
+<p:sld xmlns:a="http://schemas.openxmlformats.org/drawingml/2006/main" xmlns:r="http://schemas.openxmlformats.org/officeDocument/2006/relationships" xmlns:p="http://schemas.openxmlformats.org/presentationml/2006/main">
+  <p:cSld>
+    <p:spTree>
+      <p:nvGrpSpPr>
+        <p:cNvPr id="1" name="">
+          <a:extLst>
+            <a:ext uri="{FF2B5EF4-FFF2-40B4-BE49-F238E27FC236}">
+              <a16:creationId xmlns:a16="http://schemas.microsoft.com/office/drawing/2014/main" id="{2C7FF736-4A21-7C5F-6819-6CCF21CEDC6B}"/>
+            </a:ext>
+          </a:extLst>
+        </p:cNvPr>
+        <p:cNvGrpSpPr/>
+        <p:nvPr/>
+      </p:nvGrpSpPr>
+      <p:grpSpPr>
+        <a:xfrm>
+          <a:off x="0" y="0"/>
+          <a:ext cx="0" cy="0"/>
+          <a:chOff x="0" y="0"/>
+          <a:chExt cx="0" cy="0"/>
+        </a:xfrm>
+      </p:grpSpPr>
       <p:pic>
         <p:nvPicPr>
-          <p:cNvPr id="6" name="Picture 5" descr="A screenshot of a computer&#10;&#10;Description automatically generated with medium confidence">
+          <p:cNvPr id="4" name="Picture 3" descr="Text&#10;&#10;Description automatically generated">
             <a:extLst>
               <a:ext uri="{FF2B5EF4-FFF2-40B4-BE49-F238E27FC236}">
-                <a16:creationId xmlns:a16="http://schemas.microsoft.com/office/drawing/2014/main" id="{E43DD57E-8FE3-4904-BC8B-F755ABE097F4}"/>
+                <a16:creationId xmlns:a16="http://schemas.microsoft.com/office/drawing/2014/main" id="{8EDC6F8F-F214-7D57-AE0B-F5366E2E1639}"/>
               </a:ext>
             </a:extLst>
           </p:cNvPr>
@@ -11826,127 +15841,15 @@
           <p:nvPr/>
         </p:nvPicPr>
         <p:blipFill>
-          <a:blip r:embed="rId3"/>
+          <a:blip r:embed="rId2"/>
           <a:stretch>
             <a:fillRect/>
           </a:stretch>
         </p:blipFill>
         <p:spPr>
           <a:xfrm>
-            <a:off x="3181739" y="4097602"/>
-            <a:ext cx="7468247" cy="2133785"/>
-          </a:xfrm>
-          <a:prstGeom prst="rect">
-            <a:avLst/>
-          </a:prstGeom>
-        </p:spPr>
-      </p:pic>
-      <p:sp>
-        <p:nvSpPr>
-          <p:cNvPr id="7" name="TextBox 6">
-            <a:extLst>
-              <a:ext uri="{FF2B5EF4-FFF2-40B4-BE49-F238E27FC236}">
-                <a16:creationId xmlns:a16="http://schemas.microsoft.com/office/drawing/2014/main" id="{2D2B13E3-31CC-43E9-9966-B5C4047BD7BB}"/>
-              </a:ext>
-            </a:extLst>
-          </p:cNvPr>
-          <p:cNvSpPr txBox="1"/>
-          <p:nvPr/>
-        </p:nvSpPr>
-        <p:spPr>
-          <a:xfrm>
-            <a:off x="838200" y="477323"/>
-            <a:ext cx="2343539" cy="369332"/>
-          </a:xfrm>
-          <a:prstGeom prst="rect">
-            <a:avLst/>
-          </a:prstGeom>
-          <a:solidFill>
-            <a:schemeClr val="accent4"/>
-          </a:solidFill>
-        </p:spPr>
-        <p:txBody>
-          <a:bodyPr wrap="square">
-            <a:spAutoFit/>
-          </a:bodyPr>
-          <a:lstStyle/>
-          <a:p>
-            <a:r>
-              <a:rPr lang="en-GB" dirty="0"/>
-              <a:t>Show database folder</a:t>
-            </a:r>
-          </a:p>
-        </p:txBody>
-      </p:sp>
-      <p:sp>
-        <p:nvSpPr>
-          <p:cNvPr id="8" name="TextBox 7">
-            <a:extLst>
-              <a:ext uri="{FF2B5EF4-FFF2-40B4-BE49-F238E27FC236}">
-                <a16:creationId xmlns:a16="http://schemas.microsoft.com/office/drawing/2014/main" id="{77D4663A-5977-4330-8834-7A74FFA7E872}"/>
-              </a:ext>
-            </a:extLst>
-          </p:cNvPr>
-          <p:cNvSpPr txBox="1"/>
-          <p:nvPr/>
-        </p:nvSpPr>
-        <p:spPr>
-          <a:xfrm>
-            <a:off x="838199" y="4097602"/>
-            <a:ext cx="2343539" cy="646331"/>
-          </a:xfrm>
-          <a:prstGeom prst="rect">
-            <a:avLst/>
-          </a:prstGeom>
-          <a:solidFill>
-            <a:schemeClr val="accent4"/>
-          </a:solidFill>
-        </p:spPr>
-        <p:txBody>
-          <a:bodyPr wrap="square">
-            <a:spAutoFit/>
-          </a:bodyPr>
-          <a:lstStyle/>
-          <a:p>
-            <a:r>
-              <a:rPr lang="en-GB" dirty="0"/>
-              <a:t>Show </a:t>
-            </a:r>
-            <a:r>
-              <a:rPr lang="en-GB" dirty="0" err="1"/>
-              <a:t>shared_prefs</a:t>
-            </a:r>
-            <a:r>
-              <a:rPr lang="en-GB" dirty="0"/>
-              <a:t> folder</a:t>
-            </a:r>
-          </a:p>
-        </p:txBody>
-      </p:sp>
-      <p:pic>
-        <p:nvPicPr>
-          <p:cNvPr id="14" name="Picture 13">
-            <a:extLst>
-              <a:ext uri="{FF2B5EF4-FFF2-40B4-BE49-F238E27FC236}">
-                <a16:creationId xmlns:a16="http://schemas.microsoft.com/office/drawing/2014/main" id="{8CA109AC-0DFB-4A10-8C90-1F27705C867B}"/>
-              </a:ext>
-            </a:extLst>
-          </p:cNvPr>
-          <p:cNvPicPr>
-            <a:picLocks noChangeAspect="1"/>
-          </p:cNvPicPr>
-          <p:nvPr/>
-        </p:nvPicPr>
-        <p:blipFill>
-          <a:blip r:embed="rId4"/>
-          <a:stretch>
-            <a:fillRect/>
-          </a:stretch>
-        </p:blipFill>
-        <p:spPr>
-          <a:xfrm>
-            <a:off x="3181738" y="6231387"/>
-            <a:ext cx="7163421" cy="228620"/>
+            <a:off x="3971434" y="1702346"/>
+            <a:ext cx="7382366" cy="3453307"/>
           </a:xfrm>
           <a:prstGeom prst="rect">
             <a:avLst/>
@@ -11958,7 +15861,7 @@
           <p:cNvPr id="15" name="Rectangle 14">
             <a:extLst>
               <a:ext uri="{FF2B5EF4-FFF2-40B4-BE49-F238E27FC236}">
-                <a16:creationId xmlns:a16="http://schemas.microsoft.com/office/drawing/2014/main" id="{589C5039-25A2-437B-B7EB-B5B8754EC784}"/>
+                <a16:creationId xmlns:a16="http://schemas.microsoft.com/office/drawing/2014/main" id="{88039D78-44CF-3673-A330-C13EDEC64083}"/>
               </a:ext>
             </a:extLst>
           </p:cNvPr>
@@ -11967,7 +15870,7 @@
         </p:nvSpPr>
         <p:spPr>
           <a:xfrm>
-            <a:off x="3585497" y="3624844"/>
+            <a:off x="4375192" y="4859197"/>
             <a:ext cx="1713526" cy="273844"/>
           </a:xfrm>
           <a:prstGeom prst="rect">
@@ -12005,10 +15908,126 @@
           </a:p>
         </p:txBody>
       </p:sp>
+      <p:sp>
+        <p:nvSpPr>
+          <p:cNvPr id="2" name="Title 1">
+            <a:extLst>
+              <a:ext uri="{FF2B5EF4-FFF2-40B4-BE49-F238E27FC236}">
+                <a16:creationId xmlns:a16="http://schemas.microsoft.com/office/drawing/2014/main" id="{8EA79342-39C4-2240-974F-E2FD980D8A93}"/>
+              </a:ext>
+            </a:extLst>
+          </p:cNvPr>
+          <p:cNvSpPr>
+            <a:spLocks noGrp="1"/>
+          </p:cNvSpPr>
+          <p:nvPr>
+            <p:ph type="title"/>
+          </p:nvPr>
+        </p:nvSpPr>
+        <p:spPr/>
+        <p:txBody>
+          <a:bodyPr/>
+          <a:lstStyle/>
+          <a:p>
+            <a:r>
+              <a:rPr lang="en-US" dirty="0"/>
+              <a:t>Databases</a:t>
+            </a:r>
+          </a:p>
+        </p:txBody>
+      </p:sp>
+      <p:sp>
+        <p:nvSpPr>
+          <p:cNvPr id="9" name="Content Placeholder 8">
+            <a:extLst>
+              <a:ext uri="{FF2B5EF4-FFF2-40B4-BE49-F238E27FC236}">
+                <a16:creationId xmlns:a16="http://schemas.microsoft.com/office/drawing/2014/main" id="{9C6007AB-4254-DFA2-9825-18E9CB3008B6}"/>
+              </a:ext>
+            </a:extLst>
+          </p:cNvPr>
+          <p:cNvSpPr>
+            <a:spLocks noGrp="1"/>
+          </p:cNvSpPr>
+          <p:nvPr>
+            <p:ph idx="1"/>
+          </p:nvPr>
+        </p:nvSpPr>
+        <p:spPr>
+          <a:xfrm>
+            <a:off x="838199" y="1825624"/>
+            <a:ext cx="2912270" cy="3396457"/>
+          </a:xfrm>
+        </p:spPr>
+        <p:txBody>
+          <a:bodyPr>
+            <a:normAutofit fontScale="85000" lnSpcReduction="20000"/>
+          </a:bodyPr>
+          <a:lstStyle/>
+          <a:p>
+            <a:r>
+              <a:rPr lang="en-GB" dirty="0"/>
+              <a:t>The most valuable database </a:t>
+            </a:r>
+          </a:p>
+          <a:p>
+            <a:pPr lvl="1"/>
+            <a:r>
+              <a:rPr lang="en-GB" dirty="0" err="1">
+                <a:solidFill>
+                  <a:srgbClr val="7030A0"/>
+                </a:solidFill>
+              </a:rPr>
+              <a:t>textnow_data.db</a:t>
+            </a:r>
+            <a:endParaRPr lang="en-GB" dirty="0">
+              <a:solidFill>
+                <a:srgbClr val="7030A0"/>
+              </a:solidFill>
+            </a:endParaRPr>
+          </a:p>
+          <a:p>
+            <a:pPr lvl="1"/>
+            <a:r>
+              <a:rPr lang="en-GB" dirty="0"/>
+              <a:t>help understand user activity and communications.</a:t>
+            </a:r>
+          </a:p>
+          <a:p>
+            <a:r>
+              <a:rPr lang="en-GB" dirty="0"/>
+              <a:t>Contains core app data</a:t>
+            </a:r>
+          </a:p>
+          <a:p>
+            <a:pPr lvl="1"/>
+            <a:r>
+              <a:rPr lang="en-GB" dirty="0"/>
+              <a:t>Messages </a:t>
+            </a:r>
+          </a:p>
+          <a:p>
+            <a:pPr lvl="1"/>
+            <a:r>
+              <a:rPr lang="en-GB" dirty="0"/>
+              <a:t>Call logs</a:t>
+            </a:r>
+          </a:p>
+          <a:p>
+            <a:pPr lvl="1"/>
+            <a:r>
+              <a:rPr lang="en-GB" dirty="0"/>
+              <a:t>Contacts</a:t>
+            </a:r>
+          </a:p>
+          <a:p>
+            <a:endParaRPr lang="en-US" dirty="0"/>
+          </a:p>
+        </p:txBody>
+      </p:sp>
     </p:spTree>
     <p:extLst>
       <p:ext uri="{BB962C8B-B14F-4D97-AF65-F5344CB8AC3E}">
-        <p14:creationId xmlns:p14="http://schemas.microsoft.com/office/powerpoint/2010/main" val="3858131130"/>
+        <p14:creationId xmlns:p14="http://schemas.microsoft.com/office/powerpoint/2010/main" val="3482381942"/>
       </p:ext>
     </p:extLst>
   </p:cSld>
@@ -12060,9 +16079,8 @@
               <a:rPr lang="en-US" dirty="0">
                 <a:cs typeface="Calibri Light"/>
               </a:rPr>
-              <a:t>Scenario</a:t>
-            </a:r>
-            <a:endParaRPr lang="en-US" dirty="0"/>
+              <a:t>Sample questions</a:t>
+            </a:r>
           </a:p>
         </p:txBody>
       </p:sp>
@@ -12091,10 +16109,16 @@
           <a:p>
             <a:r>
               <a:rPr lang="en-US" dirty="0">
+                <a:cs typeface="Calibri"/>
+              </a:rPr>
+              <a:t>What is the phone number that is </a:t>
+            </a:r>
+            <a:r>
+              <a:rPr lang="en-US" dirty="0">
                 <a:ea typeface="+mn-lt"/>
                 <a:cs typeface="+mn-lt"/>
               </a:rPr>
-              <a:t>The suspect’s phone has installed a </a:t>
+              <a:t>associated with </a:t>
             </a:r>
             <a:r>
               <a:rPr lang="en-US" dirty="0" err="1">
@@ -12108,52 +16132,13 @@
                 <a:ea typeface="+mn-lt"/>
                 <a:cs typeface="+mn-lt"/>
               </a:rPr>
-              <a:t> app. </a:t>
-            </a:r>
-          </a:p>
-          <a:p>
-            <a:r>
-              <a:rPr lang="en-US" dirty="0">
-                <a:cs typeface="Calibri"/>
-              </a:rPr>
-              <a:t>Questions</a:t>
-            </a:r>
-          </a:p>
-          <a:p>
-            <a:pPr lvl="1"/>
-            <a:r>
-              <a:rPr lang="en-US" dirty="0">
-                <a:cs typeface="Calibri"/>
-              </a:rPr>
-              <a:t>What is the phone number that is </a:t>
-            </a:r>
-            <a:r>
-              <a:rPr lang="en-US" dirty="0">
-                <a:ea typeface="+mn-lt"/>
-                <a:cs typeface="+mn-lt"/>
-              </a:rPr>
-              <a:t>associated with </a:t>
-            </a:r>
-            <a:r>
-              <a:rPr lang="en-US" dirty="0" err="1">
-                <a:ea typeface="+mn-lt"/>
-                <a:cs typeface="+mn-lt"/>
-              </a:rPr>
-              <a:t>TextNow</a:t>
-            </a:r>
-            <a:r>
-              <a:rPr lang="en-US" dirty="0">
-                <a:ea typeface="+mn-lt"/>
-                <a:cs typeface="+mn-lt"/>
-              </a:rPr>
-              <a:t> app?</a:t>
+              <a:t>?</a:t>
             </a:r>
             <a:endParaRPr lang="en-US" dirty="0">
               <a:cs typeface="Calibri"/>
             </a:endParaRPr>
           </a:p>
           <a:p>
-            <a:pPr lvl="1"/>
             <a:r>
               <a:rPr lang="en-US" dirty="0">
                 <a:cs typeface="Calibri"/>
@@ -12162,7 +16147,6 @@
             </a:r>
           </a:p>
           <a:p>
-            <a:pPr lvl="1"/>
             <a:r>
               <a:rPr lang="en-US" dirty="0">
                 <a:cs typeface="Calibri"/>
@@ -12183,12 +16167,11 @@
             </a:r>
           </a:p>
           <a:p>
-            <a:pPr lvl="1"/>
             <a:r>
               <a:rPr lang="en-US" dirty="0">
                 <a:cs typeface="Calibri"/>
               </a:rPr>
-              <a:t>Are they conversations between 2-4pm (local time)?</a:t>
+              <a:t>Are they conversations between 2-4 pm (local time)?</a:t>
             </a:r>
           </a:p>
           <a:p>
@@ -12219,6 +16202,98 @@
 </file>
 
 <file path=ppt/slides/slide8.xml><?xml version="1.0" encoding="utf-8"?>
+<p:sld xmlns:a="http://schemas.openxmlformats.org/drawingml/2006/main" xmlns:r="http://schemas.openxmlformats.org/officeDocument/2006/relationships" xmlns:p="http://schemas.openxmlformats.org/presentationml/2006/main">
+  <p:cSld>
+    <p:spTree>
+      <p:nvGrpSpPr>
+        <p:cNvPr id="1" name=""/>
+        <p:cNvGrpSpPr/>
+        <p:nvPr/>
+      </p:nvGrpSpPr>
+      <p:grpSpPr>
+        <a:xfrm>
+          <a:off x="0" y="0"/>
+          <a:ext cx="0" cy="0"/>
+          <a:chOff x="0" y="0"/>
+          <a:chExt cx="0" cy="0"/>
+        </a:xfrm>
+      </p:grpSpPr>
+      <p:sp>
+        <p:nvSpPr>
+          <p:cNvPr id="4" name="Title 3">
+            <a:extLst>
+              <a:ext uri="{FF2B5EF4-FFF2-40B4-BE49-F238E27FC236}">
+                <a16:creationId xmlns:a16="http://schemas.microsoft.com/office/drawing/2014/main" id="{2D9E66EA-D6B4-660D-B703-34DA6D34F4F7}"/>
+              </a:ext>
+            </a:extLst>
+          </p:cNvPr>
+          <p:cNvSpPr>
+            <a:spLocks noGrp="1"/>
+          </p:cNvSpPr>
+          <p:nvPr>
+            <p:ph type="title"/>
+          </p:nvPr>
+        </p:nvSpPr>
+        <p:spPr/>
+        <p:txBody>
+          <a:bodyPr/>
+          <a:lstStyle/>
+          <a:p>
+            <a:r>
+              <a:rPr lang="en-US" dirty="0"/>
+              <a:t>Investigate </a:t>
+            </a:r>
+            <a:r>
+              <a:rPr lang="en-US" sz="6000" dirty="0">
+                <a:solidFill>
+                  <a:srgbClr val="7030A0"/>
+                </a:solidFill>
+              </a:rPr>
+              <a:t>com.enflick.android.TextNow_preferences.xml</a:t>
+            </a:r>
+            <a:endParaRPr lang="en-US" dirty="0"/>
+          </a:p>
+        </p:txBody>
+      </p:sp>
+      <p:sp>
+        <p:nvSpPr>
+          <p:cNvPr id="5" name="Text Placeholder 4">
+            <a:extLst>
+              <a:ext uri="{FF2B5EF4-FFF2-40B4-BE49-F238E27FC236}">
+                <a16:creationId xmlns:a16="http://schemas.microsoft.com/office/drawing/2014/main" id="{CE86D6D0-E4B0-9D4E-9B98-80F868408831}"/>
+              </a:ext>
+            </a:extLst>
+          </p:cNvPr>
+          <p:cNvSpPr>
+            <a:spLocks noGrp="1"/>
+          </p:cNvSpPr>
+          <p:nvPr>
+            <p:ph type="body" idx="1"/>
+          </p:nvPr>
+        </p:nvSpPr>
+        <p:spPr/>
+        <p:txBody>
+          <a:bodyPr/>
+          <a:lstStyle/>
+          <a:p>
+            <a:endParaRPr lang="en-US"/>
+          </a:p>
+        </p:txBody>
+      </p:sp>
+    </p:spTree>
+    <p:extLst>
+      <p:ext uri="{BB962C8B-B14F-4D97-AF65-F5344CB8AC3E}">
+        <p14:creationId xmlns:p14="http://schemas.microsoft.com/office/powerpoint/2010/main" val="2929715381"/>
+      </p:ext>
+    </p:extLst>
+  </p:cSld>
+  <p:clrMapOvr>
+    <a:masterClrMapping/>
+  </p:clrMapOvr>
+</p:sld>
+</file>
+
+<file path=ppt/slides/slide9.xml><?xml version="1.0" encoding="utf-8"?>
 <p:sld xmlns:a="http://schemas.openxmlformats.org/drawingml/2006/main" xmlns:r="http://schemas.openxmlformats.org/officeDocument/2006/relationships" xmlns:p="http://schemas.openxmlformats.org/presentationml/2006/main">
   <p:cSld>
     <p:spTree>
@@ -12349,146 +16424,6 @@
     <p:extLst>
       <p:ext uri="{BB962C8B-B14F-4D97-AF65-F5344CB8AC3E}">
         <p14:creationId xmlns:p14="http://schemas.microsoft.com/office/powerpoint/2010/main" val="4047841888"/>
-      </p:ext>
-    </p:extLst>
-  </p:cSld>
-  <p:clrMapOvr>
-    <a:masterClrMapping/>
-  </p:clrMapOvr>
-</p:sld>
-</file>
-
-<file path=ppt/slides/slide9.xml><?xml version="1.0" encoding="utf-8"?>
-<p:sld xmlns:a="http://schemas.openxmlformats.org/drawingml/2006/main" xmlns:r="http://schemas.openxmlformats.org/officeDocument/2006/relationships" xmlns:p="http://schemas.openxmlformats.org/presentationml/2006/main">
-  <p:cSld>
-    <p:spTree>
-      <p:nvGrpSpPr>
-        <p:cNvPr id="1" name=""/>
-        <p:cNvGrpSpPr/>
-        <p:nvPr/>
-      </p:nvGrpSpPr>
-      <p:grpSpPr>
-        <a:xfrm>
-          <a:off x="0" y="0"/>
-          <a:ext cx="0" cy="0"/>
-          <a:chOff x="0" y="0"/>
-          <a:chExt cx="0" cy="0"/>
-        </a:xfrm>
-      </p:grpSpPr>
-      <p:sp>
-        <p:nvSpPr>
-          <p:cNvPr id="2" name="Title 1">
-            <a:extLst>
-              <a:ext uri="{FF2B5EF4-FFF2-40B4-BE49-F238E27FC236}">
-                <a16:creationId xmlns:a16="http://schemas.microsoft.com/office/drawing/2014/main" id="{81458E94-DDFF-4EB0-8AE0-A483533FA6B6}"/>
-              </a:ext>
-            </a:extLst>
-          </p:cNvPr>
-          <p:cNvSpPr>
-            <a:spLocks noGrp="1"/>
-          </p:cNvSpPr>
-          <p:nvPr>
-            <p:ph type="title"/>
-          </p:nvPr>
-        </p:nvSpPr>
-        <p:spPr/>
-        <p:txBody>
-          <a:bodyPr/>
-          <a:lstStyle/>
-          <a:p>
-            <a:r>
-              <a:rPr lang="en-US" dirty="0">
-                <a:cs typeface="Calibri Light"/>
-              </a:rPr>
-              <a:t>What is the username for </a:t>
-            </a:r>
-            <a:r>
-              <a:rPr lang="en-US" dirty="0" err="1">
-                <a:cs typeface="Calibri Light"/>
-              </a:rPr>
-              <a:t>textnow</a:t>
-            </a:r>
-            <a:r>
-              <a:rPr lang="en-US" dirty="0">
-                <a:cs typeface="Calibri Light"/>
-              </a:rPr>
-              <a:t>?</a:t>
-            </a:r>
-            <a:endParaRPr lang="en-US" dirty="0"/>
-          </a:p>
-        </p:txBody>
-      </p:sp>
-      <p:sp>
-        <p:nvSpPr>
-          <p:cNvPr id="8" name="TextBox 7">
-            <a:extLst>
-              <a:ext uri="{FF2B5EF4-FFF2-40B4-BE49-F238E27FC236}">
-                <a16:creationId xmlns:a16="http://schemas.microsoft.com/office/drawing/2014/main" id="{B99710F2-FCA4-4CF0-A934-535B336DA42D}"/>
-              </a:ext>
-            </a:extLst>
-          </p:cNvPr>
-          <p:cNvSpPr txBox="1"/>
-          <p:nvPr/>
-        </p:nvSpPr>
-        <p:spPr>
-          <a:xfrm>
-            <a:off x="838200" y="2069806"/>
-            <a:ext cx="6172200" cy="369332"/>
-          </a:xfrm>
-          <a:prstGeom prst="rect">
-            <a:avLst/>
-          </a:prstGeom>
-          <a:solidFill>
-            <a:schemeClr val="accent4"/>
-          </a:solidFill>
-        </p:spPr>
-        <p:txBody>
-          <a:bodyPr wrap="square">
-            <a:spAutoFit/>
-          </a:bodyPr>
-          <a:lstStyle/>
-          <a:p>
-            <a:r>
-              <a:rPr lang="en-GB" dirty="0"/>
-              <a:t>search the username associated with the app</a:t>
-            </a:r>
-          </a:p>
-        </p:txBody>
-      </p:sp>
-      <p:pic>
-        <p:nvPicPr>
-          <p:cNvPr id="10" name="Picture 9" descr="Text&#10;&#10;Description automatically generated with medium confidence">
-            <a:extLst>
-              <a:ext uri="{FF2B5EF4-FFF2-40B4-BE49-F238E27FC236}">
-                <a16:creationId xmlns:a16="http://schemas.microsoft.com/office/drawing/2014/main" id="{DC2750E6-BCF9-4577-9F28-C2D65A712E47}"/>
-              </a:ext>
-            </a:extLst>
-          </p:cNvPr>
-          <p:cNvPicPr>
-            <a:picLocks noChangeAspect="1"/>
-          </p:cNvPicPr>
-          <p:nvPr/>
-        </p:nvPicPr>
-        <p:blipFill>
-          <a:blip r:embed="rId3"/>
-          <a:stretch>
-            <a:fillRect/>
-          </a:stretch>
-        </p:blipFill>
-        <p:spPr>
-          <a:xfrm>
-            <a:off x="838200" y="2439137"/>
-            <a:ext cx="9032557" cy="1195977"/>
-          </a:xfrm>
-          <a:prstGeom prst="rect">
-            <a:avLst/>
-          </a:prstGeom>
-        </p:spPr>
-      </p:pic>
-    </p:spTree>
-    <p:extLst>
-      <p:ext uri="{BB962C8B-B14F-4D97-AF65-F5344CB8AC3E}">
-        <p14:creationId xmlns:p14="http://schemas.microsoft.com/office/powerpoint/2010/main" val="4290566257"/>
       </p:ext>
     </p:extLst>
   </p:cSld>

--- a/Android10/5_3_2_Third_Party_App_Investigation _textnow.pptx
+++ b/Android10/5_3_2_Third_Party_App_Investigation _textnow.pptx
@@ -5,30 +5,29 @@
     <p:sldMasterId id="2147483648" r:id="rId1"/>
   </p:sldMasterIdLst>
   <p:notesMasterIdLst>
-    <p:notesMasterId r:id="rId23"/>
+    <p:notesMasterId r:id="rId22"/>
   </p:notesMasterIdLst>
   <p:sldIdLst>
     <p:sldId id="256" r:id="rId2"/>
     <p:sldId id="435" r:id="rId3"/>
     <p:sldId id="413" r:id="rId4"/>
-    <p:sldId id="436" r:id="rId5"/>
-    <p:sldId id="437" r:id="rId6"/>
-    <p:sldId id="441" r:id="rId7"/>
-    <p:sldId id="431" r:id="rId8"/>
+    <p:sldId id="431" r:id="rId5"/>
+    <p:sldId id="436" r:id="rId6"/>
+    <p:sldId id="437" r:id="rId7"/>
+    <p:sldId id="441" r:id="rId8"/>
     <p:sldId id="443" r:id="rId9"/>
     <p:sldId id="389" r:id="rId10"/>
-    <p:sldId id="384" r:id="rId11"/>
-    <p:sldId id="444" r:id="rId12"/>
-    <p:sldId id="442" r:id="rId13"/>
-    <p:sldId id="445" r:id="rId14"/>
-    <p:sldId id="446" r:id="rId15"/>
-    <p:sldId id="438" r:id="rId16"/>
-    <p:sldId id="420" r:id="rId17"/>
-    <p:sldId id="417" r:id="rId18"/>
-    <p:sldId id="418" r:id="rId19"/>
-    <p:sldId id="440" r:id="rId20"/>
-    <p:sldId id="390" r:id="rId21"/>
-    <p:sldId id="391" r:id="rId22"/>
+    <p:sldId id="444" r:id="rId11"/>
+    <p:sldId id="442" r:id="rId12"/>
+    <p:sldId id="445" r:id="rId13"/>
+    <p:sldId id="446" r:id="rId14"/>
+    <p:sldId id="438" r:id="rId15"/>
+    <p:sldId id="420" r:id="rId16"/>
+    <p:sldId id="417" r:id="rId17"/>
+    <p:sldId id="418" r:id="rId18"/>
+    <p:sldId id="440" r:id="rId19"/>
+    <p:sldId id="390" r:id="rId20"/>
+    <p:sldId id="391" r:id="rId21"/>
   </p:sldIdLst>
   <p:sldSz cx="12192000" cy="6858000"/>
   <p:notesSz cx="6858000" cy="9144000"/>
@@ -138,7 +137,7 @@
 <file path=ppt/revisionInfo.xml><?xml version="1.0" encoding="utf-8"?>
 <p1510:revInfo xmlns:a="http://schemas.openxmlformats.org/drawingml/2006/main" xmlns:r="http://schemas.openxmlformats.org/officeDocument/2006/relationships" xmlns:p1510="http://schemas.microsoft.com/office/powerpoint/2015/10/main">
   <p1510:revLst>
-    <p1510:client id="{EE5F4A51-15BC-4E84-BB3C-F430B369F791}" v="18" dt="2025-04-06T23:12:21.316"/>
+    <p1510:client id="{EE5F4A51-15BC-4E84-BB3C-F430B369F791}" v="19" dt="2025-04-29T20:43:58.554"/>
   </p1510:revLst>
 </p1510:revInfo>
 </file>
@@ -1033,7 +1032,7 @@
   <pc:docChgLst>
     <pc:chgData name="Weifeng Xu" userId="e7aed605-a3dd-4d5a-a692-a87037af107b" providerId="ADAL" clId="{EE5F4A51-15BC-4E84-BB3C-F430B369F791}"/>
     <pc:docChg chg="undo redo custSel addSld delSld modSld sldOrd">
-      <pc:chgData name="Weifeng Xu" userId="e7aed605-a3dd-4d5a-a692-a87037af107b" providerId="ADAL" clId="{EE5F4A51-15BC-4E84-BB3C-F430B369F791}" dt="2025-04-06T23:25:54.781" v="1313" actId="207"/>
+      <pc:chgData name="Weifeng Xu" userId="e7aed605-a3dd-4d5a-a692-a87037af107b" providerId="ADAL" clId="{EE5F4A51-15BC-4E84-BB3C-F430B369F791}" dt="2025-04-29T20:47:46.377" v="1415" actId="20577"/>
       <pc:docMkLst>
         <pc:docMk/>
       </pc:docMkLst>
@@ -1142,26 +1141,82 @@
           <pc:sldMk cId="887055268" sldId="381"/>
         </pc:sldMkLst>
       </pc:sldChg>
-      <pc:sldChg chg="addSp delSp modSp mod modClrScheme chgLayout modNotesTx">
-        <pc:chgData name="Weifeng Xu" userId="e7aed605-a3dd-4d5a-a692-a87037af107b" providerId="ADAL" clId="{EE5F4A51-15BC-4E84-BB3C-F430B369F791}" dt="2021-08-25T02:13:39.988" v="172"/>
+      <pc:sldChg chg="addSp delSp modSp del mod modClrScheme chgLayout modNotesTx">
+        <pc:chgData name="Weifeng Xu" userId="e7aed605-a3dd-4d5a-a692-a87037af107b" providerId="ADAL" clId="{EE5F4A51-15BC-4E84-BB3C-F430B369F791}" dt="2025-04-29T20:44:11.956" v="1372" actId="47"/>
         <pc:sldMkLst>
           <pc:docMk/>
           <pc:sldMk cId="4290566257" sldId="384"/>
         </pc:sldMkLst>
       </pc:sldChg>
       <pc:sldChg chg="addSp delSp modSp mod modNotesTx">
-        <pc:chgData name="Weifeng Xu" userId="e7aed605-a3dd-4d5a-a692-a87037af107b" providerId="ADAL" clId="{EE5F4A51-15BC-4E84-BB3C-F430B369F791}" dt="2021-08-25T02:05:43.874" v="160"/>
+        <pc:chgData name="Weifeng Xu" userId="e7aed605-a3dd-4d5a-a692-a87037af107b" providerId="ADAL" clId="{EE5F4A51-15BC-4E84-BB3C-F430B369F791}" dt="2025-04-29T20:44:02.528" v="1371" actId="1076"/>
         <pc:sldMkLst>
           <pc:docMk/>
           <pc:sldMk cId="4047841888" sldId="389"/>
         </pc:sldMkLst>
+        <pc:spChg chg="mod">
+          <ac:chgData name="Weifeng Xu" userId="e7aed605-a3dd-4d5a-a692-a87037af107b" providerId="ADAL" clId="{EE5F4A51-15BC-4E84-BB3C-F430B369F791}" dt="2025-04-29T20:42:50.685" v="1349" actId="207"/>
+          <ac:spMkLst>
+            <pc:docMk/>
+            <pc:sldMk cId="4047841888" sldId="389"/>
+            <ac:spMk id="2" creationId="{0451793E-D6FB-4847-8284-73ED53BC2A7F}"/>
+          </ac:spMkLst>
+        </pc:spChg>
+        <pc:spChg chg="add del">
+          <ac:chgData name="Weifeng Xu" userId="e7aed605-a3dd-4d5a-a692-a87037af107b" providerId="ADAL" clId="{EE5F4A51-15BC-4E84-BB3C-F430B369F791}" dt="2025-04-29T20:42:59.258" v="1350" actId="478"/>
+          <ac:spMkLst>
+            <pc:docMk/>
+            <pc:sldMk cId="4047841888" sldId="389"/>
+            <ac:spMk id="4" creationId="{3374DE1B-A661-F711-1D08-CDE4B5DBF970}"/>
+          </ac:spMkLst>
+        </pc:spChg>
+        <pc:spChg chg="mod">
+          <ac:chgData name="Weifeng Xu" userId="e7aed605-a3dd-4d5a-a692-a87037af107b" providerId="ADAL" clId="{EE5F4A51-15BC-4E84-BB3C-F430B369F791}" dt="2025-04-29T20:43:44.259" v="1369" actId="6549"/>
+          <ac:spMkLst>
+            <pc:docMk/>
+            <pc:sldMk cId="4047841888" sldId="389"/>
+            <ac:spMk id="6" creationId="{6AFD3ABB-EB02-4685-8E04-8CC8EA6D4298}"/>
+          </ac:spMkLst>
+        </pc:spChg>
+        <pc:spChg chg="add del mod">
+          <ac:chgData name="Weifeng Xu" userId="e7aed605-a3dd-4d5a-a692-a87037af107b" providerId="ADAL" clId="{EE5F4A51-15BC-4E84-BB3C-F430B369F791}" dt="2025-04-29T20:43:22.055" v="1368" actId="478"/>
+          <ac:spMkLst>
+            <pc:docMk/>
+            <pc:sldMk cId="4047841888" sldId="389"/>
+            <ac:spMk id="8" creationId="{9C9A8BEE-5870-5FC5-BBA4-CF1E80D36741}"/>
+          </ac:spMkLst>
+        </pc:spChg>
+        <pc:spChg chg="add mod">
+          <ac:chgData name="Weifeng Xu" userId="e7aed605-a3dd-4d5a-a692-a87037af107b" providerId="ADAL" clId="{EE5F4A51-15BC-4E84-BB3C-F430B369F791}" dt="2025-04-29T20:44:02.528" v="1371" actId="1076"/>
+          <ac:spMkLst>
+            <pc:docMk/>
+            <pc:sldMk cId="4047841888" sldId="389"/>
+            <ac:spMk id="9" creationId="{ECA59087-0C87-2ACF-2A20-97E8B026527C}"/>
+          </ac:spMkLst>
+        </pc:spChg>
+        <pc:picChg chg="add mod">
+          <ac:chgData name="Weifeng Xu" userId="e7aed605-a3dd-4d5a-a692-a87037af107b" providerId="ADAL" clId="{EE5F4A51-15BC-4E84-BB3C-F430B369F791}" dt="2025-04-29T20:44:02.528" v="1371" actId="1076"/>
+          <ac:picMkLst>
+            <pc:docMk/>
+            <pc:sldMk cId="4047841888" sldId="389"/>
+            <ac:picMk id="10" creationId="{1675FC2F-5CD4-8F00-3850-9F2F40FCDEDF}"/>
+          </ac:picMkLst>
+        </pc:picChg>
       </pc:sldChg>
       <pc:sldChg chg="modSp mod">
-        <pc:chgData name="Weifeng Xu" userId="e7aed605-a3dd-4d5a-a692-a87037af107b" providerId="ADAL" clId="{EE5F4A51-15BC-4E84-BB3C-F430B369F791}" dt="2025-04-06T23:25:54.781" v="1313" actId="207"/>
+        <pc:chgData name="Weifeng Xu" userId="e7aed605-a3dd-4d5a-a692-a87037af107b" providerId="ADAL" clId="{EE5F4A51-15BC-4E84-BB3C-F430B369F791}" dt="2025-04-29T20:47:46.377" v="1415" actId="20577"/>
         <pc:sldMkLst>
           <pc:docMk/>
           <pc:sldMk cId="2885670956" sldId="391"/>
         </pc:sldMkLst>
+        <pc:spChg chg="mod">
+          <ac:chgData name="Weifeng Xu" userId="e7aed605-a3dd-4d5a-a692-a87037af107b" providerId="ADAL" clId="{EE5F4A51-15BC-4E84-BB3C-F430B369F791}" dt="2025-04-29T20:47:46.377" v="1415" actId="20577"/>
+          <ac:spMkLst>
+            <pc:docMk/>
+            <pc:sldMk cId="2885670956" sldId="391"/>
+            <ac:spMk id="2" creationId="{D2130707-68F0-4179-87A0-85E66173F380}"/>
+          </ac:spMkLst>
+        </pc:spChg>
         <pc:spChg chg="mod">
           <ac:chgData name="Weifeng Xu" userId="e7aed605-a3dd-4d5a-a692-a87037af107b" providerId="ADAL" clId="{EE5F4A51-15BC-4E84-BB3C-F430B369F791}" dt="2025-04-06T23:25:54.781" v="1313" actId="207"/>
           <ac:spMkLst>
@@ -1307,51 +1362,51 @@
         </pc:sldMkLst>
       </pc:sldChg>
       <pc:sldChg chg="addSp delSp modSp mod">
-        <pc:chgData name="Weifeng Xu" userId="e7aed605-a3dd-4d5a-a692-a87037af107b" providerId="ADAL" clId="{EE5F4A51-15BC-4E84-BB3C-F430B369F791}" dt="2025-04-06T23:19:17.468" v="1137" actId="20577"/>
+        <pc:chgData name="Weifeng Xu" userId="e7aed605-a3dd-4d5a-a692-a87037af107b" providerId="ADAL" clId="{EE5F4A51-15BC-4E84-BB3C-F430B369F791}" dt="2025-04-29T20:46:19.296" v="1401" actId="478"/>
         <pc:sldMkLst>
           <pc:docMk/>
           <pc:sldMk cId="179776723" sldId="417"/>
         </pc:sldMkLst>
         <pc:spChg chg="mod">
-          <ac:chgData name="Weifeng Xu" userId="e7aed605-a3dd-4d5a-a692-a87037af107b" providerId="ADAL" clId="{EE5F4A51-15BC-4E84-BB3C-F430B369F791}" dt="2025-04-06T23:19:17.468" v="1137" actId="20577"/>
+          <ac:chgData name="Weifeng Xu" userId="e7aed605-a3dd-4d5a-a692-a87037af107b" providerId="ADAL" clId="{EE5F4A51-15BC-4E84-BB3C-F430B369F791}" dt="2025-04-29T20:46:17.083" v="1400" actId="207"/>
           <ac:spMkLst>
             <pc:docMk/>
             <pc:sldMk cId="179776723" sldId="417"/>
             <ac:spMk id="2" creationId="{84451426-0088-469F-8F61-C71584921934}"/>
           </ac:spMkLst>
         </pc:spChg>
+        <pc:spChg chg="del">
+          <ac:chgData name="Weifeng Xu" userId="e7aed605-a3dd-4d5a-a692-a87037af107b" providerId="ADAL" clId="{EE5F4A51-15BC-4E84-BB3C-F430B369F791}" dt="2025-04-29T20:46:19.296" v="1401" actId="478"/>
+          <ac:spMkLst>
+            <pc:docMk/>
+            <pc:sldMk cId="179776723" sldId="417"/>
+            <ac:spMk id="14" creationId="{D1660626-E82A-47EF-ACA3-7F74F4971078}"/>
+          </ac:spMkLst>
+        </pc:spChg>
       </pc:sldChg>
       <pc:sldChg chg="addSp delSp modSp mod modClrScheme chgLayout">
-        <pc:chgData name="Weifeng Xu" userId="e7aed605-a3dd-4d5a-a692-a87037af107b" providerId="ADAL" clId="{EE5F4A51-15BC-4E84-BB3C-F430B369F791}" dt="2025-04-06T23:22:02.909" v="1216" actId="20577"/>
+        <pc:chgData name="Weifeng Xu" userId="e7aed605-a3dd-4d5a-a692-a87037af107b" providerId="ADAL" clId="{EE5F4A51-15BC-4E84-BB3C-F430B369F791}" dt="2025-04-29T20:47:13.379" v="1408" actId="207"/>
         <pc:sldMkLst>
           <pc:docMk/>
           <pc:sldMk cId="3958321751" sldId="418"/>
         </pc:sldMkLst>
         <pc:spChg chg="add mod ord">
-          <ac:chgData name="Weifeng Xu" userId="e7aed605-a3dd-4d5a-a692-a87037af107b" providerId="ADAL" clId="{EE5F4A51-15BC-4E84-BB3C-F430B369F791}" dt="2025-04-06T23:22:02.909" v="1216" actId="20577"/>
+          <ac:chgData name="Weifeng Xu" userId="e7aed605-a3dd-4d5a-a692-a87037af107b" providerId="ADAL" clId="{EE5F4A51-15BC-4E84-BB3C-F430B369F791}" dt="2025-04-29T20:47:13.379" v="1408" actId="207"/>
           <ac:spMkLst>
             <pc:docMk/>
             <pc:sldMk cId="3958321751" sldId="418"/>
             <ac:spMk id="2" creationId="{F397CCA6-793C-5DCF-9474-4A90B62C6A12}"/>
           </ac:spMkLst>
         </pc:spChg>
-        <pc:spChg chg="del">
-          <ac:chgData name="Weifeng Xu" userId="e7aed605-a3dd-4d5a-a692-a87037af107b" providerId="ADAL" clId="{EE5F4A51-15BC-4E84-BB3C-F430B369F791}" dt="2025-04-06T23:21:41.526" v="1189" actId="478"/>
-          <ac:spMkLst>
-            <pc:docMk/>
-            <pc:sldMk cId="3958321751" sldId="418"/>
-            <ac:spMk id="25" creationId="{08FB1ADC-A4F3-4AD1-9ECD-9EF031FF48D6}"/>
-          </ac:spMkLst>
-        </pc:spChg>
       </pc:sldChg>
       <pc:sldChg chg="addSp delSp modSp mod modClrScheme chgLayout">
-        <pc:chgData name="Weifeng Xu" userId="e7aed605-a3dd-4d5a-a692-a87037af107b" providerId="ADAL" clId="{EE5F4A51-15BC-4E84-BB3C-F430B369F791}" dt="2025-04-06T23:21:27.933" v="1188" actId="20577"/>
+        <pc:chgData name="Weifeng Xu" userId="e7aed605-a3dd-4d5a-a692-a87037af107b" providerId="ADAL" clId="{EE5F4A51-15BC-4E84-BB3C-F430B369F791}" dt="2025-04-29T20:45:51.673" v="1397" actId="207"/>
         <pc:sldMkLst>
           <pc:docMk/>
           <pc:sldMk cId="3115273674" sldId="420"/>
         </pc:sldMkLst>
         <pc:spChg chg="add mod ord">
-          <ac:chgData name="Weifeng Xu" userId="e7aed605-a3dd-4d5a-a692-a87037af107b" providerId="ADAL" clId="{EE5F4A51-15BC-4E84-BB3C-F430B369F791}" dt="2025-04-06T23:21:27.933" v="1188" actId="20577"/>
+          <ac:chgData name="Weifeng Xu" userId="e7aed605-a3dd-4d5a-a692-a87037af107b" providerId="ADAL" clId="{EE5F4A51-15BC-4E84-BB3C-F430B369F791}" dt="2025-04-29T20:45:51.673" v="1397" actId="207"/>
           <ac:spMkLst>
             <pc:docMk/>
             <pc:sldMk cId="3115273674" sldId="420"/>
@@ -1380,14 +1435,6 @@
             <pc:docMk/>
             <pc:sldMk cId="3115273674" sldId="420"/>
             <ac:spMk id="10" creationId="{70EA1B1A-EA63-416A-B387-22328144C8F7}"/>
-          </ac:spMkLst>
-        </pc:spChg>
-        <pc:spChg chg="del">
-          <ac:chgData name="Weifeng Xu" userId="e7aed605-a3dd-4d5a-a692-a87037af107b" providerId="ADAL" clId="{EE5F4A51-15BC-4E84-BB3C-F430B369F791}" dt="2025-04-06T23:21:08.317" v="1167" actId="478"/>
-          <ac:spMkLst>
-            <pc:docMk/>
-            <pc:sldMk cId="3115273674" sldId="420"/>
-            <ac:spMk id="12" creationId="{ECDA0B92-7205-4820-A2E2-01B8AF307B23}"/>
           </ac:spMkLst>
         </pc:spChg>
         <pc:spChg chg="mod">
@@ -1487,8 +1534,8 @@
           <pc:sldMk cId="473647882" sldId="430"/>
         </pc:sldMkLst>
       </pc:sldChg>
-      <pc:sldChg chg="modSp mod">
-        <pc:chgData name="Weifeng Xu" userId="e7aed605-a3dd-4d5a-a692-a87037af107b" providerId="ADAL" clId="{EE5F4A51-15BC-4E84-BB3C-F430B369F791}" dt="2025-04-06T20:56:33.754" v="870" actId="20577"/>
+      <pc:sldChg chg="modSp mod ord">
+        <pc:chgData name="Weifeng Xu" userId="e7aed605-a3dd-4d5a-a692-a87037af107b" providerId="ADAL" clId="{EE5F4A51-15BC-4E84-BB3C-F430B369F791}" dt="2025-04-29T20:40:28.196" v="1339"/>
         <pc:sldMkLst>
           <pc:docMk/>
           <pc:sldMk cId="768160874" sldId="431"/>
@@ -1613,62 +1660,6 @@
             <ac:spMk id="3" creationId="{A2BD1C88-BB04-32FB-B37D-F9EA793DE9FF}"/>
           </ac:spMkLst>
         </pc:spChg>
-        <pc:spChg chg="del">
-          <ac:chgData name="Weifeng Xu" userId="e7aed605-a3dd-4d5a-a692-a87037af107b" providerId="ADAL" clId="{EE5F4A51-15BC-4E84-BB3C-F430B369F791}" dt="2025-04-06T20:02:38.048" v="788" actId="478"/>
-          <ac:spMkLst>
-            <pc:docMk/>
-            <pc:sldMk cId="3858131130" sldId="437"/>
-            <ac:spMk id="7" creationId="{2D2B13E3-31CC-43E9-9966-B5C4047BD7BB}"/>
-          </ac:spMkLst>
-        </pc:spChg>
-        <pc:spChg chg="del mod">
-          <ac:chgData name="Weifeng Xu" userId="e7aed605-a3dd-4d5a-a692-a87037af107b" providerId="ADAL" clId="{EE5F4A51-15BC-4E84-BB3C-F430B369F791}" dt="2025-04-06T20:13:03.504" v="807" actId="478"/>
-          <ac:spMkLst>
-            <pc:docMk/>
-            <pc:sldMk cId="3858131130" sldId="437"/>
-            <ac:spMk id="8" creationId="{77D4663A-5977-4330-8834-7A74FFA7E872}"/>
-          </ac:spMkLst>
-        </pc:spChg>
-        <pc:spChg chg="del">
-          <ac:chgData name="Weifeng Xu" userId="e7aed605-a3dd-4d5a-a692-a87037af107b" providerId="ADAL" clId="{EE5F4A51-15BC-4E84-BB3C-F430B369F791}" dt="2025-04-06T20:02:40.734" v="789" actId="478"/>
-          <ac:spMkLst>
-            <pc:docMk/>
-            <pc:sldMk cId="3858131130" sldId="437"/>
-            <ac:spMk id="15" creationId="{589C5039-25A2-437B-B7EB-B5B8754EC784}"/>
-          </ac:spMkLst>
-        </pc:spChg>
-        <pc:picChg chg="add mod">
-          <ac:chgData name="Weifeng Xu" userId="e7aed605-a3dd-4d5a-a692-a87037af107b" providerId="ADAL" clId="{EE5F4A51-15BC-4E84-BB3C-F430B369F791}" dt="2025-04-06T19:59:08.565" v="703"/>
-          <ac:picMkLst>
-            <pc:docMk/>
-            <pc:sldMk cId="3858131130" sldId="437"/>
-            <ac:picMk id="2" creationId="{E125D284-86DA-672B-D484-2C743178A711}"/>
-          </ac:picMkLst>
-        </pc:picChg>
-        <pc:picChg chg="del">
-          <ac:chgData name="Weifeng Xu" userId="e7aed605-a3dd-4d5a-a692-a87037af107b" providerId="ADAL" clId="{EE5F4A51-15BC-4E84-BB3C-F430B369F791}" dt="2025-04-06T20:02:44.338" v="790" actId="478"/>
-          <ac:picMkLst>
-            <pc:docMk/>
-            <pc:sldMk cId="3858131130" sldId="437"/>
-            <ac:picMk id="4" creationId="{C44C2C50-C379-4337-B8DD-301673197FF1}"/>
-          </ac:picMkLst>
-        </pc:picChg>
-        <pc:picChg chg="del mod">
-          <ac:chgData name="Weifeng Xu" userId="e7aed605-a3dd-4d5a-a692-a87037af107b" providerId="ADAL" clId="{EE5F4A51-15BC-4E84-BB3C-F430B369F791}" dt="2025-04-06T20:13:03.504" v="807" actId="478"/>
-          <ac:picMkLst>
-            <pc:docMk/>
-            <pc:sldMk cId="3858131130" sldId="437"/>
-            <ac:picMk id="6" creationId="{E43DD57E-8FE3-4904-BC8B-F755ABE097F4}"/>
-          </ac:picMkLst>
-        </pc:picChg>
-        <pc:picChg chg="add del mod">
-          <ac:chgData name="Weifeng Xu" userId="e7aed605-a3dd-4d5a-a692-a87037af107b" providerId="ADAL" clId="{EE5F4A51-15BC-4E84-BB3C-F430B369F791}" dt="2025-04-06T20:17:30.347" v="837" actId="478"/>
-          <ac:picMkLst>
-            <pc:docMk/>
-            <pc:sldMk cId="3858131130" sldId="437"/>
-            <ac:picMk id="9" creationId="{9258E050-7522-A911-3AAF-1FD18712EE27}"/>
-          </ac:picMkLst>
-        </pc:picChg>
         <pc:picChg chg="add mod">
           <ac:chgData name="Weifeng Xu" userId="e7aed605-a3dd-4d5a-a692-a87037af107b" providerId="ADAL" clId="{EE5F4A51-15BC-4E84-BB3C-F430B369F791}" dt="2025-04-06T20:17:35.597" v="840" actId="14100"/>
           <ac:picMkLst>
@@ -1677,17 +1668,9 @@
             <ac:picMk id="11" creationId="{26D91314-A223-AD06-9F34-9773109112FD}"/>
           </ac:picMkLst>
         </pc:picChg>
-        <pc:picChg chg="del mod">
-          <ac:chgData name="Weifeng Xu" userId="e7aed605-a3dd-4d5a-a692-a87037af107b" providerId="ADAL" clId="{EE5F4A51-15BC-4E84-BB3C-F430B369F791}" dt="2025-04-06T20:13:03.504" v="807" actId="478"/>
-          <ac:picMkLst>
-            <pc:docMk/>
-            <pc:sldMk cId="3858131130" sldId="437"/>
-            <ac:picMk id="14" creationId="{8CA109AC-0DFB-4A10-8C90-1F27705C867B}"/>
-          </ac:picMkLst>
-        </pc:picChg>
-      </pc:sldChg>
-      <pc:sldChg chg="addSp modSp new mod ord modNotesTx">
-        <pc:chgData name="Weifeng Xu" userId="e7aed605-a3dd-4d5a-a692-a87037af107b" providerId="ADAL" clId="{EE5F4A51-15BC-4E84-BB3C-F430B369F791}" dt="2025-04-06T23:20:36.580" v="1166" actId="20577"/>
+      </pc:sldChg>
+      <pc:sldChg chg="addSp delSp modSp new mod ord modNotesTx">
+        <pc:chgData name="Weifeng Xu" userId="e7aed605-a3dd-4d5a-a692-a87037af107b" providerId="ADAL" clId="{EE5F4A51-15BC-4E84-BB3C-F430B369F791}" dt="2025-04-29T20:44:47.228" v="1373" actId="478"/>
         <pc:sldMkLst>
           <pc:docMk/>
           <pc:sldMk cId="2211450093" sldId="438"/>
@@ -1698,6 +1681,14 @@
             <pc:docMk/>
             <pc:sldMk cId="2211450093" sldId="438"/>
             <ac:spMk id="2" creationId="{9582DB81-39F1-4938-AD64-D9CDBF748CD8}"/>
+          </ac:spMkLst>
+        </pc:spChg>
+        <pc:spChg chg="del">
+          <ac:chgData name="Weifeng Xu" userId="e7aed605-a3dd-4d5a-a692-a87037af107b" providerId="ADAL" clId="{EE5F4A51-15BC-4E84-BB3C-F430B369F791}" dt="2025-04-29T20:44:47.228" v="1373" actId="478"/>
+          <ac:spMkLst>
+            <pc:docMk/>
+            <pc:sldMk cId="2211450093" sldId="438"/>
+            <ac:spMk id="5" creationId="{C86C2482-C421-4212-BE48-239225C1B1BE}"/>
           </ac:spMkLst>
         </pc:spChg>
       </pc:sldChg>
@@ -1743,30 +1734,6 @@
             <pc:docMk/>
             <pc:sldMk cId="3482381942" sldId="441"/>
             <ac:spMk id="2" creationId="{8EA79342-39C4-2240-974F-E2FD980D8A93}"/>
-          </ac:spMkLst>
-        </pc:spChg>
-        <pc:spChg chg="add del mod">
-          <ac:chgData name="Weifeng Xu" userId="e7aed605-a3dd-4d5a-a692-a87037af107b" providerId="ADAL" clId="{EE5F4A51-15BC-4E84-BB3C-F430B369F791}" dt="2025-04-06T20:00:21.224" v="730" actId="22"/>
-          <ac:spMkLst>
-            <pc:docMk/>
-            <pc:sldMk cId="3482381942" sldId="441"/>
-            <ac:spMk id="5" creationId="{1A20068A-212B-2D1B-861D-CA6A23107A58}"/>
-          </ac:spMkLst>
-        </pc:spChg>
-        <pc:spChg chg="del mod">
-          <ac:chgData name="Weifeng Xu" userId="e7aed605-a3dd-4d5a-a692-a87037af107b" providerId="ADAL" clId="{EE5F4A51-15BC-4E84-BB3C-F430B369F791}" dt="2025-04-06T20:00:06.418" v="724" actId="478"/>
-          <ac:spMkLst>
-            <pc:docMk/>
-            <pc:sldMk cId="3482381942" sldId="441"/>
-            <ac:spMk id="7" creationId="{3B3C90A5-E3C4-7FFC-32C3-472CFE58E014}"/>
-          </ac:spMkLst>
-        </pc:spChg>
-        <pc:spChg chg="del">
-          <ac:chgData name="Weifeng Xu" userId="e7aed605-a3dd-4d5a-a692-a87037af107b" providerId="ADAL" clId="{EE5F4A51-15BC-4E84-BB3C-F430B369F791}" dt="2025-04-06T19:59:16.270" v="705" actId="478"/>
-          <ac:spMkLst>
-            <pc:docMk/>
-            <pc:sldMk cId="3482381942" sldId="441"/>
-            <ac:spMk id="8" creationId="{EDEFDFD1-C1FE-C1B7-BDBE-8C14201C408A}"/>
           </ac:spMkLst>
         </pc:spChg>
         <pc:spChg chg="add mod ord">
@@ -1793,22 +1760,6 @@
             <ac:picMk id="4" creationId="{8EDC6F8F-F214-7D57-AE0B-F5366E2E1639}"/>
           </ac:picMkLst>
         </pc:picChg>
-        <pc:picChg chg="del">
-          <ac:chgData name="Weifeng Xu" userId="e7aed605-a3dd-4d5a-a692-a87037af107b" providerId="ADAL" clId="{EE5F4A51-15BC-4E84-BB3C-F430B369F791}" dt="2025-04-06T19:59:16.270" v="705" actId="478"/>
-          <ac:picMkLst>
-            <pc:docMk/>
-            <pc:sldMk cId="3482381942" sldId="441"/>
-            <ac:picMk id="6" creationId="{D8C51AD0-6DBF-9D55-1215-805E70EB90DA}"/>
-          </ac:picMkLst>
-        </pc:picChg>
-        <pc:picChg chg="del">
-          <ac:chgData name="Weifeng Xu" userId="e7aed605-a3dd-4d5a-a692-a87037af107b" providerId="ADAL" clId="{EE5F4A51-15BC-4E84-BB3C-F430B369F791}" dt="2025-04-06T19:59:16.270" v="705" actId="478"/>
-          <ac:picMkLst>
-            <pc:docMk/>
-            <pc:sldMk cId="3482381942" sldId="441"/>
-            <ac:picMk id="14" creationId="{F39F8A0D-49E8-1035-B370-BBDB550A0A5C}"/>
-          </ac:picMkLst>
-        </pc:picChg>
       </pc:sldChg>
       <pc:sldChg chg="new del">
         <pc:chgData name="Weifeng Xu" userId="e7aed605-a3dd-4d5a-a692-a87037af107b" providerId="ADAL" clId="{EE5F4A51-15BC-4E84-BB3C-F430B369F791}" dt="2021-08-25T15:45:16.600" v="426" actId="47"/>
@@ -1831,30 +1782,6 @@
             <ac:spMk id="2" creationId="{68E01566-5184-F42E-8636-68002307B599}"/>
           </ac:spMkLst>
         </pc:spChg>
-        <pc:spChg chg="add del mod ord">
-          <ac:chgData name="Weifeng Xu" userId="e7aed605-a3dd-4d5a-a692-a87037af107b" providerId="ADAL" clId="{EE5F4A51-15BC-4E84-BB3C-F430B369F791}" dt="2025-04-06T21:05:09.097" v="949" actId="700"/>
-          <ac:spMkLst>
-            <pc:docMk/>
-            <pc:sldMk cId="3355558048" sldId="442"/>
-            <ac:spMk id="3" creationId="{7B14B8BD-7894-AEE9-E393-81CD468A83E1}"/>
-          </ac:spMkLst>
-        </pc:spChg>
-        <pc:spChg chg="add del mod">
-          <ac:chgData name="Weifeng Xu" userId="e7aed605-a3dd-4d5a-a692-a87037af107b" providerId="ADAL" clId="{EE5F4A51-15BC-4E84-BB3C-F430B369F791}" dt="2025-04-06T21:05:42.460" v="951" actId="700"/>
-          <ac:spMkLst>
-            <pc:docMk/>
-            <pc:sldMk cId="3355558048" sldId="442"/>
-            <ac:spMk id="7" creationId="{D11231A6-DCDC-F2AB-EC09-C3077881B624}"/>
-          </ac:spMkLst>
-        </pc:spChg>
-        <pc:picChg chg="add del mod">
-          <ac:chgData name="Weifeng Xu" userId="e7aed605-a3dd-4d5a-a692-a87037af107b" providerId="ADAL" clId="{EE5F4A51-15BC-4E84-BB3C-F430B369F791}" dt="2025-04-06T23:11:39.763" v="1085" actId="478"/>
-          <ac:picMkLst>
-            <pc:docMk/>
-            <pc:sldMk cId="3355558048" sldId="442"/>
-            <ac:picMk id="5" creationId="{EA108A6F-C15D-57DC-317D-9E749B05D010}"/>
-          </ac:picMkLst>
-        </pc:picChg>
         <pc:picChg chg="add mod">
           <ac:chgData name="Weifeng Xu" userId="e7aed605-a3dd-4d5a-a692-a87037af107b" providerId="ADAL" clId="{EE5F4A51-15BC-4E84-BB3C-F430B369F791}" dt="2025-04-06T23:12:11.098" v="1090" actId="1076"/>
           <ac:picMkLst>
@@ -1865,29 +1792,13 @@
         </pc:picChg>
       </pc:sldChg>
       <pc:sldChg chg="addSp delSp modSp new mod modClrScheme chgLayout">
-        <pc:chgData name="Weifeng Xu" userId="e7aed605-a3dd-4d5a-a692-a87037af107b" providerId="ADAL" clId="{EE5F4A51-15BC-4E84-BB3C-F430B369F791}" dt="2025-04-06T21:13:58.491" v="1001"/>
+        <pc:chgData name="Weifeng Xu" userId="e7aed605-a3dd-4d5a-a692-a87037af107b" providerId="ADAL" clId="{EE5F4A51-15BC-4E84-BB3C-F430B369F791}" dt="2025-04-29T20:42:06.485" v="1341" actId="21"/>
         <pc:sldMkLst>
           <pc:docMk/>
           <pc:sldMk cId="2929715381" sldId="443"/>
         </pc:sldMkLst>
-        <pc:spChg chg="del mod ord">
-          <ac:chgData name="Weifeng Xu" userId="e7aed605-a3dd-4d5a-a692-a87037af107b" providerId="ADAL" clId="{EE5F4A51-15BC-4E84-BB3C-F430B369F791}" dt="2025-04-06T21:13:05.763" v="982" actId="700"/>
-          <ac:spMkLst>
-            <pc:docMk/>
-            <pc:sldMk cId="2929715381" sldId="443"/>
-            <ac:spMk id="2" creationId="{3923E660-08AF-A531-AF81-ADD94BFA8170}"/>
-          </ac:spMkLst>
-        </pc:spChg>
-        <pc:spChg chg="del mod ord">
-          <ac:chgData name="Weifeng Xu" userId="e7aed605-a3dd-4d5a-a692-a87037af107b" providerId="ADAL" clId="{EE5F4A51-15BC-4E84-BB3C-F430B369F791}" dt="2025-04-06T21:13:05.763" v="982" actId="700"/>
-          <ac:spMkLst>
-            <pc:docMk/>
-            <pc:sldMk cId="2929715381" sldId="443"/>
-            <ac:spMk id="3" creationId="{2787FA5C-E659-00BE-E47F-7A83516DA3D3}"/>
-          </ac:spMkLst>
-        </pc:spChg>
         <pc:spChg chg="add mod ord">
-          <ac:chgData name="Weifeng Xu" userId="e7aed605-a3dd-4d5a-a692-a87037af107b" providerId="ADAL" clId="{EE5F4A51-15BC-4E84-BB3C-F430B369F791}" dt="2025-04-06T21:13:58.491" v="1001"/>
+          <ac:chgData name="Weifeng Xu" userId="e7aed605-a3dd-4d5a-a692-a87037af107b" providerId="ADAL" clId="{EE5F4A51-15BC-4E84-BB3C-F430B369F791}" dt="2025-04-10T13:13:21.733" v="1337" actId="20577"/>
           <ac:spMkLst>
             <pc:docMk/>
             <pc:sldMk cId="2929715381" sldId="443"/>
@@ -1895,7 +1806,7 @@
           </ac:spMkLst>
         </pc:spChg>
         <pc:spChg chg="add mod ord">
-          <ac:chgData name="Weifeng Xu" userId="e7aed605-a3dd-4d5a-a692-a87037af107b" providerId="ADAL" clId="{EE5F4A51-15BC-4E84-BB3C-F430B369F791}" dt="2025-04-06T21:13:05.763" v="982" actId="700"/>
+          <ac:chgData name="Weifeng Xu" userId="e7aed605-a3dd-4d5a-a692-a87037af107b" providerId="ADAL" clId="{EE5F4A51-15BC-4E84-BB3C-F430B369F791}" dt="2025-04-29T20:42:06.485" v="1341" actId="21"/>
           <ac:spMkLst>
             <pc:docMk/>
             <pc:sldMk cId="2929715381" sldId="443"/>
@@ -1930,14 +1841,6 @@
             <pc:docMk/>
             <pc:sldMk cId="4150709639" sldId="445"/>
             <ac:spMk id="2" creationId="{06A26EE9-4868-ED71-C8A7-E94FA01FA385}"/>
-          </ac:spMkLst>
-        </pc:spChg>
-        <pc:spChg chg="add del mod">
-          <ac:chgData name="Weifeng Xu" userId="e7aed605-a3dd-4d5a-a692-a87037af107b" providerId="ADAL" clId="{EE5F4A51-15BC-4E84-BB3C-F430B369F791}" dt="2025-04-06T23:13:14.686" v="1099" actId="26606"/>
-          <ac:spMkLst>
-            <pc:docMk/>
-            <pc:sldMk cId="4150709639" sldId="445"/>
-            <ac:spMk id="9" creationId="{CB66250F-2C53-B921-6072-B886C8913CC4}"/>
           </ac:spMkLst>
         </pc:spChg>
         <pc:picChg chg="add mod">
@@ -1948,31 +1851,15 @@
             <ac:picMk id="4" creationId="{BD3F28F2-6120-D37D-FC16-426B6212F47E}"/>
           </ac:picMkLst>
         </pc:picChg>
-        <pc:picChg chg="del">
-          <ac:chgData name="Weifeng Xu" userId="e7aed605-a3dd-4d5a-a692-a87037af107b" providerId="ADAL" clId="{EE5F4A51-15BC-4E84-BB3C-F430B369F791}" dt="2025-04-06T23:13:08.329" v="1095" actId="478"/>
-          <ac:picMkLst>
-            <pc:docMk/>
-            <pc:sldMk cId="4150709639" sldId="445"/>
-            <ac:picMk id="8" creationId="{589C61A9-3A7B-7F06-C56D-6AAFBF509811}"/>
-          </ac:picMkLst>
-        </pc:picChg>
       </pc:sldChg>
       <pc:sldChg chg="addSp delSp modSp new mod modClrScheme chgLayout">
-        <pc:chgData name="Weifeng Xu" userId="e7aed605-a3dd-4d5a-a692-a87037af107b" providerId="ADAL" clId="{EE5F4A51-15BC-4E84-BB3C-F430B369F791}" dt="2025-04-06T23:15:15.014" v="1117" actId="20577"/>
+        <pc:chgData name="Weifeng Xu" userId="e7aed605-a3dd-4d5a-a692-a87037af107b" providerId="ADAL" clId="{EE5F4A51-15BC-4E84-BB3C-F430B369F791}" dt="2025-04-29T20:41:31.158" v="1340" actId="6549"/>
         <pc:sldMkLst>
           <pc:docMk/>
           <pc:sldMk cId="634222704" sldId="446"/>
         </pc:sldMkLst>
-        <pc:spChg chg="del mod ord">
-          <ac:chgData name="Weifeng Xu" userId="e7aed605-a3dd-4d5a-a692-a87037af107b" providerId="ADAL" clId="{EE5F4A51-15BC-4E84-BB3C-F430B369F791}" dt="2025-04-06T23:14:48.767" v="1101" actId="700"/>
-          <ac:spMkLst>
-            <pc:docMk/>
-            <pc:sldMk cId="634222704" sldId="446"/>
-            <ac:spMk id="2" creationId="{34502649-9124-C56F-4028-90EE3F31A672}"/>
-          </ac:spMkLst>
-        </pc:spChg>
         <pc:spChg chg="add mod ord">
-          <ac:chgData name="Weifeng Xu" userId="e7aed605-a3dd-4d5a-a692-a87037af107b" providerId="ADAL" clId="{EE5F4A51-15BC-4E84-BB3C-F430B369F791}" dt="2025-04-06T23:15:15.014" v="1117" actId="20577"/>
+          <ac:chgData name="Weifeng Xu" userId="e7aed605-a3dd-4d5a-a692-a87037af107b" providerId="ADAL" clId="{EE5F4A51-15BC-4E84-BB3C-F430B369F791}" dt="2025-04-29T20:41:31.158" v="1340" actId="6549"/>
           <ac:spMkLst>
             <pc:docMk/>
             <pc:sldMk cId="634222704" sldId="446"/>
@@ -4774,7 +4661,7 @@
           <a:p>
             <a:fld id="{EE41F6E3-57F9-402E-BDBA-5B2DE11C8530}" type="datetimeFigureOut">
               <a:rPr lang="en-US" smtClean="0"/>
-              <a:t>4/6/2025</a:t>
+              <a:t>4/29/2025</a:t>
             </a:fld>
             <a:endParaRPr lang="en-US"/>
           </a:p>
@@ -5128,94 +5015,6 @@
 </p:notes>
 </file>
 
-<file path=ppt/notesSlides/notesSlide10.xml><?xml version="1.0" encoding="utf-8"?>
-<p:notes xmlns:a="http://schemas.openxmlformats.org/drawingml/2006/main" xmlns:r="http://schemas.openxmlformats.org/officeDocument/2006/relationships" xmlns:p="http://schemas.openxmlformats.org/presentationml/2006/main">
-  <p:cSld>
-    <p:spTree>
-      <p:nvGrpSpPr>
-        <p:cNvPr id="1" name=""/>
-        <p:cNvGrpSpPr/>
-        <p:nvPr/>
-      </p:nvGrpSpPr>
-      <p:grpSpPr>
-        <a:xfrm>
-          <a:off x="0" y="0"/>
-          <a:ext cx="0" cy="0"/>
-          <a:chOff x="0" y="0"/>
-          <a:chExt cx="0" cy="0"/>
-        </a:xfrm>
-      </p:grpSpPr>
-      <p:sp>
-        <p:nvSpPr>
-          <p:cNvPr id="2" name="Slide Image Placeholder 1"/>
-          <p:cNvSpPr>
-            <a:spLocks noGrp="1" noRot="1" noChangeAspect="1"/>
-          </p:cNvSpPr>
-          <p:nvPr>
-            <p:ph type="sldImg"/>
-          </p:nvPr>
-        </p:nvSpPr>
-        <p:spPr/>
-      </p:sp>
-      <p:sp>
-        <p:nvSpPr>
-          <p:cNvPr id="3" name="Notes Placeholder 2"/>
-          <p:cNvSpPr>
-            <a:spLocks noGrp="1"/>
-          </p:cNvSpPr>
-          <p:nvPr>
-            <p:ph type="body" idx="1"/>
-          </p:nvPr>
-        </p:nvSpPr>
-        <p:spPr/>
-        <p:txBody>
-          <a:bodyPr/>
-          <a:lstStyle/>
-          <a:p>
-            <a:r>
-              <a:rPr lang="en-GB" dirty="0"/>
-              <a:t>/storage/emulated/0/Pictures/Twitter/IMG_20200203_213034.jpg</a:t>
-            </a:r>
-            <a:endParaRPr lang="en-US" dirty="0"/>
-          </a:p>
-        </p:txBody>
-      </p:sp>
-      <p:sp>
-        <p:nvSpPr>
-          <p:cNvPr id="4" name="Slide Number Placeholder 3"/>
-          <p:cNvSpPr>
-            <a:spLocks noGrp="1"/>
-          </p:cNvSpPr>
-          <p:nvPr>
-            <p:ph type="sldNum" sz="quarter" idx="5"/>
-          </p:nvPr>
-        </p:nvSpPr>
-        <p:spPr/>
-        <p:txBody>
-          <a:bodyPr/>
-          <a:lstStyle/>
-          <a:p>
-            <a:fld id="{DDBF98C7-164A-4723-84F0-B1E4B080DDEC}" type="slidenum">
-              <a:rPr lang="en-US" smtClean="0"/>
-              <a:t>19</a:t>
-            </a:fld>
-            <a:endParaRPr lang="en-US"/>
-          </a:p>
-        </p:txBody>
-      </p:sp>
-    </p:spTree>
-    <p:extLst>
-      <p:ext uri="{BB962C8B-B14F-4D97-AF65-F5344CB8AC3E}">
-        <p14:creationId xmlns:p14="http://schemas.microsoft.com/office/powerpoint/2010/main" val="3015381729"/>
-      </p:ext>
-    </p:extLst>
-  </p:cSld>
-  <p:clrMapOvr>
-    <a:masterClrMapping/>
-  </p:clrMapOvr>
-</p:notes>
-</file>
-
 <file path=ppt/notesSlides/notesSlide2.xml><?xml version="1.0" encoding="utf-8"?>
 <p:notes xmlns:a="http://schemas.openxmlformats.org/drawingml/2006/main" xmlns:r="http://schemas.openxmlformats.org/officeDocument/2006/relationships" xmlns:p="http://schemas.openxmlformats.org/presentationml/2006/main">
   <p:cSld>
@@ -5292,7 +5091,7 @@
           <a:p>
             <a:fld id="{DDBF98C7-164A-4723-84F0-B1E4B080DDEC}" type="slidenum">
               <a:rPr lang="en-US" smtClean="0"/>
-              <a:t>4</a:t>
+              <a:t>5</a:t>
             </a:fld>
             <a:endParaRPr lang="en-US"/>
           </a:p>
@@ -5415,119 +5214,6 @@
 </file>
 
 <file path=ppt/notesSlides/notesSlide4.xml><?xml version="1.0" encoding="utf-8"?>
-<p:notes xmlns:a="http://schemas.openxmlformats.org/drawingml/2006/main" xmlns:r="http://schemas.openxmlformats.org/officeDocument/2006/relationships" xmlns:p="http://schemas.openxmlformats.org/presentationml/2006/main">
-  <p:cSld>
-    <p:spTree>
-      <p:nvGrpSpPr>
-        <p:cNvPr id="1" name=""/>
-        <p:cNvGrpSpPr/>
-        <p:nvPr/>
-      </p:nvGrpSpPr>
-      <p:grpSpPr>
-        <a:xfrm>
-          <a:off x="0" y="0"/>
-          <a:ext cx="0" cy="0"/>
-          <a:chOff x="0" y="0"/>
-          <a:chExt cx="0" cy="0"/>
-        </a:xfrm>
-      </p:grpSpPr>
-      <p:sp>
-        <p:nvSpPr>
-          <p:cNvPr id="2" name="Slide Image Placeholder 1"/>
-          <p:cNvSpPr>
-            <a:spLocks noGrp="1" noRot="1" noChangeAspect="1"/>
-          </p:cNvSpPr>
-          <p:nvPr>
-            <p:ph type="sldImg"/>
-          </p:nvPr>
-        </p:nvSpPr>
-        <p:spPr/>
-      </p:sp>
-      <p:sp>
-        <p:nvSpPr>
-          <p:cNvPr id="3" name="Notes Placeholder 2"/>
-          <p:cNvSpPr>
-            <a:spLocks noGrp="1"/>
-          </p:cNvSpPr>
-          <p:nvPr>
-            <p:ph type="body" idx="1"/>
-          </p:nvPr>
-        </p:nvSpPr>
-        <p:spPr/>
-        <p:txBody>
-          <a:bodyPr/>
-          <a:lstStyle/>
-          <a:p>
-            <a:r>
-              <a:rPr lang="en-US" dirty="0">
-                <a:cs typeface="Calibri"/>
-              </a:rPr>
-              <a:t>grep 'username'  'Pixel 3/data/data/</a:t>
-            </a:r>
-            <a:r>
-              <a:rPr lang="en-US" dirty="0" err="1">
-                <a:cs typeface="Calibri"/>
-              </a:rPr>
-              <a:t>com.enflick.android.TextNow</a:t>
-            </a:r>
-            <a:r>
-              <a:rPr lang="en-US" dirty="0">
-                <a:cs typeface="Calibri"/>
-              </a:rPr>
-              <a:t>/</a:t>
-            </a:r>
-            <a:r>
-              <a:rPr lang="en-US" dirty="0" err="1">
-                <a:cs typeface="Calibri"/>
-              </a:rPr>
-              <a:t>shared_prefs</a:t>
-            </a:r>
-            <a:r>
-              <a:rPr lang="en-US" dirty="0">
-                <a:cs typeface="Calibri"/>
-              </a:rPr>
-              <a:t>/com.enflick.android.TextNow_preferences.xml'</a:t>
-            </a:r>
-          </a:p>
-        </p:txBody>
-      </p:sp>
-      <p:sp>
-        <p:nvSpPr>
-          <p:cNvPr id="4" name="Slide Number Placeholder 3"/>
-          <p:cNvSpPr>
-            <a:spLocks noGrp="1"/>
-          </p:cNvSpPr>
-          <p:nvPr>
-            <p:ph type="sldNum" sz="quarter" idx="5"/>
-          </p:nvPr>
-        </p:nvSpPr>
-        <p:spPr/>
-        <p:txBody>
-          <a:bodyPr/>
-          <a:lstStyle/>
-          <a:p>
-            <a:fld id="{DDBF98C7-164A-4723-84F0-B1E4B080DDEC}" type="slidenum">
-              <a:rPr lang="en-US" smtClean="0"/>
-              <a:t>10</a:t>
-            </a:fld>
-            <a:endParaRPr lang="en-US"/>
-          </a:p>
-        </p:txBody>
-      </p:sp>
-    </p:spTree>
-    <p:extLst>
-      <p:ext uri="{BB962C8B-B14F-4D97-AF65-F5344CB8AC3E}">
-        <p14:creationId xmlns:p14="http://schemas.microsoft.com/office/powerpoint/2010/main" val="2625925954"/>
-      </p:ext>
-    </p:extLst>
-  </p:cSld>
-  <p:clrMapOvr>
-    <a:masterClrMapping/>
-  </p:clrMapOvr>
-</p:notes>
-</file>
-
-<file path=ppt/notesSlides/notesSlide5.xml><?xml version="1.0" encoding="utf-8"?>
 <p:notes xmlns:a="http://schemas.openxmlformats.org/drawingml/2006/main" xmlns:r="http://schemas.openxmlformats.org/officeDocument/2006/relationships" xmlns:p="http://schemas.openxmlformats.org/presentationml/2006/main">
   <p:cSld>
     <p:spTree>
@@ -6617,7 +6303,7 @@
           <a:p>
             <a:fld id="{DDBF98C7-164A-4723-84F0-B1E4B080DDEC}" type="slidenum">
               <a:rPr lang="en-US" smtClean="0"/>
-              <a:t>11</a:t>
+              <a:t>10</a:t>
             </a:fld>
             <a:endParaRPr lang="en-US"/>
           </a:p>
@@ -6636,7 +6322,7 @@
 </p:notes>
 </file>
 
-<file path=ppt/notesSlides/notesSlide6.xml><?xml version="1.0" encoding="utf-8"?>
+<file path=ppt/notesSlides/notesSlide5.xml><?xml version="1.0" encoding="utf-8"?>
 <p:notes xmlns:a="http://schemas.openxmlformats.org/drawingml/2006/main" xmlns:r="http://schemas.openxmlformats.org/officeDocument/2006/relationships" xmlns:p="http://schemas.openxmlformats.org/presentationml/2006/main">
   <p:cSld>
     <p:spTree>
@@ -7702,7 +7388,7 @@
           <a:p>
             <a:fld id="{DDBF98C7-164A-4723-84F0-B1E4B080DDEC}" type="slidenum">
               <a:rPr lang="en-US" smtClean="0"/>
-              <a:t>12</a:t>
+              <a:t>11</a:t>
             </a:fld>
             <a:endParaRPr lang="en-US"/>
           </a:p>
@@ -7721,7 +7407,7 @@
 </p:notes>
 </file>
 
-<file path=ppt/notesSlides/notesSlide7.xml><?xml version="1.0" encoding="utf-8"?>
+<file path=ppt/notesSlides/notesSlide6.xml><?xml version="1.0" encoding="utf-8"?>
 <p:notes xmlns:a="http://schemas.openxmlformats.org/drawingml/2006/main" xmlns:r="http://schemas.openxmlformats.org/officeDocument/2006/relationships" xmlns:p="http://schemas.openxmlformats.org/presentationml/2006/main">
   <p:cSld>
     <p:spTree>
@@ -8811,7 +8497,7 @@
           <a:p>
             <a:fld id="{DDBF98C7-164A-4723-84F0-B1E4B080DDEC}" type="slidenum">
               <a:rPr lang="en-US" smtClean="0"/>
-              <a:t>13</a:t>
+              <a:t>12</a:t>
             </a:fld>
             <a:endParaRPr lang="en-US"/>
           </a:p>
@@ -8821,6 +8507,113 @@
     <p:extLst>
       <p:ext uri="{BB962C8B-B14F-4D97-AF65-F5344CB8AC3E}">
         <p14:creationId xmlns:p14="http://schemas.microsoft.com/office/powerpoint/2010/main" val="3392007150"/>
+      </p:ext>
+    </p:extLst>
+  </p:cSld>
+  <p:clrMapOvr>
+    <a:masterClrMapping/>
+  </p:clrMapOvr>
+</p:notes>
+</file>
+
+<file path=ppt/notesSlides/notesSlide7.xml><?xml version="1.0" encoding="utf-8"?>
+<p:notes xmlns:a="http://schemas.openxmlformats.org/drawingml/2006/main" xmlns:r="http://schemas.openxmlformats.org/officeDocument/2006/relationships" xmlns:p="http://schemas.openxmlformats.org/presentationml/2006/main">
+  <p:cSld>
+    <p:spTree>
+      <p:nvGrpSpPr>
+        <p:cNvPr id="1" name=""/>
+        <p:cNvGrpSpPr/>
+        <p:nvPr/>
+      </p:nvGrpSpPr>
+      <p:grpSpPr>
+        <a:xfrm>
+          <a:off x="0" y="0"/>
+          <a:ext cx="0" cy="0"/>
+          <a:chOff x="0" y="0"/>
+          <a:chExt cx="0" cy="0"/>
+        </a:xfrm>
+      </p:grpSpPr>
+      <p:sp>
+        <p:nvSpPr>
+          <p:cNvPr id="2" name="Slide Image Placeholder 1"/>
+          <p:cNvSpPr>
+            <a:spLocks noGrp="1" noRot="1" noChangeAspect="1"/>
+          </p:cNvSpPr>
+          <p:nvPr>
+            <p:ph type="sldImg"/>
+          </p:nvPr>
+        </p:nvSpPr>
+        <p:spPr/>
+      </p:sp>
+      <p:sp>
+        <p:nvSpPr>
+          <p:cNvPr id="3" name="Notes Placeholder 2"/>
+          <p:cNvSpPr>
+            <a:spLocks noGrp="1"/>
+          </p:cNvSpPr>
+          <p:nvPr>
+            <p:ph type="body" idx="1"/>
+          </p:nvPr>
+        </p:nvSpPr>
+        <p:spPr/>
+        <p:txBody>
+          <a:bodyPr/>
+          <a:lstStyle/>
+          <a:p>
+            <a:r>
+              <a:rPr lang="en-US" dirty="0" err="1"/>
+              <a:t>sqlitebrowser</a:t>
+            </a:r>
+            <a:r>
+              <a:rPr lang="en-US" dirty="0"/>
+              <a:t> 'Pixel 3/data/data/</a:t>
+            </a:r>
+            <a:r>
+              <a:rPr lang="en-US" dirty="0" err="1"/>
+              <a:t>com.enflick.android.TextNow</a:t>
+            </a:r>
+            <a:r>
+              <a:rPr lang="en-US" dirty="0"/>
+              <a:t>/databases/</a:t>
+            </a:r>
+            <a:r>
+              <a:rPr lang="en-US" dirty="0" err="1"/>
+              <a:t>textnow_data.db</a:t>
+            </a:r>
+            <a:r>
+              <a:rPr lang="en-US" dirty="0"/>
+              <a:t>'</a:t>
+            </a:r>
+          </a:p>
+        </p:txBody>
+      </p:sp>
+      <p:sp>
+        <p:nvSpPr>
+          <p:cNvPr id="4" name="Slide Number Placeholder 3"/>
+          <p:cNvSpPr>
+            <a:spLocks noGrp="1"/>
+          </p:cNvSpPr>
+          <p:nvPr>
+            <p:ph type="sldNum" sz="quarter" idx="5"/>
+          </p:nvPr>
+        </p:nvSpPr>
+        <p:spPr/>
+        <p:txBody>
+          <a:bodyPr/>
+          <a:lstStyle/>
+          <a:p>
+            <a:fld id="{DDBF98C7-164A-4723-84F0-B1E4B080DDEC}" type="slidenum">
+              <a:rPr lang="en-US" smtClean="0"/>
+              <a:t>14</a:t>
+            </a:fld>
+            <a:endParaRPr lang="en-US"/>
+          </a:p>
+        </p:txBody>
+      </p:sp>
+    </p:spTree>
+    <p:extLst>
+      <p:ext uri="{BB962C8B-B14F-4D97-AF65-F5344CB8AC3E}">
+        <p14:creationId xmlns:p14="http://schemas.microsoft.com/office/powerpoint/2010/main" val="636914409"/>
       </p:ext>
     </p:extLst>
   </p:cSld>
@@ -8875,27 +8668,51 @@
           <a:lstStyle/>
           <a:p>
             <a:r>
-              <a:rPr lang="en-US" dirty="0" err="1"/>
+              <a:rPr lang="en-US" dirty="0" err="1">
+                <a:cs typeface="Calibri"/>
+              </a:rPr>
+              <a:t>Cmd</a:t>
+            </a:r>
+            <a:r>
+              <a:rPr lang="en-US" dirty="0">
+                <a:cs typeface="Calibri"/>
+              </a:rPr>
+              <a:t>: </a:t>
+            </a:r>
+            <a:r>
+              <a:rPr lang="en-US" dirty="0" err="1">
+                <a:cs typeface="Calibri"/>
+              </a:rPr>
               <a:t>sqlitebrowser</a:t>
             </a:r>
             <a:r>
-              <a:rPr lang="en-US" dirty="0"/>
+              <a:rPr lang="en-US" dirty="0">
+                <a:cs typeface="Calibri"/>
+              </a:rPr>
               <a:t> 'Pixel 3/data/data/</a:t>
             </a:r>
             <a:r>
-              <a:rPr lang="en-US" dirty="0" err="1"/>
+              <a:rPr lang="en-US" dirty="0" err="1">
+                <a:cs typeface="Calibri"/>
+              </a:rPr>
               <a:t>com.enflick.android.TextNow</a:t>
             </a:r>
             <a:r>
-              <a:rPr lang="en-US" dirty="0"/>
+              <a:rPr lang="en-US" dirty="0">
+                <a:cs typeface="Calibri"/>
+              </a:rPr>
               <a:t>/databases/</a:t>
             </a:r>
             <a:r>
-              <a:rPr lang="en-US" dirty="0" err="1"/>
+              <a:rPr lang="en-US" dirty="0" err="1">
+                <a:cs typeface="Calibri"/>
+              </a:rPr>
               <a:t>textnow_data.db</a:t>
             </a:r>
             <a:r>
-              <a:rPr lang="en-US" dirty="0"/>
+              <a:rPr lang="en-US" dirty="0">
+                <a:cs typeface="Calibri"/>
+              </a:rPr>
               <a:t>'</a:t>
             </a:r>
           </a:p>
@@ -8918,7 +8735,7 @@
           <a:p>
             <a:fld id="{DDBF98C7-164A-4723-84F0-B1E4B080DDEC}" type="slidenum">
               <a:rPr lang="en-US" smtClean="0"/>
-              <a:t>15</a:t>
+              <a:t>16</a:t>
             </a:fld>
             <a:endParaRPr lang="en-US"/>
           </a:p>
@@ -8927,7 +8744,7 @@
     </p:spTree>
     <p:extLst>
       <p:ext uri="{BB962C8B-B14F-4D97-AF65-F5344CB8AC3E}">
-        <p14:creationId xmlns:p14="http://schemas.microsoft.com/office/powerpoint/2010/main" val="636914409"/>
+        <p14:creationId xmlns:p14="http://schemas.microsoft.com/office/powerpoint/2010/main" val="147991994"/>
       </p:ext>
     </p:extLst>
   </p:cSld>
@@ -8982,53 +8799,10 @@
           <a:lstStyle/>
           <a:p>
             <a:r>
-              <a:rPr lang="en-US" dirty="0" err="1">
-                <a:cs typeface="Calibri"/>
-              </a:rPr>
-              <a:t>Cmd</a:t>
-            </a:r>
-            <a:r>
-              <a:rPr lang="en-US" dirty="0">
-                <a:cs typeface="Calibri"/>
-              </a:rPr>
-              <a:t>: </a:t>
-            </a:r>
-            <a:r>
-              <a:rPr lang="en-US" dirty="0" err="1">
-                <a:cs typeface="Calibri"/>
-              </a:rPr>
-              <a:t>sqlitebrowser</a:t>
-            </a:r>
-            <a:r>
-              <a:rPr lang="en-US" dirty="0">
-                <a:cs typeface="Calibri"/>
-              </a:rPr>
-              <a:t> 'Pixel 3/data/data/</a:t>
-            </a:r>
-            <a:r>
-              <a:rPr lang="en-US" dirty="0" err="1">
-                <a:cs typeface="Calibri"/>
-              </a:rPr>
-              <a:t>com.enflick.android.TextNow</a:t>
-            </a:r>
-            <a:r>
-              <a:rPr lang="en-US" dirty="0">
-                <a:cs typeface="Calibri"/>
-              </a:rPr>
-              <a:t>/databases/</a:t>
-            </a:r>
-            <a:r>
-              <a:rPr lang="en-US" dirty="0" err="1">
-                <a:cs typeface="Calibri"/>
-              </a:rPr>
-              <a:t>textnow_data.db</a:t>
-            </a:r>
-            <a:r>
-              <a:rPr lang="en-US" dirty="0">
-                <a:cs typeface="Calibri"/>
-              </a:rPr>
-              <a:t>'</a:t>
-            </a:r>
+              <a:rPr lang="en-GB" dirty="0"/>
+              <a:t>/storage/emulated/0/Pictures/Twitter/IMG_20200203_213034.jpg</a:t>
+            </a:r>
+            <a:endParaRPr lang="en-US" dirty="0"/>
           </a:p>
         </p:txBody>
       </p:sp>
@@ -9049,7 +8823,7 @@
           <a:p>
             <a:fld id="{DDBF98C7-164A-4723-84F0-B1E4B080DDEC}" type="slidenum">
               <a:rPr lang="en-US" smtClean="0"/>
-              <a:t>17</a:t>
+              <a:t>18</a:t>
             </a:fld>
             <a:endParaRPr lang="en-US"/>
           </a:p>
@@ -9058,7 +8832,7 @@
     </p:spTree>
     <p:extLst>
       <p:ext uri="{BB962C8B-B14F-4D97-AF65-F5344CB8AC3E}">
-        <p14:creationId xmlns:p14="http://schemas.microsoft.com/office/powerpoint/2010/main" val="147991994"/>
+        <p14:creationId xmlns:p14="http://schemas.microsoft.com/office/powerpoint/2010/main" val="3015381729"/>
       </p:ext>
     </p:extLst>
   </p:cSld>
@@ -9197,7 +8971,7 @@
           <a:p>
             <a:fld id="{4263717A-E3C1-4BED-ABE0-B7069385E023}" type="datetimeFigureOut">
               <a:rPr lang="en-US" smtClean="0"/>
-              <a:t>4/6/2025</a:t>
+              <a:t>4/29/2025</a:t>
             </a:fld>
             <a:endParaRPr lang="en-US"/>
           </a:p>
@@ -9370,7 +9144,7 @@
           <a:p>
             <a:fld id="{4263717A-E3C1-4BED-ABE0-B7069385E023}" type="datetimeFigureOut">
               <a:rPr lang="en-US" smtClean="0"/>
-              <a:t>4/6/2025</a:t>
+              <a:t>4/29/2025</a:t>
             </a:fld>
             <a:endParaRPr lang="en-US"/>
           </a:p>
@@ -9548,7 +9322,7 @@
           <a:p>
             <a:fld id="{4263717A-E3C1-4BED-ABE0-B7069385E023}" type="datetimeFigureOut">
               <a:rPr lang="en-US" smtClean="0"/>
-              <a:t>4/6/2025</a:t>
+              <a:t>4/29/2025</a:t>
             </a:fld>
             <a:endParaRPr lang="en-US"/>
           </a:p>
@@ -9716,7 +9490,7 @@
           <a:p>
             <a:fld id="{4263717A-E3C1-4BED-ABE0-B7069385E023}" type="datetimeFigureOut">
               <a:rPr lang="en-US" smtClean="0"/>
-              <a:t>4/6/2025</a:t>
+              <a:t>4/29/2025</a:t>
             </a:fld>
             <a:endParaRPr lang="en-US"/>
           </a:p>
@@ -9961,7 +9735,7 @@
           <a:p>
             <a:fld id="{4263717A-E3C1-4BED-ABE0-B7069385E023}" type="datetimeFigureOut">
               <a:rPr lang="en-US" smtClean="0"/>
-              <a:t>4/6/2025</a:t>
+              <a:t>4/29/2025</a:t>
             </a:fld>
             <a:endParaRPr lang="en-US"/>
           </a:p>
@@ -10190,7 +9964,7 @@
           <a:p>
             <a:fld id="{4263717A-E3C1-4BED-ABE0-B7069385E023}" type="datetimeFigureOut">
               <a:rPr lang="en-US" smtClean="0"/>
-              <a:t>4/6/2025</a:t>
+              <a:t>4/29/2025</a:t>
             </a:fld>
             <a:endParaRPr lang="en-US"/>
           </a:p>
@@ -10554,7 +10328,7 @@
           <a:p>
             <a:fld id="{4263717A-E3C1-4BED-ABE0-B7069385E023}" type="datetimeFigureOut">
               <a:rPr lang="en-US" smtClean="0"/>
-              <a:t>4/6/2025</a:t>
+              <a:t>4/29/2025</a:t>
             </a:fld>
             <a:endParaRPr lang="en-US"/>
           </a:p>
@@ -10671,7 +10445,7 @@
           <a:p>
             <a:fld id="{4263717A-E3C1-4BED-ABE0-B7069385E023}" type="datetimeFigureOut">
               <a:rPr lang="en-US" smtClean="0"/>
-              <a:t>4/6/2025</a:t>
+              <a:t>4/29/2025</a:t>
             </a:fld>
             <a:endParaRPr lang="en-US"/>
           </a:p>
@@ -10766,7 +10540,7 @@
           <a:p>
             <a:fld id="{4263717A-E3C1-4BED-ABE0-B7069385E023}" type="datetimeFigureOut">
               <a:rPr lang="en-US" smtClean="0"/>
-              <a:t>4/6/2025</a:t>
+              <a:t>4/29/2025</a:t>
             </a:fld>
             <a:endParaRPr lang="en-US"/>
           </a:p>
@@ -11041,7 +10815,7 @@
           <a:p>
             <a:fld id="{4263717A-E3C1-4BED-ABE0-B7069385E023}" type="datetimeFigureOut">
               <a:rPr lang="en-US" smtClean="0"/>
-              <a:t>4/6/2025</a:t>
+              <a:t>4/29/2025</a:t>
             </a:fld>
             <a:endParaRPr lang="en-US"/>
           </a:p>
@@ -11293,7 +11067,7 @@
           <a:p>
             <a:fld id="{4263717A-E3C1-4BED-ABE0-B7069385E023}" type="datetimeFigureOut">
               <a:rPr lang="en-US" smtClean="0"/>
-              <a:t>4/6/2025</a:t>
+              <a:t>4/29/2025</a:t>
             </a:fld>
             <a:endParaRPr lang="en-US"/>
           </a:p>
@@ -11504,7 +11278,7 @@
           <a:p>
             <a:fld id="{4263717A-E3C1-4BED-ABE0-B7069385E023}" type="datetimeFigureOut">
               <a:rPr lang="en-US" smtClean="0"/>
-              <a:t>4/6/2025</a:t>
+              <a:t>4/29/2025</a:t>
             </a:fld>
             <a:endParaRPr lang="en-US"/>
           </a:p>
@@ -12161,146 +11935,6 @@
   <p:cSld>
     <p:spTree>
       <p:nvGrpSpPr>
-        <p:cNvPr id="1" name=""/>
-        <p:cNvGrpSpPr/>
-        <p:nvPr/>
-      </p:nvGrpSpPr>
-      <p:grpSpPr>
-        <a:xfrm>
-          <a:off x="0" y="0"/>
-          <a:ext cx="0" cy="0"/>
-          <a:chOff x="0" y="0"/>
-          <a:chExt cx="0" cy="0"/>
-        </a:xfrm>
-      </p:grpSpPr>
-      <p:sp>
-        <p:nvSpPr>
-          <p:cNvPr id="2" name="Title 1">
-            <a:extLst>
-              <a:ext uri="{FF2B5EF4-FFF2-40B4-BE49-F238E27FC236}">
-                <a16:creationId xmlns:a16="http://schemas.microsoft.com/office/drawing/2014/main" id="{81458E94-DDFF-4EB0-8AE0-A483533FA6B6}"/>
-              </a:ext>
-            </a:extLst>
-          </p:cNvPr>
-          <p:cNvSpPr>
-            <a:spLocks noGrp="1"/>
-          </p:cNvSpPr>
-          <p:nvPr>
-            <p:ph type="title"/>
-          </p:nvPr>
-        </p:nvSpPr>
-        <p:spPr/>
-        <p:txBody>
-          <a:bodyPr/>
-          <a:lstStyle/>
-          <a:p>
-            <a:r>
-              <a:rPr lang="en-US" dirty="0">
-                <a:cs typeface="Calibri Light"/>
-              </a:rPr>
-              <a:t>What is the username for </a:t>
-            </a:r>
-            <a:r>
-              <a:rPr lang="en-US" dirty="0" err="1">
-                <a:cs typeface="Calibri Light"/>
-              </a:rPr>
-              <a:t>textnow</a:t>
-            </a:r>
-            <a:r>
-              <a:rPr lang="en-US" dirty="0">
-                <a:cs typeface="Calibri Light"/>
-              </a:rPr>
-              <a:t>?</a:t>
-            </a:r>
-            <a:endParaRPr lang="en-US" dirty="0"/>
-          </a:p>
-        </p:txBody>
-      </p:sp>
-      <p:sp>
-        <p:nvSpPr>
-          <p:cNvPr id="8" name="TextBox 7">
-            <a:extLst>
-              <a:ext uri="{FF2B5EF4-FFF2-40B4-BE49-F238E27FC236}">
-                <a16:creationId xmlns:a16="http://schemas.microsoft.com/office/drawing/2014/main" id="{B99710F2-FCA4-4CF0-A934-535B336DA42D}"/>
-              </a:ext>
-            </a:extLst>
-          </p:cNvPr>
-          <p:cNvSpPr txBox="1"/>
-          <p:nvPr/>
-        </p:nvSpPr>
-        <p:spPr>
-          <a:xfrm>
-            <a:off x="838200" y="2069806"/>
-            <a:ext cx="6172200" cy="369332"/>
-          </a:xfrm>
-          <a:prstGeom prst="rect">
-            <a:avLst/>
-          </a:prstGeom>
-          <a:solidFill>
-            <a:schemeClr val="accent4"/>
-          </a:solidFill>
-        </p:spPr>
-        <p:txBody>
-          <a:bodyPr wrap="square">
-            <a:spAutoFit/>
-          </a:bodyPr>
-          <a:lstStyle/>
-          <a:p>
-            <a:r>
-              <a:rPr lang="en-GB" dirty="0"/>
-              <a:t>search the username associated with the app</a:t>
-            </a:r>
-          </a:p>
-        </p:txBody>
-      </p:sp>
-      <p:pic>
-        <p:nvPicPr>
-          <p:cNvPr id="10" name="Picture 9" descr="Text&#10;&#10;Description automatically generated with medium confidence">
-            <a:extLst>
-              <a:ext uri="{FF2B5EF4-FFF2-40B4-BE49-F238E27FC236}">
-                <a16:creationId xmlns:a16="http://schemas.microsoft.com/office/drawing/2014/main" id="{DC2750E6-BCF9-4577-9F28-C2D65A712E47}"/>
-              </a:ext>
-            </a:extLst>
-          </p:cNvPr>
-          <p:cNvPicPr>
-            <a:picLocks noChangeAspect="1"/>
-          </p:cNvPicPr>
-          <p:nvPr/>
-        </p:nvPicPr>
-        <p:blipFill>
-          <a:blip r:embed="rId3"/>
-          <a:stretch>
-            <a:fillRect/>
-          </a:stretch>
-        </p:blipFill>
-        <p:spPr>
-          <a:xfrm>
-            <a:off x="838200" y="2439137"/>
-            <a:ext cx="9032557" cy="1195977"/>
-          </a:xfrm>
-          <a:prstGeom prst="rect">
-            <a:avLst/>
-          </a:prstGeom>
-        </p:spPr>
-      </p:pic>
-    </p:spTree>
-    <p:extLst>
-      <p:ext uri="{BB962C8B-B14F-4D97-AF65-F5344CB8AC3E}">
-        <p14:creationId xmlns:p14="http://schemas.microsoft.com/office/powerpoint/2010/main" val="4290566257"/>
-      </p:ext>
-    </p:extLst>
-  </p:cSld>
-  <p:clrMapOvr>
-    <a:masterClrMapping/>
-  </p:clrMapOvr>
-</p:sld>
-</file>
-
-<file path=ppt/slides/slide11.xml><?xml version="1.0" encoding="utf-8"?>
-<p:sld xmlns:a="http://schemas.openxmlformats.org/drawingml/2006/main" xmlns:r="http://schemas.openxmlformats.org/officeDocument/2006/relationships" xmlns:p="http://schemas.openxmlformats.org/presentationml/2006/main">
-  <p:cSld>
-    <p:spTree>
-      <p:nvGrpSpPr>
         <p:cNvPr id="1" name="">
           <a:extLst>
             <a:ext uri="{FF2B5EF4-FFF2-40B4-BE49-F238E27FC236}">
@@ -12401,7 +12035,7 @@
 </p:sld>
 </file>
 
-<file path=ppt/slides/slide12.xml><?xml version="1.0" encoding="utf-8"?>
+<file path=ppt/slides/slide11.xml><?xml version="1.0" encoding="utf-8"?>
 <p:sld xmlns:a="http://schemas.openxmlformats.org/drawingml/2006/main" xmlns:r="http://schemas.openxmlformats.org/officeDocument/2006/relationships" xmlns:p="http://schemas.openxmlformats.org/presentationml/2006/main">
   <p:cSld>
     <p:spTree>
@@ -12500,7 +12134,7 @@
 </p:sld>
 </file>
 
-<file path=ppt/slides/slide13.xml><?xml version="1.0" encoding="utf-8"?>
+<file path=ppt/slides/slide12.xml><?xml version="1.0" encoding="utf-8"?>
 <p:sld xmlns:a="http://schemas.openxmlformats.org/drawingml/2006/main" xmlns:r="http://schemas.openxmlformats.org/officeDocument/2006/relationships" xmlns:p="http://schemas.openxmlformats.org/presentationml/2006/main">
   <p:cSld>
     <p:spTree>
@@ -12605,7 +12239,7 @@
 </p:sld>
 </file>
 
-<file path=ppt/slides/slide14.xml><?xml version="1.0" encoding="utf-8"?>
+<file path=ppt/slides/slide13.xml><?xml version="1.0" encoding="utf-8"?>
 <p:sld xmlns:a="http://schemas.openxmlformats.org/drawingml/2006/main" xmlns:r="http://schemas.openxmlformats.org/officeDocument/2006/relationships" xmlns:p="http://schemas.openxmlformats.org/presentationml/2006/main">
   <p:cSld>
     <p:spTree>
@@ -12644,10 +12278,6 @@
           <a:lstStyle/>
           <a:p>
             <a:r>
-              <a:rPr lang="en-US" dirty="0"/>
-              <a:t>Investigate </a:t>
-            </a:r>
-            <a:r>
               <a:rPr lang="en-US" sz="6000" dirty="0" err="1">
                 <a:solidFill>
                   <a:srgbClr val="7030A0"/>
@@ -12697,7 +12327,7 @@
 </p:sld>
 </file>
 
-<file path=ppt/slides/slide15.xml><?xml version="1.0" encoding="utf-8"?>
+<file path=ppt/slides/slide14.xml><?xml version="1.0" encoding="utf-8"?>
 <p:sld xmlns:a="http://schemas.openxmlformats.org/drawingml/2006/main" xmlns:r="http://schemas.openxmlformats.org/officeDocument/2006/relationships" xmlns:p="http://schemas.openxmlformats.org/presentationml/2006/main">
   <p:cSld>
     <p:spTree>
@@ -12777,48 +12407,6 @@
           </a:prstGeom>
         </p:spPr>
       </p:pic>
-      <p:sp>
-        <p:nvSpPr>
-          <p:cNvPr id="5" name="TextBox 4">
-            <a:extLst>
-              <a:ext uri="{FF2B5EF4-FFF2-40B4-BE49-F238E27FC236}">
-                <a16:creationId xmlns:a16="http://schemas.microsoft.com/office/drawing/2014/main" id="{C86C2482-C421-4212-BE48-239225C1B1BE}"/>
-              </a:ext>
-            </a:extLst>
-          </p:cNvPr>
-          <p:cNvSpPr txBox="1"/>
-          <p:nvPr/>
-        </p:nvSpPr>
-        <p:spPr>
-          <a:xfrm>
-            <a:off x="838200" y="1690688"/>
-            <a:ext cx="3967065" cy="369332"/>
-          </a:xfrm>
-          <a:prstGeom prst="rect">
-            <a:avLst/>
-          </a:prstGeom>
-          <a:solidFill>
-            <a:schemeClr val="accent4"/>
-          </a:solidFill>
-        </p:spPr>
-        <p:txBody>
-          <a:bodyPr wrap="square">
-            <a:spAutoFit/>
-          </a:bodyPr>
-          <a:lstStyle/>
-          <a:p>
-            <a:r>
-              <a:rPr lang="en-GB" dirty="0"/>
-              <a:t>Show all tables in </a:t>
-            </a:r>
-            <a:r>
-              <a:rPr lang="en-GB" dirty="0" err="1"/>
-              <a:t>textnow_data.db</a:t>
-            </a:r>
-            <a:endParaRPr lang="en-GB" dirty="0"/>
-          </a:p>
-        </p:txBody>
-      </p:sp>
       <p:pic>
         <p:nvPicPr>
           <p:cNvPr id="7" name="Picture 6" descr="Graphical user interface, text&#10;&#10;Description automatically generated">
@@ -12862,7 +12450,7 @@
 </p:sld>
 </file>
 
-<file path=ppt/slides/slide16.xml><?xml version="1.0" encoding="utf-8"?>
+<file path=ppt/slides/slide15.xml><?xml version="1.0" encoding="utf-8"?>
 <p:sld xmlns:a="http://schemas.openxmlformats.org/drawingml/2006/main" xmlns:r="http://schemas.openxmlformats.org/officeDocument/2006/relationships" xmlns:p="http://schemas.openxmlformats.org/presentationml/2006/main">
   <p:cSld>
     <p:spTree>
@@ -13259,14 +12847,30 @@
           <a:lstStyle/>
           <a:p>
             <a:r>
+              <a:rPr lang="en-US" dirty="0">
+                <a:solidFill>
+                  <a:schemeClr val="accent2"/>
+                </a:solidFill>
+              </a:rPr>
+              <a:t>Contacts</a:t>
+            </a:r>
+            <a:r>
               <a:rPr lang="en-US" dirty="0"/>
-              <a:t>Contacts in </a:t>
-            </a:r>
-            <a:r>
-              <a:rPr lang="en-US" dirty="0" err="1"/>
-              <a:t>Textnow</a:t>
-            </a:r>
-            <a:endParaRPr lang="en-US" dirty="0"/>
+              <a:t> table in </a:t>
+            </a:r>
+            <a:r>
+              <a:rPr lang="en-US" dirty="0" err="1">
+                <a:solidFill>
+                  <a:schemeClr val="accent2"/>
+                </a:solidFill>
+              </a:rPr>
+              <a:t>textnow_data.db</a:t>
+            </a:r>
+            <a:endParaRPr lang="en-US" dirty="0">
+              <a:solidFill>
+                <a:schemeClr val="accent2"/>
+              </a:solidFill>
+            </a:endParaRPr>
           </a:p>
         </p:txBody>
       </p:sp>
@@ -13283,7 +12887,7 @@
 </p:sld>
 </file>
 
-<file path=ppt/slides/slide17.xml><?xml version="1.0" encoding="utf-8"?>
+<file path=ppt/slides/slide16.xml><?xml version="1.0" encoding="utf-8"?>
 <p:sld xmlns:a="http://schemas.openxmlformats.org/drawingml/2006/main" xmlns:r="http://schemas.openxmlformats.org/officeDocument/2006/relationships" xmlns:p="http://schemas.openxmlformats.org/presentationml/2006/main">
   <p:cSld>
     <p:spTree>
@@ -13323,9 +12927,23 @@
           <a:p>
             <a:r>
               <a:rPr lang="en-GB" dirty="0">
-                <a:cs typeface="Calibri Light"/>
+                <a:solidFill>
+                  <a:schemeClr val="accent2"/>
+                </a:solidFill>
               </a:rPr>
-              <a:t>Conversations between 2-4 pm (local time)</a:t>
+              <a:t>conversations</a:t>
+            </a:r>
+            <a:r>
+              <a:rPr lang="en-US" dirty="0"/>
+              <a:t> table in </a:t>
+            </a:r>
+            <a:r>
+              <a:rPr lang="en-US" dirty="0" err="1">
+                <a:solidFill>
+                  <a:schemeClr val="accent2"/>
+                </a:solidFill>
+              </a:rPr>
+              <a:t>textnow_data.db</a:t>
             </a:r>
             <a:endParaRPr lang="en-US" dirty="0"/>
           </a:p>
@@ -13361,43 +12979,6 @@
           </a:prstGeom>
         </p:spPr>
       </p:pic>
-      <p:sp>
-        <p:nvSpPr>
-          <p:cNvPr id="14" name="TextBox 13">
-            <a:extLst>
-              <a:ext uri="{FF2B5EF4-FFF2-40B4-BE49-F238E27FC236}">
-                <a16:creationId xmlns:a16="http://schemas.microsoft.com/office/drawing/2014/main" id="{D1660626-E82A-47EF-ACA3-7F74F4971078}"/>
-              </a:ext>
-            </a:extLst>
-          </p:cNvPr>
-          <p:cNvSpPr txBox="1"/>
-          <p:nvPr/>
-        </p:nvSpPr>
-        <p:spPr>
-          <a:xfrm>
-            <a:off x="838200" y="2070449"/>
-            <a:ext cx="4937702" cy="369332"/>
-          </a:xfrm>
-          <a:prstGeom prst="rect">
-            <a:avLst/>
-          </a:prstGeom>
-          <a:solidFill>
-            <a:schemeClr val="accent4"/>
-          </a:solidFill>
-        </p:spPr>
-        <p:txBody>
-          <a:bodyPr wrap="square">
-            <a:spAutoFit/>
-          </a:bodyPr>
-          <a:lstStyle/>
-          <a:p>
-            <a:r>
-              <a:rPr lang="en-GB" dirty="0"/>
-              <a:t>Check conversations table</a:t>
-            </a:r>
-          </a:p>
-        </p:txBody>
-      </p:sp>
       <p:sp>
         <p:nvSpPr>
           <p:cNvPr id="15" name="Rectangle 14">
@@ -13463,7 +13044,7 @@
 </p:sld>
 </file>
 
-<file path=ppt/slides/slide18.xml><?xml version="1.0" encoding="utf-8"?>
+<file path=ppt/slides/slide17.xml><?xml version="1.0" encoding="utf-8"?>
 <p:sld xmlns:a="http://schemas.openxmlformats.org/drawingml/2006/main" xmlns:r="http://schemas.openxmlformats.org/officeDocument/2006/relationships" xmlns:p="http://schemas.openxmlformats.org/presentationml/2006/main">
   <p:cSld>
     <p:spTree>
@@ -14747,12 +14328,28 @@
           <a:lstStyle/>
           <a:p>
             <a:r>
-              <a:rPr lang="en-GB" dirty="0"/>
-              <a:t>Messages in </a:t>
-            </a:r>
-            <a:r>
-              <a:rPr lang="en-GB" dirty="0" err="1"/>
-              <a:t>Textnow</a:t>
+              <a:rPr lang="en-GB" dirty="0">
+                <a:solidFill>
+                  <a:schemeClr val="accent2"/>
+                </a:solidFill>
+              </a:rPr>
+              <a:t>messages</a:t>
+            </a:r>
+            <a:r>
+              <a:rPr lang="en-GB" dirty="0"/>
+              <a:t> </a:t>
+            </a:r>
+            <a:r>
+              <a:rPr lang="en-US" dirty="0"/>
+              <a:t>table in </a:t>
+            </a:r>
+            <a:r>
+              <a:rPr lang="en-US" dirty="0" err="1">
+                <a:solidFill>
+                  <a:schemeClr val="accent2"/>
+                </a:solidFill>
+              </a:rPr>
+              <a:t>textnow_data.db</a:t>
             </a:r>
             <a:endParaRPr lang="en-US" dirty="0"/>
           </a:p>
@@ -14771,7 +14368,7 @@
 </p:sld>
 </file>
 
-<file path=ppt/slides/slide19.xml><?xml version="1.0" encoding="utf-8"?>
+<file path=ppt/slides/slide18.xml><?xml version="1.0" encoding="utf-8"?>
 <p:sld xmlns:a="http://schemas.openxmlformats.org/drawingml/2006/main" xmlns:r="http://schemas.openxmlformats.org/officeDocument/2006/relationships" xmlns:p="http://schemas.openxmlformats.org/presentationml/2006/main">
   <p:cSld>
     <p:spTree>
@@ -14850,6 +14447,135 @@
     <p:extLst>
       <p:ext uri="{BB962C8B-B14F-4D97-AF65-F5344CB8AC3E}">
         <p14:creationId xmlns:p14="http://schemas.microsoft.com/office/powerpoint/2010/main" val="3681933863"/>
+      </p:ext>
+    </p:extLst>
+  </p:cSld>
+  <p:clrMapOvr>
+    <a:masterClrMapping/>
+  </p:clrMapOvr>
+</p:sld>
+</file>
+
+<file path=ppt/slides/slide19.xml><?xml version="1.0" encoding="utf-8"?>
+<p:sld xmlns:a="http://schemas.openxmlformats.org/drawingml/2006/main" xmlns:r="http://schemas.openxmlformats.org/officeDocument/2006/relationships" xmlns:p="http://schemas.openxmlformats.org/presentationml/2006/main">
+  <p:cSld>
+    <p:spTree>
+      <p:nvGrpSpPr>
+        <p:cNvPr id="1" name=""/>
+        <p:cNvGrpSpPr/>
+        <p:nvPr/>
+      </p:nvGrpSpPr>
+      <p:grpSpPr>
+        <a:xfrm>
+          <a:off x="0" y="0"/>
+          <a:ext cx="0" cy="0"/>
+          <a:chOff x="0" y="0"/>
+          <a:chExt cx="0" cy="0"/>
+        </a:xfrm>
+      </p:grpSpPr>
+      <p:sp>
+        <p:nvSpPr>
+          <p:cNvPr id="2" name="Title 1">
+            <a:extLst>
+              <a:ext uri="{FF2B5EF4-FFF2-40B4-BE49-F238E27FC236}">
+                <a16:creationId xmlns:a16="http://schemas.microsoft.com/office/drawing/2014/main" id="{634879F3-9EDC-46B0-B3C3-B3EEAB2409E0}"/>
+              </a:ext>
+            </a:extLst>
+          </p:cNvPr>
+          <p:cNvSpPr>
+            <a:spLocks noGrp="1"/>
+          </p:cNvSpPr>
+          <p:nvPr>
+            <p:ph type="title"/>
+          </p:nvPr>
+        </p:nvSpPr>
+        <p:spPr/>
+        <p:txBody>
+          <a:bodyPr/>
+          <a:lstStyle/>
+          <a:p>
+            <a:r>
+              <a:rPr lang="en-US">
+                <a:cs typeface="Calibri Light"/>
+              </a:rPr>
+              <a:t>Message results</a:t>
+            </a:r>
+            <a:endParaRPr lang="en-US"/>
+          </a:p>
+        </p:txBody>
+      </p:sp>
+      <p:sp>
+        <p:nvSpPr>
+          <p:cNvPr id="5" name="TextBox 4">
+            <a:extLst>
+              <a:ext uri="{FF2B5EF4-FFF2-40B4-BE49-F238E27FC236}">
+                <a16:creationId xmlns:a16="http://schemas.microsoft.com/office/drawing/2014/main" id="{4DAB3544-842A-44C8-B49F-7A59AF0F3967}"/>
+              </a:ext>
+            </a:extLst>
+          </p:cNvPr>
+          <p:cNvSpPr txBox="1"/>
+          <p:nvPr/>
+        </p:nvSpPr>
+        <p:spPr>
+          <a:xfrm>
+            <a:off x="4724400" y="3200399"/>
+            <a:ext cx="2743199" cy="369332"/>
+          </a:xfrm>
+          <a:prstGeom prst="rect">
+            <a:avLst/>
+          </a:prstGeom>
+          <a:noFill/>
+        </p:spPr>
+        <p:txBody>
+          <a:bodyPr rot="0" spcFirstLastPara="0" vertOverflow="overflow" horzOverflow="overflow" vert="horz" wrap="square" lIns="91440" tIns="45720" rIns="91440" bIns="45720" numCol="1" spcCol="0" rtlCol="0" fromWordArt="0" anchor="t" anchorCtr="0" forceAA="0" compatLnSpc="1">
+            <a:prstTxWarp prst="textNoShape">
+              <a:avLst/>
+            </a:prstTxWarp>
+            <a:spAutoFit/>
+          </a:bodyPr>
+          <a:lstStyle/>
+          <a:p>
+            <a:pPr algn="l"/>
+            <a:endParaRPr lang="en-US" dirty="0">
+              <a:cs typeface="Calibri"/>
+            </a:endParaRPr>
+          </a:p>
+        </p:txBody>
+      </p:sp>
+      <p:pic>
+        <p:nvPicPr>
+          <p:cNvPr id="6" name="Picture 6" descr="Table&#10;&#10;Description automatically generated">
+            <a:extLst>
+              <a:ext uri="{FF2B5EF4-FFF2-40B4-BE49-F238E27FC236}">
+                <a16:creationId xmlns:a16="http://schemas.microsoft.com/office/drawing/2014/main" id="{7F9B75F0-B5E4-4085-88B2-2A582105E4AC}"/>
+              </a:ext>
+            </a:extLst>
+          </p:cNvPr>
+          <p:cNvPicPr>
+            <a:picLocks noChangeAspect="1"/>
+          </p:cNvPicPr>
+          <p:nvPr/>
+        </p:nvPicPr>
+        <p:blipFill>
+          <a:blip r:embed="rId2"/>
+          <a:stretch>
+            <a:fillRect/>
+          </a:stretch>
+        </p:blipFill>
+        <p:spPr>
+          <a:xfrm>
+            <a:off x="1009650" y="1692567"/>
+            <a:ext cx="10648949" cy="3699083"/>
+          </a:xfrm>
+          <a:prstGeom prst="rect">
+            <a:avLst/>
+          </a:prstGeom>
+        </p:spPr>
+      </p:pic>
+    </p:spTree>
+    <p:extLst>
+      <p:ext uri="{BB962C8B-B14F-4D97-AF65-F5344CB8AC3E}">
+        <p14:creationId xmlns:p14="http://schemas.microsoft.com/office/powerpoint/2010/main" val="2556203705"/>
       </p:ext>
     </p:extLst>
   </p:cSld>
@@ -15012,135 +14738,6 @@
           <p:cNvPr id="2" name="Title 1">
             <a:extLst>
               <a:ext uri="{FF2B5EF4-FFF2-40B4-BE49-F238E27FC236}">
-                <a16:creationId xmlns:a16="http://schemas.microsoft.com/office/drawing/2014/main" id="{634879F3-9EDC-46B0-B3C3-B3EEAB2409E0}"/>
-              </a:ext>
-            </a:extLst>
-          </p:cNvPr>
-          <p:cNvSpPr>
-            <a:spLocks noGrp="1"/>
-          </p:cNvSpPr>
-          <p:nvPr>
-            <p:ph type="title"/>
-          </p:nvPr>
-        </p:nvSpPr>
-        <p:spPr/>
-        <p:txBody>
-          <a:bodyPr/>
-          <a:lstStyle/>
-          <a:p>
-            <a:r>
-              <a:rPr lang="en-US">
-                <a:cs typeface="Calibri Light"/>
-              </a:rPr>
-              <a:t>Message results</a:t>
-            </a:r>
-            <a:endParaRPr lang="en-US"/>
-          </a:p>
-        </p:txBody>
-      </p:sp>
-      <p:sp>
-        <p:nvSpPr>
-          <p:cNvPr id="5" name="TextBox 4">
-            <a:extLst>
-              <a:ext uri="{FF2B5EF4-FFF2-40B4-BE49-F238E27FC236}">
-                <a16:creationId xmlns:a16="http://schemas.microsoft.com/office/drawing/2014/main" id="{4DAB3544-842A-44C8-B49F-7A59AF0F3967}"/>
-              </a:ext>
-            </a:extLst>
-          </p:cNvPr>
-          <p:cNvSpPr txBox="1"/>
-          <p:nvPr/>
-        </p:nvSpPr>
-        <p:spPr>
-          <a:xfrm>
-            <a:off x="4724400" y="3200399"/>
-            <a:ext cx="2743199" cy="369332"/>
-          </a:xfrm>
-          <a:prstGeom prst="rect">
-            <a:avLst/>
-          </a:prstGeom>
-          <a:noFill/>
-        </p:spPr>
-        <p:txBody>
-          <a:bodyPr rot="0" spcFirstLastPara="0" vertOverflow="overflow" horzOverflow="overflow" vert="horz" wrap="square" lIns="91440" tIns="45720" rIns="91440" bIns="45720" numCol="1" spcCol="0" rtlCol="0" fromWordArt="0" anchor="t" anchorCtr="0" forceAA="0" compatLnSpc="1">
-            <a:prstTxWarp prst="textNoShape">
-              <a:avLst/>
-            </a:prstTxWarp>
-            <a:spAutoFit/>
-          </a:bodyPr>
-          <a:lstStyle/>
-          <a:p>
-            <a:pPr algn="l"/>
-            <a:endParaRPr lang="en-US" dirty="0">
-              <a:cs typeface="Calibri"/>
-            </a:endParaRPr>
-          </a:p>
-        </p:txBody>
-      </p:sp>
-      <p:pic>
-        <p:nvPicPr>
-          <p:cNvPr id="6" name="Picture 6" descr="Table&#10;&#10;Description automatically generated">
-            <a:extLst>
-              <a:ext uri="{FF2B5EF4-FFF2-40B4-BE49-F238E27FC236}">
-                <a16:creationId xmlns:a16="http://schemas.microsoft.com/office/drawing/2014/main" id="{7F9B75F0-B5E4-4085-88B2-2A582105E4AC}"/>
-              </a:ext>
-            </a:extLst>
-          </p:cNvPr>
-          <p:cNvPicPr>
-            <a:picLocks noChangeAspect="1"/>
-          </p:cNvPicPr>
-          <p:nvPr/>
-        </p:nvPicPr>
-        <p:blipFill>
-          <a:blip r:embed="rId2"/>
-          <a:stretch>
-            <a:fillRect/>
-          </a:stretch>
-        </p:blipFill>
-        <p:spPr>
-          <a:xfrm>
-            <a:off x="1009650" y="1692567"/>
-            <a:ext cx="10648949" cy="3699083"/>
-          </a:xfrm>
-          <a:prstGeom prst="rect">
-            <a:avLst/>
-          </a:prstGeom>
-        </p:spPr>
-      </p:pic>
-    </p:spTree>
-    <p:extLst>
-      <p:ext uri="{BB962C8B-B14F-4D97-AF65-F5344CB8AC3E}">
-        <p14:creationId xmlns:p14="http://schemas.microsoft.com/office/powerpoint/2010/main" val="2556203705"/>
-      </p:ext>
-    </p:extLst>
-  </p:cSld>
-  <p:clrMapOvr>
-    <a:masterClrMapping/>
-  </p:clrMapOvr>
-</p:sld>
-</file>
-
-<file path=ppt/slides/slide21.xml><?xml version="1.0" encoding="utf-8"?>
-<p:sld xmlns:a="http://schemas.openxmlformats.org/drawingml/2006/main" xmlns:r="http://schemas.openxmlformats.org/officeDocument/2006/relationships" xmlns:p="http://schemas.openxmlformats.org/presentationml/2006/main">
-  <p:cSld>
-    <p:spTree>
-      <p:nvGrpSpPr>
-        <p:cNvPr id="1" name=""/>
-        <p:cNvGrpSpPr/>
-        <p:nvPr/>
-      </p:nvGrpSpPr>
-      <p:grpSpPr>
-        <a:xfrm>
-          <a:off x="0" y="0"/>
-          <a:ext cx="0" cy="0"/>
-          <a:chOff x="0" y="0"/>
-          <a:chExt cx="0" cy="0"/>
-        </a:xfrm>
-      </p:grpSpPr>
-      <p:sp>
-        <p:nvSpPr>
-          <p:cNvPr id="2" name="Title 1">
-            <a:extLst>
-              <a:ext uri="{FF2B5EF4-FFF2-40B4-BE49-F238E27FC236}">
                 <a16:creationId xmlns:a16="http://schemas.microsoft.com/office/drawing/2014/main" id="{D2130707-68F0-4179-87A0-85E66173F380}"/>
               </a:ext>
             </a:extLst>
@@ -15161,9 +14758,9 @@
               <a:rPr lang="en-US">
                 <a:cs typeface="Calibri Light"/>
               </a:rPr>
-              <a:t>To summarize</a:t>
-            </a:r>
-            <a:endParaRPr lang="en-US"/>
+              <a:t>Summary</a:t>
+            </a:r>
+            <a:endParaRPr lang="en-US" dirty="0"/>
           </a:p>
         </p:txBody>
       </p:sp>
@@ -15545,6 +15142,170 @@
           <p:cNvPr id="2" name="Title 1">
             <a:extLst>
               <a:ext uri="{FF2B5EF4-FFF2-40B4-BE49-F238E27FC236}">
+                <a16:creationId xmlns:a16="http://schemas.microsoft.com/office/drawing/2014/main" id="{6495AB3E-0EFD-41FD-A896-A1EC3E1EA7FD}"/>
+              </a:ext>
+            </a:extLst>
+          </p:cNvPr>
+          <p:cNvSpPr>
+            <a:spLocks noGrp="1"/>
+          </p:cNvSpPr>
+          <p:nvPr>
+            <p:ph type="title"/>
+          </p:nvPr>
+        </p:nvSpPr>
+        <p:spPr/>
+        <p:txBody>
+          <a:bodyPr/>
+          <a:lstStyle/>
+          <a:p>
+            <a:r>
+              <a:rPr lang="en-US" dirty="0">
+                <a:cs typeface="Calibri Light"/>
+              </a:rPr>
+              <a:t>Sample questions</a:t>
+            </a:r>
+          </a:p>
+        </p:txBody>
+      </p:sp>
+      <p:sp>
+        <p:nvSpPr>
+          <p:cNvPr id="3" name="Content Placeholder 2">
+            <a:extLst>
+              <a:ext uri="{FF2B5EF4-FFF2-40B4-BE49-F238E27FC236}">
+                <a16:creationId xmlns:a16="http://schemas.microsoft.com/office/drawing/2014/main" id="{2C234056-5487-48CA-940E-CA9537BC979B}"/>
+              </a:ext>
+            </a:extLst>
+          </p:cNvPr>
+          <p:cNvSpPr>
+            <a:spLocks noGrp="1"/>
+          </p:cNvSpPr>
+          <p:nvPr>
+            <p:ph idx="1"/>
+          </p:nvPr>
+        </p:nvSpPr>
+        <p:spPr/>
+        <p:txBody>
+          <a:bodyPr vert="horz" lIns="91440" tIns="45720" rIns="91440" bIns="45720" rtlCol="0" anchor="t">
+            <a:normAutofit/>
+          </a:bodyPr>
+          <a:lstStyle/>
+          <a:p>
+            <a:r>
+              <a:rPr lang="en-US" dirty="0">
+                <a:cs typeface="Calibri"/>
+              </a:rPr>
+              <a:t>What is the phone number that is </a:t>
+            </a:r>
+            <a:r>
+              <a:rPr lang="en-US" dirty="0">
+                <a:ea typeface="+mn-lt"/>
+                <a:cs typeface="+mn-lt"/>
+              </a:rPr>
+              <a:t>associated with </a:t>
+            </a:r>
+            <a:r>
+              <a:rPr lang="en-US" dirty="0" err="1">
+                <a:ea typeface="+mn-lt"/>
+                <a:cs typeface="+mn-lt"/>
+              </a:rPr>
+              <a:t>TextNow</a:t>
+            </a:r>
+            <a:r>
+              <a:rPr lang="en-US" dirty="0">
+                <a:ea typeface="+mn-lt"/>
+                <a:cs typeface="+mn-lt"/>
+              </a:rPr>
+              <a:t>?</a:t>
+            </a:r>
+            <a:endParaRPr lang="en-US" dirty="0">
+              <a:cs typeface="Calibri"/>
+            </a:endParaRPr>
+          </a:p>
+          <a:p>
+            <a:r>
+              <a:rPr lang="en-US" dirty="0">
+                <a:cs typeface="Calibri"/>
+              </a:rPr>
+              <a:t>What is the username?</a:t>
+            </a:r>
+          </a:p>
+          <a:p>
+            <a:r>
+              <a:rPr lang="en-US" dirty="0">
+                <a:cs typeface="Calibri"/>
+              </a:rPr>
+              <a:t>How many contacts are saved in </a:t>
+            </a:r>
+            <a:r>
+              <a:rPr lang="en-US" dirty="0" err="1">
+                <a:cs typeface="Calibri"/>
+              </a:rPr>
+              <a:t>TextNow</a:t>
+            </a:r>
+            <a:r>
+              <a:rPr lang="en-US" dirty="0">
+                <a:cs typeface="Calibri"/>
+              </a:rPr>
+              <a:t>?</a:t>
+            </a:r>
+          </a:p>
+          <a:p>
+            <a:r>
+              <a:rPr lang="en-US" dirty="0">
+                <a:cs typeface="Calibri"/>
+              </a:rPr>
+              <a:t>Are they conversations between 2-4 pm (local time)?</a:t>
+            </a:r>
+          </a:p>
+          <a:p>
+            <a:pPr lvl="1"/>
+            <a:endParaRPr lang="en-US" dirty="0">
+              <a:cs typeface="Calibri"/>
+            </a:endParaRPr>
+          </a:p>
+          <a:p>
+            <a:pPr lvl="1"/>
+            <a:endParaRPr lang="en-US" dirty="0">
+              <a:cs typeface="Calibri"/>
+            </a:endParaRPr>
+          </a:p>
+        </p:txBody>
+      </p:sp>
+    </p:spTree>
+    <p:extLst>
+      <p:ext uri="{BB962C8B-B14F-4D97-AF65-F5344CB8AC3E}">
+        <p14:creationId xmlns:p14="http://schemas.microsoft.com/office/powerpoint/2010/main" val="768160874"/>
+      </p:ext>
+    </p:extLst>
+  </p:cSld>
+  <p:clrMapOvr>
+    <a:masterClrMapping/>
+  </p:clrMapOvr>
+</p:sld>
+</file>
+
+<file path=ppt/slides/slide5.xml><?xml version="1.0" encoding="utf-8"?>
+<p:sld xmlns:a="http://schemas.openxmlformats.org/drawingml/2006/main" xmlns:r="http://schemas.openxmlformats.org/officeDocument/2006/relationships" xmlns:p="http://schemas.openxmlformats.org/presentationml/2006/main">
+  <p:cSld>
+    <p:spTree>
+      <p:nvGrpSpPr>
+        <p:cNvPr id="1" name=""/>
+        <p:cNvGrpSpPr/>
+        <p:nvPr/>
+      </p:nvGrpSpPr>
+      <p:grpSpPr>
+        <a:xfrm>
+          <a:off x="0" y="0"/>
+          <a:ext cx="0" cy="0"/>
+          <a:chOff x="0" y="0"/>
+          <a:chExt cx="0" cy="0"/>
+        </a:xfrm>
+      </p:grpSpPr>
+      <p:sp>
+        <p:nvSpPr>
+          <p:cNvPr id="2" name="Title 1">
+            <a:extLst>
+              <a:ext uri="{FF2B5EF4-FFF2-40B4-BE49-F238E27FC236}">
                 <a16:creationId xmlns:a16="http://schemas.microsoft.com/office/drawing/2014/main" id="{5B8EDA5C-4A29-4FE7-A084-6C56A5770291}"/>
               </a:ext>
             </a:extLst>
@@ -15715,7 +15476,7 @@
 </p:sld>
 </file>
 
-<file path=ppt/slides/slide5.xml><?xml version="1.0" encoding="utf-8"?>
+<file path=ppt/slides/slide6.xml><?xml version="1.0" encoding="utf-8"?>
 <p:sld xmlns:a="http://schemas.openxmlformats.org/drawingml/2006/main" xmlns:r="http://schemas.openxmlformats.org/officeDocument/2006/relationships" xmlns:p="http://schemas.openxmlformats.org/presentationml/2006/main">
   <p:cSld>
     <p:spTree>
@@ -15803,7 +15564,7 @@
 </p:sld>
 </file>
 
-<file path=ppt/slides/slide6.xml><?xml version="1.0" encoding="utf-8"?>
+<file path=ppt/slides/slide7.xml><?xml version="1.0" encoding="utf-8"?>
 <p:sld xmlns:a="http://schemas.openxmlformats.org/drawingml/2006/main" xmlns:r="http://schemas.openxmlformats.org/officeDocument/2006/relationships" xmlns:p="http://schemas.openxmlformats.org/presentationml/2006/main">
   <p:cSld>
     <p:spTree>
@@ -16037,170 +15798,6 @@
 </p:sld>
 </file>
 
-<file path=ppt/slides/slide7.xml><?xml version="1.0" encoding="utf-8"?>
-<p:sld xmlns:a="http://schemas.openxmlformats.org/drawingml/2006/main" xmlns:r="http://schemas.openxmlformats.org/officeDocument/2006/relationships" xmlns:p="http://schemas.openxmlformats.org/presentationml/2006/main">
-  <p:cSld>
-    <p:spTree>
-      <p:nvGrpSpPr>
-        <p:cNvPr id="1" name=""/>
-        <p:cNvGrpSpPr/>
-        <p:nvPr/>
-      </p:nvGrpSpPr>
-      <p:grpSpPr>
-        <a:xfrm>
-          <a:off x="0" y="0"/>
-          <a:ext cx="0" cy="0"/>
-          <a:chOff x="0" y="0"/>
-          <a:chExt cx="0" cy="0"/>
-        </a:xfrm>
-      </p:grpSpPr>
-      <p:sp>
-        <p:nvSpPr>
-          <p:cNvPr id="2" name="Title 1">
-            <a:extLst>
-              <a:ext uri="{FF2B5EF4-FFF2-40B4-BE49-F238E27FC236}">
-                <a16:creationId xmlns:a16="http://schemas.microsoft.com/office/drawing/2014/main" id="{6495AB3E-0EFD-41FD-A896-A1EC3E1EA7FD}"/>
-              </a:ext>
-            </a:extLst>
-          </p:cNvPr>
-          <p:cNvSpPr>
-            <a:spLocks noGrp="1"/>
-          </p:cNvSpPr>
-          <p:nvPr>
-            <p:ph type="title"/>
-          </p:nvPr>
-        </p:nvSpPr>
-        <p:spPr/>
-        <p:txBody>
-          <a:bodyPr/>
-          <a:lstStyle/>
-          <a:p>
-            <a:r>
-              <a:rPr lang="en-US" dirty="0">
-                <a:cs typeface="Calibri Light"/>
-              </a:rPr>
-              <a:t>Sample questions</a:t>
-            </a:r>
-          </a:p>
-        </p:txBody>
-      </p:sp>
-      <p:sp>
-        <p:nvSpPr>
-          <p:cNvPr id="3" name="Content Placeholder 2">
-            <a:extLst>
-              <a:ext uri="{FF2B5EF4-FFF2-40B4-BE49-F238E27FC236}">
-                <a16:creationId xmlns:a16="http://schemas.microsoft.com/office/drawing/2014/main" id="{2C234056-5487-48CA-940E-CA9537BC979B}"/>
-              </a:ext>
-            </a:extLst>
-          </p:cNvPr>
-          <p:cNvSpPr>
-            <a:spLocks noGrp="1"/>
-          </p:cNvSpPr>
-          <p:nvPr>
-            <p:ph idx="1"/>
-          </p:nvPr>
-        </p:nvSpPr>
-        <p:spPr/>
-        <p:txBody>
-          <a:bodyPr vert="horz" lIns="91440" tIns="45720" rIns="91440" bIns="45720" rtlCol="0" anchor="t">
-            <a:normAutofit/>
-          </a:bodyPr>
-          <a:lstStyle/>
-          <a:p>
-            <a:r>
-              <a:rPr lang="en-US" dirty="0">
-                <a:cs typeface="Calibri"/>
-              </a:rPr>
-              <a:t>What is the phone number that is </a:t>
-            </a:r>
-            <a:r>
-              <a:rPr lang="en-US" dirty="0">
-                <a:ea typeface="+mn-lt"/>
-                <a:cs typeface="+mn-lt"/>
-              </a:rPr>
-              <a:t>associated with </a:t>
-            </a:r>
-            <a:r>
-              <a:rPr lang="en-US" dirty="0" err="1">
-                <a:ea typeface="+mn-lt"/>
-                <a:cs typeface="+mn-lt"/>
-              </a:rPr>
-              <a:t>TextNow</a:t>
-            </a:r>
-            <a:r>
-              <a:rPr lang="en-US" dirty="0">
-                <a:ea typeface="+mn-lt"/>
-                <a:cs typeface="+mn-lt"/>
-              </a:rPr>
-              <a:t>?</a:t>
-            </a:r>
-            <a:endParaRPr lang="en-US" dirty="0">
-              <a:cs typeface="Calibri"/>
-            </a:endParaRPr>
-          </a:p>
-          <a:p>
-            <a:r>
-              <a:rPr lang="en-US" dirty="0">
-                <a:cs typeface="Calibri"/>
-              </a:rPr>
-              <a:t>What is the username?</a:t>
-            </a:r>
-          </a:p>
-          <a:p>
-            <a:r>
-              <a:rPr lang="en-US" dirty="0">
-                <a:cs typeface="Calibri"/>
-              </a:rPr>
-              <a:t>How many contacts are saved in </a:t>
-            </a:r>
-            <a:r>
-              <a:rPr lang="en-US" dirty="0" err="1">
-                <a:cs typeface="Calibri"/>
-              </a:rPr>
-              <a:t>TextNow</a:t>
-            </a:r>
-            <a:r>
-              <a:rPr lang="en-US" dirty="0">
-                <a:cs typeface="Calibri"/>
-              </a:rPr>
-              <a:t>?</a:t>
-            </a:r>
-          </a:p>
-          <a:p>
-            <a:r>
-              <a:rPr lang="en-US" dirty="0">
-                <a:cs typeface="Calibri"/>
-              </a:rPr>
-              <a:t>Are they conversations between 2-4 pm (local time)?</a:t>
-            </a:r>
-          </a:p>
-          <a:p>
-            <a:pPr lvl="1"/>
-            <a:endParaRPr lang="en-US" dirty="0">
-              <a:cs typeface="Calibri"/>
-            </a:endParaRPr>
-          </a:p>
-          <a:p>
-            <a:pPr lvl="1"/>
-            <a:endParaRPr lang="en-US" dirty="0">
-              <a:cs typeface="Calibri"/>
-            </a:endParaRPr>
-          </a:p>
-        </p:txBody>
-      </p:sp>
-    </p:spTree>
-    <p:extLst>
-      <p:ext uri="{BB962C8B-B14F-4D97-AF65-F5344CB8AC3E}">
-        <p14:creationId xmlns:p14="http://schemas.microsoft.com/office/powerpoint/2010/main" val="768160874"/>
-      </p:ext>
-    </p:extLst>
-  </p:cSld>
-  <p:clrMapOvr>
-    <a:masterClrMapping/>
-  </p:clrMapOvr>
-</p:sld>
-</file>
-
 <file path=ppt/slides/slide8.xml><?xml version="1.0" encoding="utf-8"?>
 <p:sld xmlns:a="http://schemas.openxmlformats.org/drawingml/2006/main" xmlns:r="http://schemas.openxmlformats.org/officeDocument/2006/relationships" xmlns:p="http://schemas.openxmlformats.org/presentationml/2006/main">
   <p:cSld>
@@ -16241,17 +15838,8 @@
           <a:p>
             <a:r>
               <a:rPr lang="en-US" dirty="0"/>
-              <a:t>Investigate </a:t>
-            </a:r>
-            <a:r>
-              <a:rPr lang="en-US" sz="6000" dirty="0">
-                <a:solidFill>
-                  <a:srgbClr val="7030A0"/>
-                </a:solidFill>
-              </a:rPr>
-              <a:t>com.enflick.android.TextNow_preferences.xml</a:t>
-            </a:r>
-            <a:endParaRPr lang="en-US" dirty="0"/>
+              <a:t>Investigate shared preference</a:t>
+            </a:r>
           </a:p>
         </p:txBody>
       </p:sp>
@@ -16276,7 +15864,7 @@
           <a:bodyPr/>
           <a:lstStyle/>
           <a:p>
-            <a:endParaRPr lang="en-US"/>
+            <a:endParaRPr lang="en-US" dirty="0"/>
           </a:p>
         </p:txBody>
       </p:sp>
@@ -16328,28 +15916,19 @@
         </p:nvSpPr>
         <p:spPr/>
         <p:txBody>
-          <a:bodyPr/>
+          <a:bodyPr>
+            <a:normAutofit/>
+          </a:bodyPr>
           <a:lstStyle/>
           <a:p>
             <a:r>
-              <a:rPr lang="en-US" dirty="0">
-                <a:cs typeface="Calibri Light"/>
+              <a:rPr lang="en-US" sz="4000" dirty="0">
+                <a:solidFill>
+                  <a:schemeClr val="accent2"/>
+                </a:solidFill>
               </a:rPr>
-              <a:t>What phone number is associated with </a:t>
-            </a:r>
-            <a:r>
-              <a:rPr lang="en-US" dirty="0" err="1">
-                <a:cs typeface="Calibri Light"/>
-              </a:rPr>
-              <a:t>textnow</a:t>
-            </a:r>
-            <a:r>
-              <a:rPr lang="en-US" dirty="0">
-                <a:cs typeface="Calibri Light"/>
-              </a:rPr>
-              <a:t> app? </a:t>
-            </a:r>
-            <a:endParaRPr lang="en-US" dirty="0"/>
+              <a:t>com.enflick.android.TextNow_preferences.xml</a:t>
+            </a:r>
           </a:p>
         </p:txBody>
       </p:sp>
@@ -16385,7 +15964,7 @@
           <a:p>
             <a:r>
               <a:rPr lang="en-GB" dirty="0"/>
-              <a:t>search the username associated with the app</a:t>
+              <a:t>search phone number associated with the app</a:t>
             </a:r>
           </a:p>
         </p:txBody>
@@ -16414,6 +15993,73 @@
           <a:xfrm>
             <a:off x="838200" y="2400751"/>
             <a:ext cx="10028789" cy="944962"/>
+          </a:xfrm>
+          <a:prstGeom prst="rect">
+            <a:avLst/>
+          </a:prstGeom>
+        </p:spPr>
+      </p:pic>
+      <p:sp>
+        <p:nvSpPr>
+          <p:cNvPr id="9" name="TextBox 8">
+            <a:extLst>
+              <a:ext uri="{FF2B5EF4-FFF2-40B4-BE49-F238E27FC236}">
+                <a16:creationId xmlns:a16="http://schemas.microsoft.com/office/drawing/2014/main" id="{ECA59087-0C87-2ACF-2A20-97E8B026527C}"/>
+              </a:ext>
+            </a:extLst>
+          </p:cNvPr>
+          <p:cNvSpPr txBox="1"/>
+          <p:nvPr/>
+        </p:nvSpPr>
+        <p:spPr>
+          <a:xfrm>
+            <a:off x="838200" y="3967186"/>
+            <a:ext cx="6172200" cy="369332"/>
+          </a:xfrm>
+          <a:prstGeom prst="rect">
+            <a:avLst/>
+          </a:prstGeom>
+          <a:solidFill>
+            <a:schemeClr val="accent4"/>
+          </a:solidFill>
+        </p:spPr>
+        <p:txBody>
+          <a:bodyPr wrap="square">
+            <a:spAutoFit/>
+          </a:bodyPr>
+          <a:lstStyle/>
+          <a:p>
+            <a:r>
+              <a:rPr lang="en-GB" dirty="0"/>
+              <a:t>search the username associated with the app</a:t>
+            </a:r>
+          </a:p>
+        </p:txBody>
+      </p:sp>
+      <p:pic>
+        <p:nvPicPr>
+          <p:cNvPr id="10" name="Picture 9" descr="Text&#10;&#10;Description automatically generated with medium confidence">
+            <a:extLst>
+              <a:ext uri="{FF2B5EF4-FFF2-40B4-BE49-F238E27FC236}">
+                <a16:creationId xmlns:a16="http://schemas.microsoft.com/office/drawing/2014/main" id="{1675FC2F-5CD4-8F00-3850-9F2F40FCDEDF}"/>
+              </a:ext>
+            </a:extLst>
+          </p:cNvPr>
+          <p:cNvPicPr>
+            <a:picLocks noChangeAspect="1"/>
+          </p:cNvPicPr>
+          <p:nvPr/>
+        </p:nvPicPr>
+        <p:blipFill>
+          <a:blip r:embed="rId4"/>
+          <a:stretch>
+            <a:fillRect/>
+          </a:stretch>
+        </p:blipFill>
+        <p:spPr>
+          <a:xfrm>
+            <a:off x="838200" y="4336517"/>
+            <a:ext cx="9032557" cy="1195977"/>
           </a:xfrm>
           <a:prstGeom prst="rect">
             <a:avLst/>
